--- a/TSQL_LIKE_Operator/TSQL LIKE.pptx
+++ b/TSQL_LIKE_Operator/TSQL LIKE.pptx
@@ -223,7 +223,7 @@
           <a:p>
             <a:fld id="{D6A2AC56-E20D-4719-9E66-68604E547144}" type="datetimeFigureOut">
               <a:rPr lang="en-US" smtClean="0"/>
-              <a:t>4/4/2024</a:t>
+              <a:t>4/12/2024</a:t>
             </a:fld>
             <a:endParaRPr lang="en-US"/>
           </a:p>
@@ -1730,7 +1730,7 @@
           <a:p>
             <a:fld id="{94E3A28C-D62F-4439-8BFC-9924939B4D00}" type="datetimeFigureOut">
               <a:rPr lang="en-US" smtClean="0"/>
-              <a:t>4/4/2024</a:t>
+              <a:t>4/12/2024</a:t>
             </a:fld>
             <a:endParaRPr lang="en-US"/>
           </a:p>
@@ -1928,7 +1928,7 @@
           <a:p>
             <a:fld id="{94E3A28C-D62F-4439-8BFC-9924939B4D00}" type="datetimeFigureOut">
               <a:rPr lang="en-US" smtClean="0"/>
-              <a:t>4/4/2024</a:t>
+              <a:t>4/12/2024</a:t>
             </a:fld>
             <a:endParaRPr lang="en-US"/>
           </a:p>
@@ -2136,7 +2136,7 @@
           <a:p>
             <a:fld id="{94E3A28C-D62F-4439-8BFC-9924939B4D00}" type="datetimeFigureOut">
               <a:rPr lang="en-US" smtClean="0"/>
-              <a:t>4/4/2024</a:t>
+              <a:t>4/12/2024</a:t>
             </a:fld>
             <a:endParaRPr lang="en-US"/>
           </a:p>
@@ -2334,7 +2334,7 @@
           <a:p>
             <a:fld id="{94E3A28C-D62F-4439-8BFC-9924939B4D00}" type="datetimeFigureOut">
               <a:rPr lang="en-US" smtClean="0"/>
-              <a:t>4/4/2024</a:t>
+              <a:t>4/12/2024</a:t>
             </a:fld>
             <a:endParaRPr lang="en-US"/>
           </a:p>
@@ -2609,7 +2609,7 @@
           <a:p>
             <a:fld id="{94E3A28C-D62F-4439-8BFC-9924939B4D00}" type="datetimeFigureOut">
               <a:rPr lang="en-US" smtClean="0"/>
-              <a:t>4/4/2024</a:t>
+              <a:t>4/12/2024</a:t>
             </a:fld>
             <a:endParaRPr lang="en-US"/>
           </a:p>
@@ -2874,7 +2874,7 @@
           <a:p>
             <a:fld id="{94E3A28C-D62F-4439-8BFC-9924939B4D00}" type="datetimeFigureOut">
               <a:rPr lang="en-US" smtClean="0"/>
-              <a:t>4/4/2024</a:t>
+              <a:t>4/12/2024</a:t>
             </a:fld>
             <a:endParaRPr lang="en-US"/>
           </a:p>
@@ -3286,7 +3286,7 @@
           <a:p>
             <a:fld id="{94E3A28C-D62F-4439-8BFC-9924939B4D00}" type="datetimeFigureOut">
               <a:rPr lang="en-US" smtClean="0"/>
-              <a:t>4/4/2024</a:t>
+              <a:t>4/12/2024</a:t>
             </a:fld>
             <a:endParaRPr lang="en-US"/>
           </a:p>
@@ -3427,7 +3427,7 @@
           <a:p>
             <a:fld id="{94E3A28C-D62F-4439-8BFC-9924939B4D00}" type="datetimeFigureOut">
               <a:rPr lang="en-US" smtClean="0"/>
-              <a:t>4/4/2024</a:t>
+              <a:t>4/12/2024</a:t>
             </a:fld>
             <a:endParaRPr lang="en-US"/>
           </a:p>
@@ -3540,7 +3540,7 @@
           <a:p>
             <a:fld id="{94E3A28C-D62F-4439-8BFC-9924939B4D00}" type="datetimeFigureOut">
               <a:rPr lang="en-US" smtClean="0"/>
-              <a:t>4/4/2024</a:t>
+              <a:t>4/12/2024</a:t>
             </a:fld>
             <a:endParaRPr lang="en-US"/>
           </a:p>
@@ -3851,7 +3851,7 @@
           <a:p>
             <a:fld id="{94E3A28C-D62F-4439-8BFC-9924939B4D00}" type="datetimeFigureOut">
               <a:rPr lang="en-US" smtClean="0"/>
-              <a:t>4/4/2024</a:t>
+              <a:t>4/12/2024</a:t>
             </a:fld>
             <a:endParaRPr lang="en-US"/>
           </a:p>
@@ -4139,7 +4139,7 @@
           <a:p>
             <a:fld id="{94E3A28C-D62F-4439-8BFC-9924939B4D00}" type="datetimeFigureOut">
               <a:rPr lang="en-US" smtClean="0"/>
-              <a:t>4/4/2024</a:t>
+              <a:t>4/12/2024</a:t>
             </a:fld>
             <a:endParaRPr lang="en-US"/>
           </a:p>
@@ -4380,7 +4380,7 @@
           <a:p>
             <a:fld id="{94E3A28C-D62F-4439-8BFC-9924939B4D00}" type="datetimeFigureOut">
               <a:rPr lang="en-US" smtClean="0"/>
-              <a:t>4/4/2024</a:t>
+              <a:t>4/12/2024</a:t>
             </a:fld>
             <a:endParaRPr lang="en-US"/>
           </a:p>
@@ -16901,8 +16901,19 @@
                 <a:latin typeface="Verdana" panose="020B0604030504040204" pitchFamily="34" charset="0"/>
                 <a:ea typeface="Verdana" panose="020B0604030504040204" pitchFamily="34" charset="0"/>
               </a:rPr>
-              <a:t>https://www.linkedin.com/in/jeff-foushee-13b80a100/</a:t>
-            </a:r>
+              <a:t>https://www.linkedin.com/in</a:t>
+            </a:r>
+            <a:r>
+              <a:rPr lang="en-US" sz="2000">
+                <a:latin typeface="Verdana" panose="020B0604030504040204" pitchFamily="34" charset="0"/>
+                <a:ea typeface="Verdana" panose="020B0604030504040204" pitchFamily="34" charset="0"/>
+              </a:rPr>
+              <a:t>/jeff-foushee/</a:t>
+            </a:r>
+            <a:endParaRPr lang="en-US" sz="2000" dirty="0">
+              <a:latin typeface="Verdana" panose="020B0604030504040204" pitchFamily="34" charset="0"/>
+              <a:ea typeface="Verdana" panose="020B0604030504040204" pitchFamily="34" charset="0"/>
+            </a:endParaRPr>
           </a:p>
         </p:txBody>
       </p:sp>
@@ -18079,7 +18090,7 @@
                 <a:latin typeface="Verdana" panose="020B0604030504040204" pitchFamily="34" charset="0"/>
                 <a:ea typeface="Verdana" panose="020B0604030504040204" pitchFamily="34" charset="0"/>
               </a:rPr>
-              <a:t>https://www.linkedin.com/in/jeff-foushee-13b80a100/</a:t>
+              <a:t>https://www.linkedin.com/in/jeff-foushee/</a:t>
             </a:r>
           </a:p>
         </p:txBody>

--- a/TSQL_LIKE_Operator/TSQL LIKE.pptx
+++ b/TSQL_LIKE_Operator/TSQL LIKE.pptx
@@ -5,36 +5,37 @@
     <p:sldMasterId id="2147483648" r:id="rId1"/>
   </p:sldMasterIdLst>
   <p:notesMasterIdLst>
-    <p:notesMasterId r:id="rId29"/>
+    <p:notesMasterId r:id="rId30"/>
   </p:notesMasterIdLst>
   <p:sldIdLst>
-    <p:sldId id="256" r:id="rId2"/>
-    <p:sldId id="316" r:id="rId3"/>
-    <p:sldId id="257" r:id="rId4"/>
-    <p:sldId id="323" r:id="rId5"/>
-    <p:sldId id="324" r:id="rId6"/>
-    <p:sldId id="315" r:id="rId7"/>
-    <p:sldId id="329" r:id="rId8"/>
-    <p:sldId id="259" r:id="rId9"/>
-    <p:sldId id="325" r:id="rId10"/>
-    <p:sldId id="328" r:id="rId11"/>
-    <p:sldId id="333" r:id="rId12"/>
-    <p:sldId id="318" r:id="rId13"/>
-    <p:sldId id="319" r:id="rId14"/>
-    <p:sldId id="320" r:id="rId15"/>
-    <p:sldId id="321" r:id="rId16"/>
-    <p:sldId id="334" r:id="rId17"/>
-    <p:sldId id="326" r:id="rId18"/>
-    <p:sldId id="330" r:id="rId19"/>
-    <p:sldId id="327" r:id="rId20"/>
-    <p:sldId id="331" r:id="rId21"/>
-    <p:sldId id="335" r:id="rId22"/>
-    <p:sldId id="332" r:id="rId23"/>
-    <p:sldId id="336" r:id="rId24"/>
-    <p:sldId id="337" r:id="rId25"/>
-    <p:sldId id="338" r:id="rId26"/>
-    <p:sldId id="339" r:id="rId27"/>
-    <p:sldId id="314" r:id="rId28"/>
+    <p:sldId id="379" r:id="rId2"/>
+    <p:sldId id="256" r:id="rId3"/>
+    <p:sldId id="316" r:id="rId4"/>
+    <p:sldId id="257" r:id="rId5"/>
+    <p:sldId id="323" r:id="rId6"/>
+    <p:sldId id="324" r:id="rId7"/>
+    <p:sldId id="315" r:id="rId8"/>
+    <p:sldId id="329" r:id="rId9"/>
+    <p:sldId id="259" r:id="rId10"/>
+    <p:sldId id="325" r:id="rId11"/>
+    <p:sldId id="328" r:id="rId12"/>
+    <p:sldId id="333" r:id="rId13"/>
+    <p:sldId id="318" r:id="rId14"/>
+    <p:sldId id="319" r:id="rId15"/>
+    <p:sldId id="320" r:id="rId16"/>
+    <p:sldId id="321" r:id="rId17"/>
+    <p:sldId id="334" r:id="rId18"/>
+    <p:sldId id="326" r:id="rId19"/>
+    <p:sldId id="330" r:id="rId20"/>
+    <p:sldId id="327" r:id="rId21"/>
+    <p:sldId id="331" r:id="rId22"/>
+    <p:sldId id="335" r:id="rId23"/>
+    <p:sldId id="332" r:id="rId24"/>
+    <p:sldId id="336" r:id="rId25"/>
+    <p:sldId id="337" r:id="rId26"/>
+    <p:sldId id="338" r:id="rId27"/>
+    <p:sldId id="339" r:id="rId28"/>
+    <p:sldId id="314" r:id="rId29"/>
   </p:sldIdLst>
   <p:sldSz cx="12192000" cy="6858000"/>
   <p:notesSz cx="6858000" cy="9144000"/>
@@ -223,7 +224,7 @@
           <a:p>
             <a:fld id="{D6A2AC56-E20D-4719-9E66-68604E547144}" type="datetimeFigureOut">
               <a:rPr lang="en-US" smtClean="0"/>
-              <a:t>4/12/2024</a:t>
+              <a:t>5/10/2024</a:t>
             </a:fld>
             <a:endParaRPr lang="en-US"/>
           </a:p>
@@ -555,7 +556,7 @@
           <a:p>
             <a:fld id="{3FD7DB7D-0C53-4255-829B-DFDF02E6CE3A}" type="slidenum">
               <a:rPr lang="en-US" smtClean="0"/>
-              <a:t>2</a:t>
+              <a:t>3</a:t>
             </a:fld>
             <a:endParaRPr lang="en-US"/>
           </a:p>
@@ -639,7 +640,7 @@
           <a:p>
             <a:fld id="{3FD7DB7D-0C53-4255-829B-DFDF02E6CE3A}" type="slidenum">
               <a:rPr lang="en-US" smtClean="0"/>
-              <a:t>19</a:t>
+              <a:t>20</a:t>
             </a:fld>
             <a:endParaRPr lang="en-US"/>
           </a:p>
@@ -723,7 +724,7 @@
           <a:p>
             <a:fld id="{3FD7DB7D-0C53-4255-829B-DFDF02E6CE3A}" type="slidenum">
               <a:rPr lang="en-US" smtClean="0"/>
-              <a:t>20</a:t>
+              <a:t>21</a:t>
             </a:fld>
             <a:endParaRPr lang="en-US"/>
           </a:p>
@@ -892,7 +893,7 @@
           <a:p>
             <a:fld id="{3FD7DB7D-0C53-4255-829B-DFDF02E6CE3A}" type="slidenum">
               <a:rPr lang="en-US" smtClean="0"/>
-              <a:t>25</a:t>
+              <a:t>26</a:t>
             </a:fld>
             <a:endParaRPr lang="en-US"/>
           </a:p>
@@ -976,7 +977,7 @@
           <a:p>
             <a:fld id="{3FD7DB7D-0C53-4255-829B-DFDF02E6CE3A}" type="slidenum">
               <a:rPr lang="en-US" smtClean="0"/>
-              <a:t>3</a:t>
+              <a:t>4</a:t>
             </a:fld>
             <a:endParaRPr lang="en-US"/>
           </a:p>
@@ -1060,7 +1061,7 @@
           <a:p>
             <a:fld id="{3FD7DB7D-0C53-4255-829B-DFDF02E6CE3A}" type="slidenum">
               <a:rPr lang="en-US" smtClean="0"/>
-              <a:t>8</a:t>
+              <a:t>9</a:t>
             </a:fld>
             <a:endParaRPr lang="en-US"/>
           </a:p>
@@ -1144,7 +1145,7 @@
           <a:p>
             <a:fld id="{3FD7DB7D-0C53-4255-829B-DFDF02E6CE3A}" type="slidenum">
               <a:rPr lang="en-US" smtClean="0"/>
-              <a:t>9</a:t>
+              <a:t>10</a:t>
             </a:fld>
             <a:endParaRPr lang="en-US"/>
           </a:p>
@@ -1228,7 +1229,7 @@
           <a:p>
             <a:fld id="{3FD7DB7D-0C53-4255-829B-DFDF02E6CE3A}" type="slidenum">
               <a:rPr lang="en-US" smtClean="0"/>
-              <a:t>10</a:t>
+              <a:t>11</a:t>
             </a:fld>
             <a:endParaRPr lang="en-US"/>
           </a:p>
@@ -1312,7 +1313,7 @@
           <a:p>
             <a:fld id="{3FD7DB7D-0C53-4255-829B-DFDF02E6CE3A}" type="slidenum">
               <a:rPr lang="en-US" smtClean="0"/>
-              <a:t>11</a:t>
+              <a:t>12</a:t>
             </a:fld>
             <a:endParaRPr lang="en-US"/>
           </a:p>
@@ -1396,7 +1397,7 @@
           <a:p>
             <a:fld id="{3FD7DB7D-0C53-4255-829B-DFDF02E6CE3A}" type="slidenum">
               <a:rPr lang="en-US" smtClean="0"/>
-              <a:t>16</a:t>
+              <a:t>17</a:t>
             </a:fld>
             <a:endParaRPr lang="en-US"/>
           </a:p>
@@ -1480,7 +1481,7 @@
           <a:p>
             <a:fld id="{3FD7DB7D-0C53-4255-829B-DFDF02E6CE3A}" type="slidenum">
               <a:rPr lang="en-US" smtClean="0"/>
-              <a:t>17</a:t>
+              <a:t>18</a:t>
             </a:fld>
             <a:endParaRPr lang="en-US"/>
           </a:p>
@@ -1564,7 +1565,7 @@
           <a:p>
             <a:fld id="{3FD7DB7D-0C53-4255-829B-DFDF02E6CE3A}" type="slidenum">
               <a:rPr lang="en-US" smtClean="0"/>
-              <a:t>18</a:t>
+              <a:t>19</a:t>
             </a:fld>
             <a:endParaRPr lang="en-US"/>
           </a:p>
@@ -1730,7 +1731,7 @@
           <a:p>
             <a:fld id="{94E3A28C-D62F-4439-8BFC-9924939B4D00}" type="datetimeFigureOut">
               <a:rPr lang="en-US" smtClean="0"/>
-              <a:t>4/12/2024</a:t>
+              <a:t>5/10/2024</a:t>
             </a:fld>
             <a:endParaRPr lang="en-US"/>
           </a:p>
@@ -1928,7 +1929,7 @@
           <a:p>
             <a:fld id="{94E3A28C-D62F-4439-8BFC-9924939B4D00}" type="datetimeFigureOut">
               <a:rPr lang="en-US" smtClean="0"/>
-              <a:t>4/12/2024</a:t>
+              <a:t>5/10/2024</a:t>
             </a:fld>
             <a:endParaRPr lang="en-US"/>
           </a:p>
@@ -2136,7 +2137,7 @@
           <a:p>
             <a:fld id="{94E3A28C-D62F-4439-8BFC-9924939B4D00}" type="datetimeFigureOut">
               <a:rPr lang="en-US" smtClean="0"/>
-              <a:t>4/12/2024</a:t>
+              <a:t>5/10/2024</a:t>
             </a:fld>
             <a:endParaRPr lang="en-US"/>
           </a:p>
@@ -2334,7 +2335,7 @@
           <a:p>
             <a:fld id="{94E3A28C-D62F-4439-8BFC-9924939B4D00}" type="datetimeFigureOut">
               <a:rPr lang="en-US" smtClean="0"/>
-              <a:t>4/12/2024</a:t>
+              <a:t>5/10/2024</a:t>
             </a:fld>
             <a:endParaRPr lang="en-US"/>
           </a:p>
@@ -2609,7 +2610,7 @@
           <a:p>
             <a:fld id="{94E3A28C-D62F-4439-8BFC-9924939B4D00}" type="datetimeFigureOut">
               <a:rPr lang="en-US" smtClean="0"/>
-              <a:t>4/12/2024</a:t>
+              <a:t>5/10/2024</a:t>
             </a:fld>
             <a:endParaRPr lang="en-US"/>
           </a:p>
@@ -2874,7 +2875,7 @@
           <a:p>
             <a:fld id="{94E3A28C-D62F-4439-8BFC-9924939B4D00}" type="datetimeFigureOut">
               <a:rPr lang="en-US" smtClean="0"/>
-              <a:t>4/12/2024</a:t>
+              <a:t>5/10/2024</a:t>
             </a:fld>
             <a:endParaRPr lang="en-US"/>
           </a:p>
@@ -3286,7 +3287,7 @@
           <a:p>
             <a:fld id="{94E3A28C-D62F-4439-8BFC-9924939B4D00}" type="datetimeFigureOut">
               <a:rPr lang="en-US" smtClean="0"/>
-              <a:t>4/12/2024</a:t>
+              <a:t>5/10/2024</a:t>
             </a:fld>
             <a:endParaRPr lang="en-US"/>
           </a:p>
@@ -3427,7 +3428,7 @@
           <a:p>
             <a:fld id="{94E3A28C-D62F-4439-8BFC-9924939B4D00}" type="datetimeFigureOut">
               <a:rPr lang="en-US" smtClean="0"/>
-              <a:t>4/12/2024</a:t>
+              <a:t>5/10/2024</a:t>
             </a:fld>
             <a:endParaRPr lang="en-US"/>
           </a:p>
@@ -3540,7 +3541,7 @@
           <a:p>
             <a:fld id="{94E3A28C-D62F-4439-8BFC-9924939B4D00}" type="datetimeFigureOut">
               <a:rPr lang="en-US" smtClean="0"/>
-              <a:t>4/12/2024</a:t>
+              <a:t>5/10/2024</a:t>
             </a:fld>
             <a:endParaRPr lang="en-US"/>
           </a:p>
@@ -3851,7 +3852,7 @@
           <a:p>
             <a:fld id="{94E3A28C-D62F-4439-8BFC-9924939B4D00}" type="datetimeFigureOut">
               <a:rPr lang="en-US" smtClean="0"/>
-              <a:t>4/12/2024</a:t>
+              <a:t>5/10/2024</a:t>
             </a:fld>
             <a:endParaRPr lang="en-US"/>
           </a:p>
@@ -4139,7 +4140,7 @@
           <a:p>
             <a:fld id="{94E3A28C-D62F-4439-8BFC-9924939B4D00}" type="datetimeFigureOut">
               <a:rPr lang="en-US" smtClean="0"/>
-              <a:t>4/12/2024</a:t>
+              <a:t>5/10/2024</a:t>
             </a:fld>
             <a:endParaRPr lang="en-US"/>
           </a:p>
@@ -4380,7 +4381,7 @@
           <a:p>
             <a:fld id="{94E3A28C-D62F-4439-8BFC-9924939B4D00}" type="datetimeFigureOut">
               <a:rPr lang="en-US" smtClean="0"/>
-              <a:t>4/12/2024</a:t>
+              <a:t>5/10/2024</a:t>
             </a:fld>
             <a:endParaRPr lang="en-US"/>
           </a:p>
@@ -4797,51 +4798,62 @@
           <a:chExt cx="0" cy="0"/>
         </a:xfrm>
       </p:grpSpPr>
+      <p:sp>
+        <p:nvSpPr>
+          <p:cNvPr id="2" name="Title 1">
+            <a:extLst>
+              <a:ext uri="{FF2B5EF4-FFF2-40B4-BE49-F238E27FC236}">
+                <a16:creationId xmlns:a16="http://schemas.microsoft.com/office/drawing/2014/main" id="{2C169F34-9CC1-E59F-E59F-51DB3D97E003}"/>
+              </a:ext>
+            </a:extLst>
+          </p:cNvPr>
+          <p:cNvSpPr>
+            <a:spLocks noGrp="1"/>
+          </p:cNvSpPr>
+          <p:nvPr>
+            <p:ph type="title"/>
+          </p:nvPr>
+        </p:nvSpPr>
+        <p:spPr/>
+        <p:txBody>
+          <a:bodyPr/>
+          <a:lstStyle/>
+          <a:p>
+            <a:r>
+              <a:rPr lang="en-US" dirty="0"/>
+              <a:t>Reviewing after the presentation?</a:t>
+            </a:r>
+          </a:p>
+        </p:txBody>
+      </p:sp>
       <p:pic>
         <p:nvPicPr>
-          <p:cNvPr id="5" name="Picture 4" descr="Live Instructor-Led SQL Querying Advanced Training - Hands-on Course">
+          <p:cNvPr id="5" name="Picture 4">
             <a:extLst>
               <a:ext uri="{FF2B5EF4-FFF2-40B4-BE49-F238E27FC236}">
-                <a16:creationId xmlns:a16="http://schemas.microsoft.com/office/drawing/2014/main" id="{DFE403ED-A277-0B1F-929B-84674C9F6C57}"/>
+                <a16:creationId xmlns:a16="http://schemas.microsoft.com/office/drawing/2014/main" id="{9C67A4AD-2DB8-D681-74A7-3A47132B8725}"/>
               </a:ext>
             </a:extLst>
           </p:cNvPr>
           <p:cNvPicPr>
-            <a:picLocks noChangeAspect="1" noChangeArrowheads="1"/>
+            <a:picLocks noChangeAspect="1"/>
           </p:cNvPicPr>
           <p:nvPr/>
         </p:nvPicPr>
         <p:blipFill>
-          <a:blip r:embed="rId2">
-            <a:extLst>
-              <a:ext uri="{28A0092B-C50C-407E-A947-70E740481C1C}">
-                <a14:useLocalDpi xmlns:a14="http://schemas.microsoft.com/office/drawing/2010/main" val="0"/>
-              </a:ext>
-            </a:extLst>
-          </a:blip>
-          <a:srcRect/>
+          <a:blip r:embed="rId2"/>
           <a:stretch>
             <a:fillRect/>
           </a:stretch>
         </p:blipFill>
-        <p:spPr bwMode="auto">
+        <p:spPr>
           <a:xfrm>
-            <a:off x="9742063" y="4829875"/>
-            <a:ext cx="1698570" cy="1787968"/>
+            <a:off x="1047749" y="2184885"/>
+            <a:ext cx="10096500" cy="1362075"/>
           </a:xfrm>
           <a:prstGeom prst="rect">
             <a:avLst/>
           </a:prstGeom>
-          <a:noFill/>
-          <a:extLst>
-            <a:ext uri="{909E8E84-426E-40DD-AFC4-6F175D3DCCD1}">
-              <a14:hiddenFill xmlns:a14="http://schemas.microsoft.com/office/drawing/2010/main">
-                <a:solidFill>
-                  <a:srgbClr val="FFFFFF"/>
-                </a:solidFill>
-              </a14:hiddenFill>
-            </a:ext>
-          </a:extLst>
         </p:spPr>
       </p:pic>
       <p:sp>
@@ -4849,7 +4861,7 @@
           <p:cNvPr id="6" name="TextBox 5">
             <a:extLst>
               <a:ext uri="{FF2B5EF4-FFF2-40B4-BE49-F238E27FC236}">
-                <a16:creationId xmlns:a16="http://schemas.microsoft.com/office/drawing/2014/main" id="{9D44AD19-263C-C364-3CA4-77843A07E6F1}"/>
+                <a16:creationId xmlns:a16="http://schemas.microsoft.com/office/drawing/2014/main" id="{C6330FE9-AB35-44BA-F17A-6FD0DAAB70CE}"/>
               </a:ext>
             </a:extLst>
           </p:cNvPr>
@@ -4858,8 +4870,474 @@
         </p:nvSpPr>
         <p:spPr>
           <a:xfrm>
-            <a:off x="3590460" y="1637340"/>
-            <a:ext cx="5011075" cy="830997"/>
+            <a:off x="2152997" y="4735629"/>
+            <a:ext cx="7886005" cy="523220"/>
+          </a:xfrm>
+          <a:prstGeom prst="rect">
+            <a:avLst/>
+          </a:prstGeom>
+          <a:noFill/>
+        </p:spPr>
+        <p:txBody>
+          <a:bodyPr wrap="none" rtlCol="0">
+            <a:spAutoFit/>
+          </a:bodyPr>
+          <a:lstStyle/>
+          <a:p>
+            <a:pPr marL="0" marR="0" lvl="0" indent="0" algn="l" defTabSz="914400" rtl="0" eaLnBrk="1" fontAlgn="auto" latinLnBrk="0" hangingPunct="1">
+              <a:lnSpc>
+                <a:spcPct val="100000"/>
+              </a:lnSpc>
+              <a:spcBef>
+                <a:spcPts val="0"/>
+              </a:spcBef>
+              <a:spcAft>
+                <a:spcPts val="0"/>
+              </a:spcAft>
+              <a:buClrTx/>
+              <a:buSzTx/>
+              <a:buFontTx/>
+              <a:buNone/>
+              <a:tabLst/>
+              <a:defRPr/>
+            </a:pPr>
+            <a:r>
+              <a:rPr kumimoji="0" lang="en-US" sz="2800" b="0" i="0" u="none" strike="noStrike" kern="1200" cap="none" spc="0" normalizeH="0" baseline="0" noProof="0" dirty="0">
+                <a:ln>
+                  <a:noFill/>
+                </a:ln>
+                <a:solidFill>
+                  <a:prstClr val="black"/>
+                </a:solidFill>
+                <a:effectLst/>
+                <a:uLnTx/>
+                <a:uFillTx/>
+                <a:latin typeface="Calibri" panose="020F0502020204030204"/>
+                <a:ea typeface="+mn-ea"/>
+                <a:cs typeface="+mn-cs"/>
+              </a:rPr>
+              <a:t>Be sure to enable the Notes for slide-specific content</a:t>
+            </a:r>
+          </a:p>
+        </p:txBody>
+      </p:sp>
+    </p:spTree>
+    <p:extLst>
+      <p:ext uri="{BB962C8B-B14F-4D97-AF65-F5344CB8AC3E}">
+        <p14:creationId xmlns:p14="http://schemas.microsoft.com/office/powerpoint/2010/main" val="1346962698"/>
+      </p:ext>
+    </p:extLst>
+  </p:cSld>
+  <p:clrMapOvr>
+    <a:masterClrMapping/>
+  </p:clrMapOvr>
+</p:sld>
+</file>
+
+<file path=ppt/slides/slide10.xml><?xml version="1.0" encoding="utf-8"?>
+<p:sld xmlns:a="http://schemas.openxmlformats.org/drawingml/2006/main" xmlns:r="http://schemas.openxmlformats.org/officeDocument/2006/relationships" xmlns:p="http://schemas.openxmlformats.org/presentationml/2006/main">
+  <p:cSld>
+    <p:spTree>
+      <p:nvGrpSpPr>
+        <p:cNvPr id="1" name=""/>
+        <p:cNvGrpSpPr/>
+        <p:nvPr/>
+      </p:nvGrpSpPr>
+      <p:grpSpPr>
+        <a:xfrm>
+          <a:off x="0" y="0"/>
+          <a:ext cx="0" cy="0"/>
+          <a:chOff x="0" y="0"/>
+          <a:chExt cx="0" cy="0"/>
+        </a:xfrm>
+      </p:grpSpPr>
+      <p:sp>
+        <p:nvSpPr>
+          <p:cNvPr id="4" name="TextBox 3">
+            <a:extLst>
+              <a:ext uri="{FF2B5EF4-FFF2-40B4-BE49-F238E27FC236}">
+                <a16:creationId xmlns:a16="http://schemas.microsoft.com/office/drawing/2014/main" id="{2A96FB96-4034-764E-6103-B47B9317BE1B}"/>
+              </a:ext>
+            </a:extLst>
+          </p:cNvPr>
+          <p:cNvSpPr txBox="1"/>
+          <p:nvPr/>
+        </p:nvSpPr>
+        <p:spPr>
+          <a:xfrm>
+            <a:off x="997808" y="698842"/>
+            <a:ext cx="9381867" cy="707886"/>
+          </a:xfrm>
+          <a:prstGeom prst="rect">
+            <a:avLst/>
+          </a:prstGeom>
+          <a:noFill/>
+        </p:spPr>
+        <p:txBody>
+          <a:bodyPr wrap="square">
+            <a:spAutoFit/>
+          </a:bodyPr>
+          <a:lstStyle/>
+          <a:p>
+            <a:r>
+              <a:rPr lang="en-US" sz="4000" dirty="0">
+                <a:solidFill>
+                  <a:srgbClr val="FF0000"/>
+                </a:solidFill>
+                <a:latin typeface="Cascadia Code" panose="020B0609020000020004" pitchFamily="49" charset="0"/>
+                <a:cs typeface="Cascadia Code" panose="020B0609020000020004" pitchFamily="49" charset="0"/>
+              </a:rPr>
+              <a:t>[] </a:t>
+            </a:r>
+            <a:r>
+              <a:rPr lang="en-US" sz="4000" dirty="0"/>
+              <a:t>– Containment characters</a:t>
+            </a:r>
+          </a:p>
+        </p:txBody>
+      </p:sp>
+      <p:sp>
+        <p:nvSpPr>
+          <p:cNvPr id="6" name="TextBox 5">
+            <a:extLst>
+              <a:ext uri="{FF2B5EF4-FFF2-40B4-BE49-F238E27FC236}">
+                <a16:creationId xmlns:a16="http://schemas.microsoft.com/office/drawing/2014/main" id="{EDB9758F-329B-CAE5-5842-2A67AD311381}"/>
+              </a:ext>
+            </a:extLst>
+          </p:cNvPr>
+          <p:cNvSpPr txBox="1"/>
+          <p:nvPr/>
+        </p:nvSpPr>
+        <p:spPr>
+          <a:xfrm>
+            <a:off x="2109917" y="2709567"/>
+            <a:ext cx="6098058" cy="1631216"/>
+          </a:xfrm>
+          <a:prstGeom prst="rect">
+            <a:avLst/>
+          </a:prstGeom>
+          <a:noFill/>
+        </p:spPr>
+        <p:txBody>
+          <a:bodyPr wrap="square">
+            <a:spAutoFit/>
+          </a:bodyPr>
+          <a:lstStyle/>
+          <a:p>
+            <a:r>
+              <a:rPr lang="en-US" sz="2000" dirty="0">
+                <a:solidFill>
+                  <a:srgbClr val="0000FF"/>
+                </a:solidFill>
+                <a:latin typeface="Cascadia Code" panose="020B0609020000020004" pitchFamily="49" charset="0"/>
+                <a:cs typeface="Cascadia Code" panose="020B0609020000020004" pitchFamily="49" charset="0"/>
+              </a:rPr>
+              <a:t>DECLARE</a:t>
+            </a:r>
+            <a:r>
+              <a:rPr lang="en-US" sz="2000" dirty="0">
+                <a:solidFill>
+                  <a:srgbClr val="000000"/>
+                </a:solidFill>
+                <a:latin typeface="Cascadia Code" panose="020B0609020000020004" pitchFamily="49" charset="0"/>
+                <a:cs typeface="Cascadia Code" panose="020B0609020000020004" pitchFamily="49" charset="0"/>
+              </a:rPr>
+              <a:t> @_value </a:t>
+            </a:r>
+            <a:r>
+              <a:rPr lang="en-US" sz="2000" dirty="0">
+                <a:solidFill>
+                  <a:srgbClr val="0000FF"/>
+                </a:solidFill>
+                <a:latin typeface="Cascadia Code" panose="020B0609020000020004" pitchFamily="49" charset="0"/>
+                <a:cs typeface="Cascadia Code" panose="020B0609020000020004" pitchFamily="49" charset="0"/>
+              </a:rPr>
+              <a:t>varchar</a:t>
+            </a:r>
+            <a:r>
+              <a:rPr lang="en-US" sz="2000" dirty="0">
+                <a:solidFill>
+                  <a:srgbClr val="808080"/>
+                </a:solidFill>
+                <a:latin typeface="Cascadia Code" panose="020B0609020000020004" pitchFamily="49" charset="0"/>
+                <a:cs typeface="Cascadia Code" panose="020B0609020000020004" pitchFamily="49" charset="0"/>
+              </a:rPr>
+              <a:t>(</a:t>
+            </a:r>
+            <a:r>
+              <a:rPr lang="en-US" sz="2000" dirty="0">
+                <a:solidFill>
+                  <a:srgbClr val="000000"/>
+                </a:solidFill>
+                <a:latin typeface="Cascadia Code" panose="020B0609020000020004" pitchFamily="49" charset="0"/>
+                <a:cs typeface="Cascadia Code" panose="020B0609020000020004" pitchFamily="49" charset="0"/>
+              </a:rPr>
+              <a:t>20</a:t>
+            </a:r>
+            <a:r>
+              <a:rPr lang="en-US" sz="2000" dirty="0">
+                <a:solidFill>
+                  <a:srgbClr val="808080"/>
+                </a:solidFill>
+                <a:latin typeface="Cascadia Code" panose="020B0609020000020004" pitchFamily="49" charset="0"/>
+                <a:cs typeface="Cascadia Code" panose="020B0609020000020004" pitchFamily="49" charset="0"/>
+              </a:rPr>
+              <a:t>)</a:t>
+            </a:r>
+            <a:r>
+              <a:rPr lang="en-US" sz="2000" dirty="0">
+                <a:solidFill>
+                  <a:srgbClr val="000000"/>
+                </a:solidFill>
+                <a:latin typeface="Cascadia Code" panose="020B0609020000020004" pitchFamily="49" charset="0"/>
+                <a:cs typeface="Cascadia Code" panose="020B0609020000020004" pitchFamily="49" charset="0"/>
+              </a:rPr>
+              <a:t> </a:t>
+            </a:r>
+            <a:r>
+              <a:rPr lang="en-US" sz="2000" dirty="0">
+                <a:solidFill>
+                  <a:srgbClr val="808080"/>
+                </a:solidFill>
+                <a:latin typeface="Cascadia Code" panose="020B0609020000020004" pitchFamily="49" charset="0"/>
+                <a:cs typeface="Cascadia Code" panose="020B0609020000020004" pitchFamily="49" charset="0"/>
+              </a:rPr>
+              <a:t>=</a:t>
+            </a:r>
+            <a:r>
+              <a:rPr lang="en-US" sz="2000" dirty="0">
+                <a:solidFill>
+                  <a:srgbClr val="000000"/>
+                </a:solidFill>
+                <a:latin typeface="Cascadia Code" panose="020B0609020000020004" pitchFamily="49" charset="0"/>
+                <a:cs typeface="Cascadia Code" panose="020B0609020000020004" pitchFamily="49" charset="0"/>
+              </a:rPr>
+              <a:t> </a:t>
+            </a:r>
+            <a:r>
+              <a:rPr lang="en-US" sz="2000" dirty="0">
+                <a:solidFill>
+                  <a:srgbClr val="FF0000"/>
+                </a:solidFill>
+                <a:latin typeface="Cascadia Code" panose="020B0609020000020004" pitchFamily="49" charset="0"/>
+                <a:cs typeface="Cascadia Code" panose="020B0609020000020004" pitchFamily="49" charset="0"/>
+              </a:rPr>
+              <a:t>''</a:t>
+            </a:r>
+            <a:endParaRPr lang="en-US" sz="2000" dirty="0">
+              <a:solidFill>
+                <a:srgbClr val="000000"/>
+              </a:solidFill>
+              <a:latin typeface="Cascadia Code" panose="020B0609020000020004" pitchFamily="49" charset="0"/>
+              <a:cs typeface="Cascadia Code" panose="020B0609020000020004" pitchFamily="49" charset="0"/>
+            </a:endParaRPr>
+          </a:p>
+          <a:p>
+            <a:r>
+              <a:rPr lang="en-US" sz="2000" dirty="0">
+                <a:solidFill>
+                  <a:srgbClr val="0000FF"/>
+                </a:solidFill>
+                <a:latin typeface="Cascadia Code" panose="020B0609020000020004" pitchFamily="49" charset="0"/>
+                <a:cs typeface="Cascadia Code" panose="020B0609020000020004" pitchFamily="49" charset="0"/>
+              </a:rPr>
+              <a:t>IF</a:t>
+            </a:r>
+            <a:r>
+              <a:rPr lang="en-US" sz="2000" dirty="0">
+                <a:solidFill>
+                  <a:srgbClr val="000000"/>
+                </a:solidFill>
+                <a:latin typeface="Cascadia Code" panose="020B0609020000020004" pitchFamily="49" charset="0"/>
+                <a:cs typeface="Cascadia Code" panose="020B0609020000020004" pitchFamily="49" charset="0"/>
+              </a:rPr>
+              <a:t> @_value </a:t>
+            </a:r>
+            <a:r>
+              <a:rPr lang="en-US" sz="2000" dirty="0">
+                <a:solidFill>
+                  <a:srgbClr val="808080"/>
+                </a:solidFill>
+                <a:highlight>
+                  <a:srgbClr val="FFFF00"/>
+                </a:highlight>
+                <a:latin typeface="Cascadia Code" panose="020B0609020000020004" pitchFamily="49" charset="0"/>
+                <a:cs typeface="Cascadia Code" panose="020B0609020000020004" pitchFamily="49" charset="0"/>
+              </a:rPr>
+              <a:t>LIKE</a:t>
+            </a:r>
+            <a:r>
+              <a:rPr lang="en-US" sz="2000" dirty="0">
+                <a:solidFill>
+                  <a:srgbClr val="000000"/>
+                </a:solidFill>
+                <a:highlight>
+                  <a:srgbClr val="FFFF00"/>
+                </a:highlight>
+                <a:latin typeface="Cascadia Code" panose="020B0609020000020004" pitchFamily="49" charset="0"/>
+                <a:cs typeface="Cascadia Code" panose="020B0609020000020004" pitchFamily="49" charset="0"/>
+              </a:rPr>
+              <a:t> </a:t>
+            </a:r>
+            <a:r>
+              <a:rPr lang="en-US" sz="2000" dirty="0">
+                <a:solidFill>
+                  <a:srgbClr val="FF0000"/>
+                </a:solidFill>
+                <a:highlight>
+                  <a:srgbClr val="FFFF00"/>
+                </a:highlight>
+                <a:latin typeface="Cascadia Code" panose="020B0609020000020004" pitchFamily="49" charset="0"/>
+                <a:cs typeface="Cascadia Code" panose="020B0609020000020004" pitchFamily="49" charset="0"/>
+              </a:rPr>
+              <a:t>'[]'</a:t>
+            </a:r>
+            <a:endParaRPr lang="en-US" sz="2000" dirty="0">
+              <a:solidFill>
+                <a:srgbClr val="000000"/>
+              </a:solidFill>
+              <a:highlight>
+                <a:srgbClr val="FFFF00"/>
+              </a:highlight>
+              <a:latin typeface="Cascadia Code" panose="020B0609020000020004" pitchFamily="49" charset="0"/>
+              <a:cs typeface="Cascadia Code" panose="020B0609020000020004" pitchFamily="49" charset="0"/>
+            </a:endParaRPr>
+          </a:p>
+          <a:p>
+            <a:r>
+              <a:rPr lang="en-US" sz="2000" dirty="0">
+                <a:solidFill>
+                  <a:srgbClr val="000000"/>
+                </a:solidFill>
+                <a:latin typeface="Cascadia Code" panose="020B0609020000020004" pitchFamily="49" charset="0"/>
+                <a:cs typeface="Cascadia Code" panose="020B0609020000020004" pitchFamily="49" charset="0"/>
+              </a:rPr>
+              <a:t>   </a:t>
+            </a:r>
+            <a:r>
+              <a:rPr lang="en-US" sz="2000" dirty="0">
+                <a:solidFill>
+                  <a:srgbClr val="0000FF"/>
+                </a:solidFill>
+                <a:latin typeface="Cascadia Code" panose="020B0609020000020004" pitchFamily="49" charset="0"/>
+                <a:cs typeface="Cascadia Code" panose="020B0609020000020004" pitchFamily="49" charset="0"/>
+              </a:rPr>
+              <a:t>PRINT</a:t>
+            </a:r>
+            <a:r>
+              <a:rPr lang="en-US" sz="2000" dirty="0">
+                <a:solidFill>
+                  <a:srgbClr val="000000"/>
+                </a:solidFill>
+                <a:latin typeface="Cascadia Code" panose="020B0609020000020004" pitchFamily="49" charset="0"/>
+                <a:cs typeface="Cascadia Code" panose="020B0609020000020004" pitchFamily="49" charset="0"/>
+              </a:rPr>
+              <a:t> </a:t>
+            </a:r>
+            <a:r>
+              <a:rPr lang="en-US" sz="2000" dirty="0">
+                <a:solidFill>
+                  <a:srgbClr val="FF0000"/>
+                </a:solidFill>
+                <a:latin typeface="Cascadia Code" panose="020B0609020000020004" pitchFamily="49" charset="0"/>
+                <a:cs typeface="Cascadia Code" panose="020B0609020000020004" pitchFamily="49" charset="0"/>
+              </a:rPr>
+              <a:t>'yes'</a:t>
+            </a:r>
+            <a:endParaRPr lang="en-US" sz="2000" dirty="0">
+              <a:solidFill>
+                <a:srgbClr val="000000"/>
+              </a:solidFill>
+              <a:latin typeface="Cascadia Code" panose="020B0609020000020004" pitchFamily="49" charset="0"/>
+              <a:cs typeface="Cascadia Code" panose="020B0609020000020004" pitchFamily="49" charset="0"/>
+            </a:endParaRPr>
+          </a:p>
+          <a:p>
+            <a:r>
+              <a:rPr lang="en-US" sz="2000" dirty="0">
+                <a:solidFill>
+                  <a:srgbClr val="0000FF"/>
+                </a:solidFill>
+                <a:latin typeface="Cascadia Code" panose="020B0609020000020004" pitchFamily="49" charset="0"/>
+                <a:cs typeface="Cascadia Code" panose="020B0609020000020004" pitchFamily="49" charset="0"/>
+              </a:rPr>
+              <a:t>ELSE</a:t>
+            </a:r>
+            <a:r>
+              <a:rPr lang="en-US" sz="2000" dirty="0">
+                <a:solidFill>
+                  <a:srgbClr val="000000"/>
+                </a:solidFill>
+                <a:latin typeface="Cascadia Code" panose="020B0609020000020004" pitchFamily="49" charset="0"/>
+                <a:cs typeface="Cascadia Code" panose="020B0609020000020004" pitchFamily="49" charset="0"/>
+              </a:rPr>
+              <a:t> </a:t>
+            </a:r>
+          </a:p>
+          <a:p>
+            <a:r>
+              <a:rPr lang="en-US" sz="2000" dirty="0">
+                <a:solidFill>
+                  <a:srgbClr val="000000"/>
+                </a:solidFill>
+                <a:latin typeface="Cascadia Code" panose="020B0609020000020004" pitchFamily="49" charset="0"/>
+                <a:cs typeface="Cascadia Code" panose="020B0609020000020004" pitchFamily="49" charset="0"/>
+              </a:rPr>
+              <a:t>   </a:t>
+            </a:r>
+            <a:r>
+              <a:rPr lang="en-US" sz="2000" dirty="0">
+                <a:solidFill>
+                  <a:srgbClr val="0000FF"/>
+                </a:solidFill>
+                <a:latin typeface="Cascadia Code" panose="020B0609020000020004" pitchFamily="49" charset="0"/>
+                <a:cs typeface="Cascadia Code" panose="020B0609020000020004" pitchFamily="49" charset="0"/>
+              </a:rPr>
+              <a:t>PRINT</a:t>
+            </a:r>
+            <a:r>
+              <a:rPr lang="en-US" sz="2000" dirty="0">
+                <a:solidFill>
+                  <a:srgbClr val="000000"/>
+                </a:solidFill>
+                <a:latin typeface="Cascadia Code" panose="020B0609020000020004" pitchFamily="49" charset="0"/>
+                <a:cs typeface="Cascadia Code" panose="020B0609020000020004" pitchFamily="49" charset="0"/>
+              </a:rPr>
+              <a:t> </a:t>
+            </a:r>
+            <a:r>
+              <a:rPr lang="en-US" sz="2000" dirty="0">
+                <a:solidFill>
+                  <a:srgbClr val="FF0000"/>
+                </a:solidFill>
+                <a:latin typeface="Cascadia Code" panose="020B0609020000020004" pitchFamily="49" charset="0"/>
+                <a:cs typeface="Cascadia Code" panose="020B0609020000020004" pitchFamily="49" charset="0"/>
+              </a:rPr>
+              <a:t>'no'</a:t>
+            </a:r>
+            <a:endParaRPr lang="en-US" sz="2000" dirty="0">
+              <a:latin typeface="Cascadia Code" panose="020B0609020000020004" pitchFamily="49" charset="0"/>
+              <a:cs typeface="Cascadia Code" panose="020B0609020000020004" pitchFamily="49" charset="0"/>
+            </a:endParaRPr>
+          </a:p>
+        </p:txBody>
+      </p:sp>
+      <p:sp>
+        <p:nvSpPr>
+          <p:cNvPr id="7" name="TextBox 6">
+            <a:extLst>
+              <a:ext uri="{FF2B5EF4-FFF2-40B4-BE49-F238E27FC236}">
+                <a16:creationId xmlns:a16="http://schemas.microsoft.com/office/drawing/2014/main" id="{BEE047E0-63BA-4DAB-957D-EF3C7FB1326E}"/>
+              </a:ext>
+            </a:extLst>
+          </p:cNvPr>
+          <p:cNvSpPr txBox="1"/>
+          <p:nvPr/>
+        </p:nvSpPr>
+        <p:spPr>
+          <a:xfrm>
+            <a:off x="1754659" y="1932542"/>
+            <a:ext cx="6098058" cy="400110"/>
           </a:xfrm>
           <a:prstGeom prst="rect">
             <a:avLst/>
@@ -4872,27 +5350,51 @@
           </a:bodyPr>
           <a:lstStyle/>
           <a:p>
-            <a:r>
-              <a:rPr lang="en-US" sz="4800" dirty="0">
-                <a:solidFill>
-                  <a:srgbClr val="808080"/>
-                </a:solidFill>
-                <a:latin typeface="Consolas" panose="020B0609020204030204" pitchFamily="49" charset="0"/>
-              </a:rPr>
-              <a:t>LIKE</a:t>
-            </a:r>
-            <a:r>
-              <a:rPr lang="en-US" sz="4800" b="1" dirty="0"/>
-              <a:t>, to the max!</a:t>
-            </a:r>
-            <a:endParaRPr lang="en-US" sz="4800" dirty="0"/>
+            <a:pPr marL="285750" indent="-285750">
+              <a:buFont typeface="Arial" panose="020B0604020202020204" pitchFamily="34" charset="0"/>
+              <a:buChar char="•"/>
+            </a:pPr>
+            <a:r>
+              <a:rPr lang="en-US" sz="2000" dirty="0"/>
+              <a:t>By themselves do nothing</a:t>
+            </a:r>
           </a:p>
         </p:txBody>
       </p:sp>
+      <p:pic>
+        <p:nvPicPr>
+          <p:cNvPr id="9" name="Picture 8">
+            <a:extLst>
+              <a:ext uri="{FF2B5EF4-FFF2-40B4-BE49-F238E27FC236}">
+                <a16:creationId xmlns:a16="http://schemas.microsoft.com/office/drawing/2014/main" id="{7A471BF6-AD32-855E-AC9A-6417346BC80B}"/>
+              </a:ext>
+            </a:extLst>
+          </p:cNvPr>
+          <p:cNvPicPr>
+            <a:picLocks noChangeAspect="1"/>
+          </p:cNvPicPr>
+          <p:nvPr/>
+        </p:nvPicPr>
+        <p:blipFill>
+          <a:blip r:embed="rId3"/>
+          <a:stretch>
+            <a:fillRect/>
+          </a:stretch>
+        </p:blipFill>
+        <p:spPr>
+          <a:xfrm>
+            <a:off x="2109917" y="4694503"/>
+            <a:ext cx="2370257" cy="1008620"/>
+          </a:xfrm>
+          <a:prstGeom prst="rect">
+            <a:avLst/>
+          </a:prstGeom>
+        </p:spPr>
+      </p:pic>
     </p:spTree>
     <p:extLst>
       <p:ext uri="{BB962C8B-B14F-4D97-AF65-F5344CB8AC3E}">
-        <p14:creationId xmlns:p14="http://schemas.microsoft.com/office/powerpoint/2010/main" val="4040614481"/>
+        <p14:creationId xmlns:p14="http://schemas.microsoft.com/office/powerpoint/2010/main" val="1661992796"/>
       </p:ext>
     </p:extLst>
   </p:cSld>
@@ -4902,7 +5404,7 @@
 </p:sld>
 </file>
 
-<file path=ppt/slides/slide10.xml><?xml version="1.0" encoding="utf-8"?>
+<file path=ppt/slides/slide11.xml><?xml version="1.0" encoding="utf-8"?>
 <p:sld xmlns:a="http://schemas.openxmlformats.org/drawingml/2006/main" xmlns:r="http://schemas.openxmlformats.org/officeDocument/2006/relationships" xmlns:p="http://schemas.openxmlformats.org/presentationml/2006/main">
   <p:cSld>
     <p:spTree>
@@ -5589,7 +6091,7 @@
 </p:sld>
 </file>
 
-<file path=ppt/slides/slide11.xml><?xml version="1.0" encoding="utf-8"?>
+<file path=ppt/slides/slide12.xml><?xml version="1.0" encoding="utf-8"?>
 <p:sld xmlns:a="http://schemas.openxmlformats.org/drawingml/2006/main" xmlns:r="http://schemas.openxmlformats.org/officeDocument/2006/relationships" xmlns:p="http://schemas.openxmlformats.org/presentationml/2006/main">
   <p:cSld>
     <p:spTree>
@@ -5852,7 +6354,7 @@
 </p:sld>
 </file>
 
-<file path=ppt/slides/slide12.xml><?xml version="1.0" encoding="utf-8"?>
+<file path=ppt/slides/slide13.xml><?xml version="1.0" encoding="utf-8"?>
 <p:sld xmlns:a="http://schemas.openxmlformats.org/drawingml/2006/main" xmlns:r="http://schemas.openxmlformats.org/officeDocument/2006/relationships" xmlns:p="http://schemas.openxmlformats.org/presentationml/2006/main">
   <p:cSld>
     <p:spTree>
@@ -6152,7 +6654,7 @@
 </p:sld>
 </file>
 
-<file path=ppt/slides/slide13.xml><?xml version="1.0" encoding="utf-8"?>
+<file path=ppt/slides/slide14.xml><?xml version="1.0" encoding="utf-8"?>
 <p:sld xmlns:a="http://schemas.openxmlformats.org/drawingml/2006/main" xmlns:r="http://schemas.openxmlformats.org/officeDocument/2006/relationships" xmlns:p="http://schemas.openxmlformats.org/presentationml/2006/main">
   <p:cSld>
     <p:spTree>
@@ -6937,7 +7439,7 @@
 </p:sld>
 </file>
 
-<file path=ppt/slides/slide14.xml><?xml version="1.0" encoding="utf-8"?>
+<file path=ppt/slides/slide15.xml><?xml version="1.0" encoding="utf-8"?>
 <p:sld xmlns:a="http://schemas.openxmlformats.org/drawingml/2006/main" xmlns:r="http://schemas.openxmlformats.org/officeDocument/2006/relationships" xmlns:p="http://schemas.openxmlformats.org/presentationml/2006/main">
   <p:cSld>
     <p:spTree>
@@ -8040,7 +8542,7 @@
 </p:sld>
 </file>
 
-<file path=ppt/slides/slide15.xml><?xml version="1.0" encoding="utf-8"?>
+<file path=ppt/slides/slide16.xml><?xml version="1.0" encoding="utf-8"?>
 <p:sld xmlns:a="http://schemas.openxmlformats.org/drawingml/2006/main" xmlns:r="http://schemas.openxmlformats.org/officeDocument/2006/relationships" xmlns:p="http://schemas.openxmlformats.org/presentationml/2006/main">
   <p:cSld>
     <p:spTree>
@@ -8884,7 +9386,7 @@
 </p:sld>
 </file>
 
-<file path=ppt/slides/slide16.xml><?xml version="1.0" encoding="utf-8"?>
+<file path=ppt/slides/slide17.xml><?xml version="1.0" encoding="utf-8"?>
 <p:sld xmlns:a="http://schemas.openxmlformats.org/drawingml/2006/main" xmlns:r="http://schemas.openxmlformats.org/officeDocument/2006/relationships" xmlns:p="http://schemas.openxmlformats.org/presentationml/2006/main">
   <p:cSld>
     <p:spTree>
@@ -9668,7 +10170,7 @@
 </p:sld>
 </file>
 
-<file path=ppt/slides/slide17.xml><?xml version="1.0" encoding="utf-8"?>
+<file path=ppt/slides/slide18.xml><?xml version="1.0" encoding="utf-8"?>
 <p:sld xmlns:a="http://schemas.openxmlformats.org/drawingml/2006/main" xmlns:r="http://schemas.openxmlformats.org/officeDocument/2006/relationships" xmlns:p="http://schemas.openxmlformats.org/presentationml/2006/main">
   <p:cSld>
     <p:spTree>
@@ -10218,7 +10720,7 @@
 </p:sld>
 </file>
 
-<file path=ppt/slides/slide18.xml><?xml version="1.0" encoding="utf-8"?>
+<file path=ppt/slides/slide19.xml><?xml version="1.0" encoding="utf-8"?>
 <p:sld xmlns:a="http://schemas.openxmlformats.org/drawingml/2006/main" xmlns:r="http://schemas.openxmlformats.org/officeDocument/2006/relationships" xmlns:p="http://schemas.openxmlformats.org/presentationml/2006/main">
   <p:cSld>
     <p:spTree>
@@ -10852,7 +11354,129 @@
 </p:sld>
 </file>
 
-<file path=ppt/slides/slide19.xml><?xml version="1.0" encoding="utf-8"?>
+<file path=ppt/slides/slide2.xml><?xml version="1.0" encoding="utf-8"?>
+<p:sld xmlns:a="http://schemas.openxmlformats.org/drawingml/2006/main" xmlns:r="http://schemas.openxmlformats.org/officeDocument/2006/relationships" xmlns:p="http://schemas.openxmlformats.org/presentationml/2006/main">
+  <p:cSld>
+    <p:spTree>
+      <p:nvGrpSpPr>
+        <p:cNvPr id="1" name=""/>
+        <p:cNvGrpSpPr/>
+        <p:nvPr/>
+      </p:nvGrpSpPr>
+      <p:grpSpPr>
+        <a:xfrm>
+          <a:off x="0" y="0"/>
+          <a:ext cx="0" cy="0"/>
+          <a:chOff x="0" y="0"/>
+          <a:chExt cx="0" cy="0"/>
+        </a:xfrm>
+      </p:grpSpPr>
+      <p:pic>
+        <p:nvPicPr>
+          <p:cNvPr id="5" name="Picture 4" descr="Live Instructor-Led SQL Querying Advanced Training - Hands-on Course">
+            <a:extLst>
+              <a:ext uri="{FF2B5EF4-FFF2-40B4-BE49-F238E27FC236}">
+                <a16:creationId xmlns:a16="http://schemas.microsoft.com/office/drawing/2014/main" id="{DFE403ED-A277-0B1F-929B-84674C9F6C57}"/>
+              </a:ext>
+            </a:extLst>
+          </p:cNvPr>
+          <p:cNvPicPr>
+            <a:picLocks noChangeAspect="1" noChangeArrowheads="1"/>
+          </p:cNvPicPr>
+          <p:nvPr/>
+        </p:nvPicPr>
+        <p:blipFill>
+          <a:blip r:embed="rId2">
+            <a:extLst>
+              <a:ext uri="{28A0092B-C50C-407E-A947-70E740481C1C}">
+                <a14:useLocalDpi xmlns:a14="http://schemas.microsoft.com/office/drawing/2010/main" val="0"/>
+              </a:ext>
+            </a:extLst>
+          </a:blip>
+          <a:srcRect/>
+          <a:stretch>
+            <a:fillRect/>
+          </a:stretch>
+        </p:blipFill>
+        <p:spPr bwMode="auto">
+          <a:xfrm>
+            <a:off x="9742063" y="4829875"/>
+            <a:ext cx="1698570" cy="1787968"/>
+          </a:xfrm>
+          <a:prstGeom prst="rect">
+            <a:avLst/>
+          </a:prstGeom>
+          <a:noFill/>
+          <a:extLst>
+            <a:ext uri="{909E8E84-426E-40DD-AFC4-6F175D3DCCD1}">
+              <a14:hiddenFill xmlns:a14="http://schemas.microsoft.com/office/drawing/2010/main">
+                <a:solidFill>
+                  <a:srgbClr val="FFFFFF"/>
+                </a:solidFill>
+              </a14:hiddenFill>
+            </a:ext>
+          </a:extLst>
+        </p:spPr>
+      </p:pic>
+      <p:sp>
+        <p:nvSpPr>
+          <p:cNvPr id="6" name="TextBox 5">
+            <a:extLst>
+              <a:ext uri="{FF2B5EF4-FFF2-40B4-BE49-F238E27FC236}">
+                <a16:creationId xmlns:a16="http://schemas.microsoft.com/office/drawing/2014/main" id="{9D44AD19-263C-C364-3CA4-77843A07E6F1}"/>
+              </a:ext>
+            </a:extLst>
+          </p:cNvPr>
+          <p:cNvSpPr txBox="1"/>
+          <p:nvPr/>
+        </p:nvSpPr>
+        <p:spPr>
+          <a:xfrm>
+            <a:off x="3590460" y="1637340"/>
+            <a:ext cx="5011075" cy="830997"/>
+          </a:xfrm>
+          <a:prstGeom prst="rect">
+            <a:avLst/>
+          </a:prstGeom>
+          <a:noFill/>
+        </p:spPr>
+        <p:txBody>
+          <a:bodyPr wrap="square" rtlCol="0">
+            <a:spAutoFit/>
+          </a:bodyPr>
+          <a:lstStyle/>
+          <a:p>
+            <a:r>
+              <a:rPr lang="en-US" sz="4800" dirty="0">
+                <a:solidFill>
+                  <a:srgbClr val="808080"/>
+                </a:solidFill>
+                <a:latin typeface="Consolas" panose="020B0609020204030204" pitchFamily="49" charset="0"/>
+              </a:rPr>
+              <a:t>LIKE</a:t>
+            </a:r>
+            <a:r>
+              <a:rPr lang="en-US" sz="4800" b="1" dirty="0"/>
+              <a:t>, to the max!</a:t>
+            </a:r>
+            <a:endParaRPr lang="en-US" sz="4800" dirty="0"/>
+          </a:p>
+        </p:txBody>
+      </p:sp>
+    </p:spTree>
+    <p:extLst>
+      <p:ext uri="{BB962C8B-B14F-4D97-AF65-F5344CB8AC3E}">
+        <p14:creationId xmlns:p14="http://schemas.microsoft.com/office/powerpoint/2010/main" val="4040614481"/>
+      </p:ext>
+    </p:extLst>
+  </p:cSld>
+  <p:clrMapOvr>
+    <a:masterClrMapping/>
+  </p:clrMapOvr>
+</p:sld>
+</file>
+
+<file path=ppt/slides/slide20.xml><?xml version="1.0" encoding="utf-8"?>
 <p:sld xmlns:a="http://schemas.openxmlformats.org/drawingml/2006/main" xmlns:r="http://schemas.openxmlformats.org/officeDocument/2006/relationships" xmlns:p="http://schemas.openxmlformats.org/presentationml/2006/main">
   <p:cSld>
     <p:spTree>
@@ -11326,829 +11950,7 @@
 </p:sld>
 </file>
 
-<file path=ppt/slides/slide2.xml><?xml version="1.0" encoding="utf-8"?>
-<p:sld xmlns:a="http://schemas.openxmlformats.org/drawingml/2006/main" xmlns:r="http://schemas.openxmlformats.org/officeDocument/2006/relationships" xmlns:p="http://schemas.openxmlformats.org/presentationml/2006/main">
-  <p:cSld>
-    <p:spTree>
-      <p:nvGrpSpPr>
-        <p:cNvPr id="1" name=""/>
-        <p:cNvGrpSpPr/>
-        <p:nvPr/>
-      </p:nvGrpSpPr>
-      <p:grpSpPr>
-        <a:xfrm>
-          <a:off x="0" y="0"/>
-          <a:ext cx="0" cy="0"/>
-          <a:chOff x="0" y="0"/>
-          <a:chExt cx="0" cy="0"/>
-        </a:xfrm>
-      </p:grpSpPr>
-      <p:sp>
-        <p:nvSpPr>
-          <p:cNvPr id="8" name="TextBox 7">
-            <a:extLst>
-              <a:ext uri="{FF2B5EF4-FFF2-40B4-BE49-F238E27FC236}">
-                <a16:creationId xmlns:a16="http://schemas.microsoft.com/office/drawing/2014/main" id="{604B7F01-18FC-0134-829F-DE82552E8BE8}"/>
-              </a:ext>
-            </a:extLst>
-          </p:cNvPr>
-          <p:cNvSpPr txBox="1"/>
-          <p:nvPr/>
-        </p:nvSpPr>
-        <p:spPr>
-          <a:xfrm>
-            <a:off x="738055" y="744925"/>
-            <a:ext cx="10583913" cy="707886"/>
-          </a:xfrm>
-          <a:prstGeom prst="rect">
-            <a:avLst/>
-          </a:prstGeom>
-          <a:noFill/>
-        </p:spPr>
-        <p:txBody>
-          <a:bodyPr wrap="square">
-            <a:spAutoFit/>
-          </a:bodyPr>
-          <a:lstStyle/>
-          <a:p>
-            <a:r>
-              <a:rPr lang="en-US" sz="4000" i="1" dirty="0">
-                <a:solidFill>
-                  <a:srgbClr val="FF0000"/>
-                </a:solidFill>
-                <a:latin typeface="Cascadia Code" panose="020B0609020000020004" pitchFamily="49" charset="0"/>
-                <a:cs typeface="Cascadia Code" panose="020B0609020000020004" pitchFamily="49" charset="0"/>
-              </a:rPr>
-              <a:t>stringable1</a:t>
-            </a:r>
-            <a:r>
-              <a:rPr lang="en-US" sz="4000" dirty="0">
-                <a:solidFill>
-                  <a:srgbClr val="000000"/>
-                </a:solidFill>
-                <a:latin typeface="Cascadia Code" panose="020B0609020000020004" pitchFamily="49" charset="0"/>
-                <a:cs typeface="Cascadia Code" panose="020B0609020000020004" pitchFamily="49" charset="0"/>
-              </a:rPr>
-              <a:t> </a:t>
-            </a:r>
-            <a:r>
-              <a:rPr lang="en-US" sz="4000" dirty="0">
-                <a:solidFill>
-                  <a:srgbClr val="808080"/>
-                </a:solidFill>
-                <a:latin typeface="Cascadia Code" panose="020B0609020000020004" pitchFamily="49" charset="0"/>
-                <a:cs typeface="Cascadia Code" panose="020B0609020000020004" pitchFamily="49" charset="0"/>
-              </a:rPr>
-              <a:t>LIKE</a:t>
-            </a:r>
-            <a:r>
-              <a:rPr lang="en-US" sz="4000" dirty="0">
-                <a:solidFill>
-                  <a:srgbClr val="000000"/>
-                </a:solidFill>
-                <a:latin typeface="Cascadia Code" panose="020B0609020000020004" pitchFamily="49" charset="0"/>
-                <a:cs typeface="Cascadia Code" panose="020B0609020000020004" pitchFamily="49" charset="0"/>
-              </a:rPr>
-              <a:t> </a:t>
-            </a:r>
-            <a:r>
-              <a:rPr lang="en-US" sz="4000" i="1" dirty="0">
-                <a:solidFill>
-                  <a:srgbClr val="FF0000"/>
-                </a:solidFill>
-                <a:latin typeface="Cascadia Code" panose="020B0609020000020004" pitchFamily="49" charset="0"/>
-                <a:cs typeface="Cascadia Code" panose="020B0609020000020004" pitchFamily="49" charset="0"/>
-              </a:rPr>
-              <a:t>stringable2</a:t>
-            </a:r>
-          </a:p>
-        </p:txBody>
-      </p:sp>
-      <p:sp>
-        <p:nvSpPr>
-          <p:cNvPr id="14" name="TextBox 13">
-            <a:extLst>
-              <a:ext uri="{FF2B5EF4-FFF2-40B4-BE49-F238E27FC236}">
-                <a16:creationId xmlns:a16="http://schemas.microsoft.com/office/drawing/2014/main" id="{A274B8B0-A303-1D1D-3E99-08F362298D87}"/>
-              </a:ext>
-            </a:extLst>
-          </p:cNvPr>
-          <p:cNvSpPr txBox="1"/>
-          <p:nvPr/>
-        </p:nvSpPr>
-        <p:spPr>
-          <a:xfrm>
-            <a:off x="6839503" y="1903921"/>
-            <a:ext cx="4585335" cy="923330"/>
-          </a:xfrm>
-          <a:prstGeom prst="rect">
-            <a:avLst/>
-          </a:prstGeom>
-          <a:noFill/>
-        </p:spPr>
-        <p:txBody>
-          <a:bodyPr wrap="square" rtlCol="0">
-            <a:spAutoFit/>
-          </a:bodyPr>
-          <a:lstStyle/>
-          <a:p>
-            <a:r>
-              <a:rPr lang="en-US" dirty="0"/>
-              <a:t>“</a:t>
-            </a:r>
-            <a:r>
-              <a:rPr lang="en-US" dirty="0" err="1"/>
-              <a:t>Stringable</a:t>
-            </a:r>
-            <a:r>
-              <a:rPr lang="en-US" dirty="0"/>
-              <a:t>” refers to anything that can be represented as a string, including </a:t>
-            </a:r>
-            <a:r>
-              <a:rPr lang="en-US" dirty="0" err="1"/>
-              <a:t>numerics</a:t>
-            </a:r>
-            <a:r>
-              <a:rPr lang="en-US" dirty="0"/>
-              <a:t>, datetimes, </a:t>
-            </a:r>
-            <a:r>
-              <a:rPr lang="en-US" dirty="0" err="1"/>
-              <a:t>guids</a:t>
-            </a:r>
-            <a:r>
-              <a:rPr lang="en-US" dirty="0"/>
-              <a:t>, etc.</a:t>
-            </a:r>
-          </a:p>
-        </p:txBody>
-      </p:sp>
-      <p:sp>
-        <p:nvSpPr>
-          <p:cNvPr id="15" name="TextBox 14">
-            <a:extLst>
-              <a:ext uri="{FF2B5EF4-FFF2-40B4-BE49-F238E27FC236}">
-                <a16:creationId xmlns:a16="http://schemas.microsoft.com/office/drawing/2014/main" id="{4E95F8E7-F4ED-2BD1-D94C-38120D18DDD4}"/>
-              </a:ext>
-            </a:extLst>
-          </p:cNvPr>
-          <p:cNvSpPr txBox="1"/>
-          <p:nvPr/>
-        </p:nvSpPr>
-        <p:spPr>
-          <a:xfrm>
-            <a:off x="6839503" y="3376414"/>
-            <a:ext cx="4482465" cy="1754326"/>
-          </a:xfrm>
-          <a:prstGeom prst="rect">
-            <a:avLst/>
-          </a:prstGeom>
-          <a:noFill/>
-        </p:spPr>
-        <p:txBody>
-          <a:bodyPr wrap="square" rtlCol="0">
-            <a:spAutoFit/>
-          </a:bodyPr>
-          <a:lstStyle/>
-          <a:p>
-            <a:r>
-              <a:rPr lang="en-US" dirty="0">
-                <a:latin typeface="Cascadia Code" panose="020B0609020000020004" pitchFamily="49" charset="0"/>
-                <a:cs typeface="Cascadia Code" panose="020B0609020000020004" pitchFamily="49" charset="0"/>
-              </a:rPr>
-              <a:t>Stringable1</a:t>
-            </a:r>
-            <a:r>
-              <a:rPr lang="en-US" dirty="0"/>
-              <a:t> is usually the longer string</a:t>
-            </a:r>
-          </a:p>
-          <a:p>
-            <a:endParaRPr lang="en-US" dirty="0"/>
-          </a:p>
-          <a:p>
-            <a:r>
-              <a:rPr lang="en-US" dirty="0">
-                <a:latin typeface="Cascadia Code" panose="020B0609020000020004" pitchFamily="49" charset="0"/>
-                <a:cs typeface="Cascadia Code" panose="020B0609020000020004" pitchFamily="49" charset="0"/>
-              </a:rPr>
-              <a:t>Stringable2</a:t>
-            </a:r>
-            <a:r>
-              <a:rPr lang="en-US" dirty="0"/>
-              <a:t> is usually the shorter string with one/more % symbols as wildcards</a:t>
-            </a:r>
-          </a:p>
-          <a:p>
-            <a:endParaRPr lang="en-US" dirty="0"/>
-          </a:p>
-          <a:p>
-            <a:r>
-              <a:rPr lang="en-US" dirty="0"/>
-              <a:t>Returns </a:t>
-            </a:r>
-            <a:r>
-              <a:rPr lang="en-US" dirty="0" err="1"/>
-              <a:t>boolean</a:t>
-            </a:r>
-            <a:endParaRPr lang="en-US" dirty="0"/>
-          </a:p>
-        </p:txBody>
-      </p:sp>
-      <p:sp>
-        <p:nvSpPr>
-          <p:cNvPr id="4" name="TextBox 3">
-            <a:extLst>
-              <a:ext uri="{FF2B5EF4-FFF2-40B4-BE49-F238E27FC236}">
-                <a16:creationId xmlns:a16="http://schemas.microsoft.com/office/drawing/2014/main" id="{4E11973C-F73D-D1BF-C7CE-A57C9BA4A3A9}"/>
-              </a:ext>
-            </a:extLst>
-          </p:cNvPr>
-          <p:cNvSpPr txBox="1"/>
-          <p:nvPr/>
-        </p:nvSpPr>
-        <p:spPr>
-          <a:xfrm>
-            <a:off x="1125495" y="1903921"/>
-            <a:ext cx="4482465" cy="1415772"/>
-          </a:xfrm>
-          <a:prstGeom prst="rect">
-            <a:avLst/>
-          </a:prstGeom>
-          <a:noFill/>
-        </p:spPr>
-        <p:txBody>
-          <a:bodyPr wrap="square">
-            <a:spAutoFit/>
-          </a:bodyPr>
-          <a:lstStyle/>
-          <a:p>
-            <a:r>
-              <a:rPr lang="en-US" sz="1800" dirty="0">
-                <a:solidFill>
-                  <a:srgbClr val="0000FF"/>
-                </a:solidFill>
-                <a:latin typeface="Cascadia Code" panose="020B0609020000020004" pitchFamily="49" charset="0"/>
-                <a:cs typeface="Cascadia Code" panose="020B0609020000020004" pitchFamily="49" charset="0"/>
-              </a:rPr>
-              <a:t>DECLARE</a:t>
-            </a:r>
-            <a:r>
-              <a:rPr lang="en-US" sz="1800" dirty="0">
-                <a:solidFill>
-                  <a:srgbClr val="000000"/>
-                </a:solidFill>
-                <a:latin typeface="Cascadia Code" panose="020B0609020000020004" pitchFamily="49" charset="0"/>
-                <a:cs typeface="Cascadia Code" panose="020B0609020000020004" pitchFamily="49" charset="0"/>
-              </a:rPr>
-              <a:t> @_venue </a:t>
-            </a:r>
-            <a:r>
-              <a:rPr lang="en-US" sz="1800" dirty="0">
-                <a:solidFill>
-                  <a:srgbClr val="0000FF"/>
-                </a:solidFill>
-                <a:latin typeface="Cascadia Code" panose="020B0609020000020004" pitchFamily="49" charset="0"/>
-                <a:cs typeface="Cascadia Code" panose="020B0609020000020004" pitchFamily="49" charset="0"/>
-              </a:rPr>
-              <a:t>varchar</a:t>
-            </a:r>
-            <a:r>
-              <a:rPr lang="en-US" sz="1800" dirty="0">
-                <a:solidFill>
-                  <a:srgbClr val="808080"/>
-                </a:solidFill>
-                <a:latin typeface="Cascadia Code" panose="020B0609020000020004" pitchFamily="49" charset="0"/>
-                <a:cs typeface="Cascadia Code" panose="020B0609020000020004" pitchFamily="49" charset="0"/>
-              </a:rPr>
-              <a:t>(</a:t>
-            </a:r>
-            <a:r>
-              <a:rPr lang="en-US" sz="1800" dirty="0">
-                <a:solidFill>
-                  <a:srgbClr val="000000"/>
-                </a:solidFill>
-                <a:latin typeface="Cascadia Code" panose="020B0609020000020004" pitchFamily="49" charset="0"/>
-                <a:cs typeface="Cascadia Code" panose="020B0609020000020004" pitchFamily="49" charset="0"/>
-              </a:rPr>
-              <a:t>20</a:t>
-            </a:r>
-            <a:r>
-              <a:rPr lang="en-US" sz="1800" dirty="0">
-                <a:solidFill>
-                  <a:srgbClr val="808080"/>
-                </a:solidFill>
-                <a:latin typeface="Cascadia Code" panose="020B0609020000020004" pitchFamily="49" charset="0"/>
-                <a:cs typeface="Cascadia Code" panose="020B0609020000020004" pitchFamily="49" charset="0"/>
-              </a:rPr>
-              <a:t>)</a:t>
-            </a:r>
-            <a:r>
-              <a:rPr lang="en-US" sz="1800" dirty="0">
-                <a:solidFill>
-                  <a:srgbClr val="000000"/>
-                </a:solidFill>
-                <a:latin typeface="Cascadia Code" panose="020B0609020000020004" pitchFamily="49" charset="0"/>
-                <a:cs typeface="Cascadia Code" panose="020B0609020000020004" pitchFamily="49" charset="0"/>
-              </a:rPr>
-              <a:t> </a:t>
-            </a:r>
-          </a:p>
-          <a:p>
-            <a:r>
-              <a:rPr lang="en-US" dirty="0">
-                <a:solidFill>
-                  <a:srgbClr val="000000"/>
-                </a:solidFill>
-                <a:latin typeface="Cascadia Code" panose="020B0609020000020004" pitchFamily="49" charset="0"/>
-                <a:cs typeface="Cascadia Code" panose="020B0609020000020004" pitchFamily="49" charset="0"/>
-              </a:rPr>
-              <a:t>  </a:t>
-            </a:r>
-            <a:r>
-              <a:rPr lang="en-US" sz="1800" dirty="0">
-                <a:solidFill>
-                  <a:srgbClr val="808080"/>
-                </a:solidFill>
-                <a:latin typeface="Cascadia Code" panose="020B0609020000020004" pitchFamily="49" charset="0"/>
-                <a:cs typeface="Cascadia Code" panose="020B0609020000020004" pitchFamily="49" charset="0"/>
-              </a:rPr>
-              <a:t>=</a:t>
-            </a:r>
-            <a:r>
-              <a:rPr lang="en-US" sz="1800" dirty="0">
-                <a:solidFill>
-                  <a:srgbClr val="000000"/>
-                </a:solidFill>
-                <a:latin typeface="Cascadia Code" panose="020B0609020000020004" pitchFamily="49" charset="0"/>
-                <a:cs typeface="Cascadia Code" panose="020B0609020000020004" pitchFamily="49" charset="0"/>
-              </a:rPr>
-              <a:t> </a:t>
-            </a:r>
-            <a:r>
-              <a:rPr lang="en-US" sz="1800" dirty="0">
-                <a:solidFill>
-                  <a:srgbClr val="FF0000"/>
-                </a:solidFill>
-                <a:latin typeface="Cascadia Code" panose="020B0609020000020004" pitchFamily="49" charset="0"/>
-                <a:cs typeface="Cascadia Code" panose="020B0609020000020004" pitchFamily="49" charset="0"/>
-              </a:rPr>
-              <a:t>'SQL Saturday 20XX'</a:t>
-            </a:r>
-            <a:endParaRPr lang="en-US" dirty="0">
-              <a:solidFill>
-                <a:srgbClr val="000000"/>
-              </a:solidFill>
-              <a:latin typeface="Cascadia Code" panose="020B0609020000020004" pitchFamily="49" charset="0"/>
-              <a:cs typeface="Cascadia Code" panose="020B0609020000020004" pitchFamily="49" charset="0"/>
-            </a:endParaRPr>
-          </a:p>
-          <a:p>
-            <a:endParaRPr lang="en-US" sz="1100" dirty="0">
-              <a:solidFill>
-                <a:srgbClr val="000000"/>
-              </a:solidFill>
-              <a:latin typeface="Cascadia Code" panose="020B0609020000020004" pitchFamily="49" charset="0"/>
-              <a:cs typeface="Cascadia Code" panose="020B0609020000020004" pitchFamily="49" charset="0"/>
-            </a:endParaRPr>
-          </a:p>
-          <a:p>
-            <a:r>
-              <a:rPr lang="en-US" sz="1800" dirty="0">
-                <a:solidFill>
-                  <a:srgbClr val="0000FF"/>
-                </a:solidFill>
-                <a:latin typeface="Cascadia Code" panose="020B0609020000020004" pitchFamily="49" charset="0"/>
-                <a:cs typeface="Cascadia Code" panose="020B0609020000020004" pitchFamily="49" charset="0"/>
-              </a:rPr>
-              <a:t>IF</a:t>
-            </a:r>
-            <a:r>
-              <a:rPr lang="en-US" sz="1800" dirty="0">
-                <a:solidFill>
-                  <a:srgbClr val="000000"/>
-                </a:solidFill>
-                <a:latin typeface="Cascadia Code" panose="020B0609020000020004" pitchFamily="49" charset="0"/>
-                <a:cs typeface="Cascadia Code" panose="020B0609020000020004" pitchFamily="49" charset="0"/>
-              </a:rPr>
-              <a:t> @_venue </a:t>
-            </a:r>
-            <a:r>
-              <a:rPr lang="en-US" sz="1800" dirty="0">
-                <a:solidFill>
-                  <a:srgbClr val="808080"/>
-                </a:solidFill>
-                <a:latin typeface="Cascadia Code" panose="020B0609020000020004" pitchFamily="49" charset="0"/>
-                <a:cs typeface="Cascadia Code" panose="020B0609020000020004" pitchFamily="49" charset="0"/>
-              </a:rPr>
-              <a:t>LIKE</a:t>
-            </a:r>
-            <a:r>
-              <a:rPr lang="en-US" sz="1800" dirty="0">
-                <a:solidFill>
-                  <a:srgbClr val="000000"/>
-                </a:solidFill>
-                <a:latin typeface="Cascadia Code" panose="020B0609020000020004" pitchFamily="49" charset="0"/>
-                <a:cs typeface="Cascadia Code" panose="020B0609020000020004" pitchFamily="49" charset="0"/>
-              </a:rPr>
-              <a:t> </a:t>
-            </a:r>
-            <a:r>
-              <a:rPr lang="en-US" sz="1800" dirty="0">
-                <a:solidFill>
-                  <a:srgbClr val="FF0000"/>
-                </a:solidFill>
-                <a:latin typeface="Cascadia Code" panose="020B0609020000020004" pitchFamily="49" charset="0"/>
-                <a:cs typeface="Cascadia Code" panose="020B0609020000020004" pitchFamily="49" charset="0"/>
-              </a:rPr>
-              <a:t>'%</a:t>
-            </a:r>
-            <a:r>
-              <a:rPr lang="en-US" sz="1800" dirty="0" err="1">
-                <a:solidFill>
-                  <a:srgbClr val="FF0000"/>
-                </a:solidFill>
-                <a:latin typeface="Cascadia Code" panose="020B0609020000020004" pitchFamily="49" charset="0"/>
-                <a:cs typeface="Cascadia Code" panose="020B0609020000020004" pitchFamily="49" charset="0"/>
-              </a:rPr>
-              <a:t>sql</a:t>
-            </a:r>
-            <a:r>
-              <a:rPr lang="en-US" sz="1800" dirty="0">
-                <a:solidFill>
-                  <a:srgbClr val="FF0000"/>
-                </a:solidFill>
-                <a:latin typeface="Cascadia Code" panose="020B0609020000020004" pitchFamily="49" charset="0"/>
-                <a:cs typeface="Cascadia Code" panose="020B0609020000020004" pitchFamily="49" charset="0"/>
-              </a:rPr>
-              <a:t>%'</a:t>
-            </a:r>
-            <a:endParaRPr lang="en-US" sz="1800" dirty="0">
-              <a:solidFill>
-                <a:srgbClr val="000000"/>
-              </a:solidFill>
-              <a:latin typeface="Cascadia Code" panose="020B0609020000020004" pitchFamily="49" charset="0"/>
-              <a:cs typeface="Cascadia Code" panose="020B0609020000020004" pitchFamily="49" charset="0"/>
-            </a:endParaRPr>
-          </a:p>
-          <a:p>
-            <a:r>
-              <a:rPr lang="en-US" sz="1800" dirty="0">
-                <a:solidFill>
-                  <a:srgbClr val="0000FF"/>
-                </a:solidFill>
-                <a:latin typeface="Cascadia Code" panose="020B0609020000020004" pitchFamily="49" charset="0"/>
-                <a:cs typeface="Cascadia Code" panose="020B0609020000020004" pitchFamily="49" charset="0"/>
-              </a:rPr>
-              <a:t>  PRINT</a:t>
-            </a:r>
-            <a:r>
-              <a:rPr lang="en-US" sz="1800" dirty="0">
-                <a:solidFill>
-                  <a:srgbClr val="000000"/>
-                </a:solidFill>
-                <a:latin typeface="Cascadia Code" panose="020B0609020000020004" pitchFamily="49" charset="0"/>
-                <a:cs typeface="Cascadia Code" panose="020B0609020000020004" pitchFamily="49" charset="0"/>
-              </a:rPr>
-              <a:t> </a:t>
-            </a:r>
-            <a:r>
-              <a:rPr lang="en-US" sz="1800" dirty="0">
-                <a:solidFill>
-                  <a:srgbClr val="FF0000"/>
-                </a:solidFill>
-                <a:latin typeface="Cascadia Code" panose="020B0609020000020004" pitchFamily="49" charset="0"/>
-                <a:cs typeface="Cascadia Code" panose="020B0609020000020004" pitchFamily="49" charset="0"/>
-              </a:rPr>
-              <a:t>'@_venue LIKE "%</a:t>
-            </a:r>
-            <a:r>
-              <a:rPr lang="en-US" sz="1800" dirty="0" err="1">
-                <a:solidFill>
-                  <a:srgbClr val="FF0000"/>
-                </a:solidFill>
-                <a:latin typeface="Cascadia Code" panose="020B0609020000020004" pitchFamily="49" charset="0"/>
-                <a:cs typeface="Cascadia Code" panose="020B0609020000020004" pitchFamily="49" charset="0"/>
-              </a:rPr>
-              <a:t>sql</a:t>
-            </a:r>
-            <a:r>
-              <a:rPr lang="en-US" sz="1800" dirty="0">
-                <a:solidFill>
-                  <a:srgbClr val="FF0000"/>
-                </a:solidFill>
-                <a:latin typeface="Cascadia Code" panose="020B0609020000020004" pitchFamily="49" charset="0"/>
-                <a:cs typeface="Cascadia Code" panose="020B0609020000020004" pitchFamily="49" charset="0"/>
-              </a:rPr>
-              <a:t>%"'</a:t>
-            </a:r>
-            <a:endParaRPr lang="en-US" dirty="0">
-              <a:latin typeface="Cascadia Code" panose="020B0609020000020004" pitchFamily="49" charset="0"/>
-              <a:cs typeface="Cascadia Code" panose="020B0609020000020004" pitchFamily="49" charset="0"/>
-            </a:endParaRPr>
-          </a:p>
-        </p:txBody>
-      </p:sp>
-      <p:pic>
-        <p:nvPicPr>
-          <p:cNvPr id="9" name="Picture 8">
-            <a:extLst>
-              <a:ext uri="{FF2B5EF4-FFF2-40B4-BE49-F238E27FC236}">
-                <a16:creationId xmlns:a16="http://schemas.microsoft.com/office/drawing/2014/main" id="{DEBA725D-843C-BCAC-BED1-534BAAD10A1F}"/>
-              </a:ext>
-            </a:extLst>
-          </p:cNvPr>
-          <p:cNvPicPr>
-            <a:picLocks noChangeAspect="1"/>
-          </p:cNvPicPr>
-          <p:nvPr/>
-        </p:nvPicPr>
-        <p:blipFill>
-          <a:blip r:embed="rId3"/>
-          <a:stretch>
-            <a:fillRect/>
-          </a:stretch>
-        </p:blipFill>
-        <p:spPr>
-          <a:xfrm>
-            <a:off x="1125495" y="3390548"/>
-            <a:ext cx="3557716" cy="672773"/>
-          </a:xfrm>
-          <a:prstGeom prst="rect">
-            <a:avLst/>
-          </a:prstGeom>
-        </p:spPr>
-      </p:pic>
-      <p:sp>
-        <p:nvSpPr>
-          <p:cNvPr id="12" name="TextBox 11">
-            <a:extLst>
-              <a:ext uri="{FF2B5EF4-FFF2-40B4-BE49-F238E27FC236}">
-                <a16:creationId xmlns:a16="http://schemas.microsoft.com/office/drawing/2014/main" id="{13DD1500-1F2C-AB9A-9E2B-DFA74A4EB9AB}"/>
-              </a:ext>
-            </a:extLst>
-          </p:cNvPr>
-          <p:cNvSpPr txBox="1"/>
-          <p:nvPr/>
-        </p:nvSpPr>
-        <p:spPr>
-          <a:xfrm>
-            <a:off x="1125495" y="4527860"/>
-            <a:ext cx="4632754" cy="923330"/>
-          </a:xfrm>
-          <a:prstGeom prst="rect">
-            <a:avLst/>
-          </a:prstGeom>
-          <a:noFill/>
-        </p:spPr>
-        <p:txBody>
-          <a:bodyPr wrap="square">
-            <a:spAutoFit/>
-          </a:bodyPr>
-          <a:lstStyle/>
-          <a:p>
-            <a:r>
-              <a:rPr lang="en-US" sz="1800" dirty="0">
-                <a:solidFill>
-                  <a:srgbClr val="0000FF"/>
-                </a:solidFill>
-                <a:latin typeface="Cascadia Code" panose="020B0609020000020004" pitchFamily="49" charset="0"/>
-                <a:cs typeface="Cascadia Code" panose="020B0609020000020004" pitchFamily="49" charset="0"/>
-              </a:rPr>
-              <a:t>SELECT</a:t>
-            </a:r>
-            <a:r>
-              <a:rPr lang="en-US" sz="1800" dirty="0">
-                <a:solidFill>
-                  <a:srgbClr val="000000"/>
-                </a:solidFill>
-                <a:latin typeface="Cascadia Code" panose="020B0609020000020004" pitchFamily="49" charset="0"/>
-                <a:cs typeface="Cascadia Code" panose="020B0609020000020004" pitchFamily="49" charset="0"/>
-              </a:rPr>
-              <a:t> [name]</a:t>
-            </a:r>
-            <a:r>
-              <a:rPr lang="en-US" sz="1800" dirty="0">
-                <a:solidFill>
-                  <a:srgbClr val="808080"/>
-                </a:solidFill>
-                <a:latin typeface="Cascadia Code" panose="020B0609020000020004" pitchFamily="49" charset="0"/>
-                <a:cs typeface="Cascadia Code" panose="020B0609020000020004" pitchFamily="49" charset="0"/>
-              </a:rPr>
-              <a:t>,</a:t>
-            </a:r>
-            <a:r>
-              <a:rPr lang="en-US" sz="1800" dirty="0">
-                <a:solidFill>
-                  <a:srgbClr val="000000"/>
-                </a:solidFill>
-                <a:latin typeface="Cascadia Code" panose="020B0609020000020004" pitchFamily="49" charset="0"/>
-                <a:cs typeface="Cascadia Code" panose="020B0609020000020004" pitchFamily="49" charset="0"/>
-              </a:rPr>
-              <a:t> [description] </a:t>
-            </a:r>
-          </a:p>
-          <a:p>
-            <a:r>
-              <a:rPr lang="en-US" sz="1800" dirty="0">
-                <a:solidFill>
-                  <a:srgbClr val="0000FF"/>
-                </a:solidFill>
-                <a:latin typeface="Cascadia Code" panose="020B0609020000020004" pitchFamily="49" charset="0"/>
-                <a:cs typeface="Cascadia Code" panose="020B0609020000020004" pitchFamily="49" charset="0"/>
-              </a:rPr>
-              <a:t>FROM</a:t>
-            </a:r>
-            <a:r>
-              <a:rPr lang="en-US" sz="1800" dirty="0">
-                <a:solidFill>
-                  <a:srgbClr val="000000"/>
-                </a:solidFill>
-                <a:latin typeface="Cascadia Code" panose="020B0609020000020004" pitchFamily="49" charset="0"/>
-                <a:cs typeface="Cascadia Code" panose="020B0609020000020004" pitchFamily="49" charset="0"/>
-              </a:rPr>
-              <a:t> </a:t>
-            </a:r>
-            <a:r>
-              <a:rPr lang="en-US" sz="1800" dirty="0" err="1">
-                <a:solidFill>
-                  <a:srgbClr val="0000FF"/>
-                </a:solidFill>
-                <a:latin typeface="Cascadia Code" panose="020B0609020000020004" pitchFamily="49" charset="0"/>
-                <a:cs typeface="Cascadia Code" panose="020B0609020000020004" pitchFamily="49" charset="0"/>
-              </a:rPr>
-              <a:t>master</a:t>
-            </a:r>
-            <a:r>
-              <a:rPr lang="en-US" sz="1800" dirty="0" err="1">
-                <a:solidFill>
-                  <a:srgbClr val="808080"/>
-                </a:solidFill>
-                <a:latin typeface="Cascadia Code" panose="020B0609020000020004" pitchFamily="49" charset="0"/>
-                <a:cs typeface="Cascadia Code" panose="020B0609020000020004" pitchFamily="49" charset="0"/>
-              </a:rPr>
-              <a:t>.</a:t>
-            </a:r>
-            <a:r>
-              <a:rPr lang="en-US" sz="1800" dirty="0" err="1">
-                <a:solidFill>
-                  <a:srgbClr val="00B050"/>
-                </a:solidFill>
-                <a:latin typeface="Cascadia Code" panose="020B0609020000020004" pitchFamily="49" charset="0"/>
-                <a:cs typeface="Cascadia Code" panose="020B0609020000020004" pitchFamily="49" charset="0"/>
-              </a:rPr>
-              <a:t>sys</a:t>
-            </a:r>
-            <a:r>
-              <a:rPr lang="en-US" sz="1800" dirty="0" err="1">
-                <a:solidFill>
-                  <a:srgbClr val="808080"/>
-                </a:solidFill>
-                <a:latin typeface="Cascadia Code" panose="020B0609020000020004" pitchFamily="49" charset="0"/>
-                <a:cs typeface="Cascadia Code" panose="020B0609020000020004" pitchFamily="49" charset="0"/>
-              </a:rPr>
-              <a:t>.</a:t>
-            </a:r>
-            <a:r>
-              <a:rPr lang="en-US" sz="1800" dirty="0" err="1">
-                <a:solidFill>
-                  <a:srgbClr val="00B050"/>
-                </a:solidFill>
-                <a:latin typeface="Cascadia Code" panose="020B0609020000020004" pitchFamily="49" charset="0"/>
-                <a:cs typeface="Cascadia Code" panose="020B0609020000020004" pitchFamily="49" charset="0"/>
-              </a:rPr>
-              <a:t>configurations</a:t>
-            </a:r>
-            <a:endParaRPr lang="en-US" sz="1800" dirty="0">
-              <a:solidFill>
-                <a:srgbClr val="00B050"/>
-              </a:solidFill>
-              <a:latin typeface="Cascadia Code" panose="020B0609020000020004" pitchFamily="49" charset="0"/>
-              <a:cs typeface="Cascadia Code" panose="020B0609020000020004" pitchFamily="49" charset="0"/>
-            </a:endParaRPr>
-          </a:p>
-          <a:p>
-            <a:r>
-              <a:rPr lang="en-US" sz="1800" dirty="0">
-                <a:solidFill>
-                  <a:srgbClr val="0000FF"/>
-                </a:solidFill>
-                <a:latin typeface="Cascadia Code" panose="020B0609020000020004" pitchFamily="49" charset="0"/>
-                <a:cs typeface="Cascadia Code" panose="020B0609020000020004" pitchFamily="49" charset="0"/>
-              </a:rPr>
-              <a:t>WHERE</a:t>
-            </a:r>
-            <a:r>
-              <a:rPr lang="en-US" sz="1800" dirty="0">
-                <a:solidFill>
-                  <a:srgbClr val="000000"/>
-                </a:solidFill>
-                <a:latin typeface="Cascadia Code" panose="020B0609020000020004" pitchFamily="49" charset="0"/>
-                <a:cs typeface="Cascadia Code" panose="020B0609020000020004" pitchFamily="49" charset="0"/>
-              </a:rPr>
-              <a:t> [description] </a:t>
-            </a:r>
-            <a:r>
-              <a:rPr lang="en-US" sz="1800" dirty="0">
-                <a:solidFill>
-                  <a:srgbClr val="808080"/>
-                </a:solidFill>
-                <a:latin typeface="Cascadia Code" panose="020B0609020000020004" pitchFamily="49" charset="0"/>
-                <a:cs typeface="Cascadia Code" panose="020B0609020000020004" pitchFamily="49" charset="0"/>
-              </a:rPr>
-              <a:t>LIKE</a:t>
-            </a:r>
-            <a:r>
-              <a:rPr lang="en-US" sz="1800" dirty="0">
-                <a:solidFill>
-                  <a:srgbClr val="000000"/>
-                </a:solidFill>
-                <a:latin typeface="Cascadia Code" panose="020B0609020000020004" pitchFamily="49" charset="0"/>
-                <a:cs typeface="Cascadia Code" panose="020B0609020000020004" pitchFamily="49" charset="0"/>
-              </a:rPr>
-              <a:t> </a:t>
-            </a:r>
-            <a:r>
-              <a:rPr lang="en-US" sz="1800" dirty="0">
-                <a:solidFill>
-                  <a:srgbClr val="FF0000"/>
-                </a:solidFill>
-                <a:latin typeface="Cascadia Code" panose="020B0609020000020004" pitchFamily="49" charset="0"/>
-                <a:cs typeface="Cascadia Code" panose="020B0609020000020004" pitchFamily="49" charset="0"/>
-              </a:rPr>
-              <a:t>'</a:t>
-            </a:r>
-            <a:r>
-              <a:rPr lang="en-US" sz="1800" dirty="0" err="1">
-                <a:solidFill>
-                  <a:srgbClr val="FF0000"/>
-                </a:solidFill>
-                <a:latin typeface="Cascadia Code" panose="020B0609020000020004" pitchFamily="49" charset="0"/>
-                <a:cs typeface="Cascadia Code" panose="020B0609020000020004" pitchFamily="49" charset="0"/>
-              </a:rPr>
-              <a:t>clr</a:t>
-            </a:r>
-            <a:r>
-              <a:rPr lang="en-US" sz="1800" dirty="0">
-                <a:solidFill>
-                  <a:srgbClr val="FF0000"/>
-                </a:solidFill>
-                <a:latin typeface="Cascadia Code" panose="020B0609020000020004" pitchFamily="49" charset="0"/>
-                <a:cs typeface="Cascadia Code" panose="020B0609020000020004" pitchFamily="49" charset="0"/>
-              </a:rPr>
-              <a:t>%'</a:t>
-            </a:r>
-            <a:endParaRPr lang="en-US" dirty="0">
-              <a:latin typeface="Cascadia Code" panose="020B0609020000020004" pitchFamily="49" charset="0"/>
-              <a:cs typeface="Cascadia Code" panose="020B0609020000020004" pitchFamily="49" charset="0"/>
-            </a:endParaRPr>
-          </a:p>
-        </p:txBody>
-      </p:sp>
-      <p:pic>
-        <p:nvPicPr>
-          <p:cNvPr id="19" name="Picture 18">
-            <a:extLst>
-              <a:ext uri="{FF2B5EF4-FFF2-40B4-BE49-F238E27FC236}">
-                <a16:creationId xmlns:a16="http://schemas.microsoft.com/office/drawing/2014/main" id="{EA347E16-249D-92DD-8510-5A3A0B38E954}"/>
-              </a:ext>
-            </a:extLst>
-          </p:cNvPr>
-          <p:cNvPicPr>
-            <a:picLocks noChangeAspect="1"/>
-          </p:cNvPicPr>
-          <p:nvPr/>
-        </p:nvPicPr>
-        <p:blipFill>
-          <a:blip r:embed="rId4"/>
-          <a:stretch>
-            <a:fillRect/>
-          </a:stretch>
-        </p:blipFill>
-        <p:spPr>
-          <a:xfrm>
-            <a:off x="1176943" y="5451190"/>
-            <a:ext cx="5349985" cy="813686"/>
-          </a:xfrm>
-          <a:prstGeom prst="rect">
-            <a:avLst/>
-          </a:prstGeom>
-        </p:spPr>
-      </p:pic>
-    </p:spTree>
-    <p:extLst>
-      <p:ext uri="{BB962C8B-B14F-4D97-AF65-F5344CB8AC3E}">
-        <p14:creationId xmlns:p14="http://schemas.microsoft.com/office/powerpoint/2010/main" val="584012983"/>
-      </p:ext>
-    </p:extLst>
-  </p:cSld>
-  <p:clrMapOvr>
-    <a:masterClrMapping/>
-  </p:clrMapOvr>
-</p:sld>
-</file>
-
-<file path=ppt/slides/slide20.xml><?xml version="1.0" encoding="utf-8"?>
+<file path=ppt/slides/slide21.xml><?xml version="1.0" encoding="utf-8"?>
 <p:sld xmlns:a="http://schemas.openxmlformats.org/drawingml/2006/main" xmlns:r="http://schemas.openxmlformats.org/officeDocument/2006/relationships" xmlns:p="http://schemas.openxmlformats.org/presentationml/2006/main">
   <p:cSld>
     <p:spTree>
@@ -12572,7 +12374,7 @@
 </p:sld>
 </file>
 
-<file path=ppt/slides/slide21.xml><?xml version="1.0" encoding="utf-8"?>
+<file path=ppt/slides/slide22.xml><?xml version="1.0" encoding="utf-8"?>
 <p:sld xmlns:a="http://schemas.openxmlformats.org/drawingml/2006/main" xmlns:r="http://schemas.openxmlformats.org/officeDocument/2006/relationships" xmlns:p="http://schemas.openxmlformats.org/presentationml/2006/main">
   <p:cSld>
     <p:spTree>
@@ -12968,7 +12770,7 @@
 </p:sld>
 </file>
 
-<file path=ppt/slides/slide22.xml><?xml version="1.0" encoding="utf-8"?>
+<file path=ppt/slides/slide23.xml><?xml version="1.0" encoding="utf-8"?>
 <p:sld xmlns:a="http://schemas.openxmlformats.org/drawingml/2006/main" xmlns:r="http://schemas.openxmlformats.org/officeDocument/2006/relationships" xmlns:p="http://schemas.openxmlformats.org/presentationml/2006/main">
   <p:cSld>
     <p:spTree>
@@ -13051,7 +12853,7 @@
 </p:sld>
 </file>
 
-<file path=ppt/slides/slide23.xml><?xml version="1.0" encoding="utf-8"?>
+<file path=ppt/slides/slide24.xml><?xml version="1.0" encoding="utf-8"?>
 <p:sld xmlns:a="http://schemas.openxmlformats.org/drawingml/2006/main" xmlns:r="http://schemas.openxmlformats.org/officeDocument/2006/relationships" xmlns:p="http://schemas.openxmlformats.org/presentationml/2006/main">
   <p:cSld>
     <p:spTree>
@@ -13615,7 +13417,7 @@
 </p:sld>
 </file>
 
-<file path=ppt/slides/slide24.xml><?xml version="1.0" encoding="utf-8"?>
+<file path=ppt/slides/slide25.xml><?xml version="1.0" encoding="utf-8"?>
 <p:sld xmlns:a="http://schemas.openxmlformats.org/drawingml/2006/main" xmlns:r="http://schemas.openxmlformats.org/officeDocument/2006/relationships" xmlns:p="http://schemas.openxmlformats.org/presentationml/2006/main">
   <p:cSld>
     <p:spTree>
@@ -14796,7 +14598,7 @@
 </p:sld>
 </file>
 
-<file path=ppt/slides/slide25.xml><?xml version="1.0" encoding="utf-8"?>
+<file path=ppt/slides/slide26.xml><?xml version="1.0" encoding="utf-8"?>
 <p:sld xmlns:a="http://schemas.openxmlformats.org/drawingml/2006/main" xmlns:r="http://schemas.openxmlformats.org/officeDocument/2006/relationships" xmlns:p="http://schemas.openxmlformats.org/presentationml/2006/main">
   <p:cSld>
     <p:spTree>
@@ -16265,7 +16067,7 @@
 </p:sld>
 </file>
 
-<file path=ppt/slides/slide26.xml><?xml version="1.0" encoding="utf-8"?>
+<file path=ppt/slides/slide27.xml><?xml version="1.0" encoding="utf-8"?>
 <p:sld xmlns:a="http://schemas.openxmlformats.org/drawingml/2006/main" xmlns:r="http://schemas.openxmlformats.org/officeDocument/2006/relationships" xmlns:p="http://schemas.openxmlformats.org/presentationml/2006/main">
   <p:cSld>
     <p:spTree>
@@ -16809,7 +16611,7 @@
 </p:sld>
 </file>
 
-<file path=ppt/slides/slide27.xml><?xml version="1.0" encoding="utf-8"?>
+<file path=ppt/slides/slide28.xml><?xml version="1.0" encoding="utf-8"?>
 <p:sld xmlns:a="http://schemas.openxmlformats.org/drawingml/2006/main" xmlns:r="http://schemas.openxmlformats.org/officeDocument/2006/relationships" xmlns:p="http://schemas.openxmlformats.org/presentationml/2006/main">
   <p:cSld>
     <p:spTree>
@@ -17201,6 +17003,828 @@
       </p:grpSpPr>
       <p:sp>
         <p:nvSpPr>
+          <p:cNvPr id="8" name="TextBox 7">
+            <a:extLst>
+              <a:ext uri="{FF2B5EF4-FFF2-40B4-BE49-F238E27FC236}">
+                <a16:creationId xmlns:a16="http://schemas.microsoft.com/office/drawing/2014/main" id="{604B7F01-18FC-0134-829F-DE82552E8BE8}"/>
+              </a:ext>
+            </a:extLst>
+          </p:cNvPr>
+          <p:cNvSpPr txBox="1"/>
+          <p:nvPr/>
+        </p:nvSpPr>
+        <p:spPr>
+          <a:xfrm>
+            <a:off x="738055" y="744925"/>
+            <a:ext cx="10583913" cy="707886"/>
+          </a:xfrm>
+          <a:prstGeom prst="rect">
+            <a:avLst/>
+          </a:prstGeom>
+          <a:noFill/>
+        </p:spPr>
+        <p:txBody>
+          <a:bodyPr wrap="square">
+            <a:spAutoFit/>
+          </a:bodyPr>
+          <a:lstStyle/>
+          <a:p>
+            <a:r>
+              <a:rPr lang="en-US" sz="4000" i="1" dirty="0">
+                <a:solidFill>
+                  <a:srgbClr val="FF0000"/>
+                </a:solidFill>
+                <a:latin typeface="Cascadia Code" panose="020B0609020000020004" pitchFamily="49" charset="0"/>
+                <a:cs typeface="Cascadia Code" panose="020B0609020000020004" pitchFamily="49" charset="0"/>
+              </a:rPr>
+              <a:t>stringable1</a:t>
+            </a:r>
+            <a:r>
+              <a:rPr lang="en-US" sz="4000" dirty="0">
+                <a:solidFill>
+                  <a:srgbClr val="000000"/>
+                </a:solidFill>
+                <a:latin typeface="Cascadia Code" panose="020B0609020000020004" pitchFamily="49" charset="0"/>
+                <a:cs typeface="Cascadia Code" panose="020B0609020000020004" pitchFamily="49" charset="0"/>
+              </a:rPr>
+              <a:t> </a:t>
+            </a:r>
+            <a:r>
+              <a:rPr lang="en-US" sz="4000" dirty="0">
+                <a:solidFill>
+                  <a:srgbClr val="808080"/>
+                </a:solidFill>
+                <a:latin typeface="Cascadia Code" panose="020B0609020000020004" pitchFamily="49" charset="0"/>
+                <a:cs typeface="Cascadia Code" panose="020B0609020000020004" pitchFamily="49" charset="0"/>
+              </a:rPr>
+              <a:t>LIKE</a:t>
+            </a:r>
+            <a:r>
+              <a:rPr lang="en-US" sz="4000" dirty="0">
+                <a:solidFill>
+                  <a:srgbClr val="000000"/>
+                </a:solidFill>
+                <a:latin typeface="Cascadia Code" panose="020B0609020000020004" pitchFamily="49" charset="0"/>
+                <a:cs typeface="Cascadia Code" panose="020B0609020000020004" pitchFamily="49" charset="0"/>
+              </a:rPr>
+              <a:t> </a:t>
+            </a:r>
+            <a:r>
+              <a:rPr lang="en-US" sz="4000" i="1" dirty="0">
+                <a:solidFill>
+                  <a:srgbClr val="FF0000"/>
+                </a:solidFill>
+                <a:latin typeface="Cascadia Code" panose="020B0609020000020004" pitchFamily="49" charset="0"/>
+                <a:cs typeface="Cascadia Code" panose="020B0609020000020004" pitchFamily="49" charset="0"/>
+              </a:rPr>
+              <a:t>stringable2</a:t>
+            </a:r>
+          </a:p>
+        </p:txBody>
+      </p:sp>
+      <p:sp>
+        <p:nvSpPr>
+          <p:cNvPr id="14" name="TextBox 13">
+            <a:extLst>
+              <a:ext uri="{FF2B5EF4-FFF2-40B4-BE49-F238E27FC236}">
+                <a16:creationId xmlns:a16="http://schemas.microsoft.com/office/drawing/2014/main" id="{A274B8B0-A303-1D1D-3E99-08F362298D87}"/>
+              </a:ext>
+            </a:extLst>
+          </p:cNvPr>
+          <p:cNvSpPr txBox="1"/>
+          <p:nvPr/>
+        </p:nvSpPr>
+        <p:spPr>
+          <a:xfrm>
+            <a:off x="6839503" y="1903921"/>
+            <a:ext cx="4585335" cy="923330"/>
+          </a:xfrm>
+          <a:prstGeom prst="rect">
+            <a:avLst/>
+          </a:prstGeom>
+          <a:noFill/>
+        </p:spPr>
+        <p:txBody>
+          <a:bodyPr wrap="square" rtlCol="0">
+            <a:spAutoFit/>
+          </a:bodyPr>
+          <a:lstStyle/>
+          <a:p>
+            <a:r>
+              <a:rPr lang="en-US" dirty="0"/>
+              <a:t>“</a:t>
+            </a:r>
+            <a:r>
+              <a:rPr lang="en-US" dirty="0" err="1"/>
+              <a:t>Stringable</a:t>
+            </a:r>
+            <a:r>
+              <a:rPr lang="en-US" dirty="0"/>
+              <a:t>” refers to anything that can be represented as a string, including </a:t>
+            </a:r>
+            <a:r>
+              <a:rPr lang="en-US" dirty="0" err="1"/>
+              <a:t>numerics</a:t>
+            </a:r>
+            <a:r>
+              <a:rPr lang="en-US" dirty="0"/>
+              <a:t>, datetimes, </a:t>
+            </a:r>
+            <a:r>
+              <a:rPr lang="en-US" dirty="0" err="1"/>
+              <a:t>guids</a:t>
+            </a:r>
+            <a:r>
+              <a:rPr lang="en-US" dirty="0"/>
+              <a:t>, etc.</a:t>
+            </a:r>
+          </a:p>
+        </p:txBody>
+      </p:sp>
+      <p:sp>
+        <p:nvSpPr>
+          <p:cNvPr id="15" name="TextBox 14">
+            <a:extLst>
+              <a:ext uri="{FF2B5EF4-FFF2-40B4-BE49-F238E27FC236}">
+                <a16:creationId xmlns:a16="http://schemas.microsoft.com/office/drawing/2014/main" id="{4E95F8E7-F4ED-2BD1-D94C-38120D18DDD4}"/>
+              </a:ext>
+            </a:extLst>
+          </p:cNvPr>
+          <p:cNvSpPr txBox="1"/>
+          <p:nvPr/>
+        </p:nvSpPr>
+        <p:spPr>
+          <a:xfrm>
+            <a:off x="6839503" y="3376414"/>
+            <a:ext cx="4482465" cy="1754326"/>
+          </a:xfrm>
+          <a:prstGeom prst="rect">
+            <a:avLst/>
+          </a:prstGeom>
+          <a:noFill/>
+        </p:spPr>
+        <p:txBody>
+          <a:bodyPr wrap="square" rtlCol="0">
+            <a:spAutoFit/>
+          </a:bodyPr>
+          <a:lstStyle/>
+          <a:p>
+            <a:r>
+              <a:rPr lang="en-US" dirty="0">
+                <a:latin typeface="Cascadia Code" panose="020B0609020000020004" pitchFamily="49" charset="0"/>
+                <a:cs typeface="Cascadia Code" panose="020B0609020000020004" pitchFamily="49" charset="0"/>
+              </a:rPr>
+              <a:t>Stringable1</a:t>
+            </a:r>
+            <a:r>
+              <a:rPr lang="en-US" dirty="0"/>
+              <a:t> is usually the longer string</a:t>
+            </a:r>
+          </a:p>
+          <a:p>
+            <a:endParaRPr lang="en-US" dirty="0"/>
+          </a:p>
+          <a:p>
+            <a:r>
+              <a:rPr lang="en-US" dirty="0">
+                <a:latin typeface="Cascadia Code" panose="020B0609020000020004" pitchFamily="49" charset="0"/>
+                <a:cs typeface="Cascadia Code" panose="020B0609020000020004" pitchFamily="49" charset="0"/>
+              </a:rPr>
+              <a:t>Stringable2</a:t>
+            </a:r>
+            <a:r>
+              <a:rPr lang="en-US" dirty="0"/>
+              <a:t> is usually the shorter string with one/more % symbols as wildcards</a:t>
+            </a:r>
+          </a:p>
+          <a:p>
+            <a:endParaRPr lang="en-US" dirty="0"/>
+          </a:p>
+          <a:p>
+            <a:r>
+              <a:rPr lang="en-US" dirty="0"/>
+              <a:t>Returns </a:t>
+            </a:r>
+            <a:r>
+              <a:rPr lang="en-US" dirty="0" err="1"/>
+              <a:t>boolean</a:t>
+            </a:r>
+            <a:endParaRPr lang="en-US" dirty="0"/>
+          </a:p>
+        </p:txBody>
+      </p:sp>
+      <p:sp>
+        <p:nvSpPr>
+          <p:cNvPr id="4" name="TextBox 3">
+            <a:extLst>
+              <a:ext uri="{FF2B5EF4-FFF2-40B4-BE49-F238E27FC236}">
+                <a16:creationId xmlns:a16="http://schemas.microsoft.com/office/drawing/2014/main" id="{4E11973C-F73D-D1BF-C7CE-A57C9BA4A3A9}"/>
+              </a:ext>
+            </a:extLst>
+          </p:cNvPr>
+          <p:cNvSpPr txBox="1"/>
+          <p:nvPr/>
+        </p:nvSpPr>
+        <p:spPr>
+          <a:xfrm>
+            <a:off x="1125495" y="1903921"/>
+            <a:ext cx="4482465" cy="1415772"/>
+          </a:xfrm>
+          <a:prstGeom prst="rect">
+            <a:avLst/>
+          </a:prstGeom>
+          <a:noFill/>
+        </p:spPr>
+        <p:txBody>
+          <a:bodyPr wrap="square">
+            <a:spAutoFit/>
+          </a:bodyPr>
+          <a:lstStyle/>
+          <a:p>
+            <a:r>
+              <a:rPr lang="en-US" sz="1800" dirty="0">
+                <a:solidFill>
+                  <a:srgbClr val="0000FF"/>
+                </a:solidFill>
+                <a:latin typeface="Cascadia Code" panose="020B0609020000020004" pitchFamily="49" charset="0"/>
+                <a:cs typeface="Cascadia Code" panose="020B0609020000020004" pitchFamily="49" charset="0"/>
+              </a:rPr>
+              <a:t>DECLARE</a:t>
+            </a:r>
+            <a:r>
+              <a:rPr lang="en-US" sz="1800" dirty="0">
+                <a:solidFill>
+                  <a:srgbClr val="000000"/>
+                </a:solidFill>
+                <a:latin typeface="Cascadia Code" panose="020B0609020000020004" pitchFamily="49" charset="0"/>
+                <a:cs typeface="Cascadia Code" panose="020B0609020000020004" pitchFamily="49" charset="0"/>
+              </a:rPr>
+              <a:t> @_venue </a:t>
+            </a:r>
+            <a:r>
+              <a:rPr lang="en-US" sz="1800" dirty="0">
+                <a:solidFill>
+                  <a:srgbClr val="0000FF"/>
+                </a:solidFill>
+                <a:latin typeface="Cascadia Code" panose="020B0609020000020004" pitchFamily="49" charset="0"/>
+                <a:cs typeface="Cascadia Code" panose="020B0609020000020004" pitchFamily="49" charset="0"/>
+              </a:rPr>
+              <a:t>varchar</a:t>
+            </a:r>
+            <a:r>
+              <a:rPr lang="en-US" sz="1800" dirty="0">
+                <a:solidFill>
+                  <a:srgbClr val="808080"/>
+                </a:solidFill>
+                <a:latin typeface="Cascadia Code" panose="020B0609020000020004" pitchFamily="49" charset="0"/>
+                <a:cs typeface="Cascadia Code" panose="020B0609020000020004" pitchFamily="49" charset="0"/>
+              </a:rPr>
+              <a:t>(</a:t>
+            </a:r>
+            <a:r>
+              <a:rPr lang="en-US" sz="1800" dirty="0">
+                <a:solidFill>
+                  <a:srgbClr val="000000"/>
+                </a:solidFill>
+                <a:latin typeface="Cascadia Code" panose="020B0609020000020004" pitchFamily="49" charset="0"/>
+                <a:cs typeface="Cascadia Code" panose="020B0609020000020004" pitchFamily="49" charset="0"/>
+              </a:rPr>
+              <a:t>20</a:t>
+            </a:r>
+            <a:r>
+              <a:rPr lang="en-US" sz="1800" dirty="0">
+                <a:solidFill>
+                  <a:srgbClr val="808080"/>
+                </a:solidFill>
+                <a:latin typeface="Cascadia Code" panose="020B0609020000020004" pitchFamily="49" charset="0"/>
+                <a:cs typeface="Cascadia Code" panose="020B0609020000020004" pitchFamily="49" charset="0"/>
+              </a:rPr>
+              <a:t>)</a:t>
+            </a:r>
+            <a:r>
+              <a:rPr lang="en-US" sz="1800" dirty="0">
+                <a:solidFill>
+                  <a:srgbClr val="000000"/>
+                </a:solidFill>
+                <a:latin typeface="Cascadia Code" panose="020B0609020000020004" pitchFamily="49" charset="0"/>
+                <a:cs typeface="Cascadia Code" panose="020B0609020000020004" pitchFamily="49" charset="0"/>
+              </a:rPr>
+              <a:t> </a:t>
+            </a:r>
+          </a:p>
+          <a:p>
+            <a:r>
+              <a:rPr lang="en-US" dirty="0">
+                <a:solidFill>
+                  <a:srgbClr val="000000"/>
+                </a:solidFill>
+                <a:latin typeface="Cascadia Code" panose="020B0609020000020004" pitchFamily="49" charset="0"/>
+                <a:cs typeface="Cascadia Code" panose="020B0609020000020004" pitchFamily="49" charset="0"/>
+              </a:rPr>
+              <a:t>  </a:t>
+            </a:r>
+            <a:r>
+              <a:rPr lang="en-US" sz="1800" dirty="0">
+                <a:solidFill>
+                  <a:srgbClr val="808080"/>
+                </a:solidFill>
+                <a:latin typeface="Cascadia Code" panose="020B0609020000020004" pitchFamily="49" charset="0"/>
+                <a:cs typeface="Cascadia Code" panose="020B0609020000020004" pitchFamily="49" charset="0"/>
+              </a:rPr>
+              <a:t>=</a:t>
+            </a:r>
+            <a:r>
+              <a:rPr lang="en-US" sz="1800" dirty="0">
+                <a:solidFill>
+                  <a:srgbClr val="000000"/>
+                </a:solidFill>
+                <a:latin typeface="Cascadia Code" panose="020B0609020000020004" pitchFamily="49" charset="0"/>
+                <a:cs typeface="Cascadia Code" panose="020B0609020000020004" pitchFamily="49" charset="0"/>
+              </a:rPr>
+              <a:t> </a:t>
+            </a:r>
+            <a:r>
+              <a:rPr lang="en-US" sz="1800" dirty="0">
+                <a:solidFill>
+                  <a:srgbClr val="FF0000"/>
+                </a:solidFill>
+                <a:latin typeface="Cascadia Code" panose="020B0609020000020004" pitchFamily="49" charset="0"/>
+                <a:cs typeface="Cascadia Code" panose="020B0609020000020004" pitchFamily="49" charset="0"/>
+              </a:rPr>
+              <a:t>'SQL Saturday 20XX'</a:t>
+            </a:r>
+            <a:endParaRPr lang="en-US" dirty="0">
+              <a:solidFill>
+                <a:srgbClr val="000000"/>
+              </a:solidFill>
+              <a:latin typeface="Cascadia Code" panose="020B0609020000020004" pitchFamily="49" charset="0"/>
+              <a:cs typeface="Cascadia Code" panose="020B0609020000020004" pitchFamily="49" charset="0"/>
+            </a:endParaRPr>
+          </a:p>
+          <a:p>
+            <a:endParaRPr lang="en-US" sz="1100" dirty="0">
+              <a:solidFill>
+                <a:srgbClr val="000000"/>
+              </a:solidFill>
+              <a:latin typeface="Cascadia Code" panose="020B0609020000020004" pitchFamily="49" charset="0"/>
+              <a:cs typeface="Cascadia Code" panose="020B0609020000020004" pitchFamily="49" charset="0"/>
+            </a:endParaRPr>
+          </a:p>
+          <a:p>
+            <a:r>
+              <a:rPr lang="en-US" sz="1800" dirty="0">
+                <a:solidFill>
+                  <a:srgbClr val="0000FF"/>
+                </a:solidFill>
+                <a:latin typeface="Cascadia Code" panose="020B0609020000020004" pitchFamily="49" charset="0"/>
+                <a:cs typeface="Cascadia Code" panose="020B0609020000020004" pitchFamily="49" charset="0"/>
+              </a:rPr>
+              <a:t>IF</a:t>
+            </a:r>
+            <a:r>
+              <a:rPr lang="en-US" sz="1800" dirty="0">
+                <a:solidFill>
+                  <a:srgbClr val="000000"/>
+                </a:solidFill>
+                <a:latin typeface="Cascadia Code" panose="020B0609020000020004" pitchFamily="49" charset="0"/>
+                <a:cs typeface="Cascadia Code" panose="020B0609020000020004" pitchFamily="49" charset="0"/>
+              </a:rPr>
+              <a:t> @_venue </a:t>
+            </a:r>
+            <a:r>
+              <a:rPr lang="en-US" sz="1800" dirty="0">
+                <a:solidFill>
+                  <a:srgbClr val="808080"/>
+                </a:solidFill>
+                <a:latin typeface="Cascadia Code" panose="020B0609020000020004" pitchFamily="49" charset="0"/>
+                <a:cs typeface="Cascadia Code" panose="020B0609020000020004" pitchFamily="49" charset="0"/>
+              </a:rPr>
+              <a:t>LIKE</a:t>
+            </a:r>
+            <a:r>
+              <a:rPr lang="en-US" sz="1800" dirty="0">
+                <a:solidFill>
+                  <a:srgbClr val="000000"/>
+                </a:solidFill>
+                <a:latin typeface="Cascadia Code" panose="020B0609020000020004" pitchFamily="49" charset="0"/>
+                <a:cs typeface="Cascadia Code" panose="020B0609020000020004" pitchFamily="49" charset="0"/>
+              </a:rPr>
+              <a:t> </a:t>
+            </a:r>
+            <a:r>
+              <a:rPr lang="en-US" sz="1800" dirty="0">
+                <a:solidFill>
+                  <a:srgbClr val="FF0000"/>
+                </a:solidFill>
+                <a:latin typeface="Cascadia Code" panose="020B0609020000020004" pitchFamily="49" charset="0"/>
+                <a:cs typeface="Cascadia Code" panose="020B0609020000020004" pitchFamily="49" charset="0"/>
+              </a:rPr>
+              <a:t>'%</a:t>
+            </a:r>
+            <a:r>
+              <a:rPr lang="en-US" sz="1800" dirty="0" err="1">
+                <a:solidFill>
+                  <a:srgbClr val="FF0000"/>
+                </a:solidFill>
+                <a:latin typeface="Cascadia Code" panose="020B0609020000020004" pitchFamily="49" charset="0"/>
+                <a:cs typeface="Cascadia Code" panose="020B0609020000020004" pitchFamily="49" charset="0"/>
+              </a:rPr>
+              <a:t>sql</a:t>
+            </a:r>
+            <a:r>
+              <a:rPr lang="en-US" sz="1800" dirty="0">
+                <a:solidFill>
+                  <a:srgbClr val="FF0000"/>
+                </a:solidFill>
+                <a:latin typeface="Cascadia Code" panose="020B0609020000020004" pitchFamily="49" charset="0"/>
+                <a:cs typeface="Cascadia Code" panose="020B0609020000020004" pitchFamily="49" charset="0"/>
+              </a:rPr>
+              <a:t>%'</a:t>
+            </a:r>
+            <a:endParaRPr lang="en-US" sz="1800" dirty="0">
+              <a:solidFill>
+                <a:srgbClr val="000000"/>
+              </a:solidFill>
+              <a:latin typeface="Cascadia Code" panose="020B0609020000020004" pitchFamily="49" charset="0"/>
+              <a:cs typeface="Cascadia Code" panose="020B0609020000020004" pitchFamily="49" charset="0"/>
+            </a:endParaRPr>
+          </a:p>
+          <a:p>
+            <a:r>
+              <a:rPr lang="en-US" sz="1800" dirty="0">
+                <a:solidFill>
+                  <a:srgbClr val="0000FF"/>
+                </a:solidFill>
+                <a:latin typeface="Cascadia Code" panose="020B0609020000020004" pitchFamily="49" charset="0"/>
+                <a:cs typeface="Cascadia Code" panose="020B0609020000020004" pitchFamily="49" charset="0"/>
+              </a:rPr>
+              <a:t>  PRINT</a:t>
+            </a:r>
+            <a:r>
+              <a:rPr lang="en-US" sz="1800" dirty="0">
+                <a:solidFill>
+                  <a:srgbClr val="000000"/>
+                </a:solidFill>
+                <a:latin typeface="Cascadia Code" panose="020B0609020000020004" pitchFamily="49" charset="0"/>
+                <a:cs typeface="Cascadia Code" panose="020B0609020000020004" pitchFamily="49" charset="0"/>
+              </a:rPr>
+              <a:t> </a:t>
+            </a:r>
+            <a:r>
+              <a:rPr lang="en-US" sz="1800" dirty="0">
+                <a:solidFill>
+                  <a:srgbClr val="FF0000"/>
+                </a:solidFill>
+                <a:latin typeface="Cascadia Code" panose="020B0609020000020004" pitchFamily="49" charset="0"/>
+                <a:cs typeface="Cascadia Code" panose="020B0609020000020004" pitchFamily="49" charset="0"/>
+              </a:rPr>
+              <a:t>'@_venue LIKE "%</a:t>
+            </a:r>
+            <a:r>
+              <a:rPr lang="en-US" sz="1800" dirty="0" err="1">
+                <a:solidFill>
+                  <a:srgbClr val="FF0000"/>
+                </a:solidFill>
+                <a:latin typeface="Cascadia Code" panose="020B0609020000020004" pitchFamily="49" charset="0"/>
+                <a:cs typeface="Cascadia Code" panose="020B0609020000020004" pitchFamily="49" charset="0"/>
+              </a:rPr>
+              <a:t>sql</a:t>
+            </a:r>
+            <a:r>
+              <a:rPr lang="en-US" sz="1800" dirty="0">
+                <a:solidFill>
+                  <a:srgbClr val="FF0000"/>
+                </a:solidFill>
+                <a:latin typeface="Cascadia Code" panose="020B0609020000020004" pitchFamily="49" charset="0"/>
+                <a:cs typeface="Cascadia Code" panose="020B0609020000020004" pitchFamily="49" charset="0"/>
+              </a:rPr>
+              <a:t>%"'</a:t>
+            </a:r>
+            <a:endParaRPr lang="en-US" dirty="0">
+              <a:latin typeface="Cascadia Code" panose="020B0609020000020004" pitchFamily="49" charset="0"/>
+              <a:cs typeface="Cascadia Code" panose="020B0609020000020004" pitchFamily="49" charset="0"/>
+            </a:endParaRPr>
+          </a:p>
+        </p:txBody>
+      </p:sp>
+      <p:pic>
+        <p:nvPicPr>
+          <p:cNvPr id="9" name="Picture 8">
+            <a:extLst>
+              <a:ext uri="{FF2B5EF4-FFF2-40B4-BE49-F238E27FC236}">
+                <a16:creationId xmlns:a16="http://schemas.microsoft.com/office/drawing/2014/main" id="{DEBA725D-843C-BCAC-BED1-534BAAD10A1F}"/>
+              </a:ext>
+            </a:extLst>
+          </p:cNvPr>
+          <p:cNvPicPr>
+            <a:picLocks noChangeAspect="1"/>
+          </p:cNvPicPr>
+          <p:nvPr/>
+        </p:nvPicPr>
+        <p:blipFill>
+          <a:blip r:embed="rId3"/>
+          <a:stretch>
+            <a:fillRect/>
+          </a:stretch>
+        </p:blipFill>
+        <p:spPr>
+          <a:xfrm>
+            <a:off x="1125495" y="3390548"/>
+            <a:ext cx="3557716" cy="672773"/>
+          </a:xfrm>
+          <a:prstGeom prst="rect">
+            <a:avLst/>
+          </a:prstGeom>
+        </p:spPr>
+      </p:pic>
+      <p:sp>
+        <p:nvSpPr>
+          <p:cNvPr id="12" name="TextBox 11">
+            <a:extLst>
+              <a:ext uri="{FF2B5EF4-FFF2-40B4-BE49-F238E27FC236}">
+                <a16:creationId xmlns:a16="http://schemas.microsoft.com/office/drawing/2014/main" id="{13DD1500-1F2C-AB9A-9E2B-DFA74A4EB9AB}"/>
+              </a:ext>
+            </a:extLst>
+          </p:cNvPr>
+          <p:cNvSpPr txBox="1"/>
+          <p:nvPr/>
+        </p:nvSpPr>
+        <p:spPr>
+          <a:xfrm>
+            <a:off x="1125495" y="4527860"/>
+            <a:ext cx="4632754" cy="923330"/>
+          </a:xfrm>
+          <a:prstGeom prst="rect">
+            <a:avLst/>
+          </a:prstGeom>
+          <a:noFill/>
+        </p:spPr>
+        <p:txBody>
+          <a:bodyPr wrap="square">
+            <a:spAutoFit/>
+          </a:bodyPr>
+          <a:lstStyle/>
+          <a:p>
+            <a:r>
+              <a:rPr lang="en-US" sz="1800" dirty="0">
+                <a:solidFill>
+                  <a:srgbClr val="0000FF"/>
+                </a:solidFill>
+                <a:latin typeface="Cascadia Code" panose="020B0609020000020004" pitchFamily="49" charset="0"/>
+                <a:cs typeface="Cascadia Code" panose="020B0609020000020004" pitchFamily="49" charset="0"/>
+              </a:rPr>
+              <a:t>SELECT</a:t>
+            </a:r>
+            <a:r>
+              <a:rPr lang="en-US" sz="1800" dirty="0">
+                <a:solidFill>
+                  <a:srgbClr val="000000"/>
+                </a:solidFill>
+                <a:latin typeface="Cascadia Code" panose="020B0609020000020004" pitchFamily="49" charset="0"/>
+                <a:cs typeface="Cascadia Code" panose="020B0609020000020004" pitchFamily="49" charset="0"/>
+              </a:rPr>
+              <a:t> [name]</a:t>
+            </a:r>
+            <a:r>
+              <a:rPr lang="en-US" sz="1800" dirty="0">
+                <a:solidFill>
+                  <a:srgbClr val="808080"/>
+                </a:solidFill>
+                <a:latin typeface="Cascadia Code" panose="020B0609020000020004" pitchFamily="49" charset="0"/>
+                <a:cs typeface="Cascadia Code" panose="020B0609020000020004" pitchFamily="49" charset="0"/>
+              </a:rPr>
+              <a:t>,</a:t>
+            </a:r>
+            <a:r>
+              <a:rPr lang="en-US" sz="1800" dirty="0">
+                <a:solidFill>
+                  <a:srgbClr val="000000"/>
+                </a:solidFill>
+                <a:latin typeface="Cascadia Code" panose="020B0609020000020004" pitchFamily="49" charset="0"/>
+                <a:cs typeface="Cascadia Code" panose="020B0609020000020004" pitchFamily="49" charset="0"/>
+              </a:rPr>
+              <a:t> [description] </a:t>
+            </a:r>
+          </a:p>
+          <a:p>
+            <a:r>
+              <a:rPr lang="en-US" sz="1800" dirty="0">
+                <a:solidFill>
+                  <a:srgbClr val="0000FF"/>
+                </a:solidFill>
+                <a:latin typeface="Cascadia Code" panose="020B0609020000020004" pitchFamily="49" charset="0"/>
+                <a:cs typeface="Cascadia Code" panose="020B0609020000020004" pitchFamily="49" charset="0"/>
+              </a:rPr>
+              <a:t>FROM</a:t>
+            </a:r>
+            <a:r>
+              <a:rPr lang="en-US" sz="1800" dirty="0">
+                <a:solidFill>
+                  <a:srgbClr val="000000"/>
+                </a:solidFill>
+                <a:latin typeface="Cascadia Code" panose="020B0609020000020004" pitchFamily="49" charset="0"/>
+                <a:cs typeface="Cascadia Code" panose="020B0609020000020004" pitchFamily="49" charset="0"/>
+              </a:rPr>
+              <a:t> </a:t>
+            </a:r>
+            <a:r>
+              <a:rPr lang="en-US" sz="1800" dirty="0" err="1">
+                <a:solidFill>
+                  <a:srgbClr val="0000FF"/>
+                </a:solidFill>
+                <a:latin typeface="Cascadia Code" panose="020B0609020000020004" pitchFamily="49" charset="0"/>
+                <a:cs typeface="Cascadia Code" panose="020B0609020000020004" pitchFamily="49" charset="0"/>
+              </a:rPr>
+              <a:t>master</a:t>
+            </a:r>
+            <a:r>
+              <a:rPr lang="en-US" sz="1800" dirty="0" err="1">
+                <a:solidFill>
+                  <a:srgbClr val="808080"/>
+                </a:solidFill>
+                <a:latin typeface="Cascadia Code" panose="020B0609020000020004" pitchFamily="49" charset="0"/>
+                <a:cs typeface="Cascadia Code" panose="020B0609020000020004" pitchFamily="49" charset="0"/>
+              </a:rPr>
+              <a:t>.</a:t>
+            </a:r>
+            <a:r>
+              <a:rPr lang="en-US" sz="1800" dirty="0" err="1">
+                <a:solidFill>
+                  <a:srgbClr val="00B050"/>
+                </a:solidFill>
+                <a:latin typeface="Cascadia Code" panose="020B0609020000020004" pitchFamily="49" charset="0"/>
+                <a:cs typeface="Cascadia Code" panose="020B0609020000020004" pitchFamily="49" charset="0"/>
+              </a:rPr>
+              <a:t>sys</a:t>
+            </a:r>
+            <a:r>
+              <a:rPr lang="en-US" sz="1800" dirty="0" err="1">
+                <a:solidFill>
+                  <a:srgbClr val="808080"/>
+                </a:solidFill>
+                <a:latin typeface="Cascadia Code" panose="020B0609020000020004" pitchFamily="49" charset="0"/>
+                <a:cs typeface="Cascadia Code" panose="020B0609020000020004" pitchFamily="49" charset="0"/>
+              </a:rPr>
+              <a:t>.</a:t>
+            </a:r>
+            <a:r>
+              <a:rPr lang="en-US" sz="1800" dirty="0" err="1">
+                <a:solidFill>
+                  <a:srgbClr val="00B050"/>
+                </a:solidFill>
+                <a:latin typeface="Cascadia Code" panose="020B0609020000020004" pitchFamily="49" charset="0"/>
+                <a:cs typeface="Cascadia Code" panose="020B0609020000020004" pitchFamily="49" charset="0"/>
+              </a:rPr>
+              <a:t>configurations</a:t>
+            </a:r>
+            <a:endParaRPr lang="en-US" sz="1800" dirty="0">
+              <a:solidFill>
+                <a:srgbClr val="00B050"/>
+              </a:solidFill>
+              <a:latin typeface="Cascadia Code" panose="020B0609020000020004" pitchFamily="49" charset="0"/>
+              <a:cs typeface="Cascadia Code" panose="020B0609020000020004" pitchFamily="49" charset="0"/>
+            </a:endParaRPr>
+          </a:p>
+          <a:p>
+            <a:r>
+              <a:rPr lang="en-US" sz="1800" dirty="0">
+                <a:solidFill>
+                  <a:srgbClr val="0000FF"/>
+                </a:solidFill>
+                <a:latin typeface="Cascadia Code" panose="020B0609020000020004" pitchFamily="49" charset="0"/>
+                <a:cs typeface="Cascadia Code" panose="020B0609020000020004" pitchFamily="49" charset="0"/>
+              </a:rPr>
+              <a:t>WHERE</a:t>
+            </a:r>
+            <a:r>
+              <a:rPr lang="en-US" sz="1800" dirty="0">
+                <a:solidFill>
+                  <a:srgbClr val="000000"/>
+                </a:solidFill>
+                <a:latin typeface="Cascadia Code" panose="020B0609020000020004" pitchFamily="49" charset="0"/>
+                <a:cs typeface="Cascadia Code" panose="020B0609020000020004" pitchFamily="49" charset="0"/>
+              </a:rPr>
+              <a:t> [description] </a:t>
+            </a:r>
+            <a:r>
+              <a:rPr lang="en-US" sz="1800" dirty="0">
+                <a:solidFill>
+                  <a:srgbClr val="808080"/>
+                </a:solidFill>
+                <a:latin typeface="Cascadia Code" panose="020B0609020000020004" pitchFamily="49" charset="0"/>
+                <a:cs typeface="Cascadia Code" panose="020B0609020000020004" pitchFamily="49" charset="0"/>
+              </a:rPr>
+              <a:t>LIKE</a:t>
+            </a:r>
+            <a:r>
+              <a:rPr lang="en-US" sz="1800" dirty="0">
+                <a:solidFill>
+                  <a:srgbClr val="000000"/>
+                </a:solidFill>
+                <a:latin typeface="Cascadia Code" panose="020B0609020000020004" pitchFamily="49" charset="0"/>
+                <a:cs typeface="Cascadia Code" panose="020B0609020000020004" pitchFamily="49" charset="0"/>
+              </a:rPr>
+              <a:t> </a:t>
+            </a:r>
+            <a:r>
+              <a:rPr lang="en-US" sz="1800" dirty="0">
+                <a:solidFill>
+                  <a:srgbClr val="FF0000"/>
+                </a:solidFill>
+                <a:latin typeface="Cascadia Code" panose="020B0609020000020004" pitchFamily="49" charset="0"/>
+                <a:cs typeface="Cascadia Code" panose="020B0609020000020004" pitchFamily="49" charset="0"/>
+              </a:rPr>
+              <a:t>'</a:t>
+            </a:r>
+            <a:r>
+              <a:rPr lang="en-US" sz="1800" dirty="0" err="1">
+                <a:solidFill>
+                  <a:srgbClr val="FF0000"/>
+                </a:solidFill>
+                <a:latin typeface="Cascadia Code" panose="020B0609020000020004" pitchFamily="49" charset="0"/>
+                <a:cs typeface="Cascadia Code" panose="020B0609020000020004" pitchFamily="49" charset="0"/>
+              </a:rPr>
+              <a:t>clr</a:t>
+            </a:r>
+            <a:r>
+              <a:rPr lang="en-US" sz="1800" dirty="0">
+                <a:solidFill>
+                  <a:srgbClr val="FF0000"/>
+                </a:solidFill>
+                <a:latin typeface="Cascadia Code" panose="020B0609020000020004" pitchFamily="49" charset="0"/>
+                <a:cs typeface="Cascadia Code" panose="020B0609020000020004" pitchFamily="49" charset="0"/>
+              </a:rPr>
+              <a:t>%'</a:t>
+            </a:r>
+            <a:endParaRPr lang="en-US" dirty="0">
+              <a:latin typeface="Cascadia Code" panose="020B0609020000020004" pitchFamily="49" charset="0"/>
+              <a:cs typeface="Cascadia Code" panose="020B0609020000020004" pitchFamily="49" charset="0"/>
+            </a:endParaRPr>
+          </a:p>
+        </p:txBody>
+      </p:sp>
+      <p:pic>
+        <p:nvPicPr>
+          <p:cNvPr id="19" name="Picture 18">
+            <a:extLst>
+              <a:ext uri="{FF2B5EF4-FFF2-40B4-BE49-F238E27FC236}">
+                <a16:creationId xmlns:a16="http://schemas.microsoft.com/office/drawing/2014/main" id="{EA347E16-249D-92DD-8510-5A3A0B38E954}"/>
+              </a:ext>
+            </a:extLst>
+          </p:cNvPr>
+          <p:cNvPicPr>
+            <a:picLocks noChangeAspect="1"/>
+          </p:cNvPicPr>
+          <p:nvPr/>
+        </p:nvPicPr>
+        <p:blipFill>
+          <a:blip r:embed="rId4"/>
+          <a:stretch>
+            <a:fillRect/>
+          </a:stretch>
+        </p:blipFill>
+        <p:spPr>
+          <a:xfrm>
+            <a:off x="1176943" y="5451190"/>
+            <a:ext cx="5349985" cy="813686"/>
+          </a:xfrm>
+          <a:prstGeom prst="rect">
+            <a:avLst/>
+          </a:prstGeom>
+        </p:spPr>
+      </p:pic>
+    </p:spTree>
+    <p:extLst>
+      <p:ext uri="{BB962C8B-B14F-4D97-AF65-F5344CB8AC3E}">
+        <p14:creationId xmlns:p14="http://schemas.microsoft.com/office/powerpoint/2010/main" val="584012983"/>
+      </p:ext>
+    </p:extLst>
+  </p:cSld>
+  <p:clrMapOvr>
+    <a:masterClrMapping/>
+  </p:clrMapOvr>
+</p:sld>
+</file>
+
+<file path=ppt/slides/slide4.xml><?xml version="1.0" encoding="utf-8"?>
+<p:sld xmlns:a="http://schemas.openxmlformats.org/drawingml/2006/main" xmlns:r="http://schemas.openxmlformats.org/officeDocument/2006/relationships" xmlns:p="http://schemas.openxmlformats.org/presentationml/2006/main">
+  <p:cSld>
+    <p:spTree>
+      <p:nvGrpSpPr>
+        <p:cNvPr id="1" name=""/>
+        <p:cNvGrpSpPr/>
+        <p:nvPr/>
+      </p:nvGrpSpPr>
+      <p:grpSpPr>
+        <a:xfrm>
+          <a:off x="0" y="0"/>
+          <a:ext cx="0" cy="0"/>
+          <a:chOff x="0" y="0"/>
+          <a:chExt cx="0" cy="0"/>
+        </a:xfrm>
+      </p:grpSpPr>
+      <p:sp>
+        <p:nvSpPr>
           <p:cNvPr id="4" name="TextBox 3">
             <a:extLst>
               <a:ext uri="{FF2B5EF4-FFF2-40B4-BE49-F238E27FC236}">
@@ -17592,7 +18216,7 @@
 </p:sld>
 </file>
 
-<file path=ppt/slides/slide4.xml><?xml version="1.0" encoding="utf-8"?>
+<file path=ppt/slides/slide5.xml><?xml version="1.0" encoding="utf-8"?>
 <p:sld xmlns:a="http://schemas.openxmlformats.org/drawingml/2006/main" xmlns:r="http://schemas.openxmlformats.org/officeDocument/2006/relationships" xmlns:p="http://schemas.openxmlformats.org/presentationml/2006/main">
   <p:cSld>
     <p:spTree>
@@ -17652,7 +18276,7 @@
 </p:sld>
 </file>
 
-<file path=ppt/slides/slide5.xml><?xml version="1.0" encoding="utf-8"?>
+<file path=ppt/slides/slide6.xml><?xml version="1.0" encoding="utf-8"?>
 <p:sld xmlns:a="http://schemas.openxmlformats.org/drawingml/2006/main" xmlns:r="http://schemas.openxmlformats.org/officeDocument/2006/relationships" xmlns:p="http://schemas.openxmlformats.org/presentationml/2006/main">
   <p:cSld>
     <p:spTree>
@@ -17998,7 +18622,7 @@
 </p:sld>
 </file>
 
-<file path=ppt/slides/slide6.xml><?xml version="1.0" encoding="utf-8"?>
+<file path=ppt/slides/slide7.xml><?xml version="1.0" encoding="utf-8"?>
 <p:sld xmlns:a="http://schemas.openxmlformats.org/drawingml/2006/main" xmlns:r="http://schemas.openxmlformats.org/officeDocument/2006/relationships" xmlns:p="http://schemas.openxmlformats.org/presentationml/2006/main">
   <p:cSld>
     <p:spTree>
@@ -18360,7 +18984,7 @@
 </p:sld>
 </file>
 
-<file path=ppt/slides/slide7.xml><?xml version="1.0" encoding="utf-8"?>
+<file path=ppt/slides/slide8.xml><?xml version="1.0" encoding="utf-8"?>
 <p:sld xmlns:a="http://schemas.openxmlformats.org/drawingml/2006/main" xmlns:r="http://schemas.openxmlformats.org/officeDocument/2006/relationships" xmlns:p="http://schemas.openxmlformats.org/presentationml/2006/main">
   <p:cSld>
     <p:spTree>
@@ -21051,7 +21675,7 @@
 </p:sld>
 </file>
 
-<file path=ppt/slides/slide8.xml><?xml version="1.0" encoding="utf-8"?>
+<file path=ppt/slides/slide9.xml><?xml version="1.0" encoding="utf-8"?>
 <p:sld xmlns:a="http://schemas.openxmlformats.org/drawingml/2006/main" xmlns:r="http://schemas.openxmlformats.org/officeDocument/2006/relationships" xmlns:p="http://schemas.openxmlformats.org/presentationml/2006/main">
   <p:cSld>
     <p:spTree>
@@ -21322,476 +21946,6 @@
     <p:extLst>
       <p:ext uri="{BB962C8B-B14F-4D97-AF65-F5344CB8AC3E}">
         <p14:creationId xmlns:p14="http://schemas.microsoft.com/office/powerpoint/2010/main" val="2023938809"/>
-      </p:ext>
-    </p:extLst>
-  </p:cSld>
-  <p:clrMapOvr>
-    <a:masterClrMapping/>
-  </p:clrMapOvr>
-</p:sld>
-</file>
-
-<file path=ppt/slides/slide9.xml><?xml version="1.0" encoding="utf-8"?>
-<p:sld xmlns:a="http://schemas.openxmlformats.org/drawingml/2006/main" xmlns:r="http://schemas.openxmlformats.org/officeDocument/2006/relationships" xmlns:p="http://schemas.openxmlformats.org/presentationml/2006/main">
-  <p:cSld>
-    <p:spTree>
-      <p:nvGrpSpPr>
-        <p:cNvPr id="1" name=""/>
-        <p:cNvGrpSpPr/>
-        <p:nvPr/>
-      </p:nvGrpSpPr>
-      <p:grpSpPr>
-        <a:xfrm>
-          <a:off x="0" y="0"/>
-          <a:ext cx="0" cy="0"/>
-          <a:chOff x="0" y="0"/>
-          <a:chExt cx="0" cy="0"/>
-        </a:xfrm>
-      </p:grpSpPr>
-      <p:sp>
-        <p:nvSpPr>
-          <p:cNvPr id="4" name="TextBox 3">
-            <a:extLst>
-              <a:ext uri="{FF2B5EF4-FFF2-40B4-BE49-F238E27FC236}">
-                <a16:creationId xmlns:a16="http://schemas.microsoft.com/office/drawing/2014/main" id="{2A96FB96-4034-764E-6103-B47B9317BE1B}"/>
-              </a:ext>
-            </a:extLst>
-          </p:cNvPr>
-          <p:cNvSpPr txBox="1"/>
-          <p:nvPr/>
-        </p:nvSpPr>
-        <p:spPr>
-          <a:xfrm>
-            <a:off x="997808" y="698842"/>
-            <a:ext cx="9381867" cy="707886"/>
-          </a:xfrm>
-          <a:prstGeom prst="rect">
-            <a:avLst/>
-          </a:prstGeom>
-          <a:noFill/>
-        </p:spPr>
-        <p:txBody>
-          <a:bodyPr wrap="square">
-            <a:spAutoFit/>
-          </a:bodyPr>
-          <a:lstStyle/>
-          <a:p>
-            <a:r>
-              <a:rPr lang="en-US" sz="4000" dirty="0">
-                <a:solidFill>
-                  <a:srgbClr val="FF0000"/>
-                </a:solidFill>
-                <a:latin typeface="Cascadia Code" panose="020B0609020000020004" pitchFamily="49" charset="0"/>
-                <a:cs typeface="Cascadia Code" panose="020B0609020000020004" pitchFamily="49" charset="0"/>
-              </a:rPr>
-              <a:t>[] </a:t>
-            </a:r>
-            <a:r>
-              <a:rPr lang="en-US" sz="4000" dirty="0"/>
-              <a:t>– Containment characters</a:t>
-            </a:r>
-          </a:p>
-        </p:txBody>
-      </p:sp>
-      <p:sp>
-        <p:nvSpPr>
-          <p:cNvPr id="6" name="TextBox 5">
-            <a:extLst>
-              <a:ext uri="{FF2B5EF4-FFF2-40B4-BE49-F238E27FC236}">
-                <a16:creationId xmlns:a16="http://schemas.microsoft.com/office/drawing/2014/main" id="{EDB9758F-329B-CAE5-5842-2A67AD311381}"/>
-              </a:ext>
-            </a:extLst>
-          </p:cNvPr>
-          <p:cNvSpPr txBox="1"/>
-          <p:nvPr/>
-        </p:nvSpPr>
-        <p:spPr>
-          <a:xfrm>
-            <a:off x="2109917" y="2709567"/>
-            <a:ext cx="6098058" cy="1631216"/>
-          </a:xfrm>
-          <a:prstGeom prst="rect">
-            <a:avLst/>
-          </a:prstGeom>
-          <a:noFill/>
-        </p:spPr>
-        <p:txBody>
-          <a:bodyPr wrap="square">
-            <a:spAutoFit/>
-          </a:bodyPr>
-          <a:lstStyle/>
-          <a:p>
-            <a:r>
-              <a:rPr lang="en-US" sz="2000" dirty="0">
-                <a:solidFill>
-                  <a:srgbClr val="0000FF"/>
-                </a:solidFill>
-                <a:latin typeface="Cascadia Code" panose="020B0609020000020004" pitchFamily="49" charset="0"/>
-                <a:cs typeface="Cascadia Code" panose="020B0609020000020004" pitchFamily="49" charset="0"/>
-              </a:rPr>
-              <a:t>DECLARE</a:t>
-            </a:r>
-            <a:r>
-              <a:rPr lang="en-US" sz="2000" dirty="0">
-                <a:solidFill>
-                  <a:srgbClr val="000000"/>
-                </a:solidFill>
-                <a:latin typeface="Cascadia Code" panose="020B0609020000020004" pitchFamily="49" charset="0"/>
-                <a:cs typeface="Cascadia Code" panose="020B0609020000020004" pitchFamily="49" charset="0"/>
-              </a:rPr>
-              <a:t> @_value </a:t>
-            </a:r>
-            <a:r>
-              <a:rPr lang="en-US" sz="2000" dirty="0">
-                <a:solidFill>
-                  <a:srgbClr val="0000FF"/>
-                </a:solidFill>
-                <a:latin typeface="Cascadia Code" panose="020B0609020000020004" pitchFamily="49" charset="0"/>
-                <a:cs typeface="Cascadia Code" panose="020B0609020000020004" pitchFamily="49" charset="0"/>
-              </a:rPr>
-              <a:t>varchar</a:t>
-            </a:r>
-            <a:r>
-              <a:rPr lang="en-US" sz="2000" dirty="0">
-                <a:solidFill>
-                  <a:srgbClr val="808080"/>
-                </a:solidFill>
-                <a:latin typeface="Cascadia Code" panose="020B0609020000020004" pitchFamily="49" charset="0"/>
-                <a:cs typeface="Cascadia Code" panose="020B0609020000020004" pitchFamily="49" charset="0"/>
-              </a:rPr>
-              <a:t>(</a:t>
-            </a:r>
-            <a:r>
-              <a:rPr lang="en-US" sz="2000" dirty="0">
-                <a:solidFill>
-                  <a:srgbClr val="000000"/>
-                </a:solidFill>
-                <a:latin typeface="Cascadia Code" panose="020B0609020000020004" pitchFamily="49" charset="0"/>
-                <a:cs typeface="Cascadia Code" panose="020B0609020000020004" pitchFamily="49" charset="0"/>
-              </a:rPr>
-              <a:t>20</a:t>
-            </a:r>
-            <a:r>
-              <a:rPr lang="en-US" sz="2000" dirty="0">
-                <a:solidFill>
-                  <a:srgbClr val="808080"/>
-                </a:solidFill>
-                <a:latin typeface="Cascadia Code" panose="020B0609020000020004" pitchFamily="49" charset="0"/>
-                <a:cs typeface="Cascadia Code" panose="020B0609020000020004" pitchFamily="49" charset="0"/>
-              </a:rPr>
-              <a:t>)</a:t>
-            </a:r>
-            <a:r>
-              <a:rPr lang="en-US" sz="2000" dirty="0">
-                <a:solidFill>
-                  <a:srgbClr val="000000"/>
-                </a:solidFill>
-                <a:latin typeface="Cascadia Code" panose="020B0609020000020004" pitchFamily="49" charset="0"/>
-                <a:cs typeface="Cascadia Code" panose="020B0609020000020004" pitchFamily="49" charset="0"/>
-              </a:rPr>
-              <a:t> </a:t>
-            </a:r>
-            <a:r>
-              <a:rPr lang="en-US" sz="2000" dirty="0">
-                <a:solidFill>
-                  <a:srgbClr val="808080"/>
-                </a:solidFill>
-                <a:latin typeface="Cascadia Code" panose="020B0609020000020004" pitchFamily="49" charset="0"/>
-                <a:cs typeface="Cascadia Code" panose="020B0609020000020004" pitchFamily="49" charset="0"/>
-              </a:rPr>
-              <a:t>=</a:t>
-            </a:r>
-            <a:r>
-              <a:rPr lang="en-US" sz="2000" dirty="0">
-                <a:solidFill>
-                  <a:srgbClr val="000000"/>
-                </a:solidFill>
-                <a:latin typeface="Cascadia Code" panose="020B0609020000020004" pitchFamily="49" charset="0"/>
-                <a:cs typeface="Cascadia Code" panose="020B0609020000020004" pitchFamily="49" charset="0"/>
-              </a:rPr>
-              <a:t> </a:t>
-            </a:r>
-            <a:r>
-              <a:rPr lang="en-US" sz="2000" dirty="0">
-                <a:solidFill>
-                  <a:srgbClr val="FF0000"/>
-                </a:solidFill>
-                <a:latin typeface="Cascadia Code" panose="020B0609020000020004" pitchFamily="49" charset="0"/>
-                <a:cs typeface="Cascadia Code" panose="020B0609020000020004" pitchFamily="49" charset="0"/>
-              </a:rPr>
-              <a:t>''</a:t>
-            </a:r>
-            <a:endParaRPr lang="en-US" sz="2000" dirty="0">
-              <a:solidFill>
-                <a:srgbClr val="000000"/>
-              </a:solidFill>
-              <a:latin typeface="Cascadia Code" panose="020B0609020000020004" pitchFamily="49" charset="0"/>
-              <a:cs typeface="Cascadia Code" panose="020B0609020000020004" pitchFamily="49" charset="0"/>
-            </a:endParaRPr>
-          </a:p>
-          <a:p>
-            <a:r>
-              <a:rPr lang="en-US" sz="2000" dirty="0">
-                <a:solidFill>
-                  <a:srgbClr val="0000FF"/>
-                </a:solidFill>
-                <a:latin typeface="Cascadia Code" panose="020B0609020000020004" pitchFamily="49" charset="0"/>
-                <a:cs typeface="Cascadia Code" panose="020B0609020000020004" pitchFamily="49" charset="0"/>
-              </a:rPr>
-              <a:t>IF</a:t>
-            </a:r>
-            <a:r>
-              <a:rPr lang="en-US" sz="2000" dirty="0">
-                <a:solidFill>
-                  <a:srgbClr val="000000"/>
-                </a:solidFill>
-                <a:latin typeface="Cascadia Code" panose="020B0609020000020004" pitchFamily="49" charset="0"/>
-                <a:cs typeface="Cascadia Code" panose="020B0609020000020004" pitchFamily="49" charset="0"/>
-              </a:rPr>
-              <a:t> @_value </a:t>
-            </a:r>
-            <a:r>
-              <a:rPr lang="en-US" sz="2000" dirty="0">
-                <a:solidFill>
-                  <a:srgbClr val="808080"/>
-                </a:solidFill>
-                <a:highlight>
-                  <a:srgbClr val="FFFF00"/>
-                </a:highlight>
-                <a:latin typeface="Cascadia Code" panose="020B0609020000020004" pitchFamily="49" charset="0"/>
-                <a:cs typeface="Cascadia Code" panose="020B0609020000020004" pitchFamily="49" charset="0"/>
-              </a:rPr>
-              <a:t>LIKE</a:t>
-            </a:r>
-            <a:r>
-              <a:rPr lang="en-US" sz="2000" dirty="0">
-                <a:solidFill>
-                  <a:srgbClr val="000000"/>
-                </a:solidFill>
-                <a:highlight>
-                  <a:srgbClr val="FFFF00"/>
-                </a:highlight>
-                <a:latin typeface="Cascadia Code" panose="020B0609020000020004" pitchFamily="49" charset="0"/>
-                <a:cs typeface="Cascadia Code" panose="020B0609020000020004" pitchFamily="49" charset="0"/>
-              </a:rPr>
-              <a:t> </a:t>
-            </a:r>
-            <a:r>
-              <a:rPr lang="en-US" sz="2000" dirty="0">
-                <a:solidFill>
-                  <a:srgbClr val="FF0000"/>
-                </a:solidFill>
-                <a:highlight>
-                  <a:srgbClr val="FFFF00"/>
-                </a:highlight>
-                <a:latin typeface="Cascadia Code" panose="020B0609020000020004" pitchFamily="49" charset="0"/>
-                <a:cs typeface="Cascadia Code" panose="020B0609020000020004" pitchFamily="49" charset="0"/>
-              </a:rPr>
-              <a:t>'[]'</a:t>
-            </a:r>
-            <a:endParaRPr lang="en-US" sz="2000" dirty="0">
-              <a:solidFill>
-                <a:srgbClr val="000000"/>
-              </a:solidFill>
-              <a:highlight>
-                <a:srgbClr val="FFFF00"/>
-              </a:highlight>
-              <a:latin typeface="Cascadia Code" panose="020B0609020000020004" pitchFamily="49" charset="0"/>
-              <a:cs typeface="Cascadia Code" panose="020B0609020000020004" pitchFamily="49" charset="0"/>
-            </a:endParaRPr>
-          </a:p>
-          <a:p>
-            <a:r>
-              <a:rPr lang="en-US" sz="2000" dirty="0">
-                <a:solidFill>
-                  <a:srgbClr val="000000"/>
-                </a:solidFill>
-                <a:latin typeface="Cascadia Code" panose="020B0609020000020004" pitchFamily="49" charset="0"/>
-                <a:cs typeface="Cascadia Code" panose="020B0609020000020004" pitchFamily="49" charset="0"/>
-              </a:rPr>
-              <a:t>   </a:t>
-            </a:r>
-            <a:r>
-              <a:rPr lang="en-US" sz="2000" dirty="0">
-                <a:solidFill>
-                  <a:srgbClr val="0000FF"/>
-                </a:solidFill>
-                <a:latin typeface="Cascadia Code" panose="020B0609020000020004" pitchFamily="49" charset="0"/>
-                <a:cs typeface="Cascadia Code" panose="020B0609020000020004" pitchFamily="49" charset="0"/>
-              </a:rPr>
-              <a:t>PRINT</a:t>
-            </a:r>
-            <a:r>
-              <a:rPr lang="en-US" sz="2000" dirty="0">
-                <a:solidFill>
-                  <a:srgbClr val="000000"/>
-                </a:solidFill>
-                <a:latin typeface="Cascadia Code" panose="020B0609020000020004" pitchFamily="49" charset="0"/>
-                <a:cs typeface="Cascadia Code" panose="020B0609020000020004" pitchFamily="49" charset="0"/>
-              </a:rPr>
-              <a:t> </a:t>
-            </a:r>
-            <a:r>
-              <a:rPr lang="en-US" sz="2000" dirty="0">
-                <a:solidFill>
-                  <a:srgbClr val="FF0000"/>
-                </a:solidFill>
-                <a:latin typeface="Cascadia Code" panose="020B0609020000020004" pitchFamily="49" charset="0"/>
-                <a:cs typeface="Cascadia Code" panose="020B0609020000020004" pitchFamily="49" charset="0"/>
-              </a:rPr>
-              <a:t>'yes'</a:t>
-            </a:r>
-            <a:endParaRPr lang="en-US" sz="2000" dirty="0">
-              <a:solidFill>
-                <a:srgbClr val="000000"/>
-              </a:solidFill>
-              <a:latin typeface="Cascadia Code" panose="020B0609020000020004" pitchFamily="49" charset="0"/>
-              <a:cs typeface="Cascadia Code" panose="020B0609020000020004" pitchFamily="49" charset="0"/>
-            </a:endParaRPr>
-          </a:p>
-          <a:p>
-            <a:r>
-              <a:rPr lang="en-US" sz="2000" dirty="0">
-                <a:solidFill>
-                  <a:srgbClr val="0000FF"/>
-                </a:solidFill>
-                <a:latin typeface="Cascadia Code" panose="020B0609020000020004" pitchFamily="49" charset="0"/>
-                <a:cs typeface="Cascadia Code" panose="020B0609020000020004" pitchFamily="49" charset="0"/>
-              </a:rPr>
-              <a:t>ELSE</a:t>
-            </a:r>
-            <a:r>
-              <a:rPr lang="en-US" sz="2000" dirty="0">
-                <a:solidFill>
-                  <a:srgbClr val="000000"/>
-                </a:solidFill>
-                <a:latin typeface="Cascadia Code" panose="020B0609020000020004" pitchFamily="49" charset="0"/>
-                <a:cs typeface="Cascadia Code" panose="020B0609020000020004" pitchFamily="49" charset="0"/>
-              </a:rPr>
-              <a:t> </a:t>
-            </a:r>
-          </a:p>
-          <a:p>
-            <a:r>
-              <a:rPr lang="en-US" sz="2000" dirty="0">
-                <a:solidFill>
-                  <a:srgbClr val="000000"/>
-                </a:solidFill>
-                <a:latin typeface="Cascadia Code" panose="020B0609020000020004" pitchFamily="49" charset="0"/>
-                <a:cs typeface="Cascadia Code" panose="020B0609020000020004" pitchFamily="49" charset="0"/>
-              </a:rPr>
-              <a:t>   </a:t>
-            </a:r>
-            <a:r>
-              <a:rPr lang="en-US" sz="2000" dirty="0">
-                <a:solidFill>
-                  <a:srgbClr val="0000FF"/>
-                </a:solidFill>
-                <a:latin typeface="Cascadia Code" panose="020B0609020000020004" pitchFamily="49" charset="0"/>
-                <a:cs typeface="Cascadia Code" panose="020B0609020000020004" pitchFamily="49" charset="0"/>
-              </a:rPr>
-              <a:t>PRINT</a:t>
-            </a:r>
-            <a:r>
-              <a:rPr lang="en-US" sz="2000" dirty="0">
-                <a:solidFill>
-                  <a:srgbClr val="000000"/>
-                </a:solidFill>
-                <a:latin typeface="Cascadia Code" panose="020B0609020000020004" pitchFamily="49" charset="0"/>
-                <a:cs typeface="Cascadia Code" panose="020B0609020000020004" pitchFamily="49" charset="0"/>
-              </a:rPr>
-              <a:t> </a:t>
-            </a:r>
-            <a:r>
-              <a:rPr lang="en-US" sz="2000" dirty="0">
-                <a:solidFill>
-                  <a:srgbClr val="FF0000"/>
-                </a:solidFill>
-                <a:latin typeface="Cascadia Code" panose="020B0609020000020004" pitchFamily="49" charset="0"/>
-                <a:cs typeface="Cascadia Code" panose="020B0609020000020004" pitchFamily="49" charset="0"/>
-              </a:rPr>
-              <a:t>'no'</a:t>
-            </a:r>
-            <a:endParaRPr lang="en-US" sz="2000" dirty="0">
-              <a:latin typeface="Cascadia Code" panose="020B0609020000020004" pitchFamily="49" charset="0"/>
-              <a:cs typeface="Cascadia Code" panose="020B0609020000020004" pitchFamily="49" charset="0"/>
-            </a:endParaRPr>
-          </a:p>
-        </p:txBody>
-      </p:sp>
-      <p:sp>
-        <p:nvSpPr>
-          <p:cNvPr id="7" name="TextBox 6">
-            <a:extLst>
-              <a:ext uri="{FF2B5EF4-FFF2-40B4-BE49-F238E27FC236}">
-                <a16:creationId xmlns:a16="http://schemas.microsoft.com/office/drawing/2014/main" id="{BEE047E0-63BA-4DAB-957D-EF3C7FB1326E}"/>
-              </a:ext>
-            </a:extLst>
-          </p:cNvPr>
-          <p:cNvSpPr txBox="1"/>
-          <p:nvPr/>
-        </p:nvSpPr>
-        <p:spPr>
-          <a:xfrm>
-            <a:off x="1754659" y="1932542"/>
-            <a:ext cx="6098058" cy="400110"/>
-          </a:xfrm>
-          <a:prstGeom prst="rect">
-            <a:avLst/>
-          </a:prstGeom>
-          <a:noFill/>
-        </p:spPr>
-        <p:txBody>
-          <a:bodyPr wrap="square" rtlCol="0">
-            <a:spAutoFit/>
-          </a:bodyPr>
-          <a:lstStyle/>
-          <a:p>
-            <a:pPr marL="285750" indent="-285750">
-              <a:buFont typeface="Arial" panose="020B0604020202020204" pitchFamily="34" charset="0"/>
-              <a:buChar char="•"/>
-            </a:pPr>
-            <a:r>
-              <a:rPr lang="en-US" sz="2000" dirty="0"/>
-              <a:t>By themselves do nothing</a:t>
-            </a:r>
-          </a:p>
-        </p:txBody>
-      </p:sp>
-      <p:pic>
-        <p:nvPicPr>
-          <p:cNvPr id="9" name="Picture 8">
-            <a:extLst>
-              <a:ext uri="{FF2B5EF4-FFF2-40B4-BE49-F238E27FC236}">
-                <a16:creationId xmlns:a16="http://schemas.microsoft.com/office/drawing/2014/main" id="{7A471BF6-AD32-855E-AC9A-6417346BC80B}"/>
-              </a:ext>
-            </a:extLst>
-          </p:cNvPr>
-          <p:cNvPicPr>
-            <a:picLocks noChangeAspect="1"/>
-          </p:cNvPicPr>
-          <p:nvPr/>
-        </p:nvPicPr>
-        <p:blipFill>
-          <a:blip r:embed="rId3"/>
-          <a:stretch>
-            <a:fillRect/>
-          </a:stretch>
-        </p:blipFill>
-        <p:spPr>
-          <a:xfrm>
-            <a:off x="2109917" y="4694503"/>
-            <a:ext cx="2370257" cy="1008620"/>
-          </a:xfrm>
-          <a:prstGeom prst="rect">
-            <a:avLst/>
-          </a:prstGeom>
-        </p:spPr>
-      </p:pic>
-    </p:spTree>
-    <p:extLst>
-      <p:ext uri="{BB962C8B-B14F-4D97-AF65-F5344CB8AC3E}">
-        <p14:creationId xmlns:p14="http://schemas.microsoft.com/office/powerpoint/2010/main" val="1661992796"/>
       </p:ext>
     </p:extLst>
   </p:cSld>

--- a/TSQL_LIKE_Operator/TSQL LIKE.pptx
+++ b/TSQL_LIKE_Operator/TSQL LIKE.pptx
@@ -5,7 +5,7 @@
     <p:sldMasterId id="2147483648" r:id="rId1"/>
   </p:sldMasterIdLst>
   <p:notesMasterIdLst>
-    <p:notesMasterId r:id="rId30"/>
+    <p:notesMasterId r:id="rId27"/>
   </p:notesMasterIdLst>
   <p:sldIdLst>
     <p:sldId id="379" r:id="rId2"/>
@@ -15,7 +15,7 @@
     <p:sldId id="323" r:id="rId6"/>
     <p:sldId id="324" r:id="rId7"/>
     <p:sldId id="315" r:id="rId8"/>
-    <p:sldId id="329" r:id="rId9"/>
+    <p:sldId id="380" r:id="rId9"/>
     <p:sldId id="259" r:id="rId10"/>
     <p:sldId id="325" r:id="rId11"/>
     <p:sldId id="328" r:id="rId12"/>
@@ -32,10 +32,7 @@
     <p:sldId id="335" r:id="rId23"/>
     <p:sldId id="332" r:id="rId24"/>
     <p:sldId id="336" r:id="rId25"/>
-    <p:sldId id="337" r:id="rId26"/>
-    <p:sldId id="338" r:id="rId27"/>
-    <p:sldId id="339" r:id="rId28"/>
-    <p:sldId id="314" r:id="rId29"/>
+    <p:sldId id="314" r:id="rId26"/>
   </p:sldIdLst>
   <p:sldSz cx="12192000" cy="6858000"/>
   <p:notesSz cx="6858000" cy="9144000"/>
@@ -224,7 +221,7 @@
           <a:p>
             <a:fld id="{D6A2AC56-E20D-4719-9E66-68604E547144}" type="datetimeFigureOut">
               <a:rPr lang="en-US" smtClean="0"/>
-              <a:t>5/10/2024</a:t>
+              <a:t>5/30/2024</a:t>
             </a:fld>
             <a:endParaRPr lang="en-US"/>
           </a:p>
@@ -743,175 +740,6 @@
 </p:notes>
 </file>
 
-<file path=ppt/notesSlides/notesSlide12.xml><?xml version="1.0" encoding="utf-8"?>
-<p:notes xmlns:a="http://schemas.openxmlformats.org/drawingml/2006/main" xmlns:r="http://schemas.openxmlformats.org/officeDocument/2006/relationships" xmlns:p="http://schemas.openxmlformats.org/presentationml/2006/main">
-  <p:cSld>
-    <p:spTree>
-      <p:nvGrpSpPr>
-        <p:cNvPr id="1" name=""/>
-        <p:cNvGrpSpPr/>
-        <p:nvPr/>
-      </p:nvGrpSpPr>
-      <p:grpSpPr>
-        <a:xfrm>
-          <a:off x="0" y="0"/>
-          <a:ext cx="0" cy="0"/>
-          <a:chOff x="0" y="0"/>
-          <a:chExt cx="0" cy="0"/>
-        </a:xfrm>
-      </p:grpSpPr>
-      <p:sp>
-        <p:nvSpPr>
-          <p:cNvPr id="2" name="Slide Image Placeholder 1"/>
-          <p:cNvSpPr>
-            <a:spLocks noGrp="1" noRot="1" noChangeAspect="1"/>
-          </p:cNvSpPr>
-          <p:nvPr>
-            <p:ph type="sldImg"/>
-          </p:nvPr>
-        </p:nvSpPr>
-        <p:spPr/>
-      </p:sp>
-      <p:sp>
-        <p:nvSpPr>
-          <p:cNvPr id="3" name="Notes Placeholder 2"/>
-          <p:cNvSpPr>
-            <a:spLocks noGrp="1"/>
-          </p:cNvSpPr>
-          <p:nvPr>
-            <p:ph type="body" idx="1"/>
-          </p:nvPr>
-        </p:nvSpPr>
-        <p:spPr/>
-        <p:txBody>
-          <a:bodyPr/>
-          <a:lstStyle/>
-          <a:p>
-            <a:r>
-              <a:rPr lang="en-US" dirty="0"/>
-              <a:t>I installed Oracle Express for Windows using this video: https://www.youtube.com/watch?v=DYleroLay5E</a:t>
-            </a:r>
-          </a:p>
-          <a:p>
-            <a:r>
-              <a:rPr lang="en-US" dirty="0"/>
-              <a:t>Open sqlplus.exe to connect to the XE container as the “SYS AS SYSDBA” user.</a:t>
-            </a:r>
-          </a:p>
-          <a:p>
-            <a:r>
-              <a:rPr lang="en-US" dirty="0"/>
-              <a:t>Within this session, connect to the XEPDB1 pluggable database.</a:t>
-            </a:r>
-          </a:p>
-          <a:p>
-            <a:r>
-              <a:rPr lang="en-US" dirty="0"/>
-              <a:t>     connect sys/myPassword@localhost:1521/XEPDB1 as </a:t>
-            </a:r>
-            <a:r>
-              <a:rPr lang="en-US" dirty="0" err="1"/>
-              <a:t>sysdba</a:t>
-            </a:r>
-            <a:endParaRPr lang="en-US" dirty="0"/>
-          </a:p>
-          <a:p>
-            <a:endParaRPr lang="en-US" dirty="0"/>
-          </a:p>
-          <a:p>
-            <a:r>
-              <a:rPr lang="en-US" dirty="0"/>
-              <a:t>From here -- still as the SYS user -- create a guest account that has “create session, create table, create sequence, create trigger” on it.</a:t>
-            </a:r>
-          </a:p>
-          <a:p>
-            <a:r>
-              <a:rPr lang="en-US" dirty="0"/>
-              <a:t>     create user </a:t>
-            </a:r>
-            <a:r>
-              <a:rPr lang="en-US" dirty="0" err="1"/>
-              <a:t>demouser</a:t>
-            </a:r>
-            <a:r>
-              <a:rPr lang="en-US" dirty="0"/>
-              <a:t> identified by </a:t>
-            </a:r>
-            <a:r>
-              <a:rPr lang="en-US" dirty="0" err="1"/>
-              <a:t>myPassword</a:t>
-            </a:r>
-            <a:r>
-              <a:rPr lang="en-US" dirty="0"/>
-              <a:t> default tablespace users quota unlimited on users;</a:t>
-            </a:r>
-          </a:p>
-          <a:p>
-            <a:r>
-              <a:rPr lang="en-US" dirty="0"/>
-              <a:t>     grant create session, create table, create sequence, create trigger to </a:t>
-            </a:r>
-            <a:r>
-              <a:rPr lang="en-US" dirty="0" err="1"/>
-              <a:t>demouser</a:t>
-            </a:r>
-            <a:endParaRPr lang="en-US" dirty="0"/>
-          </a:p>
-          <a:p>
-            <a:endParaRPr lang="en-US" dirty="0"/>
-          </a:p>
-          <a:p>
-            <a:r>
-              <a:rPr lang="en-US" dirty="0"/>
-              <a:t>You can then use freeware tools such as </a:t>
-            </a:r>
-            <a:r>
-              <a:rPr lang="en-US" dirty="0" err="1"/>
-              <a:t>TOra</a:t>
-            </a:r>
-            <a:r>
-              <a:rPr lang="en-US" dirty="0"/>
-              <a:t> or Oracle SQL Developer to connect as that guest user to the XEPDB1 database to run this code.</a:t>
-            </a:r>
-          </a:p>
-        </p:txBody>
-      </p:sp>
-      <p:sp>
-        <p:nvSpPr>
-          <p:cNvPr id="4" name="Slide Number Placeholder 3"/>
-          <p:cNvSpPr>
-            <a:spLocks noGrp="1"/>
-          </p:cNvSpPr>
-          <p:nvPr>
-            <p:ph type="sldNum" sz="quarter" idx="5"/>
-          </p:nvPr>
-        </p:nvSpPr>
-        <p:spPr/>
-        <p:txBody>
-          <a:bodyPr/>
-          <a:lstStyle/>
-          <a:p>
-            <a:fld id="{3FD7DB7D-0C53-4255-829B-DFDF02E6CE3A}" type="slidenum">
-              <a:rPr lang="en-US" smtClean="0"/>
-              <a:t>26</a:t>
-            </a:fld>
-            <a:endParaRPr lang="en-US"/>
-          </a:p>
-        </p:txBody>
-      </p:sp>
-    </p:spTree>
-    <p:extLst>
-      <p:ext uri="{BB962C8B-B14F-4D97-AF65-F5344CB8AC3E}">
-        <p14:creationId xmlns:p14="http://schemas.microsoft.com/office/powerpoint/2010/main" val="3005128579"/>
-      </p:ext>
-    </p:extLst>
-  </p:cSld>
-  <p:clrMapOvr>
-    <a:masterClrMapping/>
-  </p:clrMapOvr>
-</p:notes>
-</file>
-
 <file path=ppt/notesSlides/notesSlide2.xml><?xml version="1.0" encoding="utf-8"?>
 <p:notes xmlns:a="http://schemas.openxmlformats.org/drawingml/2006/main" xmlns:r="http://schemas.openxmlformats.org/officeDocument/2006/relationships" xmlns:p="http://schemas.openxmlformats.org/presentationml/2006/main">
   <p:cSld>
@@ -1731,7 +1559,7 @@
           <a:p>
             <a:fld id="{94E3A28C-D62F-4439-8BFC-9924939B4D00}" type="datetimeFigureOut">
               <a:rPr lang="en-US" smtClean="0"/>
-              <a:t>5/10/2024</a:t>
+              <a:t>5/30/2024</a:t>
             </a:fld>
             <a:endParaRPr lang="en-US"/>
           </a:p>
@@ -1929,7 +1757,7 @@
           <a:p>
             <a:fld id="{94E3A28C-D62F-4439-8BFC-9924939B4D00}" type="datetimeFigureOut">
               <a:rPr lang="en-US" smtClean="0"/>
-              <a:t>5/10/2024</a:t>
+              <a:t>5/30/2024</a:t>
             </a:fld>
             <a:endParaRPr lang="en-US"/>
           </a:p>
@@ -2137,7 +1965,7 @@
           <a:p>
             <a:fld id="{94E3A28C-D62F-4439-8BFC-9924939B4D00}" type="datetimeFigureOut">
               <a:rPr lang="en-US" smtClean="0"/>
-              <a:t>5/10/2024</a:t>
+              <a:t>5/30/2024</a:t>
             </a:fld>
             <a:endParaRPr lang="en-US"/>
           </a:p>
@@ -2335,7 +2163,7 @@
           <a:p>
             <a:fld id="{94E3A28C-D62F-4439-8BFC-9924939B4D00}" type="datetimeFigureOut">
               <a:rPr lang="en-US" smtClean="0"/>
-              <a:t>5/10/2024</a:t>
+              <a:t>5/30/2024</a:t>
             </a:fld>
             <a:endParaRPr lang="en-US"/>
           </a:p>
@@ -2610,7 +2438,7 @@
           <a:p>
             <a:fld id="{94E3A28C-D62F-4439-8BFC-9924939B4D00}" type="datetimeFigureOut">
               <a:rPr lang="en-US" smtClean="0"/>
-              <a:t>5/10/2024</a:t>
+              <a:t>5/30/2024</a:t>
             </a:fld>
             <a:endParaRPr lang="en-US"/>
           </a:p>
@@ -2875,7 +2703,7 @@
           <a:p>
             <a:fld id="{94E3A28C-D62F-4439-8BFC-9924939B4D00}" type="datetimeFigureOut">
               <a:rPr lang="en-US" smtClean="0"/>
-              <a:t>5/10/2024</a:t>
+              <a:t>5/30/2024</a:t>
             </a:fld>
             <a:endParaRPr lang="en-US"/>
           </a:p>
@@ -3287,7 +3115,7 @@
           <a:p>
             <a:fld id="{94E3A28C-D62F-4439-8BFC-9924939B4D00}" type="datetimeFigureOut">
               <a:rPr lang="en-US" smtClean="0"/>
-              <a:t>5/10/2024</a:t>
+              <a:t>5/30/2024</a:t>
             </a:fld>
             <a:endParaRPr lang="en-US"/>
           </a:p>
@@ -3428,7 +3256,7 @@
           <a:p>
             <a:fld id="{94E3A28C-D62F-4439-8BFC-9924939B4D00}" type="datetimeFigureOut">
               <a:rPr lang="en-US" smtClean="0"/>
-              <a:t>5/10/2024</a:t>
+              <a:t>5/30/2024</a:t>
             </a:fld>
             <a:endParaRPr lang="en-US"/>
           </a:p>
@@ -3541,7 +3369,7 @@
           <a:p>
             <a:fld id="{94E3A28C-D62F-4439-8BFC-9924939B4D00}" type="datetimeFigureOut">
               <a:rPr lang="en-US" smtClean="0"/>
-              <a:t>5/10/2024</a:t>
+              <a:t>5/30/2024</a:t>
             </a:fld>
             <a:endParaRPr lang="en-US"/>
           </a:p>
@@ -3852,7 +3680,7 @@
           <a:p>
             <a:fld id="{94E3A28C-D62F-4439-8BFC-9924939B4D00}" type="datetimeFigureOut">
               <a:rPr lang="en-US" smtClean="0"/>
-              <a:t>5/10/2024</a:t>
+              <a:t>5/30/2024</a:t>
             </a:fld>
             <a:endParaRPr lang="en-US"/>
           </a:p>
@@ -4140,7 +3968,7 @@
           <a:p>
             <a:fld id="{94E3A28C-D62F-4439-8BFC-9924939B4D00}" type="datetimeFigureOut">
               <a:rPr lang="en-US" smtClean="0"/>
-              <a:t>5/10/2024</a:t>
+              <a:t>5/30/2024</a:t>
             </a:fld>
             <a:endParaRPr lang="en-US"/>
           </a:p>
@@ -4381,7 +4209,7 @@
           <a:p>
             <a:fld id="{94E3A28C-D62F-4439-8BFC-9924939B4D00}" type="datetimeFigureOut">
               <a:rPr lang="en-US" smtClean="0"/>
-              <a:t>5/10/2024</a:t>
+              <a:t>5/30/2024</a:t>
             </a:fld>
             <a:endParaRPr lang="en-US"/>
           </a:p>
@@ -5508,7 +5336,7 @@
                   <a:srgbClr val="FFFF00"/>
                 </a:highlight>
               </a:rPr>
-              <a:t>in one position</a:t>
+              <a:t>as one position</a:t>
             </a:r>
           </a:p>
           <a:p>
@@ -5668,147 +5496,168 @@
           </a:p>
         </p:txBody>
       </p:sp>
-      <p:pic>
-        <p:nvPicPr>
-          <p:cNvPr id="8" name="Picture 7">
+      <p:grpSp>
+        <p:nvGrpSpPr>
+          <p:cNvPr id="25" name="Group 24">
             <a:extLst>
               <a:ext uri="{FF2B5EF4-FFF2-40B4-BE49-F238E27FC236}">
-                <a16:creationId xmlns:a16="http://schemas.microsoft.com/office/drawing/2014/main" id="{E3EBBE3B-38A3-0BC3-6AFF-74E97F2E36D7}"/>
+                <a16:creationId xmlns:a16="http://schemas.microsoft.com/office/drawing/2014/main" id="{48A6630A-0B19-8424-FC98-0C62639FFF6F}"/>
               </a:ext>
             </a:extLst>
           </p:cNvPr>
-          <p:cNvPicPr>
-            <a:picLocks noChangeAspect="1"/>
-          </p:cNvPicPr>
+          <p:cNvGrpSpPr/>
           <p:nvPr/>
-        </p:nvPicPr>
-        <p:blipFill>
-          <a:blip r:embed="rId3"/>
-          <a:stretch>
-            <a:fillRect/>
-          </a:stretch>
-        </p:blipFill>
-        <p:spPr>
+        </p:nvGrpSpPr>
+        <p:grpSpPr>
           <a:xfrm>
-            <a:off x="1681483" y="3182610"/>
-            <a:ext cx="2367477" cy="1850718"/>
+            <a:off x="5795318" y="2716289"/>
+            <a:ext cx="5585255" cy="3211169"/>
+            <a:chOff x="5795318" y="2716289"/>
+            <a:chExt cx="5585255" cy="3211169"/>
           </a:xfrm>
-          <a:prstGeom prst="rect">
-            <a:avLst/>
-          </a:prstGeom>
-        </p:spPr>
-      </p:pic>
-      <p:sp>
-        <p:nvSpPr>
-          <p:cNvPr id="11" name="TextBox 10">
+        </p:grpSpPr>
+        <p:sp>
+          <p:nvSpPr>
+            <p:cNvPr id="11" name="TextBox 10">
+              <a:extLst>
+                <a:ext uri="{FF2B5EF4-FFF2-40B4-BE49-F238E27FC236}">
+                  <a16:creationId xmlns:a16="http://schemas.microsoft.com/office/drawing/2014/main" id="{534E935D-4B7F-1A9C-62CF-502134C1C3E0}"/>
+                </a:ext>
+              </a:extLst>
+            </p:cNvPr>
+            <p:cNvSpPr txBox="1"/>
+            <p:nvPr/>
+          </p:nvSpPr>
+          <p:spPr>
+            <a:xfrm>
+              <a:off x="5795318" y="2716289"/>
+              <a:ext cx="5585255" cy="369332"/>
+            </a:xfrm>
+            <a:prstGeom prst="rect">
+              <a:avLst/>
+            </a:prstGeom>
+            <a:noFill/>
+          </p:spPr>
+          <p:txBody>
+            <a:bodyPr wrap="square">
+              <a:spAutoFit/>
+            </a:bodyPr>
+            <a:lstStyle/>
+            <a:p>
+              <a:r>
+                <a:rPr lang="en-US" sz="1800" dirty="0">
+                  <a:solidFill>
+                    <a:srgbClr val="0000FF"/>
+                  </a:solidFill>
+                  <a:latin typeface="Cascadia Mono" panose="020B0609020000020004" pitchFamily="49" charset="0"/>
+                  <a:cs typeface="Cascadia Mono" panose="020B0609020000020004" pitchFamily="49" charset="0"/>
+                </a:rPr>
+                <a:t>WHERE</a:t>
+              </a:r>
+              <a:r>
+                <a:rPr lang="en-US" sz="1800" dirty="0">
+                  <a:solidFill>
+                    <a:srgbClr val="000000"/>
+                  </a:solidFill>
+                  <a:latin typeface="Cascadia Mono" panose="020B0609020000020004" pitchFamily="49" charset="0"/>
+                  <a:cs typeface="Cascadia Mono" panose="020B0609020000020004" pitchFamily="49" charset="0"/>
+                </a:rPr>
+                <a:t> </a:t>
+              </a:r>
+              <a:r>
+                <a:rPr lang="en-US" sz="1800" dirty="0" err="1">
+                  <a:solidFill>
+                    <a:srgbClr val="000000"/>
+                  </a:solidFill>
+                  <a:latin typeface="Cascadia Mono" panose="020B0609020000020004" pitchFamily="49" charset="0"/>
+                  <a:cs typeface="Cascadia Mono" panose="020B0609020000020004" pitchFamily="49" charset="0"/>
+                </a:rPr>
+                <a:t>ArbitraryID</a:t>
+              </a:r>
+              <a:r>
+                <a:rPr lang="en-US" sz="1800" dirty="0">
+                  <a:solidFill>
+                    <a:srgbClr val="000000"/>
+                  </a:solidFill>
+                  <a:latin typeface="Cascadia Mono" panose="020B0609020000020004" pitchFamily="49" charset="0"/>
+                  <a:cs typeface="Cascadia Mono" panose="020B0609020000020004" pitchFamily="49" charset="0"/>
+                </a:rPr>
+                <a:t> </a:t>
+              </a:r>
+              <a:r>
+                <a:rPr lang="en-US" sz="1800" dirty="0">
+                  <a:solidFill>
+                    <a:srgbClr val="808080"/>
+                  </a:solidFill>
+                  <a:latin typeface="Cascadia Mono" panose="020B0609020000020004" pitchFamily="49" charset="0"/>
+                  <a:cs typeface="Cascadia Mono" panose="020B0609020000020004" pitchFamily="49" charset="0"/>
+                </a:rPr>
+                <a:t>LIKE</a:t>
+              </a:r>
+              <a:r>
+                <a:rPr lang="en-US" sz="1800" dirty="0">
+                  <a:solidFill>
+                    <a:srgbClr val="000000"/>
+                  </a:solidFill>
+                  <a:latin typeface="Cascadia Mono" panose="020B0609020000020004" pitchFamily="49" charset="0"/>
+                  <a:cs typeface="Cascadia Mono" panose="020B0609020000020004" pitchFamily="49" charset="0"/>
+                </a:rPr>
+                <a:t> </a:t>
+              </a:r>
+              <a:r>
+                <a:rPr lang="en-US" sz="1800" dirty="0">
+                  <a:solidFill>
+                    <a:srgbClr val="FF0000"/>
+                  </a:solidFill>
+                  <a:latin typeface="Cascadia Mono" panose="020B0609020000020004" pitchFamily="49" charset="0"/>
+                  <a:cs typeface="Cascadia Mono" panose="020B0609020000020004" pitchFamily="49" charset="0"/>
+                </a:rPr>
+                <a:t>'%[2%]9[86][90]'</a:t>
+              </a:r>
+              <a:endParaRPr lang="en-US" dirty="0">
+                <a:latin typeface="Cascadia Mono" panose="020B0609020000020004" pitchFamily="49" charset="0"/>
+                <a:cs typeface="Cascadia Mono" panose="020B0609020000020004" pitchFamily="49" charset="0"/>
+              </a:endParaRPr>
+            </a:p>
+          </p:txBody>
+        </p:sp>
+        <p:pic>
+          <p:nvPicPr>
+            <p:cNvPr id="16" name="Picture 15">
+              <a:extLst>
+                <a:ext uri="{FF2B5EF4-FFF2-40B4-BE49-F238E27FC236}">
+                  <a16:creationId xmlns:a16="http://schemas.microsoft.com/office/drawing/2014/main" id="{448B1541-63E8-AA46-E5DA-5C5FAE8C15A6}"/>
+                </a:ext>
+              </a:extLst>
+            </p:cNvPr>
+            <p:cNvPicPr>
+              <a:picLocks noChangeAspect="1"/>
+            </p:cNvPicPr>
+            <p:nvPr/>
+          </p:nvPicPr>
+          <p:blipFill>
+            <a:blip r:embed="rId3"/>
+            <a:stretch>
+              <a:fillRect/>
+            </a:stretch>
+          </p:blipFill>
+          <p:spPr>
+            <a:xfrm>
+              <a:off x="7463995" y="3317608"/>
+              <a:ext cx="2247900" cy="2609850"/>
+            </a:xfrm>
+            <a:prstGeom prst="rect">
+              <a:avLst/>
+            </a:prstGeom>
+          </p:spPr>
+        </p:pic>
+      </p:grpSp>
+      <p:pic>
+        <p:nvPicPr>
+          <p:cNvPr id="20" name="Picture 19">
             <a:extLst>
               <a:ext uri="{FF2B5EF4-FFF2-40B4-BE49-F238E27FC236}">
-                <a16:creationId xmlns:a16="http://schemas.microsoft.com/office/drawing/2014/main" id="{534E935D-4B7F-1A9C-62CF-502134C1C3E0}"/>
-              </a:ext>
-            </a:extLst>
-          </p:cNvPr>
-          <p:cNvSpPr txBox="1"/>
-          <p:nvPr/>
-        </p:nvSpPr>
-        <p:spPr>
-          <a:xfrm>
-            <a:off x="5795318" y="2716289"/>
-            <a:ext cx="5585255" cy="369332"/>
-          </a:xfrm>
-          <a:prstGeom prst="rect">
-            <a:avLst/>
-          </a:prstGeom>
-          <a:noFill/>
-        </p:spPr>
-        <p:txBody>
-          <a:bodyPr wrap="square">
-            <a:spAutoFit/>
-          </a:bodyPr>
-          <a:lstStyle/>
-          <a:p>
-            <a:r>
-              <a:rPr lang="en-US" sz="1800" dirty="0">
-                <a:solidFill>
-                  <a:srgbClr val="0000FF"/>
-                </a:solidFill>
-                <a:latin typeface="Cascadia Mono" panose="020B0609020000020004" pitchFamily="49" charset="0"/>
-                <a:cs typeface="Cascadia Mono" panose="020B0609020000020004" pitchFamily="49" charset="0"/>
-              </a:rPr>
-              <a:t>WHERE</a:t>
-            </a:r>
-            <a:r>
-              <a:rPr lang="en-US" sz="1800" dirty="0">
-                <a:solidFill>
-                  <a:srgbClr val="000000"/>
-                </a:solidFill>
-                <a:latin typeface="Cascadia Mono" panose="020B0609020000020004" pitchFamily="49" charset="0"/>
-                <a:cs typeface="Cascadia Mono" panose="020B0609020000020004" pitchFamily="49" charset="0"/>
-              </a:rPr>
-              <a:t> </a:t>
-            </a:r>
-            <a:r>
-              <a:rPr lang="en-US" sz="1800" dirty="0" err="1">
-                <a:solidFill>
-                  <a:srgbClr val="000000"/>
-                </a:solidFill>
-                <a:latin typeface="Cascadia Mono" panose="020B0609020000020004" pitchFamily="49" charset="0"/>
-                <a:cs typeface="Cascadia Mono" panose="020B0609020000020004" pitchFamily="49" charset="0"/>
-              </a:rPr>
-              <a:t>ArbitraryID</a:t>
-            </a:r>
-            <a:r>
-              <a:rPr lang="en-US" sz="1800" dirty="0">
-                <a:solidFill>
-                  <a:srgbClr val="000000"/>
-                </a:solidFill>
-                <a:latin typeface="Cascadia Mono" panose="020B0609020000020004" pitchFamily="49" charset="0"/>
-                <a:cs typeface="Cascadia Mono" panose="020B0609020000020004" pitchFamily="49" charset="0"/>
-              </a:rPr>
-              <a:t> </a:t>
-            </a:r>
-            <a:r>
-              <a:rPr lang="en-US" sz="1800" dirty="0">
-                <a:solidFill>
-                  <a:srgbClr val="808080"/>
-                </a:solidFill>
-                <a:latin typeface="Cascadia Mono" panose="020B0609020000020004" pitchFamily="49" charset="0"/>
-                <a:cs typeface="Cascadia Mono" panose="020B0609020000020004" pitchFamily="49" charset="0"/>
-              </a:rPr>
-              <a:t>LIKE</a:t>
-            </a:r>
-            <a:r>
-              <a:rPr lang="en-US" sz="1800" dirty="0">
-                <a:solidFill>
-                  <a:srgbClr val="000000"/>
-                </a:solidFill>
-                <a:latin typeface="Cascadia Mono" panose="020B0609020000020004" pitchFamily="49" charset="0"/>
-                <a:cs typeface="Cascadia Mono" panose="020B0609020000020004" pitchFamily="49" charset="0"/>
-              </a:rPr>
-              <a:t> </a:t>
-            </a:r>
-            <a:r>
-              <a:rPr lang="en-US" sz="1800" dirty="0">
-                <a:solidFill>
-                  <a:srgbClr val="FF0000"/>
-                </a:solidFill>
-                <a:latin typeface="Cascadia Mono" panose="020B0609020000020004" pitchFamily="49" charset="0"/>
-                <a:cs typeface="Cascadia Mono" panose="020B0609020000020004" pitchFamily="49" charset="0"/>
-              </a:rPr>
-              <a:t>'%[1%]9[86][90]'</a:t>
-            </a:r>
-            <a:endParaRPr lang="en-US" dirty="0">
-              <a:latin typeface="Cascadia Mono" panose="020B0609020000020004" pitchFamily="49" charset="0"/>
-              <a:cs typeface="Cascadia Mono" panose="020B0609020000020004" pitchFamily="49" charset="0"/>
-            </a:endParaRPr>
-          </a:p>
-        </p:txBody>
-      </p:sp>
-      <p:pic>
-        <p:nvPicPr>
-          <p:cNvPr id="13" name="Picture 12">
-            <a:extLst>
-              <a:ext uri="{FF2B5EF4-FFF2-40B4-BE49-F238E27FC236}">
-                <a16:creationId xmlns:a16="http://schemas.microsoft.com/office/drawing/2014/main" id="{270712C2-3ADE-6247-7612-84D22D1D7204}"/>
+                <a16:creationId xmlns:a16="http://schemas.microsoft.com/office/drawing/2014/main" id="{497BD2B1-4EDD-59CA-AB9F-43B1672F159F}"/>
               </a:ext>
             </a:extLst>
           </p:cNvPr>
@@ -5825,181 +5674,150 @@
         </p:blipFill>
         <p:spPr>
           <a:xfrm>
-            <a:off x="7516188" y="3182610"/>
-            <a:ext cx="2143513" cy="2484769"/>
+            <a:off x="1615194" y="3317608"/>
+            <a:ext cx="2247900" cy="1733550"/>
           </a:xfrm>
           <a:prstGeom prst="rect">
             <a:avLst/>
           </a:prstGeom>
         </p:spPr>
       </p:pic>
-      <p:pic>
-        <p:nvPicPr>
-          <p:cNvPr id="15" name="Picture 14">
+      <p:grpSp>
+        <p:nvGrpSpPr>
+          <p:cNvPr id="24" name="Group 23">
             <a:extLst>
               <a:ext uri="{FF2B5EF4-FFF2-40B4-BE49-F238E27FC236}">
-                <a16:creationId xmlns:a16="http://schemas.microsoft.com/office/drawing/2014/main" id="{9B694129-BB6E-1FE5-7C05-32AD6B7591A6}"/>
+                <a16:creationId xmlns:a16="http://schemas.microsoft.com/office/drawing/2014/main" id="{E329701A-8F82-991B-CE9C-43CEA3C0A934}"/>
               </a:ext>
             </a:extLst>
           </p:cNvPr>
-          <p:cNvPicPr>
-            <a:picLocks noChangeAspect="1"/>
-          </p:cNvPicPr>
+          <p:cNvGrpSpPr/>
           <p:nvPr/>
-        </p:nvPicPr>
-        <p:blipFill>
-          <a:blip r:embed="rId5"/>
-          <a:stretch>
-            <a:fillRect/>
-          </a:stretch>
-        </p:blipFill>
-        <p:spPr>
-          <a:xfrm>
-            <a:off x="1681483" y="5667379"/>
-            <a:ext cx="2368394" cy="671634"/>
-          </a:xfrm>
-          <a:prstGeom prst="rect">
-            <a:avLst/>
-          </a:prstGeom>
-        </p:spPr>
-      </p:pic>
-      <p:sp>
-        <p:nvSpPr>
-          <p:cNvPr id="17" name="TextBox 16">
-            <a:extLst>
-              <a:ext uri="{FF2B5EF4-FFF2-40B4-BE49-F238E27FC236}">
-                <a16:creationId xmlns:a16="http://schemas.microsoft.com/office/drawing/2014/main" id="{60C5010C-FD47-F0C7-7144-27302E51A58A}"/>
-              </a:ext>
-            </a:extLst>
-          </p:cNvPr>
-          <p:cNvSpPr txBox="1"/>
-          <p:nvPr/>
-        </p:nvSpPr>
-        <p:spPr>
+        </p:nvGrpSpPr>
+        <p:grpSpPr>
           <a:xfrm>
             <a:off x="1032367" y="5298047"/>
-            <a:ext cx="3413554" cy="369332"/>
+            <a:ext cx="3413554" cy="1103860"/>
+            <a:chOff x="1032367" y="5298047"/>
+            <a:chExt cx="3413554" cy="1103860"/>
           </a:xfrm>
-          <a:prstGeom prst="rect">
-            <a:avLst/>
-          </a:prstGeom>
-          <a:noFill/>
-        </p:spPr>
-        <p:txBody>
-          <a:bodyPr wrap="square">
-            <a:spAutoFit/>
-          </a:bodyPr>
-          <a:lstStyle/>
-          <a:p>
-            <a:r>
-              <a:rPr lang="en-US" sz="1800" dirty="0">
-                <a:solidFill>
-                  <a:srgbClr val="0000FF"/>
-                </a:solidFill>
-                <a:latin typeface="Cascadia Code" panose="020B0609020000020004" pitchFamily="49" charset="0"/>
-                <a:cs typeface="Cascadia Code" panose="020B0609020000020004" pitchFamily="49" charset="0"/>
-              </a:rPr>
-              <a:t>WHERE</a:t>
-            </a:r>
-            <a:r>
-              <a:rPr lang="en-US" sz="1800" dirty="0">
-                <a:solidFill>
-                  <a:srgbClr val="000000"/>
-                </a:solidFill>
-                <a:latin typeface="Cascadia Code" panose="020B0609020000020004" pitchFamily="49" charset="0"/>
-                <a:cs typeface="Cascadia Code" panose="020B0609020000020004" pitchFamily="49" charset="0"/>
-              </a:rPr>
-              <a:t> [value] </a:t>
-            </a:r>
-            <a:r>
-              <a:rPr lang="en-US" sz="1800" dirty="0">
-                <a:solidFill>
-                  <a:srgbClr val="808080"/>
-                </a:solidFill>
-                <a:latin typeface="Cascadia Code" panose="020B0609020000020004" pitchFamily="49" charset="0"/>
-                <a:cs typeface="Cascadia Code" panose="020B0609020000020004" pitchFamily="49" charset="0"/>
-              </a:rPr>
-              <a:t>LIKE</a:t>
-            </a:r>
-            <a:r>
-              <a:rPr lang="en-US" sz="1800" dirty="0">
-                <a:solidFill>
-                  <a:srgbClr val="000000"/>
-                </a:solidFill>
-                <a:latin typeface="Cascadia Code" panose="020B0609020000020004" pitchFamily="49" charset="0"/>
-                <a:cs typeface="Cascadia Code" panose="020B0609020000020004" pitchFamily="49" charset="0"/>
-              </a:rPr>
-              <a:t> </a:t>
-            </a:r>
-            <a:r>
-              <a:rPr lang="en-US" sz="1800" dirty="0">
-                <a:solidFill>
-                  <a:srgbClr val="FF0000"/>
-                </a:solidFill>
-                <a:latin typeface="Cascadia Code" panose="020B0609020000020004" pitchFamily="49" charset="0"/>
-                <a:cs typeface="Cascadia Code" panose="020B0609020000020004" pitchFamily="49" charset="0"/>
-              </a:rPr>
-              <a:t>'[%]'</a:t>
-            </a:r>
-            <a:endParaRPr lang="en-US" dirty="0">
-              <a:latin typeface="Cascadia Code" panose="020B0609020000020004" pitchFamily="49" charset="0"/>
-              <a:cs typeface="Cascadia Code" panose="020B0609020000020004" pitchFamily="49" charset="0"/>
-            </a:endParaRPr>
-          </a:p>
-        </p:txBody>
-      </p:sp>
-      <p:sp>
-        <p:nvSpPr>
-          <p:cNvPr id="18" name="Rectangle 17">
-            <a:extLst>
-              <a:ext uri="{FF2B5EF4-FFF2-40B4-BE49-F238E27FC236}">
-                <a16:creationId xmlns:a16="http://schemas.microsoft.com/office/drawing/2014/main" id="{34586D4C-D4FD-9040-14FA-26AB6051A15D}"/>
-              </a:ext>
-            </a:extLst>
-          </p:cNvPr>
-          <p:cNvSpPr/>
-          <p:nvPr/>
-        </p:nvSpPr>
-        <p:spPr>
-          <a:xfrm>
-            <a:off x="840259" y="2716289"/>
-            <a:ext cx="4522573" cy="390008"/>
-          </a:xfrm>
-          <a:prstGeom prst="rect">
-            <a:avLst/>
-          </a:prstGeom>
-          <a:noFill/>
-          <a:ln w="50800">
-            <a:solidFill>
-              <a:srgbClr val="FF0000"/>
-            </a:solidFill>
-          </a:ln>
-        </p:spPr>
-        <p:style>
-          <a:lnRef idx="2">
-            <a:schemeClr val="accent1">
-              <a:shade val="15000"/>
-            </a:schemeClr>
-          </a:lnRef>
-          <a:fillRef idx="1">
-            <a:schemeClr val="accent1"/>
-          </a:fillRef>
-          <a:effectRef idx="0">
-            <a:schemeClr val="accent1"/>
-          </a:effectRef>
-          <a:fontRef idx="minor">
-            <a:schemeClr val="lt1"/>
-          </a:fontRef>
-        </p:style>
-        <p:txBody>
-          <a:bodyPr rtlCol="0" anchor="ctr"/>
-          <a:lstStyle/>
-          <a:p>
-            <a:pPr algn="ctr"/>
-            <a:endParaRPr lang="en-US"/>
-          </a:p>
-        </p:txBody>
-      </p:sp>
+        </p:grpSpPr>
+        <p:sp>
+          <p:nvSpPr>
+            <p:cNvPr id="17" name="TextBox 16">
+              <a:extLst>
+                <a:ext uri="{FF2B5EF4-FFF2-40B4-BE49-F238E27FC236}">
+                  <a16:creationId xmlns:a16="http://schemas.microsoft.com/office/drawing/2014/main" id="{60C5010C-FD47-F0C7-7144-27302E51A58A}"/>
+                </a:ext>
+              </a:extLst>
+            </p:cNvPr>
+            <p:cNvSpPr txBox="1"/>
+            <p:nvPr/>
+          </p:nvSpPr>
+          <p:spPr>
+            <a:xfrm>
+              <a:off x="1032367" y="5298047"/>
+              <a:ext cx="3413554" cy="369332"/>
+            </a:xfrm>
+            <a:prstGeom prst="rect">
+              <a:avLst/>
+            </a:prstGeom>
+            <a:noFill/>
+          </p:spPr>
+          <p:txBody>
+            <a:bodyPr wrap="square">
+              <a:spAutoFit/>
+            </a:bodyPr>
+            <a:lstStyle/>
+            <a:p>
+              <a:r>
+                <a:rPr lang="en-US" sz="1800" dirty="0">
+                  <a:solidFill>
+                    <a:srgbClr val="0000FF"/>
+                  </a:solidFill>
+                  <a:latin typeface="Cascadia Code" panose="020B0609020000020004" pitchFamily="49" charset="0"/>
+                  <a:cs typeface="Cascadia Code" panose="020B0609020000020004" pitchFamily="49" charset="0"/>
+                </a:rPr>
+                <a:t>WHERE</a:t>
+              </a:r>
+              <a:r>
+                <a:rPr lang="en-US" sz="1800" dirty="0">
+                  <a:solidFill>
+                    <a:srgbClr val="000000"/>
+                  </a:solidFill>
+                  <a:latin typeface="Cascadia Code" panose="020B0609020000020004" pitchFamily="49" charset="0"/>
+                  <a:cs typeface="Cascadia Code" panose="020B0609020000020004" pitchFamily="49" charset="0"/>
+                </a:rPr>
+                <a:t> [value] </a:t>
+              </a:r>
+              <a:r>
+                <a:rPr lang="en-US" sz="1800" dirty="0">
+                  <a:solidFill>
+                    <a:srgbClr val="808080"/>
+                  </a:solidFill>
+                  <a:latin typeface="Cascadia Code" panose="020B0609020000020004" pitchFamily="49" charset="0"/>
+                  <a:cs typeface="Cascadia Code" panose="020B0609020000020004" pitchFamily="49" charset="0"/>
+                </a:rPr>
+                <a:t>LIKE</a:t>
+              </a:r>
+              <a:r>
+                <a:rPr lang="en-US" sz="1800" dirty="0">
+                  <a:solidFill>
+                    <a:srgbClr val="000000"/>
+                  </a:solidFill>
+                  <a:latin typeface="Cascadia Code" panose="020B0609020000020004" pitchFamily="49" charset="0"/>
+                  <a:cs typeface="Cascadia Code" panose="020B0609020000020004" pitchFamily="49" charset="0"/>
+                </a:rPr>
+                <a:t> </a:t>
+              </a:r>
+              <a:r>
+                <a:rPr lang="en-US" sz="1800" dirty="0">
+                  <a:solidFill>
+                    <a:srgbClr val="FF0000"/>
+                  </a:solidFill>
+                  <a:latin typeface="Cascadia Code" panose="020B0609020000020004" pitchFamily="49" charset="0"/>
+                  <a:cs typeface="Cascadia Code" panose="020B0609020000020004" pitchFamily="49" charset="0"/>
+                </a:rPr>
+                <a:t>'[%]'</a:t>
+              </a:r>
+              <a:endParaRPr lang="en-US" dirty="0">
+                <a:latin typeface="Cascadia Code" panose="020B0609020000020004" pitchFamily="49" charset="0"/>
+                <a:cs typeface="Cascadia Code" panose="020B0609020000020004" pitchFamily="49" charset="0"/>
+              </a:endParaRPr>
+            </a:p>
+          </p:txBody>
+        </p:sp>
+        <p:pic>
+          <p:nvPicPr>
+            <p:cNvPr id="22" name="Picture 21">
+              <a:extLst>
+                <a:ext uri="{FF2B5EF4-FFF2-40B4-BE49-F238E27FC236}">
+                  <a16:creationId xmlns:a16="http://schemas.microsoft.com/office/drawing/2014/main" id="{DC7922B6-2AE2-CBC7-56CA-67EE6E228191}"/>
+                </a:ext>
+              </a:extLst>
+            </p:cNvPr>
+            <p:cNvPicPr>
+              <a:picLocks noChangeAspect="1"/>
+            </p:cNvPicPr>
+            <p:nvPr/>
+          </p:nvPicPr>
+          <p:blipFill>
+            <a:blip r:embed="rId5"/>
+            <a:stretch>
+              <a:fillRect/>
+            </a:stretch>
+          </p:blipFill>
+          <p:spPr>
+            <a:xfrm>
+              <a:off x="1615194" y="5773257"/>
+              <a:ext cx="2238375" cy="628650"/>
+            </a:xfrm>
+            <a:prstGeom prst="rect">
+              <a:avLst/>
+            </a:prstGeom>
+          </p:spPr>
+        </p:pic>
+      </p:grpSp>
     </p:spTree>
     <p:extLst>
       <p:ext uri="{BB962C8B-B14F-4D97-AF65-F5344CB8AC3E}">
@@ -6031,7 +5849,7 @@
                             </p:stCondLst>
                             <p:childTnLst>
                               <p:par>
-                                <p:cTn id="5" presetID="1" presetClass="entr" presetSubtype="0" fill="hold" grpId="0" nodeType="clickEffect">
+                                <p:cTn id="5" presetID="1" presetClass="entr" presetSubtype="0" fill="hold" nodeType="clickEffect">
                                   <p:stCondLst>
                                     <p:cond delay="0"/>
                                   </p:stCondLst>
@@ -6044,7 +5862,52 @@
                                           </p:stCondLst>
                                         </p:cTn>
                                         <p:tgtEl>
-                                          <p:spTgt spid="18"/>
+                                          <p:spTgt spid="24"/>
+                                        </p:tgtEl>
+                                        <p:attrNameLst>
+                                          <p:attrName>style.visibility</p:attrName>
+                                        </p:attrNameLst>
+                                      </p:cBhvr>
+                                      <p:to>
+                                        <p:strVal val="visible"/>
+                                      </p:to>
+                                    </p:set>
+                                  </p:childTnLst>
+                                </p:cTn>
+                              </p:par>
+                            </p:childTnLst>
+                          </p:cTn>
+                        </p:par>
+                      </p:childTnLst>
+                    </p:cTn>
+                  </p:par>
+                  <p:par>
+                    <p:cTn id="7" fill="hold">
+                      <p:stCondLst>
+                        <p:cond delay="indefinite"/>
+                      </p:stCondLst>
+                      <p:childTnLst>
+                        <p:par>
+                          <p:cTn id="8" fill="hold">
+                            <p:stCondLst>
+                              <p:cond delay="0"/>
+                            </p:stCondLst>
+                            <p:childTnLst>
+                              <p:par>
+                                <p:cTn id="9" presetID="1" presetClass="entr" presetSubtype="0" fill="hold" nodeType="clickEffect">
+                                  <p:stCondLst>
+                                    <p:cond delay="0"/>
+                                  </p:stCondLst>
+                                  <p:childTnLst>
+                                    <p:set>
+                                      <p:cBhvr>
+                                        <p:cTn id="10" dur="1" fill="hold">
+                                          <p:stCondLst>
+                                            <p:cond delay="0"/>
+                                          </p:stCondLst>
+                                        </p:cTn>
+                                        <p:tgtEl>
+                                          <p:spTgt spid="25"/>
                                         </p:tgtEl>
                                         <p:attrNameLst>
                                           <p:attrName>style.visibility</p:attrName>
@@ -6084,9 +5947,6 @@
         </p:cTn>
       </p:par>
     </p:tnLst>
-    <p:bldLst>
-      <p:bldP spid="18" grpId="0" animBg="1"/>
-    </p:bldLst>
   </p:timing>
 </p:sld>
 </file>
@@ -7348,6 +7208,45 @@
           </a:prstGeom>
         </p:spPr>
       </p:pic>
+      <p:sp>
+        <p:nvSpPr>
+          <p:cNvPr id="3" name="TextBox 2">
+            <a:extLst>
+              <a:ext uri="{FF2B5EF4-FFF2-40B4-BE49-F238E27FC236}">
+                <a16:creationId xmlns:a16="http://schemas.microsoft.com/office/drawing/2014/main" id="{064DECD8-4EA2-6477-F054-ABAD21780CD8}"/>
+              </a:ext>
+            </a:extLst>
+          </p:cNvPr>
+          <p:cNvSpPr txBox="1"/>
+          <p:nvPr/>
+        </p:nvSpPr>
+        <p:spPr>
+          <a:xfrm>
+            <a:off x="8756347" y="2307888"/>
+            <a:ext cx="2119379" cy="523220"/>
+          </a:xfrm>
+          <a:prstGeom prst="rect">
+            <a:avLst/>
+          </a:prstGeom>
+          <a:noFill/>
+        </p:spPr>
+        <p:txBody>
+          <a:bodyPr wrap="square" rtlCol="0">
+            <a:spAutoFit/>
+          </a:bodyPr>
+          <a:lstStyle/>
+          <a:p>
+            <a:r>
+              <a:rPr lang="en-US" sz="1400" b="1" dirty="0">
+                <a:solidFill>
+                  <a:srgbClr val="FF0000"/>
+                </a:solidFill>
+              </a:rPr>
+              <a:t>Copies the current instance-level collation</a:t>
+            </a:r>
+          </a:p>
+        </p:txBody>
+      </p:sp>
     </p:spTree>
     <p:extLst>
       <p:ext uri="{BB962C8B-B14F-4D97-AF65-F5344CB8AC3E}">
@@ -8451,6 +8350,87 @@
           </a:p>
         </p:txBody>
       </p:sp>
+      <p:sp>
+        <p:nvSpPr>
+          <p:cNvPr id="3" name="TextBox 2">
+            <a:extLst>
+              <a:ext uri="{FF2B5EF4-FFF2-40B4-BE49-F238E27FC236}">
+                <a16:creationId xmlns:a16="http://schemas.microsoft.com/office/drawing/2014/main" id="{6247AD3A-7BE8-FBF1-C370-1D2788BF4FE9}"/>
+              </a:ext>
+            </a:extLst>
+          </p:cNvPr>
+          <p:cNvSpPr txBox="1"/>
+          <p:nvPr/>
+        </p:nvSpPr>
+        <p:spPr>
+          <a:xfrm>
+            <a:off x="9038504" y="3552111"/>
+            <a:ext cx="2117176" cy="523220"/>
+          </a:xfrm>
+          <a:prstGeom prst="rect">
+            <a:avLst/>
+          </a:prstGeom>
+          <a:noFill/>
+        </p:spPr>
+        <p:txBody>
+          <a:bodyPr wrap="square" rtlCol="0">
+            <a:spAutoFit/>
+          </a:bodyPr>
+          <a:lstStyle/>
+          <a:p>
+            <a:r>
+              <a:rPr lang="en-US" sz="1400" b="1" dirty="0">
+                <a:solidFill>
+                  <a:srgbClr val="FF0000"/>
+                </a:solidFill>
+              </a:rPr>
+              <a:t>Copies the current database-level collation</a:t>
+            </a:r>
+          </a:p>
+        </p:txBody>
+      </p:sp>
+      <p:cxnSp>
+        <p:nvCxnSpPr>
+          <p:cNvPr id="10" name="Straight Arrow Connector 9">
+            <a:extLst>
+              <a:ext uri="{FF2B5EF4-FFF2-40B4-BE49-F238E27FC236}">
+                <a16:creationId xmlns:a16="http://schemas.microsoft.com/office/drawing/2014/main" id="{F6B8F09E-2C4C-B82C-F0CF-A8ACE8DEB9FE}"/>
+              </a:ext>
+            </a:extLst>
+          </p:cNvPr>
+          <p:cNvCxnSpPr/>
+          <p:nvPr/>
+        </p:nvCxnSpPr>
+        <p:spPr>
+          <a:xfrm>
+            <a:off x="8316227" y="2990404"/>
+            <a:ext cx="423512" cy="1084927"/>
+          </a:xfrm>
+          <a:prstGeom prst="straightConnector1">
+            <a:avLst/>
+          </a:prstGeom>
+          <a:ln w="41275">
+            <a:solidFill>
+              <a:srgbClr val="FF0000"/>
+            </a:solidFill>
+            <a:tailEnd type="triangle"/>
+          </a:ln>
+        </p:spPr>
+        <p:style>
+          <a:lnRef idx="1">
+            <a:schemeClr val="accent1"/>
+          </a:lnRef>
+          <a:fillRef idx="0">
+            <a:schemeClr val="accent1"/>
+          </a:fillRef>
+          <a:effectRef idx="0">
+            <a:schemeClr val="accent1"/>
+          </a:effectRef>
+          <a:fontRef idx="minor">
+            <a:schemeClr val="tx1"/>
+          </a:fontRef>
+        </p:style>
+      </p:cxnSp>
     </p:spTree>
     <p:extLst>
       <p:ext uri="{BB962C8B-B14F-4D97-AF65-F5344CB8AC3E}">
@@ -9163,6 +9143,9 @@
                 <a:solidFill>
                   <a:srgbClr val="FF00FF"/>
                 </a:solidFill>
+                <a:highlight>
+                  <a:srgbClr val="FFFF00"/>
+                </a:highlight>
                 <a:latin typeface="Cascadia Mono" panose="020B0609020000020004" pitchFamily="49" charset="0"/>
                 <a:cs typeface="Cascadia Mono" panose="020B0609020000020004" pitchFamily="49" charset="0"/>
               </a:rPr>
@@ -9188,7 +9171,20 @@
                 <a:latin typeface="Cascadia Mono" panose="020B0609020000020004" pitchFamily="49" charset="0"/>
                 <a:cs typeface="Cascadia Mono" panose="020B0609020000020004" pitchFamily="49" charset="0"/>
               </a:rPr>
-              <a:t>   SQL_Latin1_General_CP1_CI_AS</a:t>
+              <a:t>   </a:t>
+            </a:r>
+            <a:r>
+              <a:rPr lang="en-US" sz="1800" dirty="0">
+                <a:solidFill>
+                  <a:srgbClr val="000000"/>
+                </a:solidFill>
+                <a:highlight>
+                  <a:srgbClr val="FFFF00"/>
+                </a:highlight>
+                <a:latin typeface="Cascadia Mono" panose="020B0609020000020004" pitchFamily="49" charset="0"/>
+                <a:cs typeface="Cascadia Mono" panose="020B0609020000020004" pitchFamily="49" charset="0"/>
+              </a:rPr>
+              <a:t>SQL_Latin1_General_CP1_CI_AS</a:t>
             </a:r>
           </a:p>
           <a:p>
@@ -9594,11 +9590,44 @@
                 <a:latin typeface="Cascadia Code" panose="020B0609020000020004" pitchFamily="49" charset="0"/>
                 <a:cs typeface="Cascadia Code" panose="020B0609020000020004" pitchFamily="49" charset="0"/>
               </a:rPr>
-              <a:t> [value] </a:t>
+              <a:t> [</a:t>
+            </a:r>
+            <a:r>
+              <a:rPr lang="en-US" dirty="0" err="1">
+                <a:solidFill>
+                  <a:srgbClr val="000000"/>
+                </a:solidFill>
+                <a:highlight>
+                  <a:srgbClr val="00FF00"/>
+                </a:highlight>
+                <a:latin typeface="Cascadia Code" panose="020B0609020000020004" pitchFamily="49" charset="0"/>
+                <a:cs typeface="Cascadia Code" panose="020B0609020000020004" pitchFamily="49" charset="0"/>
+              </a:rPr>
+              <a:t>CI</a:t>
+            </a:r>
+            <a:r>
+              <a:rPr lang="en-US" dirty="0" err="1">
+                <a:solidFill>
+                  <a:srgbClr val="000000"/>
+                </a:solidFill>
+                <a:latin typeface="Cascadia Code" panose="020B0609020000020004" pitchFamily="49" charset="0"/>
+                <a:cs typeface="Cascadia Code" panose="020B0609020000020004" pitchFamily="49" charset="0"/>
+              </a:rPr>
+              <a:t>_value</a:t>
             </a:r>
             <a:r>
               <a:rPr lang="en-US" dirty="0">
                 <a:solidFill>
+                  <a:srgbClr val="000000"/>
+                </a:solidFill>
+                <a:latin typeface="Cascadia Code" panose="020B0609020000020004" pitchFamily="49" charset="0"/>
+                <a:cs typeface="Cascadia Code" panose="020B0609020000020004" pitchFamily="49" charset="0"/>
+              </a:rPr>
+              <a:t>] </a:t>
+            </a:r>
+            <a:r>
+              <a:rPr lang="en-US" dirty="0">
+                <a:solidFill>
                   <a:srgbClr val="FF00FF"/>
                 </a:solidFill>
                 <a:latin typeface="Cascadia Code" panose="020B0609020000020004" pitchFamily="49" charset="0"/>
@@ -9614,7 +9643,30 @@
                 <a:latin typeface="Cascadia Code" panose="020B0609020000020004" pitchFamily="49" charset="0"/>
                 <a:cs typeface="Cascadia Code" panose="020B0609020000020004" pitchFamily="49" charset="0"/>
               </a:rPr>
-              <a:t> Latin1_General_CS_AS </a:t>
+              <a:t> Latin1_General_</a:t>
+            </a:r>
+            <a:r>
+              <a:rPr lang="en-US" dirty="0">
+                <a:solidFill>
+                  <a:srgbClr val="000000"/>
+                </a:solidFill>
+                <a:highlight>
+                  <a:srgbClr val="FFFF00"/>
+                </a:highlight>
+                <a:latin typeface="Cascadia Code" panose="020B0609020000020004" pitchFamily="49" charset="0"/>
+                <a:cs typeface="Cascadia Code" panose="020B0609020000020004" pitchFamily="49" charset="0"/>
+              </a:rPr>
+              <a:t>CS</a:t>
+            </a:r>
+            <a:r>
+              <a:rPr lang="en-US" dirty="0">
+                <a:solidFill>
+                  <a:srgbClr val="000000"/>
+                </a:solidFill>
+                <a:latin typeface="Cascadia Code" panose="020B0609020000020004" pitchFamily="49" charset="0"/>
+                <a:cs typeface="Cascadia Code" panose="020B0609020000020004" pitchFamily="49" charset="0"/>
+              </a:rPr>
+              <a:t>_AS </a:t>
             </a:r>
             <a:r>
               <a:rPr lang="en-US" dirty="0">
@@ -9679,13 +9731,8 @@
           <a:p>
             <a:r>
               <a:rPr lang="en-US" dirty="0"/>
-              <a:t>Forcing case-insensitivity on an </a:t>
-            </a:r>
-            <a:r>
-              <a:rPr lang="en-US"/>
-              <a:t>case-sensitive column:</a:t>
-            </a:r>
-            <a:endParaRPr lang="en-US" dirty="0"/>
+              <a:t>Forcing case-insensitivity on an case-sensitive column:</a:t>
+            </a:r>
           </a:p>
           <a:p>
             <a:endParaRPr lang="en-US" sz="1800" dirty="0">
@@ -9715,11 +9762,44 @@
                 <a:latin typeface="Cascadia Code" panose="020B0609020000020004" pitchFamily="49" charset="0"/>
                 <a:cs typeface="Cascadia Code" panose="020B0609020000020004" pitchFamily="49" charset="0"/>
               </a:rPr>
-              <a:t> [value] </a:t>
+              <a:t> [</a:t>
+            </a:r>
+            <a:r>
+              <a:rPr lang="en-US" dirty="0" err="1">
+                <a:solidFill>
+                  <a:srgbClr val="000000"/>
+                </a:solidFill>
+                <a:highlight>
+                  <a:srgbClr val="FFFF00"/>
+                </a:highlight>
+                <a:latin typeface="Cascadia Code" panose="020B0609020000020004" pitchFamily="49" charset="0"/>
+                <a:cs typeface="Cascadia Code" panose="020B0609020000020004" pitchFamily="49" charset="0"/>
+              </a:rPr>
+              <a:t>CS</a:t>
+            </a:r>
+            <a:r>
+              <a:rPr lang="en-US" dirty="0" err="1">
+                <a:solidFill>
+                  <a:srgbClr val="000000"/>
+                </a:solidFill>
+                <a:latin typeface="Cascadia Code" panose="020B0609020000020004" pitchFamily="49" charset="0"/>
+                <a:cs typeface="Cascadia Code" panose="020B0609020000020004" pitchFamily="49" charset="0"/>
+              </a:rPr>
+              <a:t>_value</a:t>
             </a:r>
             <a:r>
               <a:rPr lang="en-US" dirty="0">
                 <a:solidFill>
+                  <a:srgbClr val="000000"/>
+                </a:solidFill>
+                <a:latin typeface="Cascadia Code" panose="020B0609020000020004" pitchFamily="49" charset="0"/>
+                <a:cs typeface="Cascadia Code" panose="020B0609020000020004" pitchFamily="49" charset="0"/>
+              </a:rPr>
+              <a:t>] </a:t>
+            </a:r>
+            <a:r>
+              <a:rPr lang="en-US" dirty="0">
+                <a:solidFill>
                   <a:srgbClr val="FF00FF"/>
                 </a:solidFill>
                 <a:latin typeface="Cascadia Code" panose="020B0609020000020004" pitchFamily="49" charset="0"/>
@@ -9735,7 +9815,30 @@
                 <a:latin typeface="Cascadia Code" panose="020B0609020000020004" pitchFamily="49" charset="0"/>
                 <a:cs typeface="Cascadia Code" panose="020B0609020000020004" pitchFamily="49" charset="0"/>
               </a:rPr>
-              <a:t> Latin1_General_CI_AS </a:t>
+              <a:t> Latin1_General_</a:t>
+            </a:r>
+            <a:r>
+              <a:rPr lang="en-US" dirty="0">
+                <a:solidFill>
+                  <a:srgbClr val="000000"/>
+                </a:solidFill>
+                <a:highlight>
+                  <a:srgbClr val="00FF00"/>
+                </a:highlight>
+                <a:latin typeface="Cascadia Code" panose="020B0609020000020004" pitchFamily="49" charset="0"/>
+                <a:cs typeface="Cascadia Code" panose="020B0609020000020004" pitchFamily="49" charset="0"/>
+              </a:rPr>
+              <a:t>CI</a:t>
+            </a:r>
+            <a:r>
+              <a:rPr lang="en-US" dirty="0">
+                <a:solidFill>
+                  <a:srgbClr val="000000"/>
+                </a:solidFill>
+                <a:latin typeface="Cascadia Code" panose="020B0609020000020004" pitchFamily="49" charset="0"/>
+                <a:cs typeface="Cascadia Code" panose="020B0609020000020004" pitchFamily="49" charset="0"/>
+              </a:rPr>
+              <a:t>_AS </a:t>
             </a:r>
             <a:r>
               <a:rPr lang="en-US" dirty="0">
@@ -9816,7 +9919,40 @@
                 <a:latin typeface="Cascadia Code" panose="020B0609020000020004" pitchFamily="49" charset="0"/>
                 <a:cs typeface="Cascadia Code" panose="020B0609020000020004" pitchFamily="49" charset="0"/>
               </a:rPr>
-              <a:t> [value] </a:t>
+              <a:t> [</a:t>
+            </a:r>
+            <a:r>
+              <a:rPr lang="en-US" dirty="0" err="1">
+                <a:solidFill>
+                  <a:srgbClr val="000000"/>
+                </a:solidFill>
+                <a:highlight>
+                  <a:srgbClr val="FFFF00"/>
+                </a:highlight>
+                <a:latin typeface="Cascadia Code" panose="020B0609020000020004" pitchFamily="49" charset="0"/>
+                <a:cs typeface="Cascadia Code" panose="020B0609020000020004" pitchFamily="49" charset="0"/>
+              </a:rPr>
+              <a:t>CS</a:t>
+            </a:r>
+            <a:r>
+              <a:rPr lang="en-US" dirty="0" err="1">
+                <a:solidFill>
+                  <a:srgbClr val="000000"/>
+                </a:solidFill>
+                <a:latin typeface="Cascadia Code" panose="020B0609020000020004" pitchFamily="49" charset="0"/>
+                <a:cs typeface="Cascadia Code" panose="020B0609020000020004" pitchFamily="49" charset="0"/>
+              </a:rPr>
+              <a:t>_value</a:t>
+            </a:r>
+            <a:r>
+              <a:rPr lang="en-US" dirty="0">
+                <a:solidFill>
+                  <a:srgbClr val="000000"/>
+                </a:solidFill>
+                <a:latin typeface="Cascadia Code" panose="020B0609020000020004" pitchFamily="49" charset="0"/>
+                <a:cs typeface="Cascadia Code" panose="020B0609020000020004" pitchFamily="49" charset="0"/>
+              </a:rPr>
+              <a:t>] </a:t>
             </a:r>
             <a:r>
               <a:rPr lang="en-US" dirty="0">
@@ -9947,7 +10083,40 @@
                 <a:latin typeface="Cascadia Code" panose="020B0609020000020004" pitchFamily="49" charset="0"/>
                 <a:cs typeface="Cascadia Code" panose="020B0609020000020004" pitchFamily="49" charset="0"/>
               </a:rPr>
-              <a:t>[value]</a:t>
+              <a:t>[</a:t>
+            </a:r>
+            <a:r>
+              <a:rPr lang="en-US" dirty="0" err="1">
+                <a:solidFill>
+                  <a:srgbClr val="000000"/>
+                </a:solidFill>
+                <a:highlight>
+                  <a:srgbClr val="FFFF00"/>
+                </a:highlight>
+                <a:latin typeface="Cascadia Code" panose="020B0609020000020004" pitchFamily="49" charset="0"/>
+                <a:cs typeface="Cascadia Code" panose="020B0609020000020004" pitchFamily="49" charset="0"/>
+              </a:rPr>
+              <a:t>CS</a:t>
+            </a:r>
+            <a:r>
+              <a:rPr lang="en-US" dirty="0" err="1">
+                <a:solidFill>
+                  <a:srgbClr val="000000"/>
+                </a:solidFill>
+                <a:latin typeface="Cascadia Code" panose="020B0609020000020004" pitchFamily="49" charset="0"/>
+                <a:cs typeface="Cascadia Code" panose="020B0609020000020004" pitchFamily="49" charset="0"/>
+              </a:rPr>
+              <a:t>_value</a:t>
+            </a:r>
+            <a:r>
+              <a:rPr lang="en-US" dirty="0">
+                <a:solidFill>
+                  <a:srgbClr val="000000"/>
+                </a:solidFill>
+                <a:latin typeface="Cascadia Code" panose="020B0609020000020004" pitchFamily="49" charset="0"/>
+                <a:cs typeface="Cascadia Code" panose="020B0609020000020004" pitchFamily="49" charset="0"/>
+              </a:rPr>
+              <a:t>]</a:t>
             </a:r>
             <a:r>
               <a:rPr lang="en-US" sz="1800" dirty="0">
@@ -9990,26 +10159,6 @@
               <a:t> </a:t>
             </a:r>
             <a:r>
-              <a:rPr lang="en-US" sz="1800" dirty="0">
-                <a:solidFill>
-                  <a:srgbClr val="FF00FF"/>
-                </a:solidFill>
-                <a:latin typeface="Cascadia Code" panose="020B0609020000020004" pitchFamily="49" charset="0"/>
-                <a:cs typeface="Cascadia Code" panose="020B0609020000020004" pitchFamily="49" charset="0"/>
-              </a:rPr>
-              <a:t>LOWER</a:t>
-            </a:r>
-            <a:r>
-              <a:rPr lang="en-US" sz="1800" dirty="0">
-                <a:solidFill>
-                  <a:srgbClr val="808080"/>
-                </a:solidFill>
-                <a:latin typeface="Cascadia Code" panose="020B0609020000020004" pitchFamily="49" charset="0"/>
-                <a:cs typeface="Cascadia Code" panose="020B0609020000020004" pitchFamily="49" charset="0"/>
-              </a:rPr>
-              <a:t>(</a:t>
-            </a:r>
-            <a:r>
               <a:rPr lang="en-US" dirty="0">
                 <a:solidFill>
                   <a:srgbClr val="FF0000"/>
@@ -10039,16 +10188,13 @@
               </a:rPr>
               <a:t>]d'</a:t>
             </a:r>
-            <a:r>
-              <a:rPr lang="en-US" sz="1800" dirty="0">
-                <a:solidFill>
-                  <a:srgbClr val="808080"/>
-                </a:solidFill>
-                <a:latin typeface="Cascadia Code" panose="020B0609020000020004" pitchFamily="49" charset="0"/>
-                <a:cs typeface="Cascadia Code" panose="020B0609020000020004" pitchFamily="49" charset="0"/>
-              </a:rPr>
-              <a:t>)</a:t>
-            </a:r>
+            <a:endParaRPr lang="en-US" sz="1800" dirty="0">
+              <a:solidFill>
+                <a:srgbClr val="808080"/>
+              </a:solidFill>
+              <a:latin typeface="Cascadia Code" panose="020B0609020000020004" pitchFamily="49" charset="0"/>
+              <a:cs typeface="Cascadia Code" panose="020B0609020000020004" pitchFamily="49" charset="0"/>
+            </a:endParaRPr>
           </a:p>
         </p:txBody>
       </p:sp>
@@ -10296,7 +10442,15 @@
             </a:pPr>
             <a:r>
               <a:rPr lang="en-US" sz="2000" dirty="0"/>
-              <a:t>Provides a shortcut to consolidate characters on its immediate left and right</a:t>
+              <a:t>Provides a shortcut to consolidate characters on its </a:t>
+            </a:r>
+            <a:r>
+              <a:rPr lang="en-US" sz="2000" b="1" dirty="0"/>
+              <a:t>immediate</a:t>
+            </a:r>
+            <a:r>
+              <a:rPr lang="en-US" sz="2000" dirty="0"/>
+              <a:t> left and right</a:t>
             </a:r>
           </a:p>
           <a:p>
@@ -10707,6 +10861,424 @@
           </a:prstGeom>
         </p:spPr>
       </p:pic>
+      <p:cxnSp>
+        <p:nvCxnSpPr>
+          <p:cNvPr id="6" name="Straight Connector 5">
+            <a:extLst>
+              <a:ext uri="{FF2B5EF4-FFF2-40B4-BE49-F238E27FC236}">
+                <a16:creationId xmlns:a16="http://schemas.microsoft.com/office/drawing/2014/main" id="{F38E67D9-CB11-4AA5-DF3D-86594CC35BB4}"/>
+              </a:ext>
+            </a:extLst>
+          </p:cNvPr>
+          <p:cNvCxnSpPr>
+            <a:cxnSpLocks/>
+          </p:cNvCxnSpPr>
+          <p:nvPr/>
+        </p:nvCxnSpPr>
+        <p:spPr>
+          <a:xfrm>
+            <a:off x="5111015" y="3523708"/>
+            <a:ext cx="288758" cy="0"/>
+          </a:xfrm>
+          <a:prstGeom prst="line">
+            <a:avLst/>
+          </a:prstGeom>
+        </p:spPr>
+        <p:style>
+          <a:lnRef idx="1">
+            <a:schemeClr val="accent1"/>
+          </a:lnRef>
+          <a:fillRef idx="0">
+            <a:schemeClr val="accent1"/>
+          </a:fillRef>
+          <a:effectRef idx="0">
+            <a:schemeClr val="accent1"/>
+          </a:effectRef>
+          <a:fontRef idx="minor">
+            <a:schemeClr val="tx1"/>
+          </a:fontRef>
+        </p:style>
+      </p:cxnSp>
+      <p:cxnSp>
+        <p:nvCxnSpPr>
+          <p:cNvPr id="14" name="Straight Connector 13">
+            <a:extLst>
+              <a:ext uri="{FF2B5EF4-FFF2-40B4-BE49-F238E27FC236}">
+                <a16:creationId xmlns:a16="http://schemas.microsoft.com/office/drawing/2014/main" id="{9DF644BD-3751-4C72-10EC-D82F80815BF5}"/>
+              </a:ext>
+            </a:extLst>
+          </p:cNvPr>
+          <p:cNvCxnSpPr>
+            <a:cxnSpLocks/>
+          </p:cNvCxnSpPr>
+          <p:nvPr/>
+        </p:nvCxnSpPr>
+        <p:spPr>
+          <a:xfrm>
+            <a:off x="5111015" y="3801236"/>
+            <a:ext cx="288758" cy="0"/>
+          </a:xfrm>
+          <a:prstGeom prst="line">
+            <a:avLst/>
+          </a:prstGeom>
+        </p:spPr>
+        <p:style>
+          <a:lnRef idx="1">
+            <a:schemeClr val="accent1"/>
+          </a:lnRef>
+          <a:fillRef idx="0">
+            <a:schemeClr val="accent1"/>
+          </a:fillRef>
+          <a:effectRef idx="0">
+            <a:schemeClr val="accent1"/>
+          </a:effectRef>
+          <a:fontRef idx="minor">
+            <a:schemeClr val="tx1"/>
+          </a:fontRef>
+        </p:style>
+      </p:cxnSp>
+      <p:cxnSp>
+        <p:nvCxnSpPr>
+          <p:cNvPr id="15" name="Straight Connector 14">
+            <a:extLst>
+              <a:ext uri="{FF2B5EF4-FFF2-40B4-BE49-F238E27FC236}">
+                <a16:creationId xmlns:a16="http://schemas.microsoft.com/office/drawing/2014/main" id="{A40E56EA-816D-6410-755B-4B3862FD30AA}"/>
+              </a:ext>
+            </a:extLst>
+          </p:cNvPr>
+          <p:cNvCxnSpPr>
+            <a:cxnSpLocks/>
+          </p:cNvCxnSpPr>
+          <p:nvPr/>
+        </p:nvCxnSpPr>
+        <p:spPr>
+          <a:xfrm>
+            <a:off x="5111015" y="3523708"/>
+            <a:ext cx="288758" cy="277528"/>
+          </a:xfrm>
+          <a:prstGeom prst="line">
+            <a:avLst/>
+          </a:prstGeom>
+        </p:spPr>
+        <p:style>
+          <a:lnRef idx="1">
+            <a:schemeClr val="accent1"/>
+          </a:lnRef>
+          <a:fillRef idx="0">
+            <a:schemeClr val="accent1"/>
+          </a:fillRef>
+          <a:effectRef idx="0">
+            <a:schemeClr val="accent1"/>
+          </a:effectRef>
+          <a:fontRef idx="minor">
+            <a:schemeClr val="tx1"/>
+          </a:fontRef>
+        </p:style>
+      </p:cxnSp>
+      <p:cxnSp>
+        <p:nvCxnSpPr>
+          <p:cNvPr id="19" name="Straight Connector 18">
+            <a:extLst>
+              <a:ext uri="{FF2B5EF4-FFF2-40B4-BE49-F238E27FC236}">
+                <a16:creationId xmlns:a16="http://schemas.microsoft.com/office/drawing/2014/main" id="{FF9F014B-3081-0C1A-B4A7-AA4AE47BDBDD}"/>
+              </a:ext>
+            </a:extLst>
+          </p:cNvPr>
+          <p:cNvCxnSpPr>
+            <a:cxnSpLocks/>
+          </p:cNvCxnSpPr>
+          <p:nvPr/>
+        </p:nvCxnSpPr>
+        <p:spPr>
+          <a:xfrm flipV="1">
+            <a:off x="5111015" y="3523708"/>
+            <a:ext cx="288758" cy="277528"/>
+          </a:xfrm>
+          <a:prstGeom prst="line">
+            <a:avLst/>
+          </a:prstGeom>
+        </p:spPr>
+        <p:style>
+          <a:lnRef idx="1">
+            <a:schemeClr val="accent1"/>
+          </a:lnRef>
+          <a:fillRef idx="0">
+            <a:schemeClr val="accent1"/>
+          </a:fillRef>
+          <a:effectRef idx="0">
+            <a:schemeClr val="accent1"/>
+          </a:effectRef>
+          <a:fontRef idx="minor">
+            <a:schemeClr val="tx1"/>
+          </a:fontRef>
+        </p:style>
+      </p:cxnSp>
+      <p:cxnSp>
+        <p:nvCxnSpPr>
+          <p:cNvPr id="22" name="Straight Connector 21">
+            <a:extLst>
+              <a:ext uri="{FF2B5EF4-FFF2-40B4-BE49-F238E27FC236}">
+                <a16:creationId xmlns:a16="http://schemas.microsoft.com/office/drawing/2014/main" id="{6CF9C91D-DAEF-75EA-632B-65A22F025622}"/>
+              </a:ext>
+            </a:extLst>
+          </p:cNvPr>
+          <p:cNvCxnSpPr>
+            <a:cxnSpLocks/>
+          </p:cNvCxnSpPr>
+          <p:nvPr/>
+        </p:nvCxnSpPr>
+        <p:spPr>
+          <a:xfrm>
+            <a:off x="5111015" y="3523708"/>
+            <a:ext cx="288758" cy="518903"/>
+          </a:xfrm>
+          <a:prstGeom prst="line">
+            <a:avLst/>
+          </a:prstGeom>
+        </p:spPr>
+        <p:style>
+          <a:lnRef idx="1">
+            <a:schemeClr val="accent1"/>
+          </a:lnRef>
+          <a:fillRef idx="0">
+            <a:schemeClr val="accent1"/>
+          </a:fillRef>
+          <a:effectRef idx="0">
+            <a:schemeClr val="accent1"/>
+          </a:effectRef>
+          <a:fontRef idx="minor">
+            <a:schemeClr val="tx1"/>
+          </a:fontRef>
+        </p:style>
+      </p:cxnSp>
+      <p:cxnSp>
+        <p:nvCxnSpPr>
+          <p:cNvPr id="25" name="Straight Connector 24">
+            <a:extLst>
+              <a:ext uri="{FF2B5EF4-FFF2-40B4-BE49-F238E27FC236}">
+                <a16:creationId xmlns:a16="http://schemas.microsoft.com/office/drawing/2014/main" id="{BB607465-98A6-26DF-BF30-028D377052C3}"/>
+              </a:ext>
+            </a:extLst>
+          </p:cNvPr>
+          <p:cNvCxnSpPr>
+            <a:cxnSpLocks/>
+          </p:cNvCxnSpPr>
+          <p:nvPr/>
+        </p:nvCxnSpPr>
+        <p:spPr>
+          <a:xfrm>
+            <a:off x="5111015" y="3801236"/>
+            <a:ext cx="288758" cy="241375"/>
+          </a:xfrm>
+          <a:prstGeom prst="line">
+            <a:avLst/>
+          </a:prstGeom>
+        </p:spPr>
+        <p:style>
+          <a:lnRef idx="1">
+            <a:schemeClr val="accent1"/>
+          </a:lnRef>
+          <a:fillRef idx="0">
+            <a:schemeClr val="accent1"/>
+          </a:fillRef>
+          <a:effectRef idx="0">
+            <a:schemeClr val="accent1"/>
+          </a:effectRef>
+          <a:fontRef idx="minor">
+            <a:schemeClr val="tx1"/>
+          </a:fontRef>
+        </p:style>
+      </p:cxnSp>
+      <p:cxnSp>
+        <p:nvCxnSpPr>
+          <p:cNvPr id="28" name="Straight Connector 27">
+            <a:extLst>
+              <a:ext uri="{FF2B5EF4-FFF2-40B4-BE49-F238E27FC236}">
+                <a16:creationId xmlns:a16="http://schemas.microsoft.com/office/drawing/2014/main" id="{33A757B5-11C3-6E18-222A-83B4AFEBED6E}"/>
+              </a:ext>
+            </a:extLst>
+          </p:cNvPr>
+          <p:cNvCxnSpPr>
+            <a:cxnSpLocks/>
+          </p:cNvCxnSpPr>
+          <p:nvPr/>
+        </p:nvCxnSpPr>
+        <p:spPr>
+          <a:xfrm>
+            <a:off x="10528434" y="4042611"/>
+            <a:ext cx="288758" cy="0"/>
+          </a:xfrm>
+          <a:prstGeom prst="line">
+            <a:avLst/>
+          </a:prstGeom>
+        </p:spPr>
+        <p:style>
+          <a:lnRef idx="1">
+            <a:schemeClr val="accent1"/>
+          </a:lnRef>
+          <a:fillRef idx="0">
+            <a:schemeClr val="accent1"/>
+          </a:fillRef>
+          <a:effectRef idx="0">
+            <a:schemeClr val="accent1"/>
+          </a:effectRef>
+          <a:fontRef idx="minor">
+            <a:schemeClr val="tx1"/>
+          </a:fontRef>
+        </p:style>
+      </p:cxnSp>
+      <p:cxnSp>
+        <p:nvCxnSpPr>
+          <p:cNvPr id="29" name="Straight Connector 28">
+            <a:extLst>
+              <a:ext uri="{FF2B5EF4-FFF2-40B4-BE49-F238E27FC236}">
+                <a16:creationId xmlns:a16="http://schemas.microsoft.com/office/drawing/2014/main" id="{BDBB2865-7B73-E575-ACA9-668BA92166EA}"/>
+              </a:ext>
+            </a:extLst>
+          </p:cNvPr>
+          <p:cNvCxnSpPr>
+            <a:cxnSpLocks/>
+          </p:cNvCxnSpPr>
+          <p:nvPr/>
+        </p:nvCxnSpPr>
+        <p:spPr>
+          <a:xfrm>
+            <a:off x="10528434" y="3801236"/>
+            <a:ext cx="288758" cy="241375"/>
+          </a:xfrm>
+          <a:prstGeom prst="line">
+            <a:avLst/>
+          </a:prstGeom>
+        </p:spPr>
+        <p:style>
+          <a:lnRef idx="1">
+            <a:schemeClr val="accent1"/>
+          </a:lnRef>
+          <a:fillRef idx="0">
+            <a:schemeClr val="accent1"/>
+          </a:fillRef>
+          <a:effectRef idx="0">
+            <a:schemeClr val="accent1"/>
+          </a:effectRef>
+          <a:fontRef idx="minor">
+            <a:schemeClr val="tx1"/>
+          </a:fontRef>
+        </p:style>
+      </p:cxnSp>
+      <p:cxnSp>
+        <p:nvCxnSpPr>
+          <p:cNvPr id="32" name="Straight Connector 31">
+            <a:extLst>
+              <a:ext uri="{FF2B5EF4-FFF2-40B4-BE49-F238E27FC236}">
+                <a16:creationId xmlns:a16="http://schemas.microsoft.com/office/drawing/2014/main" id="{3D73998B-08EF-5648-9DF9-FDC0087CCEF4}"/>
+              </a:ext>
+            </a:extLst>
+          </p:cNvPr>
+          <p:cNvCxnSpPr>
+            <a:cxnSpLocks/>
+          </p:cNvCxnSpPr>
+          <p:nvPr/>
+        </p:nvCxnSpPr>
+        <p:spPr>
+          <a:xfrm>
+            <a:off x="10510398" y="3523708"/>
+            <a:ext cx="306794" cy="518903"/>
+          </a:xfrm>
+          <a:prstGeom prst="line">
+            <a:avLst/>
+          </a:prstGeom>
+        </p:spPr>
+        <p:style>
+          <a:lnRef idx="1">
+            <a:schemeClr val="accent1"/>
+          </a:lnRef>
+          <a:fillRef idx="0">
+            <a:schemeClr val="accent1"/>
+          </a:fillRef>
+          <a:effectRef idx="0">
+            <a:schemeClr val="accent1"/>
+          </a:effectRef>
+          <a:fontRef idx="minor">
+            <a:schemeClr val="tx1"/>
+          </a:fontRef>
+        </p:style>
+      </p:cxnSp>
+      <p:cxnSp>
+        <p:nvCxnSpPr>
+          <p:cNvPr id="36" name="Straight Connector 35">
+            <a:extLst>
+              <a:ext uri="{FF2B5EF4-FFF2-40B4-BE49-F238E27FC236}">
+                <a16:creationId xmlns:a16="http://schemas.microsoft.com/office/drawing/2014/main" id="{1736BD01-6BB4-5454-4340-4B2ABEB297B6}"/>
+              </a:ext>
+            </a:extLst>
+          </p:cNvPr>
+          <p:cNvCxnSpPr>
+            <a:cxnSpLocks/>
+          </p:cNvCxnSpPr>
+          <p:nvPr/>
+        </p:nvCxnSpPr>
+        <p:spPr>
+          <a:xfrm flipV="1">
+            <a:off x="10528434" y="4042611"/>
+            <a:ext cx="288758" cy="587141"/>
+          </a:xfrm>
+          <a:prstGeom prst="line">
+            <a:avLst/>
+          </a:prstGeom>
+        </p:spPr>
+        <p:style>
+          <a:lnRef idx="1">
+            <a:schemeClr val="accent1"/>
+          </a:lnRef>
+          <a:fillRef idx="0">
+            <a:schemeClr val="accent1"/>
+          </a:fillRef>
+          <a:effectRef idx="0">
+            <a:schemeClr val="accent1"/>
+          </a:effectRef>
+          <a:fontRef idx="minor">
+            <a:schemeClr val="tx1"/>
+          </a:fontRef>
+        </p:style>
+      </p:cxnSp>
+      <p:cxnSp>
+        <p:nvCxnSpPr>
+          <p:cNvPr id="39" name="Straight Connector 38">
+            <a:extLst>
+              <a:ext uri="{FF2B5EF4-FFF2-40B4-BE49-F238E27FC236}">
+                <a16:creationId xmlns:a16="http://schemas.microsoft.com/office/drawing/2014/main" id="{314F6C3D-81D0-2360-3DE4-7765F4323633}"/>
+              </a:ext>
+            </a:extLst>
+          </p:cNvPr>
+          <p:cNvCxnSpPr>
+            <a:cxnSpLocks/>
+          </p:cNvCxnSpPr>
+          <p:nvPr/>
+        </p:nvCxnSpPr>
+        <p:spPr>
+          <a:xfrm flipV="1">
+            <a:off x="10528434" y="4040121"/>
+            <a:ext cx="288758" cy="296060"/>
+          </a:xfrm>
+          <a:prstGeom prst="line">
+            <a:avLst/>
+          </a:prstGeom>
+        </p:spPr>
+        <p:style>
+          <a:lnRef idx="1">
+            <a:schemeClr val="accent1"/>
+          </a:lnRef>
+          <a:fillRef idx="0">
+            <a:schemeClr val="accent1"/>
+          </a:fillRef>
+          <a:effectRef idx="0">
+            <a:schemeClr val="accent1"/>
+          </a:effectRef>
+          <a:fontRef idx="minor">
+            <a:schemeClr val="tx1"/>
+          </a:fontRef>
+        </p:style>
+      </p:cxnSp>
     </p:spTree>
     <p:extLst>
       <p:ext uri="{BB962C8B-B14F-4D97-AF65-F5344CB8AC3E}">
@@ -12789,10 +13361,10 @@
       </p:grpSpPr>
       <p:sp>
         <p:nvSpPr>
-          <p:cNvPr id="2" name="Title 1">
+          <p:cNvPr id="4" name="Title 1">
             <a:extLst>
               <a:ext uri="{FF2B5EF4-FFF2-40B4-BE49-F238E27FC236}">
-                <a16:creationId xmlns:a16="http://schemas.microsoft.com/office/drawing/2014/main" id="{50DCCA32-B76D-E588-4ECC-0A6B3CCE8602}"/>
+                <a16:creationId xmlns:a16="http://schemas.microsoft.com/office/drawing/2014/main" id="{59C23066-7333-B294-B79B-D8C29EDBFF75}"/>
               </a:ext>
             </a:extLst>
           </p:cNvPr>
@@ -12803,40 +13375,552 @@
             <p:ph type="title"/>
           </p:nvPr>
         </p:nvSpPr>
-        <p:spPr/>
+        <p:spPr>
+          <a:xfrm>
+            <a:off x="838200" y="365125"/>
+            <a:ext cx="10515600" cy="1325563"/>
+          </a:xfrm>
+        </p:spPr>
         <p:txBody>
-          <a:bodyPr/>
+          <a:bodyPr>
+            <a:normAutofit/>
+          </a:bodyPr>
           <a:lstStyle/>
           <a:p>
-            <a:endParaRPr lang="en-US" dirty="0"/>
+            <a:r>
+              <a:rPr lang="en-US" sz="4000" dirty="0">
+                <a:solidFill>
+                  <a:srgbClr val="FF00FF"/>
+                </a:solidFill>
+                <a:latin typeface="Consolas" panose="020B0609020204030204" pitchFamily="49" charset="0"/>
+              </a:rPr>
+              <a:t>PATINDEX</a:t>
+            </a:r>
+            <a:r>
+              <a:rPr lang="en-US" sz="4000" dirty="0">
+                <a:solidFill>
+                  <a:srgbClr val="808080"/>
+                </a:solidFill>
+                <a:latin typeface="Consolas" panose="020B0609020204030204" pitchFamily="49" charset="0"/>
+              </a:rPr>
+              <a:t>(</a:t>
+            </a:r>
+            <a:r>
+              <a:rPr lang="en-US" sz="4000" i="1" dirty="0" err="1">
+                <a:solidFill>
+                  <a:srgbClr val="000000"/>
+                </a:solidFill>
+                <a:latin typeface="Consolas" panose="020B0609020204030204" pitchFamily="49" charset="0"/>
+              </a:rPr>
+              <a:t>like_pattern</a:t>
+            </a:r>
+            <a:r>
+              <a:rPr lang="en-US" sz="4000" dirty="0">
+                <a:solidFill>
+                  <a:srgbClr val="808080"/>
+                </a:solidFill>
+                <a:latin typeface="Consolas" panose="020B0609020204030204" pitchFamily="49" charset="0"/>
+              </a:rPr>
+              <a:t>,</a:t>
+            </a:r>
+            <a:r>
+              <a:rPr lang="en-US" sz="4000" dirty="0">
+                <a:solidFill>
+                  <a:srgbClr val="000000"/>
+                </a:solidFill>
+                <a:latin typeface="Consolas" panose="020B0609020204030204" pitchFamily="49" charset="0"/>
+              </a:rPr>
+              <a:t> </a:t>
+            </a:r>
+            <a:r>
+              <a:rPr lang="en-US" sz="4000" i="1" dirty="0" err="1">
+                <a:solidFill>
+                  <a:srgbClr val="000000"/>
+                </a:solidFill>
+                <a:latin typeface="Consolas" panose="020B0609020204030204" pitchFamily="49" charset="0"/>
+              </a:rPr>
+              <a:t>stringable</a:t>
+            </a:r>
+            <a:r>
+              <a:rPr lang="en-US" sz="4000" dirty="0">
+                <a:solidFill>
+                  <a:srgbClr val="808080"/>
+                </a:solidFill>
+                <a:latin typeface="Consolas" panose="020B0609020204030204" pitchFamily="49" charset="0"/>
+              </a:rPr>
+              <a:t>)</a:t>
+            </a:r>
+            <a:endParaRPr lang="en-US" sz="4000" i="1" dirty="0">
+              <a:solidFill>
+                <a:srgbClr val="FF0000"/>
+              </a:solidFill>
+            </a:endParaRPr>
           </a:p>
         </p:txBody>
       </p:sp>
       <p:sp>
         <p:nvSpPr>
-          <p:cNvPr id="3" name="Content Placeholder 2">
+          <p:cNvPr id="5" name="TextBox 4">
             <a:extLst>
               <a:ext uri="{FF2B5EF4-FFF2-40B4-BE49-F238E27FC236}">
-                <a16:creationId xmlns:a16="http://schemas.microsoft.com/office/drawing/2014/main" id="{BCAA2F5E-787E-D5F9-0288-6B6047067E17}"/>
+                <a16:creationId xmlns:a16="http://schemas.microsoft.com/office/drawing/2014/main" id="{40CB5967-F69F-D300-32CF-D209691F2C75}"/>
               </a:ext>
             </a:extLst>
           </p:cNvPr>
-          <p:cNvSpPr>
-            <a:spLocks noGrp="1"/>
-          </p:cNvSpPr>
-          <p:nvPr>
-            <p:ph idx="1"/>
-          </p:nvPr>
+          <p:cNvSpPr txBox="1"/>
+          <p:nvPr/>
         </p:nvSpPr>
-        <p:spPr/>
+        <p:spPr>
+          <a:xfrm>
+            <a:off x="1193530" y="3429000"/>
+            <a:ext cx="5736657" cy="1754326"/>
+          </a:xfrm>
+          <a:prstGeom prst="rect">
+            <a:avLst/>
+          </a:prstGeom>
+          <a:noFill/>
+        </p:spPr>
         <p:txBody>
-          <a:bodyPr/>
+          <a:bodyPr wrap="square" rtlCol="0">
+            <a:spAutoFit/>
+          </a:bodyPr>
           <a:lstStyle/>
           <a:p>
             <a:r>
-              <a:rPr lang="en-US" dirty="0"/>
-              <a:t>LIKE and PATINDEX()</a:t>
-            </a:r>
+              <a:rPr lang="en-US" sz="1800" dirty="0">
+                <a:solidFill>
+                  <a:srgbClr val="0000FF"/>
+                </a:solidFill>
+                <a:latin typeface="Consolas" panose="020B0609020204030204" pitchFamily="49" charset="0"/>
+              </a:rPr>
+              <a:t>SELECT</a:t>
+            </a:r>
+            <a:r>
+              <a:rPr lang="en-US" sz="1800" dirty="0">
+                <a:solidFill>
+                  <a:srgbClr val="000000"/>
+                </a:solidFill>
+                <a:latin typeface="Consolas" panose="020B0609020204030204" pitchFamily="49" charset="0"/>
+              </a:rPr>
+              <a:t> </a:t>
+            </a:r>
+            <a:r>
+              <a:rPr lang="en-US" sz="1800" dirty="0">
+                <a:solidFill>
+                  <a:srgbClr val="0000FF"/>
+                </a:solidFill>
+                <a:latin typeface="Consolas" panose="020B0609020204030204" pitchFamily="49" charset="0"/>
+              </a:rPr>
+              <a:t>TOP</a:t>
+            </a:r>
+            <a:r>
+              <a:rPr lang="en-US" sz="1800" dirty="0">
+                <a:solidFill>
+                  <a:srgbClr val="000000"/>
+                </a:solidFill>
+                <a:latin typeface="Consolas" panose="020B0609020204030204" pitchFamily="49" charset="0"/>
+              </a:rPr>
+              <a:t> 4 </a:t>
+            </a:r>
+            <a:r>
+              <a:rPr lang="en-US" sz="1800" dirty="0" err="1">
+                <a:solidFill>
+                  <a:srgbClr val="000000"/>
+                </a:solidFill>
+                <a:latin typeface="Consolas" panose="020B0609020204030204" pitchFamily="49" charset="0"/>
+              </a:rPr>
+              <a:t>ArbitraryID</a:t>
+            </a:r>
+            <a:endParaRPr lang="en-US" sz="1800" dirty="0">
+              <a:solidFill>
+                <a:srgbClr val="000000"/>
+              </a:solidFill>
+              <a:latin typeface="Consolas" panose="020B0609020204030204" pitchFamily="49" charset="0"/>
+            </a:endParaRPr>
+          </a:p>
+          <a:p>
+            <a:r>
+              <a:rPr lang="en-US" sz="1800" dirty="0">
+                <a:solidFill>
+                  <a:srgbClr val="808080"/>
+                </a:solidFill>
+                <a:latin typeface="Consolas" panose="020B0609020204030204" pitchFamily="49" charset="0"/>
+              </a:rPr>
+              <a:t>  ,</a:t>
+            </a:r>
+            <a:r>
+              <a:rPr lang="en-US" sz="1800" dirty="0">
+                <a:solidFill>
+                  <a:srgbClr val="000000"/>
+                </a:solidFill>
+                <a:latin typeface="Consolas" panose="020B0609020204030204" pitchFamily="49" charset="0"/>
+              </a:rPr>
+              <a:t> [value]</a:t>
+            </a:r>
+          </a:p>
+          <a:p>
+            <a:r>
+              <a:rPr lang="en-US" sz="1800" dirty="0">
+                <a:solidFill>
+                  <a:srgbClr val="808080"/>
+                </a:solidFill>
+                <a:latin typeface="Consolas" panose="020B0609020204030204" pitchFamily="49" charset="0"/>
+              </a:rPr>
+              <a:t>  ,</a:t>
+            </a:r>
+            <a:r>
+              <a:rPr lang="en-US" sz="1800" dirty="0">
+                <a:solidFill>
+                  <a:srgbClr val="000000"/>
+                </a:solidFill>
+                <a:latin typeface="Consolas" panose="020B0609020204030204" pitchFamily="49" charset="0"/>
+              </a:rPr>
+              <a:t> </a:t>
+            </a:r>
+            <a:r>
+              <a:rPr lang="en-US" sz="1800" dirty="0">
+                <a:solidFill>
+                  <a:srgbClr val="FF00FF"/>
+                </a:solidFill>
+                <a:latin typeface="Consolas" panose="020B0609020204030204" pitchFamily="49" charset="0"/>
+              </a:rPr>
+              <a:t>PATINDEX</a:t>
+            </a:r>
+            <a:r>
+              <a:rPr lang="en-US" sz="1800" dirty="0">
+                <a:solidFill>
+                  <a:srgbClr val="808080"/>
+                </a:solidFill>
+                <a:latin typeface="Consolas" panose="020B0609020204030204" pitchFamily="49" charset="0"/>
+              </a:rPr>
+              <a:t>(</a:t>
+            </a:r>
+            <a:r>
+              <a:rPr lang="en-US" sz="1800" dirty="0">
+                <a:solidFill>
+                  <a:srgbClr val="FF0000"/>
+                </a:solidFill>
+                <a:latin typeface="Consolas" panose="020B0609020204030204" pitchFamily="49" charset="0"/>
+              </a:rPr>
+              <a:t>'%</a:t>
+            </a:r>
+            <a:r>
+              <a:rPr lang="en-US" sz="1800" dirty="0" err="1">
+                <a:solidFill>
+                  <a:srgbClr val="FF0000"/>
+                </a:solidFill>
+                <a:latin typeface="Consolas" panose="020B0609020204030204" pitchFamily="49" charset="0"/>
+              </a:rPr>
+              <a:t>bc</a:t>
+            </a:r>
+            <a:r>
+              <a:rPr lang="en-US" sz="1800" dirty="0">
+                <a:solidFill>
+                  <a:srgbClr val="FF0000"/>
+                </a:solidFill>
+                <a:latin typeface="Consolas" panose="020B0609020204030204" pitchFamily="49" charset="0"/>
+              </a:rPr>
+              <a:t>'</a:t>
+            </a:r>
+            <a:r>
+              <a:rPr lang="en-US" sz="1800" dirty="0">
+                <a:solidFill>
+                  <a:srgbClr val="808080"/>
+                </a:solidFill>
+                <a:latin typeface="Consolas" panose="020B0609020204030204" pitchFamily="49" charset="0"/>
+              </a:rPr>
+              <a:t>,</a:t>
+            </a:r>
+            <a:r>
+              <a:rPr lang="en-US" sz="1800" dirty="0">
+                <a:solidFill>
+                  <a:srgbClr val="000000"/>
+                </a:solidFill>
+                <a:latin typeface="Consolas" panose="020B0609020204030204" pitchFamily="49" charset="0"/>
+              </a:rPr>
+              <a:t> [value]</a:t>
+            </a:r>
+            <a:r>
+              <a:rPr lang="en-US" sz="1800" dirty="0">
+                <a:solidFill>
+                  <a:srgbClr val="808080"/>
+                </a:solidFill>
+                <a:latin typeface="Consolas" panose="020B0609020204030204" pitchFamily="49" charset="0"/>
+              </a:rPr>
+              <a:t>)</a:t>
+            </a:r>
+            <a:r>
+              <a:rPr lang="en-US" sz="1800" dirty="0">
+                <a:solidFill>
+                  <a:srgbClr val="000000"/>
+                </a:solidFill>
+                <a:latin typeface="Consolas" panose="020B0609020204030204" pitchFamily="49" charset="0"/>
+              </a:rPr>
+              <a:t> </a:t>
+            </a:r>
+            <a:r>
+              <a:rPr lang="en-US" sz="1800" dirty="0">
+                <a:solidFill>
+                  <a:srgbClr val="0000FF"/>
+                </a:solidFill>
+                <a:latin typeface="Consolas" panose="020B0609020204030204" pitchFamily="49" charset="0"/>
+              </a:rPr>
+              <a:t>AS</a:t>
+            </a:r>
+            <a:r>
+              <a:rPr lang="en-US" sz="1800" dirty="0">
+                <a:solidFill>
+                  <a:srgbClr val="000000"/>
+                </a:solidFill>
+                <a:latin typeface="Consolas" panose="020B0609020204030204" pitchFamily="49" charset="0"/>
+              </a:rPr>
+              <a:t> Position</a:t>
+            </a:r>
+          </a:p>
+          <a:p>
+            <a:r>
+              <a:rPr lang="en-US" sz="1800" dirty="0">
+                <a:solidFill>
+                  <a:srgbClr val="0000FF"/>
+                </a:solidFill>
+                <a:latin typeface="Consolas" panose="020B0609020204030204" pitchFamily="49" charset="0"/>
+              </a:rPr>
+              <a:t>FROM</a:t>
+            </a:r>
+            <a:r>
+              <a:rPr lang="en-US" sz="1800" dirty="0">
+                <a:solidFill>
+                  <a:srgbClr val="000000"/>
+                </a:solidFill>
+                <a:latin typeface="Consolas" panose="020B0609020204030204" pitchFamily="49" charset="0"/>
+              </a:rPr>
+              <a:t> dbo</a:t>
+            </a:r>
+            <a:r>
+              <a:rPr lang="en-US" sz="1800" dirty="0">
+                <a:solidFill>
+                  <a:srgbClr val="808080"/>
+                </a:solidFill>
+                <a:latin typeface="Consolas" panose="020B0609020204030204" pitchFamily="49" charset="0"/>
+              </a:rPr>
+              <a:t>.</a:t>
+            </a:r>
+            <a:r>
+              <a:rPr lang="en-US" sz="1800" dirty="0">
+                <a:solidFill>
+                  <a:srgbClr val="000000"/>
+                </a:solidFill>
+                <a:latin typeface="Consolas" panose="020B0609020204030204" pitchFamily="49" charset="0"/>
+              </a:rPr>
+              <a:t>Table_1</a:t>
+            </a:r>
+          </a:p>
+          <a:p>
+            <a:r>
+              <a:rPr lang="en-US" sz="1800" dirty="0">
+                <a:solidFill>
+                  <a:srgbClr val="0000FF"/>
+                </a:solidFill>
+                <a:latin typeface="Consolas" panose="020B0609020204030204" pitchFamily="49" charset="0"/>
+              </a:rPr>
+              <a:t>WHERE</a:t>
+            </a:r>
+            <a:r>
+              <a:rPr lang="en-US" sz="1800" dirty="0">
+                <a:solidFill>
+                  <a:srgbClr val="000000"/>
+                </a:solidFill>
+                <a:latin typeface="Consolas" panose="020B0609020204030204" pitchFamily="49" charset="0"/>
+              </a:rPr>
+              <a:t> [value] </a:t>
+            </a:r>
+            <a:r>
+              <a:rPr lang="en-US" sz="1800" dirty="0">
+                <a:solidFill>
+                  <a:srgbClr val="808080"/>
+                </a:solidFill>
+                <a:latin typeface="Consolas" panose="020B0609020204030204" pitchFamily="49" charset="0"/>
+              </a:rPr>
+              <a:t>LIKE</a:t>
+            </a:r>
+            <a:r>
+              <a:rPr lang="en-US" sz="1800" dirty="0">
+                <a:solidFill>
+                  <a:srgbClr val="000000"/>
+                </a:solidFill>
+                <a:latin typeface="Consolas" panose="020B0609020204030204" pitchFamily="49" charset="0"/>
+              </a:rPr>
+              <a:t> </a:t>
+            </a:r>
+            <a:r>
+              <a:rPr lang="en-US" sz="1800" dirty="0">
+                <a:solidFill>
+                  <a:srgbClr val="FF0000"/>
+                </a:solidFill>
+                <a:latin typeface="Consolas" panose="020B0609020204030204" pitchFamily="49" charset="0"/>
+              </a:rPr>
+              <a:t>'%</a:t>
+            </a:r>
+            <a:r>
+              <a:rPr lang="en-US" sz="1800" dirty="0" err="1">
+                <a:solidFill>
+                  <a:srgbClr val="FF0000"/>
+                </a:solidFill>
+                <a:latin typeface="Consolas" panose="020B0609020204030204" pitchFamily="49" charset="0"/>
+              </a:rPr>
+              <a:t>bc</a:t>
+            </a:r>
+            <a:r>
+              <a:rPr lang="en-US" sz="1800" dirty="0">
+                <a:solidFill>
+                  <a:srgbClr val="FF0000"/>
+                </a:solidFill>
+                <a:latin typeface="Consolas" panose="020B0609020204030204" pitchFamily="49" charset="0"/>
+              </a:rPr>
+              <a:t>'</a:t>
+            </a:r>
+          </a:p>
+          <a:p>
+            <a:r>
+              <a:rPr lang="en-US" sz="1800" dirty="0">
+                <a:solidFill>
+                  <a:srgbClr val="0000FF"/>
+                </a:solidFill>
+                <a:latin typeface="Consolas" panose="020B0609020204030204" pitchFamily="49" charset="0"/>
+              </a:rPr>
+              <a:t>ORDER</a:t>
+            </a:r>
+            <a:r>
+              <a:rPr lang="en-US" sz="1800" dirty="0">
+                <a:solidFill>
+                  <a:srgbClr val="000000"/>
+                </a:solidFill>
+                <a:latin typeface="Consolas" panose="020B0609020204030204" pitchFamily="49" charset="0"/>
+              </a:rPr>
+              <a:t> </a:t>
+            </a:r>
+            <a:r>
+              <a:rPr lang="en-US" sz="1800" dirty="0">
+                <a:solidFill>
+                  <a:srgbClr val="0000FF"/>
+                </a:solidFill>
+                <a:latin typeface="Consolas" panose="020B0609020204030204" pitchFamily="49" charset="0"/>
+              </a:rPr>
+              <a:t>BY</a:t>
+            </a:r>
+            <a:r>
+              <a:rPr lang="en-US" sz="1800" dirty="0">
+                <a:solidFill>
+                  <a:srgbClr val="000000"/>
+                </a:solidFill>
+                <a:latin typeface="Consolas" panose="020B0609020204030204" pitchFamily="49" charset="0"/>
+              </a:rPr>
+              <a:t> </a:t>
+            </a:r>
+            <a:r>
+              <a:rPr lang="en-US" sz="1800" dirty="0">
+                <a:solidFill>
+                  <a:srgbClr val="FF00FF"/>
+                </a:solidFill>
+                <a:latin typeface="Consolas" panose="020B0609020204030204" pitchFamily="49" charset="0"/>
+              </a:rPr>
+              <a:t>NEWID</a:t>
+            </a:r>
+            <a:r>
+              <a:rPr lang="en-US" sz="1800" dirty="0">
+                <a:solidFill>
+                  <a:srgbClr val="808080"/>
+                </a:solidFill>
+                <a:latin typeface="Consolas" panose="020B0609020204030204" pitchFamily="49" charset="0"/>
+              </a:rPr>
+              <a:t>()</a:t>
+            </a:r>
+            <a:r>
+              <a:rPr lang="en-US" sz="1800" dirty="0">
+                <a:solidFill>
+                  <a:srgbClr val="008000"/>
+                </a:solidFill>
+                <a:latin typeface="Cascadia Code" panose="020B0609020000020004" pitchFamily="49" charset="0"/>
+                <a:cs typeface="Cascadia Code" panose="020B0609020000020004" pitchFamily="49" charset="0"/>
+              </a:rPr>
+              <a:t> -- randomizer</a:t>
+            </a:r>
+            <a:endParaRPr lang="en-US" dirty="0"/>
+          </a:p>
+        </p:txBody>
+      </p:sp>
+      <p:pic>
+        <p:nvPicPr>
+          <p:cNvPr id="7" name="Picture 6">
+            <a:extLst>
+              <a:ext uri="{FF2B5EF4-FFF2-40B4-BE49-F238E27FC236}">
+                <a16:creationId xmlns:a16="http://schemas.microsoft.com/office/drawing/2014/main" id="{B333E2A7-C050-D53F-29DA-326A6A03EA88}"/>
+              </a:ext>
+            </a:extLst>
+          </p:cNvPr>
+          <p:cNvPicPr>
+            <a:picLocks noChangeAspect="1"/>
+          </p:cNvPicPr>
+          <p:nvPr/>
+        </p:nvPicPr>
+        <p:blipFill>
+          <a:blip r:embed="rId2"/>
+          <a:stretch>
+            <a:fillRect/>
+          </a:stretch>
+        </p:blipFill>
+        <p:spPr>
+          <a:xfrm>
+            <a:off x="7141944" y="3467172"/>
+            <a:ext cx="3114675" cy="1466850"/>
+          </a:xfrm>
+          <a:prstGeom prst="rect">
+            <a:avLst/>
+          </a:prstGeom>
+        </p:spPr>
+      </p:pic>
+      <p:sp>
+        <p:nvSpPr>
+          <p:cNvPr id="9" name="TextBox 8">
+            <a:extLst>
+              <a:ext uri="{FF2B5EF4-FFF2-40B4-BE49-F238E27FC236}">
+                <a16:creationId xmlns:a16="http://schemas.microsoft.com/office/drawing/2014/main" id="{8B612397-0B02-23BC-F488-C5652F72A2FD}"/>
+              </a:ext>
+            </a:extLst>
+          </p:cNvPr>
+          <p:cNvSpPr txBox="1"/>
+          <p:nvPr/>
+        </p:nvSpPr>
+        <p:spPr>
+          <a:xfrm>
+            <a:off x="838200" y="1505330"/>
+            <a:ext cx="9572326" cy="646331"/>
+          </a:xfrm>
+          <a:prstGeom prst="rect">
+            <a:avLst/>
+          </a:prstGeom>
+          <a:noFill/>
+        </p:spPr>
+        <p:txBody>
+          <a:bodyPr wrap="square">
+            <a:spAutoFit/>
+          </a:bodyPr>
+          <a:lstStyle/>
+          <a:p>
+            <a:r>
+              <a:rPr lang="en-US" b="0" i="0" dirty="0">
+                <a:solidFill>
+                  <a:srgbClr val="161616"/>
+                </a:solidFill>
+                <a:effectLst/>
+                <a:highlight>
+                  <a:srgbClr val="FFFFFF"/>
+                </a:highlight>
+                <a:latin typeface="Segoe UI" panose="020B0502040204020203" pitchFamily="34" charset="0"/>
+              </a:rPr>
+              <a:t>Returns the starting position of the first occurrence of a pattern in a specified expression, or zero if the pattern is not found, on all valid text and character data types.</a:t>
+            </a:r>
+            <a:endParaRPr lang="en-US" dirty="0"/>
           </a:p>
         </p:txBody>
       </p:sp>
@@ -13436,3200 +14520,6 @@
       </p:grpSpPr>
       <p:sp>
         <p:nvSpPr>
-          <p:cNvPr id="7" name="TextBox 6">
-            <a:extLst>
-              <a:ext uri="{FF2B5EF4-FFF2-40B4-BE49-F238E27FC236}">
-                <a16:creationId xmlns:a16="http://schemas.microsoft.com/office/drawing/2014/main" id="{FE423437-B5D6-32CD-FEDD-DD56ACE3CBBB}"/>
-              </a:ext>
-            </a:extLst>
-          </p:cNvPr>
-          <p:cNvSpPr txBox="1"/>
-          <p:nvPr/>
-        </p:nvSpPr>
-        <p:spPr>
-          <a:xfrm>
-            <a:off x="923152" y="1185388"/>
-            <a:ext cx="10667486" cy="3785652"/>
-          </a:xfrm>
-          <a:prstGeom prst="rect">
-            <a:avLst/>
-          </a:prstGeom>
-          <a:noFill/>
-        </p:spPr>
-        <p:txBody>
-          <a:bodyPr wrap="square">
-            <a:spAutoFit/>
-          </a:bodyPr>
-          <a:lstStyle/>
-          <a:p>
-            <a:r>
-              <a:rPr lang="en-US" sz="1600" dirty="0">
-                <a:solidFill>
-                  <a:srgbClr val="0000FF"/>
-                </a:solidFill>
-                <a:latin typeface="Cascadia Code" panose="020B0609020000020004" pitchFamily="49" charset="0"/>
-                <a:cs typeface="Cascadia Code" panose="020B0609020000020004" pitchFamily="49" charset="0"/>
-              </a:rPr>
-              <a:t>CREATE</a:t>
-            </a:r>
-            <a:r>
-              <a:rPr lang="en-US" sz="1600" dirty="0">
-                <a:solidFill>
-                  <a:srgbClr val="000000"/>
-                </a:solidFill>
-                <a:latin typeface="Cascadia Code" panose="020B0609020000020004" pitchFamily="49" charset="0"/>
-                <a:cs typeface="Cascadia Code" panose="020B0609020000020004" pitchFamily="49" charset="0"/>
-              </a:rPr>
-              <a:t> </a:t>
-            </a:r>
-            <a:r>
-              <a:rPr lang="en-US" sz="1600" dirty="0">
-                <a:solidFill>
-                  <a:srgbClr val="0000FF"/>
-                </a:solidFill>
-                <a:latin typeface="Cascadia Code" panose="020B0609020000020004" pitchFamily="49" charset="0"/>
-                <a:cs typeface="Cascadia Code" panose="020B0609020000020004" pitchFamily="49" charset="0"/>
-              </a:rPr>
-              <a:t>TABLE</a:t>
-            </a:r>
-            <a:r>
-              <a:rPr lang="en-US" sz="1600" dirty="0">
-                <a:solidFill>
-                  <a:srgbClr val="000000"/>
-                </a:solidFill>
-                <a:latin typeface="Cascadia Code" panose="020B0609020000020004" pitchFamily="49" charset="0"/>
-                <a:cs typeface="Cascadia Code" panose="020B0609020000020004" pitchFamily="49" charset="0"/>
-              </a:rPr>
-              <a:t> Employees</a:t>
-            </a:r>
-            <a:r>
-              <a:rPr lang="en-US" sz="1600" dirty="0">
-                <a:solidFill>
-                  <a:srgbClr val="0000FF"/>
-                </a:solidFill>
-                <a:latin typeface="Cascadia Code" panose="020B0609020000020004" pitchFamily="49" charset="0"/>
-                <a:cs typeface="Cascadia Code" panose="020B0609020000020004" pitchFamily="49" charset="0"/>
-              </a:rPr>
-              <a:t> </a:t>
-            </a:r>
-            <a:r>
-              <a:rPr lang="en-US" sz="1600" dirty="0">
-                <a:solidFill>
-                  <a:srgbClr val="808080"/>
-                </a:solidFill>
-                <a:latin typeface="Cascadia Code" panose="020B0609020000020004" pitchFamily="49" charset="0"/>
-                <a:cs typeface="Cascadia Code" panose="020B0609020000020004" pitchFamily="49" charset="0"/>
-              </a:rPr>
-              <a:t>(</a:t>
-            </a:r>
-            <a:endParaRPr lang="en-US" sz="1600" dirty="0">
-              <a:solidFill>
-                <a:srgbClr val="000000"/>
-              </a:solidFill>
-              <a:latin typeface="Cascadia Code" panose="020B0609020000020004" pitchFamily="49" charset="0"/>
-              <a:cs typeface="Cascadia Code" panose="020B0609020000020004" pitchFamily="49" charset="0"/>
-            </a:endParaRPr>
-          </a:p>
-          <a:p>
-            <a:r>
-              <a:rPr lang="en-US" sz="1600" dirty="0">
-                <a:solidFill>
-                  <a:srgbClr val="000000"/>
-                </a:solidFill>
-                <a:latin typeface="Cascadia Code" panose="020B0609020000020004" pitchFamily="49" charset="0"/>
-                <a:cs typeface="Cascadia Code" panose="020B0609020000020004" pitchFamily="49" charset="0"/>
-              </a:rPr>
-              <a:t>    ID </a:t>
-            </a:r>
-            <a:r>
-              <a:rPr lang="en-US" sz="1600" dirty="0">
-                <a:solidFill>
-                  <a:srgbClr val="0000FF"/>
-                </a:solidFill>
-                <a:latin typeface="Cascadia Code" panose="020B0609020000020004" pitchFamily="49" charset="0"/>
-                <a:cs typeface="Cascadia Code" panose="020B0609020000020004" pitchFamily="49" charset="0"/>
-              </a:rPr>
-              <a:t>INT</a:t>
-            </a:r>
-            <a:r>
-              <a:rPr lang="en-US" sz="1600" dirty="0">
-                <a:solidFill>
-                  <a:srgbClr val="000000"/>
-                </a:solidFill>
-                <a:latin typeface="Cascadia Code" panose="020B0609020000020004" pitchFamily="49" charset="0"/>
-                <a:cs typeface="Cascadia Code" panose="020B0609020000020004" pitchFamily="49" charset="0"/>
-              </a:rPr>
-              <a:t> </a:t>
-            </a:r>
-            <a:r>
-              <a:rPr lang="en-US" sz="1600" dirty="0">
-                <a:solidFill>
-                  <a:srgbClr val="0000FF"/>
-                </a:solidFill>
-                <a:latin typeface="Cascadia Code" panose="020B0609020000020004" pitchFamily="49" charset="0"/>
-                <a:cs typeface="Cascadia Code" panose="020B0609020000020004" pitchFamily="49" charset="0"/>
-              </a:rPr>
-              <a:t>IDENTITY</a:t>
-            </a:r>
-            <a:r>
-              <a:rPr lang="en-US" sz="1600" dirty="0">
-                <a:solidFill>
-                  <a:srgbClr val="808080"/>
-                </a:solidFill>
-                <a:latin typeface="Cascadia Code" panose="020B0609020000020004" pitchFamily="49" charset="0"/>
-                <a:cs typeface="Cascadia Code" panose="020B0609020000020004" pitchFamily="49" charset="0"/>
-              </a:rPr>
-              <a:t>(</a:t>
-            </a:r>
-            <a:r>
-              <a:rPr lang="en-US" sz="1600" dirty="0">
-                <a:solidFill>
-                  <a:srgbClr val="000000"/>
-                </a:solidFill>
-                <a:latin typeface="Cascadia Code" panose="020B0609020000020004" pitchFamily="49" charset="0"/>
-                <a:cs typeface="Cascadia Code" panose="020B0609020000020004" pitchFamily="49" charset="0"/>
-              </a:rPr>
-              <a:t>101</a:t>
-            </a:r>
-            <a:r>
-              <a:rPr lang="en-US" sz="1600" dirty="0">
-                <a:solidFill>
-                  <a:srgbClr val="808080"/>
-                </a:solidFill>
-                <a:latin typeface="Cascadia Code" panose="020B0609020000020004" pitchFamily="49" charset="0"/>
-                <a:cs typeface="Cascadia Code" panose="020B0609020000020004" pitchFamily="49" charset="0"/>
-              </a:rPr>
-              <a:t>,</a:t>
-            </a:r>
-            <a:r>
-              <a:rPr lang="en-US" sz="1600" dirty="0">
-                <a:solidFill>
-                  <a:srgbClr val="000000"/>
-                </a:solidFill>
-                <a:latin typeface="Cascadia Code" panose="020B0609020000020004" pitchFamily="49" charset="0"/>
-                <a:cs typeface="Cascadia Code" panose="020B0609020000020004" pitchFamily="49" charset="0"/>
-              </a:rPr>
-              <a:t>1</a:t>
-            </a:r>
-            <a:r>
-              <a:rPr lang="en-US" sz="1600" dirty="0">
-                <a:solidFill>
-                  <a:srgbClr val="808080"/>
-                </a:solidFill>
-                <a:latin typeface="Cascadia Code" panose="020B0609020000020004" pitchFamily="49" charset="0"/>
-                <a:cs typeface="Cascadia Code" panose="020B0609020000020004" pitchFamily="49" charset="0"/>
-              </a:rPr>
-              <a:t>),</a:t>
-            </a:r>
-            <a:endParaRPr lang="en-US" sz="1600" dirty="0">
-              <a:solidFill>
-                <a:srgbClr val="000000"/>
-              </a:solidFill>
-              <a:latin typeface="Cascadia Code" panose="020B0609020000020004" pitchFamily="49" charset="0"/>
-              <a:cs typeface="Cascadia Code" panose="020B0609020000020004" pitchFamily="49" charset="0"/>
-            </a:endParaRPr>
-          </a:p>
-          <a:p>
-            <a:r>
-              <a:rPr lang="en-US" sz="1600" dirty="0">
-                <a:solidFill>
-                  <a:srgbClr val="000000"/>
-                </a:solidFill>
-                <a:latin typeface="Cascadia Code" panose="020B0609020000020004" pitchFamily="49" charset="0"/>
-                <a:cs typeface="Cascadia Code" panose="020B0609020000020004" pitchFamily="49" charset="0"/>
-              </a:rPr>
-              <a:t>    [Name] </a:t>
-            </a:r>
-            <a:r>
-              <a:rPr lang="en-US" sz="1600" dirty="0">
-                <a:solidFill>
-                  <a:srgbClr val="0000FF"/>
-                </a:solidFill>
-                <a:latin typeface="Cascadia Code" panose="020B0609020000020004" pitchFamily="49" charset="0"/>
-                <a:cs typeface="Cascadia Code" panose="020B0609020000020004" pitchFamily="49" charset="0"/>
-              </a:rPr>
-              <a:t>VARCHAR</a:t>
-            </a:r>
-            <a:r>
-              <a:rPr lang="en-US" sz="1600" dirty="0">
-                <a:solidFill>
-                  <a:srgbClr val="808080"/>
-                </a:solidFill>
-                <a:latin typeface="Cascadia Code" panose="020B0609020000020004" pitchFamily="49" charset="0"/>
-                <a:cs typeface="Cascadia Code" panose="020B0609020000020004" pitchFamily="49" charset="0"/>
-              </a:rPr>
-              <a:t>(</a:t>
-            </a:r>
-            <a:r>
-              <a:rPr lang="en-US" sz="1600" dirty="0">
-                <a:solidFill>
-                  <a:srgbClr val="000000"/>
-                </a:solidFill>
-                <a:latin typeface="Cascadia Code" panose="020B0609020000020004" pitchFamily="49" charset="0"/>
-                <a:cs typeface="Cascadia Code" panose="020B0609020000020004" pitchFamily="49" charset="0"/>
-              </a:rPr>
-              <a:t>150</a:t>
-            </a:r>
-            <a:r>
-              <a:rPr lang="en-US" sz="1600" dirty="0">
-                <a:solidFill>
-                  <a:srgbClr val="808080"/>
-                </a:solidFill>
-                <a:latin typeface="Cascadia Code" panose="020B0609020000020004" pitchFamily="49" charset="0"/>
-                <a:cs typeface="Cascadia Code" panose="020B0609020000020004" pitchFamily="49" charset="0"/>
-              </a:rPr>
-              <a:t>),</a:t>
-            </a:r>
-            <a:endParaRPr lang="en-US" sz="1600" dirty="0">
-              <a:solidFill>
-                <a:srgbClr val="000000"/>
-              </a:solidFill>
-              <a:latin typeface="Cascadia Code" panose="020B0609020000020004" pitchFamily="49" charset="0"/>
-              <a:cs typeface="Cascadia Code" panose="020B0609020000020004" pitchFamily="49" charset="0"/>
-            </a:endParaRPr>
-          </a:p>
-          <a:p>
-            <a:r>
-              <a:rPr lang="en-US" sz="1600" dirty="0">
-                <a:solidFill>
-                  <a:srgbClr val="000000"/>
-                </a:solidFill>
-                <a:latin typeface="Cascadia Code" panose="020B0609020000020004" pitchFamily="49" charset="0"/>
-                <a:cs typeface="Cascadia Code" panose="020B0609020000020004" pitchFamily="49" charset="0"/>
-              </a:rPr>
-              <a:t>    Email </a:t>
-            </a:r>
-            <a:r>
-              <a:rPr lang="en-US" sz="1600" dirty="0">
-                <a:solidFill>
-                  <a:srgbClr val="0000FF"/>
-                </a:solidFill>
-                <a:latin typeface="Cascadia Code" panose="020B0609020000020004" pitchFamily="49" charset="0"/>
-                <a:cs typeface="Cascadia Code" panose="020B0609020000020004" pitchFamily="49" charset="0"/>
-              </a:rPr>
-              <a:t>VARCHAR</a:t>
-            </a:r>
-            <a:r>
-              <a:rPr lang="en-US" sz="1600" dirty="0">
-                <a:solidFill>
-                  <a:srgbClr val="808080"/>
-                </a:solidFill>
-                <a:latin typeface="Cascadia Code" panose="020B0609020000020004" pitchFamily="49" charset="0"/>
-                <a:cs typeface="Cascadia Code" panose="020B0609020000020004" pitchFamily="49" charset="0"/>
-              </a:rPr>
-              <a:t>(</a:t>
-            </a:r>
-            <a:r>
-              <a:rPr lang="en-US" sz="1600" dirty="0">
-                <a:solidFill>
-                  <a:srgbClr val="000000"/>
-                </a:solidFill>
-                <a:latin typeface="Cascadia Code" panose="020B0609020000020004" pitchFamily="49" charset="0"/>
-                <a:cs typeface="Cascadia Code" panose="020B0609020000020004" pitchFamily="49" charset="0"/>
-              </a:rPr>
-              <a:t>320</a:t>
-            </a:r>
-            <a:r>
-              <a:rPr lang="en-US" sz="1600" dirty="0">
-                <a:solidFill>
-                  <a:srgbClr val="808080"/>
-                </a:solidFill>
-                <a:latin typeface="Cascadia Code" panose="020B0609020000020004" pitchFamily="49" charset="0"/>
-                <a:cs typeface="Cascadia Code" panose="020B0609020000020004" pitchFamily="49" charset="0"/>
-              </a:rPr>
-              <a:t>)</a:t>
-            </a:r>
-            <a:endParaRPr lang="en-US" sz="1600" dirty="0">
-              <a:solidFill>
-                <a:srgbClr val="000000"/>
-              </a:solidFill>
-              <a:latin typeface="Cascadia Code" panose="020B0609020000020004" pitchFamily="49" charset="0"/>
-              <a:cs typeface="Cascadia Code" panose="020B0609020000020004" pitchFamily="49" charset="0"/>
-            </a:endParaRPr>
-          </a:p>
-          <a:p>
-            <a:r>
-              <a:rPr lang="en-US" sz="1600" dirty="0">
-                <a:solidFill>
-                  <a:srgbClr val="000000"/>
-                </a:solidFill>
-                <a:latin typeface="Cascadia Code" panose="020B0609020000020004" pitchFamily="49" charset="0"/>
-                <a:cs typeface="Cascadia Code" panose="020B0609020000020004" pitchFamily="49" charset="0"/>
-              </a:rPr>
-              <a:t>      </a:t>
-            </a:r>
-            <a:r>
-              <a:rPr lang="en-US" sz="1600" dirty="0">
-                <a:solidFill>
-                  <a:srgbClr val="0000FF"/>
-                </a:solidFill>
-                <a:latin typeface="Cascadia Code" panose="020B0609020000020004" pitchFamily="49" charset="0"/>
-                <a:cs typeface="Cascadia Code" panose="020B0609020000020004" pitchFamily="49" charset="0"/>
-              </a:rPr>
-              <a:t>CHECK </a:t>
-            </a:r>
-            <a:r>
-              <a:rPr lang="en-US" sz="1600" dirty="0">
-                <a:solidFill>
-                  <a:srgbClr val="808080"/>
-                </a:solidFill>
-                <a:latin typeface="Cascadia Code" panose="020B0609020000020004" pitchFamily="49" charset="0"/>
-                <a:cs typeface="Cascadia Code" panose="020B0609020000020004" pitchFamily="49" charset="0"/>
-              </a:rPr>
-              <a:t>(</a:t>
-            </a:r>
-            <a:r>
-              <a:rPr lang="en-US" sz="1600" dirty="0">
-                <a:solidFill>
-                  <a:srgbClr val="FF00FF"/>
-                </a:solidFill>
-                <a:latin typeface="Cascadia Mono" panose="020B0609020000020004" pitchFamily="49" charset="0"/>
-                <a:cs typeface="Cascadia Mono" panose="020B0609020000020004" pitchFamily="49" charset="0"/>
-              </a:rPr>
-              <a:t>REGEXP_LIKE</a:t>
-            </a:r>
-            <a:r>
-              <a:rPr lang="en-US" sz="1600" dirty="0">
-                <a:solidFill>
-                  <a:srgbClr val="808080"/>
-                </a:solidFill>
-                <a:latin typeface="Cascadia Code" panose="020B0609020000020004" pitchFamily="49" charset="0"/>
-                <a:cs typeface="Cascadia Code" panose="020B0609020000020004" pitchFamily="49" charset="0"/>
-              </a:rPr>
-              <a:t>(</a:t>
-            </a:r>
-            <a:r>
-              <a:rPr lang="en-US" sz="1600" dirty="0">
-                <a:solidFill>
-                  <a:srgbClr val="000000"/>
-                </a:solidFill>
-                <a:latin typeface="Cascadia Code" panose="020B0609020000020004" pitchFamily="49" charset="0"/>
-                <a:cs typeface="Cascadia Code" panose="020B0609020000020004" pitchFamily="49" charset="0"/>
-              </a:rPr>
-              <a:t>Email</a:t>
-            </a:r>
-            <a:r>
-              <a:rPr lang="en-US" sz="1600" dirty="0">
-                <a:solidFill>
-                  <a:srgbClr val="808080"/>
-                </a:solidFill>
-                <a:latin typeface="Cascadia Code" panose="020B0609020000020004" pitchFamily="49" charset="0"/>
-                <a:cs typeface="Cascadia Code" panose="020B0609020000020004" pitchFamily="49" charset="0"/>
-              </a:rPr>
-              <a:t>,</a:t>
-            </a:r>
-            <a:r>
-              <a:rPr lang="en-US" sz="1600" dirty="0">
-                <a:solidFill>
-                  <a:srgbClr val="000000"/>
-                </a:solidFill>
-                <a:latin typeface="Cascadia Code" panose="020B0609020000020004" pitchFamily="49" charset="0"/>
-                <a:cs typeface="Cascadia Code" panose="020B0609020000020004" pitchFamily="49" charset="0"/>
-              </a:rPr>
-              <a:t> </a:t>
-            </a:r>
-            <a:r>
-              <a:rPr lang="en-US" sz="1600" dirty="0">
-                <a:solidFill>
-                  <a:srgbClr val="FF0000"/>
-                </a:solidFill>
-                <a:latin typeface="Cascadia Code" panose="020B0609020000020004" pitchFamily="49" charset="0"/>
-                <a:cs typeface="Cascadia Code" panose="020B0609020000020004" pitchFamily="49" charset="0"/>
-              </a:rPr>
-              <a:t>'^[A-Za-z0-9._%+-]+@[A-Za-z0-9.-]+\.[A-Za-z]{2,}$'</a:t>
-            </a:r>
-            <a:r>
-              <a:rPr lang="en-US" sz="1600" dirty="0">
-                <a:solidFill>
-                  <a:srgbClr val="808080"/>
-                </a:solidFill>
-                <a:latin typeface="Cascadia Code" panose="020B0609020000020004" pitchFamily="49" charset="0"/>
-                <a:cs typeface="Cascadia Code" panose="020B0609020000020004" pitchFamily="49" charset="0"/>
-              </a:rPr>
-              <a:t>)),</a:t>
-            </a:r>
-            <a:endParaRPr lang="en-US" sz="1600" dirty="0">
-              <a:solidFill>
-                <a:srgbClr val="000000"/>
-              </a:solidFill>
-              <a:latin typeface="Cascadia Code" panose="020B0609020000020004" pitchFamily="49" charset="0"/>
-              <a:cs typeface="Cascadia Code" panose="020B0609020000020004" pitchFamily="49" charset="0"/>
-            </a:endParaRPr>
-          </a:p>
-          <a:p>
-            <a:r>
-              <a:rPr lang="en-US" sz="1600" dirty="0">
-                <a:solidFill>
-                  <a:srgbClr val="000000"/>
-                </a:solidFill>
-                <a:latin typeface="Cascadia Code" panose="020B0609020000020004" pitchFamily="49" charset="0"/>
-                <a:cs typeface="Cascadia Code" panose="020B0609020000020004" pitchFamily="49" charset="0"/>
-              </a:rPr>
-              <a:t>    </a:t>
-            </a:r>
-            <a:r>
-              <a:rPr lang="en-US" sz="1600" dirty="0" err="1">
-                <a:solidFill>
-                  <a:srgbClr val="000000"/>
-                </a:solidFill>
-                <a:latin typeface="Cascadia Code" panose="020B0609020000020004" pitchFamily="49" charset="0"/>
-                <a:cs typeface="Cascadia Code" panose="020B0609020000020004" pitchFamily="49" charset="0"/>
-              </a:rPr>
-              <a:t>Phone_Number</a:t>
-            </a:r>
-            <a:r>
-              <a:rPr lang="en-US" sz="1600" dirty="0">
-                <a:solidFill>
-                  <a:srgbClr val="000000"/>
-                </a:solidFill>
-                <a:latin typeface="Cascadia Code" panose="020B0609020000020004" pitchFamily="49" charset="0"/>
-                <a:cs typeface="Cascadia Code" panose="020B0609020000020004" pitchFamily="49" charset="0"/>
-              </a:rPr>
-              <a:t> </a:t>
-            </a:r>
-            <a:r>
-              <a:rPr lang="en-US" sz="1600" dirty="0">
-                <a:solidFill>
-                  <a:srgbClr val="0000FF"/>
-                </a:solidFill>
-                <a:latin typeface="Cascadia Code" panose="020B0609020000020004" pitchFamily="49" charset="0"/>
-                <a:cs typeface="Cascadia Code" panose="020B0609020000020004" pitchFamily="49" charset="0"/>
-              </a:rPr>
-              <a:t>VARCHAR</a:t>
-            </a:r>
-            <a:r>
-              <a:rPr lang="en-US" sz="1600" dirty="0">
-                <a:solidFill>
-                  <a:srgbClr val="808080"/>
-                </a:solidFill>
-                <a:latin typeface="Cascadia Code" panose="020B0609020000020004" pitchFamily="49" charset="0"/>
-                <a:cs typeface="Cascadia Code" panose="020B0609020000020004" pitchFamily="49" charset="0"/>
-              </a:rPr>
-              <a:t>(</a:t>
-            </a:r>
-            <a:r>
-              <a:rPr lang="en-US" sz="1600" dirty="0">
-                <a:solidFill>
-                  <a:srgbClr val="000000"/>
-                </a:solidFill>
-                <a:latin typeface="Cascadia Code" panose="020B0609020000020004" pitchFamily="49" charset="0"/>
-                <a:cs typeface="Cascadia Code" panose="020B0609020000020004" pitchFamily="49" charset="0"/>
-              </a:rPr>
-              <a:t>20</a:t>
-            </a:r>
-            <a:r>
-              <a:rPr lang="en-US" sz="1600" dirty="0">
-                <a:solidFill>
-                  <a:srgbClr val="808080"/>
-                </a:solidFill>
-                <a:latin typeface="Cascadia Code" panose="020B0609020000020004" pitchFamily="49" charset="0"/>
-                <a:cs typeface="Cascadia Code" panose="020B0609020000020004" pitchFamily="49" charset="0"/>
-              </a:rPr>
-              <a:t>)</a:t>
-            </a:r>
-            <a:endParaRPr lang="en-US" sz="1600" dirty="0">
-              <a:solidFill>
-                <a:srgbClr val="000000"/>
-              </a:solidFill>
-              <a:latin typeface="Cascadia Code" panose="020B0609020000020004" pitchFamily="49" charset="0"/>
-              <a:cs typeface="Cascadia Code" panose="020B0609020000020004" pitchFamily="49" charset="0"/>
-            </a:endParaRPr>
-          </a:p>
-          <a:p>
-            <a:r>
-              <a:rPr lang="en-US" sz="1600" dirty="0">
-                <a:solidFill>
-                  <a:srgbClr val="000000"/>
-                </a:solidFill>
-                <a:latin typeface="Cascadia Code" panose="020B0609020000020004" pitchFamily="49" charset="0"/>
-                <a:cs typeface="Cascadia Code" panose="020B0609020000020004" pitchFamily="49" charset="0"/>
-              </a:rPr>
-              <a:t>      </a:t>
-            </a:r>
-            <a:r>
-              <a:rPr lang="en-US" sz="1600" dirty="0">
-                <a:solidFill>
-                  <a:srgbClr val="0000FF"/>
-                </a:solidFill>
-                <a:latin typeface="Cascadia Code" panose="020B0609020000020004" pitchFamily="49" charset="0"/>
-                <a:cs typeface="Cascadia Code" panose="020B0609020000020004" pitchFamily="49" charset="0"/>
-              </a:rPr>
-              <a:t>CHECK </a:t>
-            </a:r>
-            <a:r>
-              <a:rPr lang="en-US" sz="1600" dirty="0">
-                <a:solidFill>
-                  <a:srgbClr val="808080"/>
-                </a:solidFill>
-                <a:latin typeface="Cascadia Code" panose="020B0609020000020004" pitchFamily="49" charset="0"/>
-                <a:cs typeface="Cascadia Code" panose="020B0609020000020004" pitchFamily="49" charset="0"/>
-              </a:rPr>
-              <a:t>(</a:t>
-            </a:r>
-            <a:r>
-              <a:rPr lang="en-US" sz="1600" dirty="0">
-                <a:solidFill>
-                  <a:srgbClr val="FF00FF"/>
-                </a:solidFill>
-                <a:latin typeface="Cascadia Mono" panose="020B0609020000020004" pitchFamily="49" charset="0"/>
-                <a:cs typeface="Cascadia Mono" panose="020B0609020000020004" pitchFamily="49" charset="0"/>
-              </a:rPr>
-              <a:t>REGEXP_LIKE</a:t>
-            </a:r>
-            <a:r>
-              <a:rPr lang="en-US" sz="1600" dirty="0">
-                <a:solidFill>
-                  <a:srgbClr val="808080"/>
-                </a:solidFill>
-                <a:latin typeface="Cascadia Code" panose="020B0609020000020004" pitchFamily="49" charset="0"/>
-                <a:cs typeface="Cascadia Code" panose="020B0609020000020004" pitchFamily="49" charset="0"/>
-              </a:rPr>
-              <a:t>(</a:t>
-            </a:r>
-            <a:r>
-              <a:rPr lang="en-US" sz="1600" dirty="0" err="1">
-                <a:solidFill>
-                  <a:srgbClr val="000000"/>
-                </a:solidFill>
-                <a:latin typeface="Cascadia Code" panose="020B0609020000020004" pitchFamily="49" charset="0"/>
-                <a:cs typeface="Cascadia Code" panose="020B0609020000020004" pitchFamily="49" charset="0"/>
-              </a:rPr>
-              <a:t>Phone_Number</a:t>
-            </a:r>
-            <a:r>
-              <a:rPr lang="en-US" sz="1600" dirty="0">
-                <a:solidFill>
-                  <a:srgbClr val="808080"/>
-                </a:solidFill>
-                <a:latin typeface="Cascadia Code" panose="020B0609020000020004" pitchFamily="49" charset="0"/>
-                <a:cs typeface="Cascadia Code" panose="020B0609020000020004" pitchFamily="49" charset="0"/>
-              </a:rPr>
-              <a:t>,</a:t>
-            </a:r>
-            <a:r>
-              <a:rPr lang="en-US" sz="1600" dirty="0">
-                <a:solidFill>
-                  <a:srgbClr val="000000"/>
-                </a:solidFill>
-                <a:latin typeface="Cascadia Code" panose="020B0609020000020004" pitchFamily="49" charset="0"/>
-                <a:cs typeface="Cascadia Code" panose="020B0609020000020004" pitchFamily="49" charset="0"/>
-              </a:rPr>
-              <a:t> </a:t>
-            </a:r>
-            <a:r>
-              <a:rPr lang="en-US" sz="1600" dirty="0">
-                <a:solidFill>
-                  <a:srgbClr val="FF0000"/>
-                </a:solidFill>
-                <a:latin typeface="Cascadia Code" panose="020B0609020000020004" pitchFamily="49" charset="0"/>
-                <a:cs typeface="Cascadia Code" panose="020B0609020000020004" pitchFamily="49" charset="0"/>
-              </a:rPr>
-              <a:t>'^(\d{3})-(\d{3})-(\d{4})$'</a:t>
-            </a:r>
-            <a:r>
-              <a:rPr lang="en-US" sz="1600" dirty="0">
-                <a:solidFill>
-                  <a:srgbClr val="808080"/>
-                </a:solidFill>
-                <a:latin typeface="Cascadia Code" panose="020B0609020000020004" pitchFamily="49" charset="0"/>
-                <a:cs typeface="Cascadia Code" panose="020B0609020000020004" pitchFamily="49" charset="0"/>
-              </a:rPr>
-              <a:t>))</a:t>
-            </a:r>
-            <a:endParaRPr lang="en-US" sz="1600" dirty="0">
-              <a:solidFill>
-                <a:srgbClr val="000000"/>
-              </a:solidFill>
-              <a:latin typeface="Cascadia Code" panose="020B0609020000020004" pitchFamily="49" charset="0"/>
-              <a:cs typeface="Cascadia Code" panose="020B0609020000020004" pitchFamily="49" charset="0"/>
-            </a:endParaRPr>
-          </a:p>
-          <a:p>
-            <a:r>
-              <a:rPr lang="en-US" sz="1600" dirty="0">
-                <a:solidFill>
-                  <a:srgbClr val="808080"/>
-                </a:solidFill>
-                <a:latin typeface="Cascadia Code" panose="020B0609020000020004" pitchFamily="49" charset="0"/>
-                <a:cs typeface="Cascadia Code" panose="020B0609020000020004" pitchFamily="49" charset="0"/>
-              </a:rPr>
-              <a:t>);</a:t>
-            </a:r>
-          </a:p>
-          <a:p>
-            <a:endParaRPr lang="en-US" sz="1600" dirty="0">
-              <a:solidFill>
-                <a:srgbClr val="808080"/>
-              </a:solidFill>
-              <a:latin typeface="Cascadia Code" panose="020B0609020000020004" pitchFamily="49" charset="0"/>
-              <a:cs typeface="Cascadia Code" panose="020B0609020000020004" pitchFamily="49" charset="0"/>
-            </a:endParaRPr>
-          </a:p>
-          <a:p>
-            <a:r>
-              <a:rPr lang="en-US" sz="1600" i="0" dirty="0">
-                <a:solidFill>
-                  <a:srgbClr val="0101FD"/>
-                </a:solidFill>
-                <a:effectLst/>
-                <a:latin typeface="Cascadia Code" panose="020B0609020000020004" pitchFamily="49" charset="0"/>
-                <a:cs typeface="Cascadia Code" panose="020B0609020000020004" pitchFamily="49" charset="0"/>
-              </a:rPr>
-              <a:t>INSERT</a:t>
-            </a:r>
-            <a:r>
-              <a:rPr lang="en-US" sz="1600" i="0" dirty="0">
-                <a:solidFill>
-                  <a:srgbClr val="212529"/>
-                </a:solidFill>
-                <a:effectLst/>
-                <a:latin typeface="Cascadia Code" panose="020B0609020000020004" pitchFamily="49" charset="0"/>
-                <a:cs typeface="Cascadia Code" panose="020B0609020000020004" pitchFamily="49" charset="0"/>
-              </a:rPr>
-              <a:t> </a:t>
-            </a:r>
-            <a:r>
-              <a:rPr lang="en-US" sz="1600" i="0" dirty="0">
-                <a:solidFill>
-                  <a:srgbClr val="0101FD"/>
-                </a:solidFill>
-                <a:effectLst/>
-                <a:latin typeface="Cascadia Code" panose="020B0609020000020004" pitchFamily="49" charset="0"/>
-                <a:cs typeface="Cascadia Code" panose="020B0609020000020004" pitchFamily="49" charset="0"/>
-              </a:rPr>
-              <a:t>INTO</a:t>
-            </a:r>
-            <a:r>
-              <a:rPr lang="en-US" sz="1600" i="0" dirty="0">
-                <a:solidFill>
-                  <a:srgbClr val="212529"/>
-                </a:solidFill>
-                <a:effectLst/>
-                <a:latin typeface="Cascadia Code" panose="020B0609020000020004" pitchFamily="49" charset="0"/>
-                <a:cs typeface="Cascadia Code" panose="020B0609020000020004" pitchFamily="49" charset="0"/>
-              </a:rPr>
-              <a:t> Employees ([Name], Email, </a:t>
-            </a:r>
-            <a:r>
-              <a:rPr lang="en-US" sz="1600" i="0" dirty="0" err="1">
-                <a:solidFill>
-                  <a:srgbClr val="212529"/>
-                </a:solidFill>
-                <a:effectLst/>
-                <a:latin typeface="Cascadia Code" panose="020B0609020000020004" pitchFamily="49" charset="0"/>
-                <a:cs typeface="Cascadia Code" panose="020B0609020000020004" pitchFamily="49" charset="0"/>
-              </a:rPr>
-              <a:t>Phone_Number</a:t>
-            </a:r>
-            <a:r>
-              <a:rPr lang="en-US" sz="1600" i="0" dirty="0">
-                <a:solidFill>
-                  <a:srgbClr val="212529"/>
-                </a:solidFill>
-                <a:effectLst/>
-                <a:latin typeface="Cascadia Code" panose="020B0609020000020004" pitchFamily="49" charset="0"/>
-                <a:cs typeface="Cascadia Code" panose="020B0609020000020004" pitchFamily="49" charset="0"/>
-              </a:rPr>
-              <a:t>) </a:t>
-            </a:r>
-          </a:p>
-          <a:p>
-            <a:r>
-              <a:rPr lang="en-US" sz="1600" i="0" dirty="0">
-                <a:solidFill>
-                  <a:srgbClr val="0101FD"/>
-                </a:solidFill>
-                <a:effectLst/>
-                <a:latin typeface="Cascadia Code" panose="020B0609020000020004" pitchFamily="49" charset="0"/>
-                <a:cs typeface="Cascadia Code" panose="020B0609020000020004" pitchFamily="49" charset="0"/>
-              </a:rPr>
-              <a:t>VALUES</a:t>
-            </a:r>
-            <a:r>
-              <a:rPr lang="en-US" sz="1600" i="0" dirty="0">
-                <a:solidFill>
-                  <a:srgbClr val="212529"/>
-                </a:solidFill>
-                <a:effectLst/>
-                <a:latin typeface="Cascadia Code" panose="020B0609020000020004" pitchFamily="49" charset="0"/>
-                <a:cs typeface="Cascadia Code" panose="020B0609020000020004" pitchFamily="49" charset="0"/>
-              </a:rPr>
-              <a:t> (</a:t>
-            </a:r>
-            <a:r>
-              <a:rPr lang="en-US" sz="1600" i="0" dirty="0">
-                <a:solidFill>
-                  <a:srgbClr val="A31515"/>
-                </a:solidFill>
-                <a:effectLst/>
-                <a:latin typeface="Cascadia Code" panose="020B0609020000020004" pitchFamily="49" charset="0"/>
-                <a:cs typeface="Cascadia Code" panose="020B0609020000020004" pitchFamily="49" charset="0"/>
-              </a:rPr>
-              <a:t>'John Doe'</a:t>
-            </a:r>
-            <a:r>
-              <a:rPr lang="en-US" sz="1600" i="0" dirty="0">
-                <a:solidFill>
-                  <a:srgbClr val="212529"/>
-                </a:solidFill>
-                <a:effectLst/>
-                <a:latin typeface="Cascadia Code" panose="020B0609020000020004" pitchFamily="49" charset="0"/>
-                <a:cs typeface="Cascadia Code" panose="020B0609020000020004" pitchFamily="49" charset="0"/>
-              </a:rPr>
-              <a:t>, </a:t>
-            </a:r>
-            <a:r>
-              <a:rPr lang="en-US" sz="1600" i="0" dirty="0">
-                <a:solidFill>
-                  <a:srgbClr val="A31515"/>
-                </a:solidFill>
-                <a:effectLst/>
-                <a:latin typeface="Cascadia Code" panose="020B0609020000020004" pitchFamily="49" charset="0"/>
-                <a:cs typeface="Cascadia Code" panose="020B0609020000020004" pitchFamily="49" charset="0"/>
-              </a:rPr>
-              <a:t>'john@contoso.com'</a:t>
-            </a:r>
-            <a:r>
-              <a:rPr lang="en-US" sz="1600" i="0" dirty="0">
-                <a:solidFill>
-                  <a:srgbClr val="212529"/>
-                </a:solidFill>
-                <a:effectLst/>
-                <a:latin typeface="Cascadia Code" panose="020B0609020000020004" pitchFamily="49" charset="0"/>
-                <a:cs typeface="Cascadia Code" panose="020B0609020000020004" pitchFamily="49" charset="0"/>
-              </a:rPr>
-              <a:t>, </a:t>
-            </a:r>
-            <a:r>
-              <a:rPr lang="en-US" sz="1600" i="0" dirty="0">
-                <a:solidFill>
-                  <a:srgbClr val="A31515"/>
-                </a:solidFill>
-                <a:effectLst/>
-                <a:latin typeface="Cascadia Code" panose="020B0609020000020004" pitchFamily="49" charset="0"/>
-                <a:cs typeface="Cascadia Code" panose="020B0609020000020004" pitchFamily="49" charset="0"/>
-              </a:rPr>
-              <a:t>'123-456-7890’</a:t>
-            </a:r>
-            <a:r>
-              <a:rPr lang="en-US" sz="1600" i="0" dirty="0">
-                <a:solidFill>
-                  <a:srgbClr val="212529"/>
-                </a:solidFill>
-                <a:effectLst/>
-                <a:latin typeface="Cascadia Code" panose="020B0609020000020004" pitchFamily="49" charset="0"/>
-                <a:cs typeface="Cascadia Code" panose="020B0609020000020004" pitchFamily="49" charset="0"/>
-              </a:rPr>
-              <a:t>)</a:t>
-            </a:r>
-          </a:p>
-          <a:p>
-            <a:r>
-              <a:rPr lang="en-US" sz="1600" dirty="0">
-                <a:solidFill>
-                  <a:srgbClr val="212529"/>
-                </a:solidFill>
-                <a:latin typeface="Cascadia Code" panose="020B0609020000020004" pitchFamily="49" charset="0"/>
-                <a:cs typeface="Cascadia Code" panose="020B0609020000020004" pitchFamily="49" charset="0"/>
-              </a:rPr>
-              <a:t>    </a:t>
-            </a:r>
-            <a:r>
-              <a:rPr lang="en-US" sz="1600" i="0" dirty="0">
-                <a:solidFill>
-                  <a:srgbClr val="212529"/>
-                </a:solidFill>
-                <a:effectLst/>
-                <a:latin typeface="Cascadia Code" panose="020B0609020000020004" pitchFamily="49" charset="0"/>
-                <a:cs typeface="Cascadia Code" panose="020B0609020000020004" pitchFamily="49" charset="0"/>
-              </a:rPr>
-              <a:t>, (</a:t>
-            </a:r>
-            <a:r>
-              <a:rPr lang="en-US" sz="1600" i="0" dirty="0">
-                <a:solidFill>
-                  <a:srgbClr val="A31515"/>
-                </a:solidFill>
-                <a:effectLst/>
-                <a:latin typeface="Cascadia Code" panose="020B0609020000020004" pitchFamily="49" charset="0"/>
-                <a:cs typeface="Cascadia Code" panose="020B0609020000020004" pitchFamily="49" charset="0"/>
-              </a:rPr>
-              <a:t>'Alice Smith'</a:t>
-            </a:r>
-            <a:r>
-              <a:rPr lang="en-US" sz="1600" i="0" dirty="0">
-                <a:solidFill>
-                  <a:srgbClr val="212529"/>
-                </a:solidFill>
-                <a:effectLst/>
-                <a:latin typeface="Cascadia Code" panose="020B0609020000020004" pitchFamily="49" charset="0"/>
-                <a:cs typeface="Cascadia Code" panose="020B0609020000020004" pitchFamily="49" charset="0"/>
-              </a:rPr>
-              <a:t>, </a:t>
-            </a:r>
-            <a:r>
-              <a:rPr lang="en-US" sz="1600" i="0" dirty="0">
-                <a:solidFill>
-                  <a:srgbClr val="A31515"/>
-                </a:solidFill>
-                <a:effectLst/>
-                <a:latin typeface="Cascadia Code" panose="020B0609020000020004" pitchFamily="49" charset="0"/>
-                <a:cs typeface="Cascadia Code" panose="020B0609020000020004" pitchFamily="49" charset="0"/>
-              </a:rPr>
-              <a:t>'alice@fabrikam.com'</a:t>
-            </a:r>
-            <a:r>
-              <a:rPr lang="en-US" sz="1600" i="0" dirty="0">
-                <a:solidFill>
-                  <a:srgbClr val="212529"/>
-                </a:solidFill>
-                <a:effectLst/>
-                <a:latin typeface="Cascadia Code" panose="020B0609020000020004" pitchFamily="49" charset="0"/>
-                <a:cs typeface="Cascadia Code" panose="020B0609020000020004" pitchFamily="49" charset="0"/>
-              </a:rPr>
-              <a:t>, </a:t>
-            </a:r>
-            <a:r>
-              <a:rPr lang="en-US" sz="1600" i="0" dirty="0">
-                <a:solidFill>
-                  <a:srgbClr val="A31515"/>
-                </a:solidFill>
-                <a:effectLst/>
-                <a:latin typeface="Cascadia Code" panose="020B0609020000020004" pitchFamily="49" charset="0"/>
-                <a:cs typeface="Cascadia Code" panose="020B0609020000020004" pitchFamily="49" charset="0"/>
-              </a:rPr>
-              <a:t>'234-567-8901’</a:t>
-            </a:r>
-            <a:r>
-              <a:rPr lang="en-US" sz="1600" i="0" dirty="0">
-                <a:solidFill>
-                  <a:srgbClr val="212529"/>
-                </a:solidFill>
-                <a:effectLst/>
-                <a:latin typeface="Cascadia Code" panose="020B0609020000020004" pitchFamily="49" charset="0"/>
-                <a:cs typeface="Cascadia Code" panose="020B0609020000020004" pitchFamily="49" charset="0"/>
-              </a:rPr>
-              <a:t>)</a:t>
-            </a:r>
-          </a:p>
-          <a:p>
-            <a:r>
-              <a:rPr lang="en-US" sz="1600" dirty="0">
-                <a:solidFill>
-                  <a:srgbClr val="212529"/>
-                </a:solidFill>
-                <a:latin typeface="Cascadia Code" panose="020B0609020000020004" pitchFamily="49" charset="0"/>
-                <a:cs typeface="Cascadia Code" panose="020B0609020000020004" pitchFamily="49" charset="0"/>
-              </a:rPr>
-              <a:t>    </a:t>
-            </a:r>
-            <a:r>
-              <a:rPr lang="en-US" sz="1600" i="0" dirty="0">
-                <a:solidFill>
-                  <a:srgbClr val="212529"/>
-                </a:solidFill>
-                <a:effectLst/>
-                <a:latin typeface="Cascadia Code" panose="020B0609020000020004" pitchFamily="49" charset="0"/>
-                <a:cs typeface="Cascadia Code" panose="020B0609020000020004" pitchFamily="49" charset="0"/>
-              </a:rPr>
-              <a:t>, (</a:t>
-            </a:r>
-            <a:r>
-              <a:rPr lang="en-US" sz="1600" i="0" dirty="0">
-                <a:solidFill>
-                  <a:srgbClr val="A31515"/>
-                </a:solidFill>
-                <a:effectLst/>
-                <a:latin typeface="Cascadia Code" panose="020B0609020000020004" pitchFamily="49" charset="0"/>
-                <a:cs typeface="Cascadia Code" panose="020B0609020000020004" pitchFamily="49" charset="0"/>
-              </a:rPr>
-              <a:t>'Bob Johnson'</a:t>
-            </a:r>
-            <a:r>
-              <a:rPr lang="en-US" sz="1600" i="0" dirty="0">
-                <a:solidFill>
-                  <a:srgbClr val="212529"/>
-                </a:solidFill>
-                <a:effectLst/>
-                <a:latin typeface="Cascadia Code" panose="020B0609020000020004" pitchFamily="49" charset="0"/>
-                <a:cs typeface="Cascadia Code" panose="020B0609020000020004" pitchFamily="49" charset="0"/>
-              </a:rPr>
-              <a:t>, </a:t>
-            </a:r>
-            <a:r>
-              <a:rPr lang="en-US" sz="1600" i="0" dirty="0">
-                <a:solidFill>
-                  <a:srgbClr val="A31515"/>
-                </a:solidFill>
-                <a:effectLst/>
-                <a:latin typeface="Cascadia Code" panose="020B0609020000020004" pitchFamily="49" charset="0"/>
-                <a:cs typeface="Cascadia Code" panose="020B0609020000020004" pitchFamily="49" charset="0"/>
-              </a:rPr>
-              <a:t>'bob@fabrikam.net'</a:t>
-            </a:r>
-            <a:r>
-              <a:rPr lang="en-US" sz="1600" i="0" dirty="0">
-                <a:solidFill>
-                  <a:srgbClr val="212529"/>
-                </a:solidFill>
-                <a:effectLst/>
-                <a:latin typeface="Cascadia Code" panose="020B0609020000020004" pitchFamily="49" charset="0"/>
-                <a:cs typeface="Cascadia Code" panose="020B0609020000020004" pitchFamily="49" charset="0"/>
-              </a:rPr>
-              <a:t>,</a:t>
-            </a:r>
-            <a:r>
-              <a:rPr lang="en-US" sz="1600" i="0" dirty="0">
-                <a:solidFill>
-                  <a:srgbClr val="A31515"/>
-                </a:solidFill>
-                <a:effectLst/>
-                <a:latin typeface="Cascadia Code" panose="020B0609020000020004" pitchFamily="49" charset="0"/>
-                <a:cs typeface="Cascadia Code" panose="020B0609020000020004" pitchFamily="49" charset="0"/>
-              </a:rPr>
-              <a:t>'345-678-9012’</a:t>
-            </a:r>
-            <a:r>
-              <a:rPr lang="en-US" sz="1600" i="0" dirty="0">
-                <a:solidFill>
-                  <a:srgbClr val="212529"/>
-                </a:solidFill>
-                <a:effectLst/>
-                <a:latin typeface="Cascadia Code" panose="020B0609020000020004" pitchFamily="49" charset="0"/>
-                <a:cs typeface="Cascadia Code" panose="020B0609020000020004" pitchFamily="49" charset="0"/>
-              </a:rPr>
-              <a:t>)</a:t>
-            </a:r>
-          </a:p>
-          <a:p>
-            <a:r>
-              <a:rPr lang="en-US" sz="1600" dirty="0">
-                <a:solidFill>
-                  <a:srgbClr val="212529"/>
-                </a:solidFill>
-                <a:latin typeface="Cascadia Code" panose="020B0609020000020004" pitchFamily="49" charset="0"/>
-                <a:cs typeface="Cascadia Code" panose="020B0609020000020004" pitchFamily="49" charset="0"/>
-              </a:rPr>
-              <a:t>    </a:t>
-            </a:r>
-            <a:r>
-              <a:rPr lang="en-US" sz="1600" i="0" dirty="0">
-                <a:solidFill>
-                  <a:srgbClr val="212529"/>
-                </a:solidFill>
-                <a:effectLst/>
-                <a:latin typeface="Cascadia Code" panose="020B0609020000020004" pitchFamily="49" charset="0"/>
-                <a:cs typeface="Cascadia Code" panose="020B0609020000020004" pitchFamily="49" charset="0"/>
-              </a:rPr>
-              <a:t>, (</a:t>
-            </a:r>
-            <a:r>
-              <a:rPr lang="en-US" sz="1600" i="0" dirty="0">
-                <a:solidFill>
-                  <a:srgbClr val="A31515"/>
-                </a:solidFill>
-                <a:effectLst/>
-                <a:latin typeface="Cascadia Code" panose="020B0609020000020004" pitchFamily="49" charset="0"/>
-                <a:cs typeface="Cascadia Code" panose="020B0609020000020004" pitchFamily="49" charset="0"/>
-              </a:rPr>
-              <a:t>'Eve Jones'</a:t>
-            </a:r>
-            <a:r>
-              <a:rPr lang="en-US" sz="1600" i="0" dirty="0">
-                <a:solidFill>
-                  <a:srgbClr val="212529"/>
-                </a:solidFill>
-                <a:effectLst/>
-                <a:latin typeface="Cascadia Code" panose="020B0609020000020004" pitchFamily="49" charset="0"/>
-                <a:cs typeface="Cascadia Code" panose="020B0609020000020004" pitchFamily="49" charset="0"/>
-              </a:rPr>
-              <a:t>, </a:t>
-            </a:r>
-            <a:r>
-              <a:rPr lang="en-US" sz="1600" i="0" dirty="0">
-                <a:solidFill>
-                  <a:srgbClr val="A31515"/>
-                </a:solidFill>
-                <a:effectLst/>
-                <a:latin typeface="Cascadia Code" panose="020B0609020000020004" pitchFamily="49" charset="0"/>
-                <a:cs typeface="Cascadia Code" panose="020B0609020000020004" pitchFamily="49" charset="0"/>
-              </a:rPr>
-              <a:t>'eve@contoso.com'</a:t>
-            </a:r>
-            <a:r>
-              <a:rPr lang="en-US" sz="1600" i="0" dirty="0">
-                <a:solidFill>
-                  <a:srgbClr val="212529"/>
-                </a:solidFill>
-                <a:effectLst/>
-                <a:latin typeface="Cascadia Code" panose="020B0609020000020004" pitchFamily="49" charset="0"/>
-                <a:cs typeface="Cascadia Code" panose="020B0609020000020004" pitchFamily="49" charset="0"/>
-              </a:rPr>
-              <a:t>, </a:t>
-            </a:r>
-            <a:r>
-              <a:rPr lang="en-US" sz="1600" i="0" dirty="0">
-                <a:solidFill>
-                  <a:srgbClr val="A31515"/>
-                </a:solidFill>
-                <a:effectLst/>
-                <a:latin typeface="Cascadia Code" panose="020B0609020000020004" pitchFamily="49" charset="0"/>
-                <a:cs typeface="Cascadia Code" panose="020B0609020000020004" pitchFamily="49" charset="0"/>
-              </a:rPr>
-              <a:t>'456-789-0123’</a:t>
-            </a:r>
-            <a:r>
-              <a:rPr lang="en-US" sz="1600" i="0" dirty="0">
-                <a:solidFill>
-                  <a:srgbClr val="212529"/>
-                </a:solidFill>
-                <a:effectLst/>
-                <a:latin typeface="Cascadia Code" panose="020B0609020000020004" pitchFamily="49" charset="0"/>
-                <a:cs typeface="Cascadia Code" panose="020B0609020000020004" pitchFamily="49" charset="0"/>
-              </a:rPr>
-              <a:t>)</a:t>
-            </a:r>
-          </a:p>
-          <a:p>
-            <a:r>
-              <a:rPr lang="en-US" sz="1600" dirty="0">
-                <a:solidFill>
-                  <a:srgbClr val="212529"/>
-                </a:solidFill>
-                <a:latin typeface="Cascadia Code" panose="020B0609020000020004" pitchFamily="49" charset="0"/>
-                <a:cs typeface="Cascadia Code" panose="020B0609020000020004" pitchFamily="49" charset="0"/>
-              </a:rPr>
-              <a:t>    </a:t>
-            </a:r>
-            <a:r>
-              <a:rPr lang="en-US" sz="1600" i="0" dirty="0">
-                <a:solidFill>
-                  <a:srgbClr val="212529"/>
-                </a:solidFill>
-                <a:effectLst/>
-                <a:latin typeface="Cascadia Code" panose="020B0609020000020004" pitchFamily="49" charset="0"/>
-                <a:cs typeface="Cascadia Code" panose="020B0609020000020004" pitchFamily="49" charset="0"/>
-              </a:rPr>
-              <a:t>, (</a:t>
-            </a:r>
-            <a:r>
-              <a:rPr lang="en-US" sz="1600" i="0" dirty="0">
-                <a:solidFill>
-                  <a:srgbClr val="A31515"/>
-                </a:solidFill>
-                <a:effectLst/>
-                <a:latin typeface="Cascadia Code" panose="020B0609020000020004" pitchFamily="49" charset="0"/>
-                <a:cs typeface="Cascadia Code" panose="020B0609020000020004" pitchFamily="49" charset="0"/>
-              </a:rPr>
-              <a:t>'Charlie Brown'</a:t>
-            </a:r>
-            <a:r>
-              <a:rPr lang="en-US" sz="1600" i="0" dirty="0">
-                <a:solidFill>
-                  <a:srgbClr val="212529"/>
-                </a:solidFill>
-                <a:effectLst/>
-                <a:latin typeface="Cascadia Code" panose="020B0609020000020004" pitchFamily="49" charset="0"/>
-                <a:cs typeface="Cascadia Code" panose="020B0609020000020004" pitchFamily="49" charset="0"/>
-              </a:rPr>
-              <a:t>, </a:t>
-            </a:r>
-            <a:r>
-              <a:rPr lang="en-US" sz="1600" i="0" dirty="0">
-                <a:solidFill>
-                  <a:srgbClr val="A31515"/>
-                </a:solidFill>
-                <a:effectLst/>
-                <a:latin typeface="Cascadia Code" panose="020B0609020000020004" pitchFamily="49" charset="0"/>
-                <a:cs typeface="Cascadia Code" panose="020B0609020000020004" pitchFamily="49" charset="0"/>
-              </a:rPr>
-              <a:t>'charlie@contoso.co.in'</a:t>
-            </a:r>
-            <a:r>
-              <a:rPr lang="en-US" sz="1600" i="0" dirty="0">
-                <a:solidFill>
-                  <a:srgbClr val="212529"/>
-                </a:solidFill>
-                <a:effectLst/>
-                <a:latin typeface="Cascadia Code" panose="020B0609020000020004" pitchFamily="49" charset="0"/>
-                <a:cs typeface="Cascadia Code" panose="020B0609020000020004" pitchFamily="49" charset="0"/>
-              </a:rPr>
-              <a:t>, </a:t>
-            </a:r>
-            <a:r>
-              <a:rPr lang="en-US" sz="1600" i="0" dirty="0">
-                <a:solidFill>
-                  <a:srgbClr val="A31515"/>
-                </a:solidFill>
-                <a:effectLst/>
-                <a:latin typeface="Cascadia Code" panose="020B0609020000020004" pitchFamily="49" charset="0"/>
-                <a:cs typeface="Cascadia Code" panose="020B0609020000020004" pitchFamily="49" charset="0"/>
-              </a:rPr>
-              <a:t>'567-890-1234'</a:t>
-            </a:r>
-            <a:r>
-              <a:rPr lang="en-US" sz="1600" i="0" dirty="0">
-                <a:solidFill>
-                  <a:srgbClr val="212529"/>
-                </a:solidFill>
-                <a:effectLst/>
-                <a:latin typeface="Cascadia Code" panose="020B0609020000020004" pitchFamily="49" charset="0"/>
-                <a:cs typeface="Cascadia Code" panose="020B0609020000020004" pitchFamily="49" charset="0"/>
-              </a:rPr>
-              <a:t>);</a:t>
-            </a:r>
-            <a:endParaRPr lang="en-US" sz="1600" dirty="0">
-              <a:latin typeface="Cascadia Code" panose="020B0609020000020004" pitchFamily="49" charset="0"/>
-              <a:cs typeface="Cascadia Code" panose="020B0609020000020004" pitchFamily="49" charset="0"/>
-            </a:endParaRPr>
-          </a:p>
-        </p:txBody>
-      </p:sp>
-    </p:spTree>
-    <p:extLst>
-      <p:ext uri="{BB962C8B-B14F-4D97-AF65-F5344CB8AC3E}">
-        <p14:creationId xmlns:p14="http://schemas.microsoft.com/office/powerpoint/2010/main" val="668593400"/>
-      </p:ext>
-    </p:extLst>
-  </p:cSld>
-  <p:clrMapOvr>
-    <a:masterClrMapping/>
-  </p:clrMapOvr>
-</p:sld>
-</file>
-
-<file path=ppt/slides/slide26.xml><?xml version="1.0" encoding="utf-8"?>
-<p:sld xmlns:a="http://schemas.openxmlformats.org/drawingml/2006/main" xmlns:r="http://schemas.openxmlformats.org/officeDocument/2006/relationships" xmlns:p="http://schemas.openxmlformats.org/presentationml/2006/main">
-  <p:cSld>
-    <p:spTree>
-      <p:nvGrpSpPr>
-        <p:cNvPr id="1" name=""/>
-        <p:cNvGrpSpPr/>
-        <p:nvPr/>
-      </p:nvGrpSpPr>
-      <p:grpSpPr>
-        <a:xfrm>
-          <a:off x="0" y="0"/>
-          <a:ext cx="0" cy="0"/>
-          <a:chOff x="0" y="0"/>
-          <a:chExt cx="0" cy="0"/>
-        </a:xfrm>
-      </p:grpSpPr>
-      <p:sp>
-        <p:nvSpPr>
-          <p:cNvPr id="9" name="TextBox 8">
-            <a:extLst>
-              <a:ext uri="{FF2B5EF4-FFF2-40B4-BE49-F238E27FC236}">
-                <a16:creationId xmlns:a16="http://schemas.microsoft.com/office/drawing/2014/main" id="{DC7BD3E7-4C2D-5318-5A22-33AA6067B2DE}"/>
-              </a:ext>
-            </a:extLst>
-          </p:cNvPr>
-          <p:cNvSpPr txBox="1"/>
-          <p:nvPr/>
-        </p:nvSpPr>
-        <p:spPr>
-          <a:xfrm>
-            <a:off x="1010164" y="544995"/>
-            <a:ext cx="9542507" cy="6017032"/>
-          </a:xfrm>
-          <a:prstGeom prst="rect">
-            <a:avLst/>
-          </a:prstGeom>
-          <a:noFill/>
-        </p:spPr>
-        <p:txBody>
-          <a:bodyPr wrap="square">
-            <a:spAutoFit/>
-          </a:bodyPr>
-          <a:lstStyle/>
-          <a:p>
-            <a:r>
-              <a:rPr lang="en-US" sz="1100" dirty="0">
-                <a:solidFill>
-                  <a:schemeClr val="accent5">
-                    <a:lumMod val="75000"/>
-                  </a:schemeClr>
-                </a:solidFill>
-                <a:latin typeface="Cascadia Code" panose="020B0609020000020004" pitchFamily="49" charset="0"/>
-                <a:cs typeface="Cascadia Code" panose="020B0609020000020004" pitchFamily="49" charset="0"/>
-              </a:rPr>
-              <a:t>CREATE TABLE </a:t>
-            </a:r>
-            <a:r>
-              <a:rPr lang="en-US" sz="1100" dirty="0" err="1">
-                <a:latin typeface="Cascadia Code" panose="020B0609020000020004" pitchFamily="49" charset="0"/>
-                <a:cs typeface="Cascadia Code" panose="020B0609020000020004" pitchFamily="49" charset="0"/>
-              </a:rPr>
-              <a:t>demouser.Employees</a:t>
-            </a:r>
-            <a:endParaRPr lang="en-US" sz="1100" dirty="0">
-              <a:latin typeface="Cascadia Code" panose="020B0609020000020004" pitchFamily="49" charset="0"/>
-              <a:cs typeface="Cascadia Code" panose="020B0609020000020004" pitchFamily="49" charset="0"/>
-            </a:endParaRPr>
-          </a:p>
-          <a:p>
-            <a:r>
-              <a:rPr lang="en-US" sz="1100" dirty="0">
-                <a:latin typeface="Cascadia Code" panose="020B0609020000020004" pitchFamily="49" charset="0"/>
-                <a:cs typeface="Cascadia Code" panose="020B0609020000020004" pitchFamily="49" charset="0"/>
-              </a:rPr>
-              <a:t>(</a:t>
-            </a:r>
-          </a:p>
-          <a:p>
-            <a:r>
-              <a:rPr lang="en-US" sz="1100" dirty="0">
-                <a:latin typeface="Cascadia Code" panose="020B0609020000020004" pitchFamily="49" charset="0"/>
-                <a:cs typeface="Cascadia Code" panose="020B0609020000020004" pitchFamily="49" charset="0"/>
-              </a:rPr>
-              <a:t>  </a:t>
-            </a:r>
-            <a:r>
-              <a:rPr lang="en-US" sz="1100" dirty="0">
-                <a:solidFill>
-                  <a:schemeClr val="accent5">
-                    <a:lumMod val="75000"/>
-                  </a:schemeClr>
-                </a:solidFill>
-                <a:latin typeface="Cascadia Code" panose="020B0609020000020004" pitchFamily="49" charset="0"/>
-                <a:cs typeface="Cascadia Code" panose="020B0609020000020004" pitchFamily="49" charset="0"/>
-              </a:rPr>
-              <a:t>ID NUMBER</a:t>
-            </a:r>
-            <a:r>
-              <a:rPr lang="en-US" sz="1100" dirty="0">
-                <a:latin typeface="Cascadia Code" panose="020B0609020000020004" pitchFamily="49" charset="0"/>
-                <a:cs typeface="Cascadia Code" panose="020B0609020000020004" pitchFamily="49" charset="0"/>
-              </a:rPr>
-              <a:t>(</a:t>
-            </a:r>
-            <a:r>
-              <a:rPr lang="en-US" sz="1100" dirty="0">
-                <a:solidFill>
-                  <a:schemeClr val="accent6">
-                    <a:lumMod val="75000"/>
-                  </a:schemeClr>
-                </a:solidFill>
-                <a:latin typeface="Cascadia Code" panose="020B0609020000020004" pitchFamily="49" charset="0"/>
-                <a:cs typeface="Cascadia Code" panose="020B0609020000020004" pitchFamily="49" charset="0"/>
-              </a:rPr>
-              <a:t>10</a:t>
-            </a:r>
-            <a:r>
-              <a:rPr lang="en-US" sz="1100" dirty="0">
-                <a:latin typeface="Cascadia Code" panose="020B0609020000020004" pitchFamily="49" charset="0"/>
-                <a:cs typeface="Cascadia Code" panose="020B0609020000020004" pitchFamily="49" charset="0"/>
-              </a:rPr>
-              <a:t>,</a:t>
-            </a:r>
-            <a:r>
-              <a:rPr lang="en-US" sz="1100" dirty="0">
-                <a:solidFill>
-                  <a:schemeClr val="accent6">
-                    <a:lumMod val="75000"/>
-                  </a:schemeClr>
-                </a:solidFill>
-                <a:latin typeface="Cascadia Code" panose="020B0609020000020004" pitchFamily="49" charset="0"/>
-                <a:cs typeface="Cascadia Code" panose="020B0609020000020004" pitchFamily="49" charset="0"/>
-              </a:rPr>
-              <a:t>0</a:t>
-            </a:r>
-            <a:r>
-              <a:rPr lang="en-US" sz="1100" dirty="0">
-                <a:latin typeface="Cascadia Code" panose="020B0609020000020004" pitchFamily="49" charset="0"/>
-                <a:cs typeface="Cascadia Code" panose="020B0609020000020004" pitchFamily="49" charset="0"/>
-              </a:rPr>
-              <a:t>) ,</a:t>
-            </a:r>
-          </a:p>
-          <a:p>
-            <a:r>
-              <a:rPr lang="en-US" sz="1100" dirty="0">
-                <a:latin typeface="Cascadia Code" panose="020B0609020000020004" pitchFamily="49" charset="0"/>
-                <a:cs typeface="Cascadia Code" panose="020B0609020000020004" pitchFamily="49" charset="0"/>
-              </a:rPr>
-              <a:t>  </a:t>
-            </a:r>
-            <a:r>
-              <a:rPr lang="en-US" sz="1100" dirty="0">
-                <a:solidFill>
-                  <a:schemeClr val="accent5">
-                    <a:lumMod val="75000"/>
-                  </a:schemeClr>
-                </a:solidFill>
-                <a:latin typeface="Cascadia Code" panose="020B0609020000020004" pitchFamily="49" charset="0"/>
-                <a:cs typeface="Cascadia Code" panose="020B0609020000020004" pitchFamily="49" charset="0"/>
-              </a:rPr>
-              <a:t>Name VARCHAR2</a:t>
-            </a:r>
-            <a:r>
-              <a:rPr lang="en-US" sz="1100" dirty="0">
-                <a:latin typeface="Cascadia Code" panose="020B0609020000020004" pitchFamily="49" charset="0"/>
-                <a:cs typeface="Cascadia Code" panose="020B0609020000020004" pitchFamily="49" charset="0"/>
-              </a:rPr>
-              <a:t>(</a:t>
-            </a:r>
-            <a:r>
-              <a:rPr lang="en-US" sz="1100" dirty="0">
-                <a:solidFill>
-                  <a:schemeClr val="accent6">
-                    <a:lumMod val="75000"/>
-                  </a:schemeClr>
-                </a:solidFill>
-                <a:latin typeface="Cascadia Code" panose="020B0609020000020004" pitchFamily="49" charset="0"/>
-                <a:cs typeface="Cascadia Code" panose="020B0609020000020004" pitchFamily="49" charset="0"/>
-              </a:rPr>
-              <a:t>150</a:t>
-            </a:r>
-            <a:r>
-              <a:rPr lang="en-US" sz="1100" dirty="0">
-                <a:latin typeface="Cascadia Code" panose="020B0609020000020004" pitchFamily="49" charset="0"/>
-                <a:cs typeface="Cascadia Code" panose="020B0609020000020004" pitchFamily="49" charset="0"/>
-              </a:rPr>
-              <a:t>) ,</a:t>
-            </a:r>
-          </a:p>
-          <a:p>
-            <a:r>
-              <a:rPr lang="en-US" sz="1100" dirty="0">
-                <a:latin typeface="Cascadia Code" panose="020B0609020000020004" pitchFamily="49" charset="0"/>
-                <a:cs typeface="Cascadia Code" panose="020B0609020000020004" pitchFamily="49" charset="0"/>
-              </a:rPr>
-              <a:t>  Email </a:t>
-            </a:r>
-            <a:r>
-              <a:rPr lang="en-US" sz="1100" dirty="0">
-                <a:solidFill>
-                  <a:schemeClr val="accent5">
-                    <a:lumMod val="75000"/>
-                  </a:schemeClr>
-                </a:solidFill>
-                <a:latin typeface="Cascadia Code" panose="020B0609020000020004" pitchFamily="49" charset="0"/>
-                <a:cs typeface="Cascadia Code" panose="020B0609020000020004" pitchFamily="49" charset="0"/>
-              </a:rPr>
-              <a:t>VARCHAR2</a:t>
-            </a:r>
-            <a:r>
-              <a:rPr lang="en-US" sz="1100" dirty="0">
-                <a:latin typeface="Cascadia Code" panose="020B0609020000020004" pitchFamily="49" charset="0"/>
-                <a:cs typeface="Cascadia Code" panose="020B0609020000020004" pitchFamily="49" charset="0"/>
-              </a:rPr>
-              <a:t>(</a:t>
-            </a:r>
-            <a:r>
-              <a:rPr lang="en-US" sz="1100" dirty="0">
-                <a:solidFill>
-                  <a:schemeClr val="accent6">
-                    <a:lumMod val="75000"/>
-                  </a:schemeClr>
-                </a:solidFill>
-                <a:latin typeface="Cascadia Code" panose="020B0609020000020004" pitchFamily="49" charset="0"/>
-                <a:cs typeface="Cascadia Code" panose="020B0609020000020004" pitchFamily="49" charset="0"/>
-              </a:rPr>
-              <a:t>320</a:t>
-            </a:r>
-            <a:r>
-              <a:rPr lang="en-US" sz="1100" dirty="0">
-                <a:latin typeface="Cascadia Code" panose="020B0609020000020004" pitchFamily="49" charset="0"/>
-                <a:cs typeface="Cascadia Code" panose="020B0609020000020004" pitchFamily="49" charset="0"/>
-              </a:rPr>
-              <a:t>) </a:t>
-            </a:r>
-            <a:r>
-              <a:rPr lang="en-US" sz="1100" dirty="0">
-                <a:solidFill>
-                  <a:schemeClr val="accent5">
-                    <a:lumMod val="75000"/>
-                  </a:schemeClr>
-                </a:solidFill>
-                <a:latin typeface="Cascadia Code" panose="020B0609020000020004" pitchFamily="49" charset="0"/>
-                <a:cs typeface="Cascadia Code" panose="020B0609020000020004" pitchFamily="49" charset="0"/>
-              </a:rPr>
-              <a:t>CHECK</a:t>
-            </a:r>
-            <a:r>
-              <a:rPr lang="en-US" sz="1100" dirty="0">
-                <a:latin typeface="Cascadia Code" panose="020B0609020000020004" pitchFamily="49" charset="0"/>
-                <a:cs typeface="Cascadia Code" panose="020B0609020000020004" pitchFamily="49" charset="0"/>
-              </a:rPr>
-              <a:t>(</a:t>
-            </a:r>
-            <a:r>
-              <a:rPr lang="en-US" sz="1100" dirty="0">
-                <a:solidFill>
-                  <a:schemeClr val="accent5">
-                    <a:lumMod val="75000"/>
-                  </a:schemeClr>
-                </a:solidFill>
-                <a:latin typeface="Cascadia Code" panose="020B0609020000020004" pitchFamily="49" charset="0"/>
-                <a:cs typeface="Cascadia Code" panose="020B0609020000020004" pitchFamily="49" charset="0"/>
-              </a:rPr>
-              <a:t>REGEXP_LIKE</a:t>
-            </a:r>
-            <a:r>
-              <a:rPr lang="en-US" sz="1100" dirty="0">
-                <a:latin typeface="Cascadia Code" panose="020B0609020000020004" pitchFamily="49" charset="0"/>
-                <a:cs typeface="Cascadia Code" panose="020B0609020000020004" pitchFamily="49" charset="0"/>
-              </a:rPr>
-              <a:t>(Email, </a:t>
-            </a:r>
-            <a:r>
-              <a:rPr lang="en-US" sz="1100" dirty="0">
-                <a:solidFill>
-                  <a:schemeClr val="accent1">
-                    <a:lumMod val="50000"/>
-                  </a:schemeClr>
-                </a:solidFill>
-                <a:latin typeface="Cascadia Code" panose="020B0609020000020004" pitchFamily="49" charset="0"/>
-                <a:cs typeface="Cascadia Code" panose="020B0609020000020004" pitchFamily="49" charset="0"/>
-              </a:rPr>
-              <a:t>'^[A-Za-z0-9._%+-]+@[A-Za-z0-9.-]+\.[A-Za-z]{2,}$'</a:t>
-            </a:r>
-            <a:r>
-              <a:rPr lang="en-US" sz="1100" dirty="0">
-                <a:latin typeface="Cascadia Code" panose="020B0609020000020004" pitchFamily="49" charset="0"/>
-                <a:cs typeface="Cascadia Code" panose="020B0609020000020004" pitchFamily="49" charset="0"/>
-              </a:rPr>
-              <a:t>)),</a:t>
-            </a:r>
-          </a:p>
-          <a:p>
-            <a:r>
-              <a:rPr lang="en-US" sz="1100" dirty="0">
-                <a:latin typeface="Cascadia Code" panose="020B0609020000020004" pitchFamily="49" charset="0"/>
-                <a:cs typeface="Cascadia Code" panose="020B0609020000020004" pitchFamily="49" charset="0"/>
-              </a:rPr>
-              <a:t>  </a:t>
-            </a:r>
-            <a:r>
-              <a:rPr lang="en-US" sz="1100" dirty="0" err="1">
-                <a:latin typeface="Cascadia Code" panose="020B0609020000020004" pitchFamily="49" charset="0"/>
-                <a:cs typeface="Cascadia Code" panose="020B0609020000020004" pitchFamily="49" charset="0"/>
-              </a:rPr>
-              <a:t>Phone_Number</a:t>
-            </a:r>
-            <a:r>
-              <a:rPr lang="en-US" sz="1100" dirty="0">
-                <a:latin typeface="Cascadia Code" panose="020B0609020000020004" pitchFamily="49" charset="0"/>
-                <a:cs typeface="Cascadia Code" panose="020B0609020000020004" pitchFamily="49" charset="0"/>
-              </a:rPr>
-              <a:t> </a:t>
-            </a:r>
-            <a:r>
-              <a:rPr lang="en-US" sz="1100" dirty="0">
-                <a:solidFill>
-                  <a:schemeClr val="accent5">
-                    <a:lumMod val="75000"/>
-                  </a:schemeClr>
-                </a:solidFill>
-                <a:latin typeface="Cascadia Code" panose="020B0609020000020004" pitchFamily="49" charset="0"/>
-                <a:cs typeface="Cascadia Code" panose="020B0609020000020004" pitchFamily="49" charset="0"/>
-              </a:rPr>
-              <a:t>VARCHAR2</a:t>
-            </a:r>
-            <a:r>
-              <a:rPr lang="en-US" sz="1100" dirty="0">
-                <a:latin typeface="Cascadia Code" panose="020B0609020000020004" pitchFamily="49" charset="0"/>
-                <a:cs typeface="Cascadia Code" panose="020B0609020000020004" pitchFamily="49" charset="0"/>
-              </a:rPr>
-              <a:t>(</a:t>
-            </a:r>
-            <a:r>
-              <a:rPr lang="en-US" sz="1100" dirty="0">
-                <a:solidFill>
-                  <a:schemeClr val="accent6">
-                    <a:lumMod val="75000"/>
-                  </a:schemeClr>
-                </a:solidFill>
-                <a:latin typeface="Cascadia Code" panose="020B0609020000020004" pitchFamily="49" charset="0"/>
-                <a:cs typeface="Cascadia Code" panose="020B0609020000020004" pitchFamily="49" charset="0"/>
-              </a:rPr>
-              <a:t>20</a:t>
-            </a:r>
-            <a:r>
-              <a:rPr lang="en-US" sz="1100" dirty="0">
-                <a:latin typeface="Cascadia Code" panose="020B0609020000020004" pitchFamily="49" charset="0"/>
-                <a:cs typeface="Cascadia Code" panose="020B0609020000020004" pitchFamily="49" charset="0"/>
-              </a:rPr>
-              <a:t>) </a:t>
-            </a:r>
-            <a:r>
-              <a:rPr lang="en-US" sz="1100" dirty="0">
-                <a:solidFill>
-                  <a:schemeClr val="accent5">
-                    <a:lumMod val="75000"/>
-                  </a:schemeClr>
-                </a:solidFill>
-                <a:latin typeface="Cascadia Code" panose="020B0609020000020004" pitchFamily="49" charset="0"/>
-                <a:cs typeface="Cascadia Code" panose="020B0609020000020004" pitchFamily="49" charset="0"/>
-              </a:rPr>
-              <a:t>CHECK</a:t>
-            </a:r>
-            <a:r>
-              <a:rPr lang="en-US" sz="1100" dirty="0">
-                <a:latin typeface="Cascadia Code" panose="020B0609020000020004" pitchFamily="49" charset="0"/>
-                <a:cs typeface="Cascadia Code" panose="020B0609020000020004" pitchFamily="49" charset="0"/>
-              </a:rPr>
-              <a:t>(</a:t>
-            </a:r>
-            <a:r>
-              <a:rPr lang="en-US" sz="1100" dirty="0">
-                <a:solidFill>
-                  <a:schemeClr val="accent5">
-                    <a:lumMod val="75000"/>
-                  </a:schemeClr>
-                </a:solidFill>
-                <a:latin typeface="Cascadia Code" panose="020B0609020000020004" pitchFamily="49" charset="0"/>
-                <a:cs typeface="Cascadia Code" panose="020B0609020000020004" pitchFamily="49" charset="0"/>
-              </a:rPr>
-              <a:t>REGEXP_LIKE</a:t>
-            </a:r>
-            <a:r>
-              <a:rPr lang="en-US" sz="1100" dirty="0">
-                <a:latin typeface="Cascadia Code" panose="020B0609020000020004" pitchFamily="49" charset="0"/>
-                <a:cs typeface="Cascadia Code" panose="020B0609020000020004" pitchFamily="49" charset="0"/>
-              </a:rPr>
-              <a:t>(</a:t>
-            </a:r>
-            <a:r>
-              <a:rPr lang="en-US" sz="1100" dirty="0" err="1">
-                <a:latin typeface="Cascadia Code" panose="020B0609020000020004" pitchFamily="49" charset="0"/>
-                <a:cs typeface="Cascadia Code" panose="020B0609020000020004" pitchFamily="49" charset="0"/>
-              </a:rPr>
-              <a:t>Phone_Number</a:t>
-            </a:r>
-            <a:r>
-              <a:rPr lang="en-US" sz="1100" dirty="0">
-                <a:latin typeface="Cascadia Code" panose="020B0609020000020004" pitchFamily="49" charset="0"/>
-                <a:cs typeface="Cascadia Code" panose="020B0609020000020004" pitchFamily="49" charset="0"/>
-              </a:rPr>
-              <a:t>, </a:t>
-            </a:r>
-            <a:r>
-              <a:rPr lang="en-US" sz="1100" dirty="0">
-                <a:solidFill>
-                  <a:schemeClr val="accent1">
-                    <a:lumMod val="50000"/>
-                  </a:schemeClr>
-                </a:solidFill>
-                <a:latin typeface="Cascadia Code" panose="020B0609020000020004" pitchFamily="49" charset="0"/>
-                <a:cs typeface="Cascadia Code" panose="020B0609020000020004" pitchFamily="49" charset="0"/>
-              </a:rPr>
-              <a:t>'^(\d{3})-(\d{3})-(\d{4})$'</a:t>
-            </a:r>
-            <a:r>
-              <a:rPr lang="en-US" sz="1100" dirty="0">
-                <a:latin typeface="Cascadia Code" panose="020B0609020000020004" pitchFamily="49" charset="0"/>
-                <a:cs typeface="Cascadia Code" panose="020B0609020000020004" pitchFamily="49" charset="0"/>
-              </a:rPr>
-              <a:t>))</a:t>
-            </a:r>
-          </a:p>
-          <a:p>
-            <a:r>
-              <a:rPr lang="en-US" sz="1100" dirty="0">
-                <a:latin typeface="Cascadia Code" panose="020B0609020000020004" pitchFamily="49" charset="0"/>
-                <a:cs typeface="Cascadia Code" panose="020B0609020000020004" pitchFamily="49" charset="0"/>
-              </a:rPr>
-              <a:t>);</a:t>
-            </a:r>
-          </a:p>
-          <a:p>
-            <a:endParaRPr lang="en-US" sz="1100" dirty="0">
-              <a:latin typeface="Cascadia Code" panose="020B0609020000020004" pitchFamily="49" charset="0"/>
-              <a:cs typeface="Cascadia Code" panose="020B0609020000020004" pitchFamily="49" charset="0"/>
-            </a:endParaRPr>
-          </a:p>
-          <a:p>
-            <a:r>
-              <a:rPr lang="en-US" sz="1100" dirty="0">
-                <a:solidFill>
-                  <a:schemeClr val="accent5">
-                    <a:lumMod val="75000"/>
-                  </a:schemeClr>
-                </a:solidFill>
-                <a:latin typeface="Cascadia Code" panose="020B0609020000020004" pitchFamily="49" charset="0"/>
-                <a:cs typeface="Cascadia Code" panose="020B0609020000020004" pitchFamily="49" charset="0"/>
-              </a:rPr>
-              <a:t>CREATE SEQUENCE </a:t>
-            </a:r>
-            <a:r>
-              <a:rPr lang="en-US" sz="1100" dirty="0" err="1">
-                <a:latin typeface="Cascadia Code" panose="020B0609020000020004" pitchFamily="49" charset="0"/>
-                <a:cs typeface="Cascadia Code" panose="020B0609020000020004" pitchFamily="49" charset="0"/>
-              </a:rPr>
-              <a:t>demouser.tt_Employees_ID</a:t>
-            </a:r>
-            <a:endParaRPr lang="en-US" sz="1100" dirty="0">
-              <a:latin typeface="Cascadia Code" panose="020B0609020000020004" pitchFamily="49" charset="0"/>
-              <a:cs typeface="Cascadia Code" panose="020B0609020000020004" pitchFamily="49" charset="0"/>
-            </a:endParaRPr>
-          </a:p>
-          <a:p>
-            <a:r>
-              <a:rPr lang="en-US" sz="1100" dirty="0">
-                <a:latin typeface="Cascadia Code" panose="020B0609020000020004" pitchFamily="49" charset="0"/>
-                <a:cs typeface="Cascadia Code" panose="020B0609020000020004" pitchFamily="49" charset="0"/>
-              </a:rPr>
-              <a:t>   </a:t>
-            </a:r>
-            <a:r>
-              <a:rPr lang="en-US" sz="1100" dirty="0">
-                <a:solidFill>
-                  <a:schemeClr val="accent5">
-                    <a:lumMod val="75000"/>
-                  </a:schemeClr>
-                </a:solidFill>
-                <a:latin typeface="Cascadia Code" panose="020B0609020000020004" pitchFamily="49" charset="0"/>
-                <a:cs typeface="Cascadia Code" panose="020B0609020000020004" pitchFamily="49" charset="0"/>
-              </a:rPr>
-              <a:t>START WITH </a:t>
-            </a:r>
-            <a:r>
-              <a:rPr lang="en-US" sz="1100" dirty="0">
-                <a:solidFill>
-                  <a:schemeClr val="accent6">
-                    <a:lumMod val="75000"/>
-                  </a:schemeClr>
-                </a:solidFill>
-                <a:latin typeface="Cascadia Code" panose="020B0609020000020004" pitchFamily="49" charset="0"/>
-                <a:cs typeface="Cascadia Code" panose="020B0609020000020004" pitchFamily="49" charset="0"/>
-              </a:rPr>
-              <a:t>101</a:t>
-            </a:r>
-            <a:r>
-              <a:rPr lang="en-US" sz="1100" dirty="0">
-                <a:latin typeface="Cascadia Code" panose="020B0609020000020004" pitchFamily="49" charset="0"/>
-                <a:cs typeface="Cascadia Code" panose="020B0609020000020004" pitchFamily="49" charset="0"/>
-              </a:rPr>
-              <a:t> </a:t>
-            </a:r>
-          </a:p>
-          <a:p>
-            <a:r>
-              <a:rPr lang="en-US" sz="1100" dirty="0">
-                <a:latin typeface="Cascadia Code" panose="020B0609020000020004" pitchFamily="49" charset="0"/>
-                <a:cs typeface="Cascadia Code" panose="020B0609020000020004" pitchFamily="49" charset="0"/>
-              </a:rPr>
-              <a:t>   </a:t>
-            </a:r>
-            <a:r>
-              <a:rPr lang="en-US" sz="1100" dirty="0">
-                <a:solidFill>
-                  <a:schemeClr val="accent5">
-                    <a:lumMod val="75000"/>
-                  </a:schemeClr>
-                </a:solidFill>
-                <a:latin typeface="Cascadia Code" panose="020B0609020000020004" pitchFamily="49" charset="0"/>
-                <a:cs typeface="Cascadia Code" panose="020B0609020000020004" pitchFamily="49" charset="0"/>
-              </a:rPr>
-              <a:t>INCREMENT BY</a:t>
-            </a:r>
-            <a:r>
-              <a:rPr lang="en-US" sz="1100" dirty="0">
-                <a:latin typeface="Cascadia Code" panose="020B0609020000020004" pitchFamily="49" charset="0"/>
-                <a:cs typeface="Cascadia Code" panose="020B0609020000020004" pitchFamily="49" charset="0"/>
-              </a:rPr>
-              <a:t> </a:t>
-            </a:r>
-            <a:r>
-              <a:rPr lang="en-US" sz="1100" dirty="0">
-                <a:solidFill>
-                  <a:schemeClr val="accent6">
-                    <a:lumMod val="75000"/>
-                  </a:schemeClr>
-                </a:solidFill>
-                <a:latin typeface="Cascadia Code" panose="020B0609020000020004" pitchFamily="49" charset="0"/>
-                <a:cs typeface="Cascadia Code" panose="020B0609020000020004" pitchFamily="49" charset="0"/>
-              </a:rPr>
-              <a:t>1</a:t>
-            </a:r>
-            <a:r>
-              <a:rPr lang="en-US" sz="1100" dirty="0">
-                <a:latin typeface="Cascadia Code" panose="020B0609020000020004" pitchFamily="49" charset="0"/>
-                <a:cs typeface="Cascadia Code" panose="020B0609020000020004" pitchFamily="49" charset="0"/>
-              </a:rPr>
-              <a:t>;</a:t>
-            </a:r>
-          </a:p>
-          <a:p>
-            <a:endParaRPr lang="en-US" sz="1100" dirty="0">
-              <a:latin typeface="Cascadia Code" panose="020B0609020000020004" pitchFamily="49" charset="0"/>
-              <a:cs typeface="Cascadia Code" panose="020B0609020000020004" pitchFamily="49" charset="0"/>
-            </a:endParaRPr>
-          </a:p>
-          <a:p>
-            <a:r>
-              <a:rPr lang="en-US" sz="1100" dirty="0">
-                <a:solidFill>
-                  <a:schemeClr val="accent5">
-                    <a:lumMod val="75000"/>
-                  </a:schemeClr>
-                </a:solidFill>
-                <a:latin typeface="Cascadia Code" panose="020B0609020000020004" pitchFamily="49" charset="0"/>
-                <a:cs typeface="Cascadia Code" panose="020B0609020000020004" pitchFamily="49" charset="0"/>
-              </a:rPr>
-              <a:t>CREATE OR REPLACE TRIGGER </a:t>
-            </a:r>
-            <a:r>
-              <a:rPr lang="en-US" sz="1100" dirty="0" err="1">
-                <a:latin typeface="Cascadia Code" panose="020B0609020000020004" pitchFamily="49" charset="0"/>
-                <a:cs typeface="Cascadia Code" panose="020B0609020000020004" pitchFamily="49" charset="0"/>
-              </a:rPr>
-              <a:t>demouser.tt_TR_Employees_ID</a:t>
-            </a:r>
-            <a:r>
-              <a:rPr lang="en-US" sz="1100" dirty="0">
-                <a:latin typeface="Cascadia Code" panose="020B0609020000020004" pitchFamily="49" charset="0"/>
-                <a:cs typeface="Cascadia Code" panose="020B0609020000020004" pitchFamily="49" charset="0"/>
-              </a:rPr>
-              <a:t>    </a:t>
-            </a:r>
-          </a:p>
-          <a:p>
-            <a:r>
-              <a:rPr lang="en-US" sz="1100" dirty="0">
-                <a:solidFill>
-                  <a:schemeClr val="accent5">
-                    <a:lumMod val="75000"/>
-                  </a:schemeClr>
-                </a:solidFill>
-                <a:latin typeface="Cascadia Code" panose="020B0609020000020004" pitchFamily="49" charset="0"/>
-                <a:cs typeface="Cascadia Code" panose="020B0609020000020004" pitchFamily="49" charset="0"/>
-              </a:rPr>
-              <a:t>   BEFORE INSERT ON</a:t>
-            </a:r>
-            <a:r>
-              <a:rPr lang="en-US" sz="1100" dirty="0">
-                <a:latin typeface="Cascadia Code" panose="020B0609020000020004" pitchFamily="49" charset="0"/>
-                <a:cs typeface="Cascadia Code" panose="020B0609020000020004" pitchFamily="49" charset="0"/>
-              </a:rPr>
-              <a:t> </a:t>
-            </a:r>
-            <a:r>
-              <a:rPr lang="en-US" sz="1100" dirty="0" err="1">
-                <a:latin typeface="Cascadia Code" panose="020B0609020000020004" pitchFamily="49" charset="0"/>
-                <a:cs typeface="Cascadia Code" panose="020B0609020000020004" pitchFamily="49" charset="0"/>
-              </a:rPr>
-              <a:t>demouser.Employees</a:t>
-            </a:r>
-            <a:endParaRPr lang="en-US" sz="1100" dirty="0">
-              <a:latin typeface="Cascadia Code" panose="020B0609020000020004" pitchFamily="49" charset="0"/>
-              <a:cs typeface="Cascadia Code" panose="020B0609020000020004" pitchFamily="49" charset="0"/>
-            </a:endParaRPr>
-          </a:p>
-          <a:p>
-            <a:r>
-              <a:rPr lang="en-US" sz="1100" dirty="0">
-                <a:latin typeface="Cascadia Code" panose="020B0609020000020004" pitchFamily="49" charset="0"/>
-                <a:cs typeface="Cascadia Code" panose="020B0609020000020004" pitchFamily="49" charset="0"/>
-              </a:rPr>
-              <a:t>   </a:t>
-            </a:r>
-            <a:r>
-              <a:rPr lang="en-US" sz="1100" dirty="0">
-                <a:solidFill>
-                  <a:schemeClr val="accent5">
-                    <a:lumMod val="75000"/>
-                  </a:schemeClr>
-                </a:solidFill>
-                <a:latin typeface="Cascadia Code" panose="020B0609020000020004" pitchFamily="49" charset="0"/>
-                <a:cs typeface="Cascadia Code" panose="020B0609020000020004" pitchFamily="49" charset="0"/>
-              </a:rPr>
-              <a:t>FOR EACH ROW</a:t>
-            </a:r>
-          </a:p>
-          <a:p>
-            <a:r>
-              <a:rPr lang="en-US" sz="1100" dirty="0">
-                <a:solidFill>
-                  <a:schemeClr val="accent5">
-                    <a:lumMod val="75000"/>
-                  </a:schemeClr>
-                </a:solidFill>
-                <a:latin typeface="Cascadia Code" panose="020B0609020000020004" pitchFamily="49" charset="0"/>
-                <a:cs typeface="Cascadia Code" panose="020B0609020000020004" pitchFamily="49" charset="0"/>
-              </a:rPr>
-              <a:t>   BEGIN</a:t>
-            </a:r>
-          </a:p>
-          <a:p>
-            <a:r>
-              <a:rPr lang="en-US" sz="1100" dirty="0">
-                <a:latin typeface="Cascadia Code" panose="020B0609020000020004" pitchFamily="49" charset="0"/>
-                <a:cs typeface="Cascadia Code" panose="020B0609020000020004" pitchFamily="49" charset="0"/>
-              </a:rPr>
-              <a:t>      </a:t>
-            </a:r>
-            <a:r>
-              <a:rPr lang="en-US" sz="1100" dirty="0">
-                <a:solidFill>
-                  <a:schemeClr val="accent5">
-                    <a:lumMod val="75000"/>
-                  </a:schemeClr>
-                </a:solidFill>
-                <a:latin typeface="Cascadia Code" panose="020B0609020000020004" pitchFamily="49" charset="0"/>
-                <a:cs typeface="Cascadia Code" panose="020B0609020000020004" pitchFamily="49" charset="0"/>
-              </a:rPr>
-              <a:t>SELECT</a:t>
-            </a:r>
-            <a:r>
-              <a:rPr lang="en-US" sz="1100" dirty="0">
-                <a:latin typeface="Cascadia Code" panose="020B0609020000020004" pitchFamily="49" charset="0"/>
-                <a:cs typeface="Cascadia Code" panose="020B0609020000020004" pitchFamily="49" charset="0"/>
-              </a:rPr>
-              <a:t> </a:t>
-            </a:r>
-            <a:r>
-              <a:rPr lang="en-US" sz="1100" dirty="0" err="1">
-                <a:latin typeface="Cascadia Code" panose="020B0609020000020004" pitchFamily="49" charset="0"/>
-                <a:cs typeface="Cascadia Code" panose="020B0609020000020004" pitchFamily="49" charset="0"/>
-              </a:rPr>
-              <a:t>tt_Employees_ID.</a:t>
-            </a:r>
-            <a:r>
-              <a:rPr lang="en-US" sz="1100" dirty="0" err="1">
-                <a:solidFill>
-                  <a:schemeClr val="accent5">
-                    <a:lumMod val="75000"/>
-                  </a:schemeClr>
-                </a:solidFill>
-                <a:latin typeface="Cascadia Code" panose="020B0609020000020004" pitchFamily="49" charset="0"/>
-                <a:cs typeface="Cascadia Code" panose="020B0609020000020004" pitchFamily="49" charset="0"/>
-              </a:rPr>
-              <a:t>NEXTVAL</a:t>
-            </a:r>
-            <a:r>
-              <a:rPr lang="en-US" sz="1100" dirty="0">
-                <a:solidFill>
-                  <a:schemeClr val="accent5">
-                    <a:lumMod val="75000"/>
-                  </a:schemeClr>
-                </a:solidFill>
-                <a:latin typeface="Cascadia Code" panose="020B0609020000020004" pitchFamily="49" charset="0"/>
-                <a:cs typeface="Cascadia Code" panose="020B0609020000020004" pitchFamily="49" charset="0"/>
-              </a:rPr>
-              <a:t> INTO </a:t>
-            </a:r>
-            <a:r>
-              <a:rPr lang="en-US" sz="1100" dirty="0">
-                <a:latin typeface="Cascadia Code" panose="020B0609020000020004" pitchFamily="49" charset="0"/>
-                <a:cs typeface="Cascadia Code" panose="020B0609020000020004" pitchFamily="49" charset="0"/>
-              </a:rPr>
-              <a:t>:</a:t>
-            </a:r>
-            <a:r>
-              <a:rPr lang="en-US" sz="1100" dirty="0">
-                <a:solidFill>
-                  <a:schemeClr val="accent5">
-                    <a:lumMod val="75000"/>
-                  </a:schemeClr>
-                </a:solidFill>
-                <a:latin typeface="Cascadia Code" panose="020B0609020000020004" pitchFamily="49" charset="0"/>
-                <a:cs typeface="Cascadia Code" panose="020B0609020000020004" pitchFamily="49" charset="0"/>
-              </a:rPr>
-              <a:t>NEW</a:t>
-            </a:r>
-            <a:r>
-              <a:rPr lang="en-US" sz="1100" dirty="0">
-                <a:latin typeface="Cascadia Code" panose="020B0609020000020004" pitchFamily="49" charset="0"/>
-                <a:cs typeface="Cascadia Code" panose="020B0609020000020004" pitchFamily="49" charset="0"/>
-              </a:rPr>
-              <a:t>.</a:t>
-            </a:r>
-            <a:r>
-              <a:rPr lang="en-US" sz="1100" dirty="0">
-                <a:solidFill>
-                  <a:schemeClr val="accent5">
-                    <a:lumMod val="75000"/>
-                  </a:schemeClr>
-                </a:solidFill>
-                <a:latin typeface="Cascadia Code" panose="020B0609020000020004" pitchFamily="49" charset="0"/>
-                <a:cs typeface="Cascadia Code" panose="020B0609020000020004" pitchFamily="49" charset="0"/>
-              </a:rPr>
-              <a:t>ID</a:t>
-            </a:r>
-          </a:p>
-          <a:p>
-            <a:r>
-              <a:rPr lang="en-US" sz="1100" dirty="0">
-                <a:latin typeface="Cascadia Code" panose="020B0609020000020004" pitchFamily="49" charset="0"/>
-                <a:cs typeface="Cascadia Code" panose="020B0609020000020004" pitchFamily="49" charset="0"/>
-              </a:rPr>
-              <a:t>        </a:t>
-            </a:r>
-            <a:r>
-              <a:rPr lang="en-US" sz="1100" dirty="0">
-                <a:solidFill>
-                  <a:schemeClr val="accent5">
-                    <a:lumMod val="75000"/>
-                  </a:schemeClr>
-                </a:solidFill>
-                <a:latin typeface="Cascadia Code" panose="020B0609020000020004" pitchFamily="49" charset="0"/>
-                <a:cs typeface="Cascadia Code" panose="020B0609020000020004" pitchFamily="49" charset="0"/>
-              </a:rPr>
-              <a:t>FROM</a:t>
-            </a:r>
-            <a:r>
-              <a:rPr lang="en-US" sz="1100" dirty="0">
-                <a:latin typeface="Cascadia Code" panose="020B0609020000020004" pitchFamily="49" charset="0"/>
-                <a:cs typeface="Cascadia Code" panose="020B0609020000020004" pitchFamily="49" charset="0"/>
-              </a:rPr>
-              <a:t> DUAL;</a:t>
-            </a:r>
-          </a:p>
-          <a:p>
-            <a:r>
-              <a:rPr lang="en-US" sz="1100" dirty="0">
-                <a:latin typeface="Cascadia Code" panose="020B0609020000020004" pitchFamily="49" charset="0"/>
-                <a:cs typeface="Cascadia Code" panose="020B0609020000020004" pitchFamily="49" charset="0"/>
-              </a:rPr>
-              <a:t>   </a:t>
-            </a:r>
-            <a:r>
-              <a:rPr lang="en-US" sz="1100" dirty="0">
-                <a:solidFill>
-                  <a:schemeClr val="accent5">
-                    <a:lumMod val="75000"/>
-                  </a:schemeClr>
-                </a:solidFill>
-                <a:latin typeface="Cascadia Code" panose="020B0609020000020004" pitchFamily="49" charset="0"/>
-                <a:cs typeface="Cascadia Code" panose="020B0609020000020004" pitchFamily="49" charset="0"/>
-              </a:rPr>
-              <a:t>END</a:t>
-            </a:r>
-            <a:r>
-              <a:rPr lang="en-US" sz="1100" dirty="0">
-                <a:latin typeface="Cascadia Code" panose="020B0609020000020004" pitchFamily="49" charset="0"/>
-                <a:cs typeface="Cascadia Code" panose="020B0609020000020004" pitchFamily="49" charset="0"/>
-              </a:rPr>
-              <a:t>;</a:t>
-            </a:r>
-          </a:p>
-          <a:p>
-            <a:endParaRPr lang="en-US" sz="1100" dirty="0">
-              <a:latin typeface="Cascadia Code" panose="020B0609020000020004" pitchFamily="49" charset="0"/>
-              <a:cs typeface="Cascadia Code" panose="020B0609020000020004" pitchFamily="49" charset="0"/>
-            </a:endParaRPr>
-          </a:p>
-          <a:p>
-            <a:r>
-              <a:rPr lang="en-US" sz="1100" dirty="0">
-                <a:solidFill>
-                  <a:schemeClr val="accent5">
-                    <a:lumMod val="75000"/>
-                  </a:schemeClr>
-                </a:solidFill>
-                <a:latin typeface="Cascadia Code" panose="020B0609020000020004" pitchFamily="49" charset="0"/>
-                <a:cs typeface="Cascadia Code" panose="020B0609020000020004" pitchFamily="49" charset="0"/>
-              </a:rPr>
-              <a:t>INSERT INTO </a:t>
-            </a:r>
-            <a:r>
-              <a:rPr lang="en-US" sz="1100" dirty="0" err="1">
-                <a:latin typeface="Cascadia Code" panose="020B0609020000020004" pitchFamily="49" charset="0"/>
-                <a:cs typeface="Cascadia Code" panose="020B0609020000020004" pitchFamily="49" charset="0"/>
-              </a:rPr>
-              <a:t>demouser.Employees</a:t>
-            </a:r>
-            <a:r>
-              <a:rPr lang="en-US" sz="1100" dirty="0">
-                <a:latin typeface="Cascadia Code" panose="020B0609020000020004" pitchFamily="49" charset="0"/>
-                <a:cs typeface="Cascadia Code" panose="020B0609020000020004" pitchFamily="49" charset="0"/>
-              </a:rPr>
-              <a:t> ( </a:t>
-            </a:r>
-            <a:r>
-              <a:rPr lang="en-US" sz="1100" dirty="0">
-                <a:solidFill>
-                  <a:schemeClr val="accent5">
-                    <a:lumMod val="75000"/>
-                  </a:schemeClr>
-                </a:solidFill>
-                <a:latin typeface="Cascadia Code" panose="020B0609020000020004" pitchFamily="49" charset="0"/>
-                <a:cs typeface="Cascadia Code" panose="020B0609020000020004" pitchFamily="49" charset="0"/>
-              </a:rPr>
-              <a:t>Name</a:t>
-            </a:r>
-            <a:r>
-              <a:rPr lang="en-US" sz="1100" dirty="0">
-                <a:latin typeface="Cascadia Code" panose="020B0609020000020004" pitchFamily="49" charset="0"/>
-                <a:cs typeface="Cascadia Code" panose="020B0609020000020004" pitchFamily="49" charset="0"/>
-              </a:rPr>
-              <a:t>, Email, </a:t>
-            </a:r>
-            <a:r>
-              <a:rPr lang="en-US" sz="1100" dirty="0" err="1">
-                <a:latin typeface="Cascadia Code" panose="020B0609020000020004" pitchFamily="49" charset="0"/>
-                <a:cs typeface="Cascadia Code" panose="020B0609020000020004" pitchFamily="49" charset="0"/>
-              </a:rPr>
-              <a:t>Phone_Number</a:t>
-            </a:r>
-            <a:r>
-              <a:rPr lang="en-US" sz="1100" dirty="0">
-                <a:latin typeface="Cascadia Code" panose="020B0609020000020004" pitchFamily="49" charset="0"/>
-                <a:cs typeface="Cascadia Code" panose="020B0609020000020004" pitchFamily="49" charset="0"/>
-              </a:rPr>
-              <a:t> )</a:t>
-            </a:r>
-          </a:p>
-          <a:p>
-            <a:r>
-              <a:rPr lang="en-US" sz="1100" dirty="0">
-                <a:latin typeface="Cascadia Code" panose="020B0609020000020004" pitchFamily="49" charset="0"/>
-                <a:cs typeface="Cascadia Code" panose="020B0609020000020004" pitchFamily="49" charset="0"/>
-              </a:rPr>
-              <a:t>  </a:t>
-            </a:r>
-            <a:r>
-              <a:rPr lang="en-US" sz="1100" dirty="0">
-                <a:solidFill>
-                  <a:schemeClr val="accent5">
-                    <a:lumMod val="75000"/>
-                  </a:schemeClr>
-                </a:solidFill>
-                <a:latin typeface="Cascadia Code" panose="020B0609020000020004" pitchFamily="49" charset="0"/>
-                <a:cs typeface="Cascadia Code" panose="020B0609020000020004" pitchFamily="49" charset="0"/>
-              </a:rPr>
-              <a:t>VALUES</a:t>
-            </a:r>
-            <a:r>
-              <a:rPr lang="en-US" sz="1100" dirty="0">
-                <a:latin typeface="Cascadia Code" panose="020B0609020000020004" pitchFamily="49" charset="0"/>
-                <a:cs typeface="Cascadia Code" panose="020B0609020000020004" pitchFamily="49" charset="0"/>
-              </a:rPr>
-              <a:t> ( </a:t>
-            </a:r>
-            <a:r>
-              <a:rPr lang="en-US" sz="1100" dirty="0">
-                <a:solidFill>
-                  <a:schemeClr val="accent5">
-                    <a:lumMod val="50000"/>
-                  </a:schemeClr>
-                </a:solidFill>
-                <a:latin typeface="Cascadia Code" panose="020B0609020000020004" pitchFamily="49" charset="0"/>
-                <a:cs typeface="Cascadia Code" panose="020B0609020000020004" pitchFamily="49" charset="0"/>
-              </a:rPr>
-              <a:t>'John Doe'</a:t>
-            </a:r>
-            <a:r>
-              <a:rPr lang="en-US" sz="1100" dirty="0">
-                <a:latin typeface="Cascadia Code" panose="020B0609020000020004" pitchFamily="49" charset="0"/>
-                <a:cs typeface="Cascadia Code" panose="020B0609020000020004" pitchFamily="49" charset="0"/>
-              </a:rPr>
-              <a:t>, </a:t>
-            </a:r>
-            <a:r>
-              <a:rPr lang="en-US" sz="1100" dirty="0">
-                <a:solidFill>
-                  <a:schemeClr val="accent5">
-                    <a:lumMod val="50000"/>
-                  </a:schemeClr>
-                </a:solidFill>
-                <a:latin typeface="Cascadia Code" panose="020B0609020000020004" pitchFamily="49" charset="0"/>
-                <a:cs typeface="Cascadia Code" panose="020B0609020000020004" pitchFamily="49" charset="0"/>
-              </a:rPr>
-              <a:t>'john@contoso.com'</a:t>
-            </a:r>
-            <a:r>
-              <a:rPr lang="en-US" sz="1100" dirty="0">
-                <a:latin typeface="Cascadia Code" panose="020B0609020000020004" pitchFamily="49" charset="0"/>
-                <a:cs typeface="Cascadia Code" panose="020B0609020000020004" pitchFamily="49" charset="0"/>
-              </a:rPr>
-              <a:t>, </a:t>
-            </a:r>
-            <a:r>
-              <a:rPr lang="en-US" sz="1100" dirty="0">
-                <a:solidFill>
-                  <a:schemeClr val="accent5">
-                    <a:lumMod val="50000"/>
-                  </a:schemeClr>
-                </a:solidFill>
-                <a:latin typeface="Cascadia Code" panose="020B0609020000020004" pitchFamily="49" charset="0"/>
-                <a:cs typeface="Cascadia Code" panose="020B0609020000020004" pitchFamily="49" charset="0"/>
-              </a:rPr>
-              <a:t>'123-456-7890'</a:t>
-            </a:r>
-            <a:r>
-              <a:rPr lang="en-US" sz="1100" dirty="0">
-                <a:latin typeface="Cascadia Code" panose="020B0609020000020004" pitchFamily="49" charset="0"/>
-                <a:cs typeface="Cascadia Code" panose="020B0609020000020004" pitchFamily="49" charset="0"/>
-              </a:rPr>
-              <a:t> );</a:t>
-            </a:r>
-          </a:p>
-          <a:p>
-            <a:endParaRPr lang="en-US" sz="1100" dirty="0">
-              <a:latin typeface="Cascadia Code" panose="020B0609020000020004" pitchFamily="49" charset="0"/>
-              <a:cs typeface="Cascadia Code" panose="020B0609020000020004" pitchFamily="49" charset="0"/>
-            </a:endParaRPr>
-          </a:p>
-          <a:p>
-            <a:r>
-              <a:rPr lang="en-US" sz="1100" dirty="0">
-                <a:solidFill>
-                  <a:schemeClr val="accent5">
-                    <a:lumMod val="75000"/>
-                  </a:schemeClr>
-                </a:solidFill>
-                <a:latin typeface="Cascadia Code" panose="020B0609020000020004" pitchFamily="49" charset="0"/>
-                <a:cs typeface="Cascadia Code" panose="020B0609020000020004" pitchFamily="49" charset="0"/>
-              </a:rPr>
-              <a:t>INSERT INTO </a:t>
-            </a:r>
-            <a:r>
-              <a:rPr lang="en-US" sz="1100" dirty="0" err="1">
-                <a:latin typeface="Cascadia Code" panose="020B0609020000020004" pitchFamily="49" charset="0"/>
-                <a:cs typeface="Cascadia Code" panose="020B0609020000020004" pitchFamily="49" charset="0"/>
-              </a:rPr>
-              <a:t>demouser.Employees</a:t>
-            </a:r>
-            <a:r>
-              <a:rPr lang="en-US" sz="1100" dirty="0">
-                <a:latin typeface="Cascadia Code" panose="020B0609020000020004" pitchFamily="49" charset="0"/>
-                <a:cs typeface="Cascadia Code" panose="020B0609020000020004" pitchFamily="49" charset="0"/>
-              </a:rPr>
-              <a:t> ( </a:t>
-            </a:r>
-            <a:r>
-              <a:rPr lang="en-US" sz="1100" dirty="0">
-                <a:solidFill>
-                  <a:schemeClr val="accent5">
-                    <a:lumMod val="75000"/>
-                  </a:schemeClr>
-                </a:solidFill>
-                <a:latin typeface="Cascadia Code" panose="020B0609020000020004" pitchFamily="49" charset="0"/>
-                <a:cs typeface="Cascadia Code" panose="020B0609020000020004" pitchFamily="49" charset="0"/>
-              </a:rPr>
-              <a:t>Name</a:t>
-            </a:r>
-            <a:r>
-              <a:rPr lang="en-US" sz="1100" dirty="0">
-                <a:latin typeface="Cascadia Code" panose="020B0609020000020004" pitchFamily="49" charset="0"/>
-                <a:cs typeface="Cascadia Code" panose="020B0609020000020004" pitchFamily="49" charset="0"/>
-              </a:rPr>
-              <a:t>, Email, </a:t>
-            </a:r>
-            <a:r>
-              <a:rPr lang="en-US" sz="1100" dirty="0" err="1">
-                <a:latin typeface="Cascadia Code" panose="020B0609020000020004" pitchFamily="49" charset="0"/>
-                <a:cs typeface="Cascadia Code" panose="020B0609020000020004" pitchFamily="49" charset="0"/>
-              </a:rPr>
-              <a:t>Phone_Number</a:t>
-            </a:r>
-            <a:r>
-              <a:rPr lang="en-US" sz="1100" dirty="0">
-                <a:latin typeface="Cascadia Code" panose="020B0609020000020004" pitchFamily="49" charset="0"/>
-                <a:cs typeface="Cascadia Code" panose="020B0609020000020004" pitchFamily="49" charset="0"/>
-              </a:rPr>
-              <a:t> )</a:t>
-            </a:r>
-          </a:p>
-          <a:p>
-            <a:r>
-              <a:rPr lang="en-US" sz="1100" dirty="0">
-                <a:latin typeface="Cascadia Code" panose="020B0609020000020004" pitchFamily="49" charset="0"/>
-                <a:cs typeface="Cascadia Code" panose="020B0609020000020004" pitchFamily="49" charset="0"/>
-              </a:rPr>
-              <a:t>  </a:t>
-            </a:r>
-            <a:r>
-              <a:rPr lang="en-US" sz="1100" dirty="0">
-                <a:solidFill>
-                  <a:schemeClr val="accent5">
-                    <a:lumMod val="75000"/>
-                  </a:schemeClr>
-                </a:solidFill>
-                <a:latin typeface="Cascadia Code" panose="020B0609020000020004" pitchFamily="49" charset="0"/>
-                <a:cs typeface="Cascadia Code" panose="020B0609020000020004" pitchFamily="49" charset="0"/>
-              </a:rPr>
-              <a:t>VALUES</a:t>
-            </a:r>
-            <a:r>
-              <a:rPr lang="en-US" sz="1100" dirty="0">
-                <a:latin typeface="Cascadia Code" panose="020B0609020000020004" pitchFamily="49" charset="0"/>
-                <a:cs typeface="Cascadia Code" panose="020B0609020000020004" pitchFamily="49" charset="0"/>
-              </a:rPr>
-              <a:t> ( </a:t>
-            </a:r>
-            <a:r>
-              <a:rPr lang="en-US" sz="1100" dirty="0">
-                <a:solidFill>
-                  <a:schemeClr val="accent5">
-                    <a:lumMod val="50000"/>
-                  </a:schemeClr>
-                </a:solidFill>
-                <a:latin typeface="Cascadia Code" panose="020B0609020000020004" pitchFamily="49" charset="0"/>
-                <a:cs typeface="Cascadia Code" panose="020B0609020000020004" pitchFamily="49" charset="0"/>
-              </a:rPr>
-              <a:t>'Alice Smith'</a:t>
-            </a:r>
-            <a:r>
-              <a:rPr lang="en-US" sz="1100" dirty="0">
-                <a:latin typeface="Cascadia Code" panose="020B0609020000020004" pitchFamily="49" charset="0"/>
-                <a:cs typeface="Cascadia Code" panose="020B0609020000020004" pitchFamily="49" charset="0"/>
-              </a:rPr>
-              <a:t>, </a:t>
-            </a:r>
-            <a:r>
-              <a:rPr lang="en-US" sz="1100" dirty="0">
-                <a:solidFill>
-                  <a:schemeClr val="accent5">
-                    <a:lumMod val="50000"/>
-                  </a:schemeClr>
-                </a:solidFill>
-                <a:latin typeface="Cascadia Code" panose="020B0609020000020004" pitchFamily="49" charset="0"/>
-                <a:cs typeface="Cascadia Code" panose="020B0609020000020004" pitchFamily="49" charset="0"/>
-              </a:rPr>
-              <a:t>'alice@fabrikam.com'</a:t>
-            </a:r>
-            <a:r>
-              <a:rPr lang="en-US" sz="1100" dirty="0">
-                <a:latin typeface="Cascadia Code" panose="020B0609020000020004" pitchFamily="49" charset="0"/>
-                <a:cs typeface="Cascadia Code" panose="020B0609020000020004" pitchFamily="49" charset="0"/>
-              </a:rPr>
-              <a:t>, </a:t>
-            </a:r>
-            <a:r>
-              <a:rPr lang="en-US" sz="1100" dirty="0">
-                <a:solidFill>
-                  <a:schemeClr val="accent5">
-                    <a:lumMod val="50000"/>
-                  </a:schemeClr>
-                </a:solidFill>
-                <a:latin typeface="Cascadia Code" panose="020B0609020000020004" pitchFamily="49" charset="0"/>
-                <a:cs typeface="Cascadia Code" panose="020B0609020000020004" pitchFamily="49" charset="0"/>
-              </a:rPr>
-              <a:t>'234-567-8901' </a:t>
-            </a:r>
-            <a:r>
-              <a:rPr lang="en-US" sz="1100" dirty="0">
-                <a:latin typeface="Cascadia Code" panose="020B0609020000020004" pitchFamily="49" charset="0"/>
-                <a:cs typeface="Cascadia Code" panose="020B0609020000020004" pitchFamily="49" charset="0"/>
-              </a:rPr>
-              <a:t>);</a:t>
-            </a:r>
-          </a:p>
-          <a:p>
-            <a:endParaRPr lang="en-US" sz="1100" dirty="0">
-              <a:latin typeface="Cascadia Code" panose="020B0609020000020004" pitchFamily="49" charset="0"/>
-              <a:cs typeface="Cascadia Code" panose="020B0609020000020004" pitchFamily="49" charset="0"/>
-            </a:endParaRPr>
-          </a:p>
-          <a:p>
-            <a:r>
-              <a:rPr lang="en-US" sz="1100" dirty="0">
-                <a:solidFill>
-                  <a:schemeClr val="accent5">
-                    <a:lumMod val="75000"/>
-                  </a:schemeClr>
-                </a:solidFill>
-                <a:latin typeface="Cascadia Code" panose="020B0609020000020004" pitchFamily="49" charset="0"/>
-                <a:cs typeface="Cascadia Code" panose="020B0609020000020004" pitchFamily="49" charset="0"/>
-              </a:rPr>
-              <a:t>INSERT INTO </a:t>
-            </a:r>
-            <a:r>
-              <a:rPr lang="en-US" sz="1100" dirty="0" err="1">
-                <a:latin typeface="Cascadia Code" panose="020B0609020000020004" pitchFamily="49" charset="0"/>
-                <a:cs typeface="Cascadia Code" panose="020B0609020000020004" pitchFamily="49" charset="0"/>
-              </a:rPr>
-              <a:t>demouser.Employees</a:t>
-            </a:r>
-            <a:r>
-              <a:rPr lang="en-US" sz="1100" dirty="0">
-                <a:latin typeface="Cascadia Code" panose="020B0609020000020004" pitchFamily="49" charset="0"/>
-                <a:cs typeface="Cascadia Code" panose="020B0609020000020004" pitchFamily="49" charset="0"/>
-              </a:rPr>
-              <a:t> ( </a:t>
-            </a:r>
-            <a:r>
-              <a:rPr lang="en-US" sz="1100" dirty="0">
-                <a:solidFill>
-                  <a:schemeClr val="accent5">
-                    <a:lumMod val="75000"/>
-                  </a:schemeClr>
-                </a:solidFill>
-                <a:latin typeface="Cascadia Code" panose="020B0609020000020004" pitchFamily="49" charset="0"/>
-                <a:cs typeface="Cascadia Code" panose="020B0609020000020004" pitchFamily="49" charset="0"/>
-              </a:rPr>
-              <a:t>Name</a:t>
-            </a:r>
-            <a:r>
-              <a:rPr lang="en-US" sz="1100" dirty="0">
-                <a:latin typeface="Cascadia Code" panose="020B0609020000020004" pitchFamily="49" charset="0"/>
-                <a:cs typeface="Cascadia Code" panose="020B0609020000020004" pitchFamily="49" charset="0"/>
-              </a:rPr>
-              <a:t>, Email, </a:t>
-            </a:r>
-            <a:r>
-              <a:rPr lang="en-US" sz="1100" dirty="0" err="1">
-                <a:latin typeface="Cascadia Code" panose="020B0609020000020004" pitchFamily="49" charset="0"/>
-                <a:cs typeface="Cascadia Code" panose="020B0609020000020004" pitchFamily="49" charset="0"/>
-              </a:rPr>
-              <a:t>Phone_Number</a:t>
-            </a:r>
-            <a:r>
-              <a:rPr lang="en-US" sz="1100" dirty="0">
-                <a:latin typeface="Cascadia Code" panose="020B0609020000020004" pitchFamily="49" charset="0"/>
-                <a:cs typeface="Cascadia Code" panose="020B0609020000020004" pitchFamily="49" charset="0"/>
-              </a:rPr>
-              <a:t> )</a:t>
-            </a:r>
-          </a:p>
-          <a:p>
-            <a:r>
-              <a:rPr lang="en-US" sz="1100" dirty="0">
-                <a:latin typeface="Cascadia Code" panose="020B0609020000020004" pitchFamily="49" charset="0"/>
-                <a:cs typeface="Cascadia Code" panose="020B0609020000020004" pitchFamily="49" charset="0"/>
-              </a:rPr>
-              <a:t>  </a:t>
-            </a:r>
-            <a:r>
-              <a:rPr lang="en-US" sz="1100" dirty="0">
-                <a:solidFill>
-                  <a:schemeClr val="accent5">
-                    <a:lumMod val="75000"/>
-                  </a:schemeClr>
-                </a:solidFill>
-                <a:latin typeface="Cascadia Code" panose="020B0609020000020004" pitchFamily="49" charset="0"/>
-                <a:cs typeface="Cascadia Code" panose="020B0609020000020004" pitchFamily="49" charset="0"/>
-              </a:rPr>
-              <a:t>VALUES</a:t>
-            </a:r>
-            <a:r>
-              <a:rPr lang="en-US" sz="1100" dirty="0">
-                <a:latin typeface="Cascadia Code" panose="020B0609020000020004" pitchFamily="49" charset="0"/>
-                <a:cs typeface="Cascadia Code" panose="020B0609020000020004" pitchFamily="49" charset="0"/>
-              </a:rPr>
-              <a:t> ( </a:t>
-            </a:r>
-            <a:r>
-              <a:rPr lang="en-US" sz="1100" dirty="0">
-                <a:solidFill>
-                  <a:schemeClr val="accent5">
-                    <a:lumMod val="50000"/>
-                  </a:schemeClr>
-                </a:solidFill>
-                <a:latin typeface="Cascadia Code" panose="020B0609020000020004" pitchFamily="49" charset="0"/>
-                <a:cs typeface="Cascadia Code" panose="020B0609020000020004" pitchFamily="49" charset="0"/>
-              </a:rPr>
-              <a:t>'Bob Johnson'</a:t>
-            </a:r>
-            <a:r>
-              <a:rPr lang="en-US" sz="1100" dirty="0">
-                <a:latin typeface="Cascadia Code" panose="020B0609020000020004" pitchFamily="49" charset="0"/>
-                <a:cs typeface="Cascadia Code" panose="020B0609020000020004" pitchFamily="49" charset="0"/>
-              </a:rPr>
-              <a:t>, </a:t>
-            </a:r>
-            <a:r>
-              <a:rPr lang="en-US" sz="1100" dirty="0">
-                <a:solidFill>
-                  <a:schemeClr val="accent5">
-                    <a:lumMod val="50000"/>
-                  </a:schemeClr>
-                </a:solidFill>
-                <a:latin typeface="Cascadia Code" panose="020B0609020000020004" pitchFamily="49" charset="0"/>
-                <a:cs typeface="Cascadia Code" panose="020B0609020000020004" pitchFamily="49" charset="0"/>
-              </a:rPr>
-              <a:t>'bob@fabrikam.net'</a:t>
-            </a:r>
-            <a:r>
-              <a:rPr lang="en-US" sz="1100" dirty="0">
-                <a:latin typeface="Cascadia Code" panose="020B0609020000020004" pitchFamily="49" charset="0"/>
-                <a:cs typeface="Cascadia Code" panose="020B0609020000020004" pitchFamily="49" charset="0"/>
-              </a:rPr>
-              <a:t>, </a:t>
-            </a:r>
-            <a:r>
-              <a:rPr lang="en-US" sz="1100" dirty="0">
-                <a:solidFill>
-                  <a:schemeClr val="accent5">
-                    <a:lumMod val="50000"/>
-                  </a:schemeClr>
-                </a:solidFill>
-                <a:latin typeface="Cascadia Code" panose="020B0609020000020004" pitchFamily="49" charset="0"/>
-                <a:cs typeface="Cascadia Code" panose="020B0609020000020004" pitchFamily="49" charset="0"/>
-              </a:rPr>
-              <a:t>'345-678-9012'</a:t>
-            </a:r>
-            <a:r>
-              <a:rPr lang="en-US" sz="1100" dirty="0">
-                <a:latin typeface="Cascadia Code" panose="020B0609020000020004" pitchFamily="49" charset="0"/>
-                <a:cs typeface="Cascadia Code" panose="020B0609020000020004" pitchFamily="49" charset="0"/>
-              </a:rPr>
-              <a:t> );</a:t>
-            </a:r>
-          </a:p>
-          <a:p>
-            <a:endParaRPr lang="en-US" sz="1100" dirty="0">
-              <a:latin typeface="Cascadia Code" panose="020B0609020000020004" pitchFamily="49" charset="0"/>
-              <a:cs typeface="Cascadia Code" panose="020B0609020000020004" pitchFamily="49" charset="0"/>
-            </a:endParaRPr>
-          </a:p>
-          <a:p>
-            <a:r>
-              <a:rPr lang="en-US" sz="1100" dirty="0">
-                <a:solidFill>
-                  <a:schemeClr val="accent5">
-                    <a:lumMod val="75000"/>
-                  </a:schemeClr>
-                </a:solidFill>
-                <a:latin typeface="Cascadia Code" panose="020B0609020000020004" pitchFamily="49" charset="0"/>
-                <a:cs typeface="Cascadia Code" panose="020B0609020000020004" pitchFamily="49" charset="0"/>
-              </a:rPr>
-              <a:t>INSERT INTO </a:t>
-            </a:r>
-            <a:r>
-              <a:rPr lang="en-US" sz="1100" dirty="0" err="1">
-                <a:latin typeface="Cascadia Code" panose="020B0609020000020004" pitchFamily="49" charset="0"/>
-                <a:cs typeface="Cascadia Code" panose="020B0609020000020004" pitchFamily="49" charset="0"/>
-              </a:rPr>
-              <a:t>demouser.Employees</a:t>
-            </a:r>
-            <a:r>
-              <a:rPr lang="en-US" sz="1100" dirty="0">
-                <a:latin typeface="Cascadia Code" panose="020B0609020000020004" pitchFamily="49" charset="0"/>
-                <a:cs typeface="Cascadia Code" panose="020B0609020000020004" pitchFamily="49" charset="0"/>
-              </a:rPr>
-              <a:t> ( </a:t>
-            </a:r>
-            <a:r>
-              <a:rPr lang="en-US" sz="1100" dirty="0">
-                <a:solidFill>
-                  <a:schemeClr val="accent5">
-                    <a:lumMod val="75000"/>
-                  </a:schemeClr>
-                </a:solidFill>
-                <a:latin typeface="Cascadia Code" panose="020B0609020000020004" pitchFamily="49" charset="0"/>
-                <a:cs typeface="Cascadia Code" panose="020B0609020000020004" pitchFamily="49" charset="0"/>
-              </a:rPr>
-              <a:t>Name</a:t>
-            </a:r>
-            <a:r>
-              <a:rPr lang="en-US" sz="1100" dirty="0">
-                <a:latin typeface="Cascadia Code" panose="020B0609020000020004" pitchFamily="49" charset="0"/>
-                <a:cs typeface="Cascadia Code" panose="020B0609020000020004" pitchFamily="49" charset="0"/>
-              </a:rPr>
-              <a:t>, Email, </a:t>
-            </a:r>
-            <a:r>
-              <a:rPr lang="en-US" sz="1100" dirty="0" err="1">
-                <a:latin typeface="Cascadia Code" panose="020B0609020000020004" pitchFamily="49" charset="0"/>
-                <a:cs typeface="Cascadia Code" panose="020B0609020000020004" pitchFamily="49" charset="0"/>
-              </a:rPr>
-              <a:t>Phone_Number</a:t>
-            </a:r>
-            <a:r>
-              <a:rPr lang="en-US" sz="1100" dirty="0">
-                <a:latin typeface="Cascadia Code" panose="020B0609020000020004" pitchFamily="49" charset="0"/>
-                <a:cs typeface="Cascadia Code" panose="020B0609020000020004" pitchFamily="49" charset="0"/>
-              </a:rPr>
-              <a:t> )</a:t>
-            </a:r>
-          </a:p>
-          <a:p>
-            <a:r>
-              <a:rPr lang="en-US" sz="1100" dirty="0">
-                <a:latin typeface="Cascadia Code" panose="020B0609020000020004" pitchFamily="49" charset="0"/>
-                <a:cs typeface="Cascadia Code" panose="020B0609020000020004" pitchFamily="49" charset="0"/>
-              </a:rPr>
-              <a:t>  </a:t>
-            </a:r>
-            <a:r>
-              <a:rPr lang="en-US" sz="1100" dirty="0">
-                <a:solidFill>
-                  <a:schemeClr val="accent5">
-                    <a:lumMod val="75000"/>
-                  </a:schemeClr>
-                </a:solidFill>
-                <a:latin typeface="Cascadia Code" panose="020B0609020000020004" pitchFamily="49" charset="0"/>
-                <a:cs typeface="Cascadia Code" panose="020B0609020000020004" pitchFamily="49" charset="0"/>
-              </a:rPr>
-              <a:t>VALUES</a:t>
-            </a:r>
-            <a:r>
-              <a:rPr lang="en-US" sz="1100" dirty="0">
-                <a:latin typeface="Cascadia Code" panose="020B0609020000020004" pitchFamily="49" charset="0"/>
-                <a:cs typeface="Cascadia Code" panose="020B0609020000020004" pitchFamily="49" charset="0"/>
-              </a:rPr>
-              <a:t> ( 'Eve Jones', 'eve@contoso.com', '456-789-0123' );</a:t>
-            </a:r>
-          </a:p>
-          <a:p>
-            <a:endParaRPr lang="en-US" sz="1100" dirty="0">
-              <a:latin typeface="Cascadia Code" panose="020B0609020000020004" pitchFamily="49" charset="0"/>
-              <a:cs typeface="Cascadia Code" panose="020B0609020000020004" pitchFamily="49" charset="0"/>
-            </a:endParaRPr>
-          </a:p>
-          <a:p>
-            <a:r>
-              <a:rPr lang="en-US" sz="1100" dirty="0">
-                <a:solidFill>
-                  <a:schemeClr val="accent5">
-                    <a:lumMod val="75000"/>
-                  </a:schemeClr>
-                </a:solidFill>
-                <a:latin typeface="Cascadia Code" panose="020B0609020000020004" pitchFamily="49" charset="0"/>
-                <a:cs typeface="Cascadia Code" panose="020B0609020000020004" pitchFamily="49" charset="0"/>
-              </a:rPr>
-              <a:t>INSERT INTO </a:t>
-            </a:r>
-            <a:r>
-              <a:rPr lang="en-US" sz="1100" dirty="0" err="1">
-                <a:latin typeface="Cascadia Code" panose="020B0609020000020004" pitchFamily="49" charset="0"/>
-                <a:cs typeface="Cascadia Code" panose="020B0609020000020004" pitchFamily="49" charset="0"/>
-              </a:rPr>
-              <a:t>demouser.Employees</a:t>
-            </a:r>
-            <a:r>
-              <a:rPr lang="en-US" sz="1100" dirty="0">
-                <a:latin typeface="Cascadia Code" panose="020B0609020000020004" pitchFamily="49" charset="0"/>
-                <a:cs typeface="Cascadia Code" panose="020B0609020000020004" pitchFamily="49" charset="0"/>
-              </a:rPr>
-              <a:t> ( </a:t>
-            </a:r>
-            <a:r>
-              <a:rPr lang="en-US" sz="1100" dirty="0">
-                <a:solidFill>
-                  <a:schemeClr val="accent5">
-                    <a:lumMod val="75000"/>
-                  </a:schemeClr>
-                </a:solidFill>
-                <a:latin typeface="Cascadia Code" panose="020B0609020000020004" pitchFamily="49" charset="0"/>
-                <a:cs typeface="Cascadia Code" panose="020B0609020000020004" pitchFamily="49" charset="0"/>
-              </a:rPr>
-              <a:t>Name</a:t>
-            </a:r>
-            <a:r>
-              <a:rPr lang="en-US" sz="1100" dirty="0">
-                <a:latin typeface="Cascadia Code" panose="020B0609020000020004" pitchFamily="49" charset="0"/>
-                <a:cs typeface="Cascadia Code" panose="020B0609020000020004" pitchFamily="49" charset="0"/>
-              </a:rPr>
-              <a:t>, Email, </a:t>
-            </a:r>
-            <a:r>
-              <a:rPr lang="en-US" sz="1100" dirty="0" err="1">
-                <a:latin typeface="Cascadia Code" panose="020B0609020000020004" pitchFamily="49" charset="0"/>
-                <a:cs typeface="Cascadia Code" panose="020B0609020000020004" pitchFamily="49" charset="0"/>
-              </a:rPr>
-              <a:t>Phone_Number</a:t>
-            </a:r>
-            <a:r>
-              <a:rPr lang="en-US" sz="1100" dirty="0">
-                <a:latin typeface="Cascadia Code" panose="020B0609020000020004" pitchFamily="49" charset="0"/>
-                <a:cs typeface="Cascadia Code" panose="020B0609020000020004" pitchFamily="49" charset="0"/>
-              </a:rPr>
-              <a:t> )</a:t>
-            </a:r>
-          </a:p>
-          <a:p>
-            <a:r>
-              <a:rPr lang="en-US" sz="1100" dirty="0">
-                <a:latin typeface="Cascadia Code" panose="020B0609020000020004" pitchFamily="49" charset="0"/>
-                <a:cs typeface="Cascadia Code" panose="020B0609020000020004" pitchFamily="49" charset="0"/>
-              </a:rPr>
-              <a:t>  </a:t>
-            </a:r>
-            <a:r>
-              <a:rPr lang="en-US" sz="1100" dirty="0">
-                <a:solidFill>
-                  <a:schemeClr val="accent5">
-                    <a:lumMod val="75000"/>
-                  </a:schemeClr>
-                </a:solidFill>
-                <a:latin typeface="Cascadia Code" panose="020B0609020000020004" pitchFamily="49" charset="0"/>
-                <a:cs typeface="Cascadia Code" panose="020B0609020000020004" pitchFamily="49" charset="0"/>
-              </a:rPr>
-              <a:t>VALUES</a:t>
-            </a:r>
-            <a:r>
-              <a:rPr lang="en-US" sz="1100" dirty="0">
-                <a:latin typeface="Cascadia Code" panose="020B0609020000020004" pitchFamily="49" charset="0"/>
-                <a:cs typeface="Cascadia Code" panose="020B0609020000020004" pitchFamily="49" charset="0"/>
-              </a:rPr>
-              <a:t> ( 'Charlie Brown', 'charlie@contoso.co.in', '567-890-1234' );</a:t>
-            </a:r>
-          </a:p>
-        </p:txBody>
-      </p:sp>
-    </p:spTree>
-    <p:extLst>
-      <p:ext uri="{BB962C8B-B14F-4D97-AF65-F5344CB8AC3E}">
-        <p14:creationId xmlns:p14="http://schemas.microsoft.com/office/powerpoint/2010/main" val="3193736759"/>
-      </p:ext>
-    </p:extLst>
-  </p:cSld>
-  <p:clrMapOvr>
-    <a:masterClrMapping/>
-  </p:clrMapOvr>
-</p:sld>
-</file>
-
-<file path=ppt/slides/slide27.xml><?xml version="1.0" encoding="utf-8"?>
-<p:sld xmlns:a="http://schemas.openxmlformats.org/drawingml/2006/main" xmlns:r="http://schemas.openxmlformats.org/officeDocument/2006/relationships" xmlns:p="http://schemas.openxmlformats.org/presentationml/2006/main">
-  <p:cSld>
-    <p:spTree>
-      <p:nvGrpSpPr>
-        <p:cNvPr id="1" name=""/>
-        <p:cNvGrpSpPr/>
-        <p:nvPr/>
-      </p:nvGrpSpPr>
-      <p:grpSpPr>
-        <a:xfrm>
-          <a:off x="0" y="0"/>
-          <a:ext cx="0" cy="0"/>
-          <a:chOff x="0" y="0"/>
-          <a:chExt cx="0" cy="0"/>
-        </a:xfrm>
-      </p:grpSpPr>
-      <p:sp>
-        <p:nvSpPr>
-          <p:cNvPr id="2" name="Title 1">
-            <a:extLst>
-              <a:ext uri="{FF2B5EF4-FFF2-40B4-BE49-F238E27FC236}">
-                <a16:creationId xmlns:a16="http://schemas.microsoft.com/office/drawing/2014/main" id="{6230CEB0-C0D6-54F9-43BD-42B19A0B0618}"/>
-              </a:ext>
-            </a:extLst>
-          </p:cNvPr>
-          <p:cNvSpPr>
-            <a:spLocks noGrp="1"/>
-          </p:cNvSpPr>
-          <p:nvPr>
-            <p:ph type="title"/>
-          </p:nvPr>
-        </p:nvSpPr>
-        <p:spPr/>
-        <p:txBody>
-          <a:bodyPr>
-            <a:normAutofit/>
-          </a:bodyPr>
-          <a:lstStyle/>
-          <a:p>
-            <a:r>
-              <a:rPr lang="en-US" sz="2400" dirty="0">
-                <a:solidFill>
-                  <a:srgbClr val="FF00FF"/>
-                </a:solidFill>
-                <a:latin typeface="Cascadia Mono" panose="020B0609020000020004" pitchFamily="49" charset="0"/>
-                <a:cs typeface="Cascadia Mono" panose="020B0609020000020004" pitchFamily="49" charset="0"/>
-              </a:rPr>
-              <a:t>REGEXP_COUNT</a:t>
-            </a:r>
-            <a:r>
-              <a:rPr lang="en-US" sz="2400" b="0" i="0" dirty="0">
-                <a:solidFill>
-                  <a:schemeClr val="bg1">
-                    <a:lumMod val="50000"/>
-                  </a:schemeClr>
-                </a:solidFill>
-                <a:effectLst/>
-                <a:latin typeface="Cascadia Code" panose="020B0609020000020004" pitchFamily="49" charset="0"/>
-                <a:cs typeface="Cascadia Code" panose="020B0609020000020004" pitchFamily="49" charset="0"/>
-              </a:rPr>
-              <a:t>(</a:t>
-            </a:r>
-            <a:r>
-              <a:rPr lang="en-US" sz="2400" b="0" i="0" dirty="0" err="1">
-                <a:solidFill>
-                  <a:schemeClr val="bg1">
-                    <a:lumMod val="50000"/>
-                  </a:schemeClr>
-                </a:solidFill>
-                <a:effectLst/>
-                <a:latin typeface="Cascadia Code" panose="020B0609020000020004" pitchFamily="49" charset="0"/>
-                <a:cs typeface="Cascadia Code" panose="020B0609020000020004" pitchFamily="49" charset="0"/>
-              </a:rPr>
-              <a:t>stringable,RegEx</a:t>
-            </a:r>
-            <a:r>
-              <a:rPr lang="en-US" sz="2400" b="0" i="0" dirty="0">
-                <a:solidFill>
-                  <a:schemeClr val="bg1">
-                    <a:lumMod val="50000"/>
-                  </a:schemeClr>
-                </a:solidFill>
-                <a:effectLst/>
-                <a:latin typeface="Cascadia Code" panose="020B0609020000020004" pitchFamily="49" charset="0"/>
-                <a:cs typeface="Cascadia Code" panose="020B0609020000020004" pitchFamily="49" charset="0"/>
-              </a:rPr>
-              <a:t>[,</a:t>
-            </a:r>
-            <a:r>
-              <a:rPr lang="en-US" sz="2400" b="0" i="0" dirty="0" err="1">
-                <a:solidFill>
-                  <a:schemeClr val="bg1">
-                    <a:lumMod val="50000"/>
-                  </a:schemeClr>
-                </a:solidFill>
-                <a:effectLst/>
-                <a:latin typeface="Cascadia Code" panose="020B0609020000020004" pitchFamily="49" charset="0"/>
-                <a:cs typeface="Cascadia Code" panose="020B0609020000020004" pitchFamily="49" charset="0"/>
-              </a:rPr>
-              <a:t>startPos</a:t>
-            </a:r>
-            <a:r>
-              <a:rPr lang="en-US" sz="2400" b="0" i="0" dirty="0">
-                <a:solidFill>
-                  <a:schemeClr val="bg1">
-                    <a:lumMod val="50000"/>
-                  </a:schemeClr>
-                </a:solidFill>
-                <a:effectLst/>
-                <a:latin typeface="Cascadia Code" panose="020B0609020000020004" pitchFamily="49" charset="0"/>
-                <a:cs typeface="Cascadia Code" panose="020B0609020000020004" pitchFamily="49" charset="0"/>
-              </a:rPr>
-              <a:t>[,</a:t>
-            </a:r>
-            <a:r>
-              <a:rPr lang="en-US" sz="2400" b="0" i="0" dirty="0" err="1">
-                <a:solidFill>
-                  <a:schemeClr val="bg1">
-                    <a:lumMod val="50000"/>
-                  </a:schemeClr>
-                </a:solidFill>
-                <a:effectLst/>
-                <a:latin typeface="Cascadia Code" panose="020B0609020000020004" pitchFamily="49" charset="0"/>
-                <a:cs typeface="Cascadia Code" panose="020B0609020000020004" pitchFamily="49" charset="0"/>
-              </a:rPr>
-              <a:t>matchParam</a:t>
-            </a:r>
-            <a:r>
-              <a:rPr lang="en-US" sz="2400" b="0" i="0" dirty="0">
-                <a:solidFill>
-                  <a:schemeClr val="bg1">
-                    <a:lumMod val="50000"/>
-                  </a:schemeClr>
-                </a:solidFill>
-                <a:effectLst/>
-                <a:latin typeface="Cascadia Code" panose="020B0609020000020004" pitchFamily="49" charset="0"/>
-                <a:cs typeface="Cascadia Code" panose="020B0609020000020004" pitchFamily="49" charset="0"/>
-              </a:rPr>
-              <a:t>]])</a:t>
-            </a:r>
-            <a:endParaRPr lang="en-US" sz="2400" dirty="0"/>
-          </a:p>
-        </p:txBody>
-      </p:sp>
-      <p:sp>
-        <p:nvSpPr>
-          <p:cNvPr id="3" name="Content Placeholder 2">
-            <a:extLst>
-              <a:ext uri="{FF2B5EF4-FFF2-40B4-BE49-F238E27FC236}">
-                <a16:creationId xmlns:a16="http://schemas.microsoft.com/office/drawing/2014/main" id="{482773AC-F73D-9C0E-175A-C6CF5176C6F7}"/>
-              </a:ext>
-            </a:extLst>
-          </p:cNvPr>
-          <p:cNvSpPr>
-            <a:spLocks noGrp="1"/>
-          </p:cNvSpPr>
-          <p:nvPr>
-            <p:ph idx="1"/>
-          </p:nvPr>
-        </p:nvSpPr>
-        <p:spPr/>
-        <p:txBody>
-          <a:bodyPr>
-            <a:normAutofit/>
-          </a:bodyPr>
-          <a:lstStyle/>
-          <a:p>
-            <a:r>
-              <a:rPr lang="en-US" sz="2000" dirty="0">
-                <a:solidFill>
-                  <a:srgbClr val="333333"/>
-                </a:solidFill>
-                <a:latin typeface="SegoeUI"/>
-              </a:rPr>
-              <a:t>R</a:t>
-            </a:r>
-            <a:r>
-              <a:rPr lang="en-US" sz="2000" b="0" i="0" dirty="0">
-                <a:solidFill>
-                  <a:srgbClr val="333333"/>
-                </a:solidFill>
-                <a:effectLst/>
-                <a:latin typeface="SegoeUI"/>
-              </a:rPr>
-              <a:t>eturns the number of times a regular expression pattern matches in a string</a:t>
-            </a:r>
-          </a:p>
-          <a:p>
-            <a:r>
-              <a:rPr lang="en-US" sz="2000" dirty="0">
-                <a:solidFill>
-                  <a:srgbClr val="333333"/>
-                </a:solidFill>
-                <a:latin typeface="SegoeUI"/>
-              </a:rPr>
-              <a:t>Valid match parameter values:</a:t>
-            </a:r>
-          </a:p>
-        </p:txBody>
-      </p:sp>
-      <p:sp>
-        <p:nvSpPr>
-          <p:cNvPr id="5" name="TextBox 4">
-            <a:extLst>
-              <a:ext uri="{FF2B5EF4-FFF2-40B4-BE49-F238E27FC236}">
-                <a16:creationId xmlns:a16="http://schemas.microsoft.com/office/drawing/2014/main" id="{7A37482B-87A8-4D5B-6038-A35F864FD39D}"/>
-              </a:ext>
-            </a:extLst>
-          </p:cNvPr>
-          <p:cNvSpPr txBox="1"/>
-          <p:nvPr/>
-        </p:nvSpPr>
-        <p:spPr>
-          <a:xfrm>
-            <a:off x="1071950" y="4236073"/>
-            <a:ext cx="5724267" cy="1200329"/>
-          </a:xfrm>
-          <a:prstGeom prst="rect">
-            <a:avLst/>
-          </a:prstGeom>
-          <a:noFill/>
-        </p:spPr>
-        <p:txBody>
-          <a:bodyPr wrap="square">
-            <a:spAutoFit/>
-          </a:bodyPr>
-          <a:lstStyle/>
-          <a:p>
-            <a:r>
-              <a:rPr lang="en-US" b="1" i="0" dirty="0">
-                <a:solidFill>
-                  <a:srgbClr val="0101FD"/>
-                </a:solidFill>
-                <a:effectLst/>
-                <a:highlight>
-                  <a:srgbClr val="F0F0F0"/>
-                </a:highlight>
-                <a:latin typeface="Cascadia Code" panose="020B0609020000020004" pitchFamily="49" charset="0"/>
-                <a:cs typeface="Cascadia Code" panose="020B0609020000020004" pitchFamily="49" charset="0"/>
-              </a:rPr>
-              <a:t>SELECT</a:t>
-            </a:r>
-            <a:r>
-              <a:rPr lang="en-US" b="0" i="0" dirty="0">
-                <a:solidFill>
-                  <a:srgbClr val="212529"/>
-                </a:solidFill>
-                <a:effectLst/>
-                <a:highlight>
-                  <a:srgbClr val="F0F0F0"/>
-                </a:highlight>
-                <a:latin typeface="Cascadia Code" panose="020B0609020000020004" pitchFamily="49" charset="0"/>
-                <a:cs typeface="Cascadia Code" panose="020B0609020000020004" pitchFamily="49" charset="0"/>
-              </a:rPr>
-              <a:t> [Name]</a:t>
-            </a:r>
-          </a:p>
-          <a:p>
-            <a:r>
-              <a:rPr lang="en-US" dirty="0">
-                <a:solidFill>
-                  <a:srgbClr val="212529"/>
-                </a:solidFill>
-                <a:highlight>
-                  <a:srgbClr val="F0F0F0"/>
-                </a:highlight>
-                <a:latin typeface="Cascadia Code" panose="020B0609020000020004" pitchFamily="49" charset="0"/>
-                <a:cs typeface="Cascadia Code" panose="020B0609020000020004" pitchFamily="49" charset="0"/>
-              </a:rPr>
-              <a:t>  </a:t>
-            </a:r>
-            <a:r>
-              <a:rPr lang="en-US" b="0" i="0" dirty="0">
-                <a:solidFill>
-                  <a:srgbClr val="212529"/>
-                </a:solidFill>
-                <a:effectLst/>
-                <a:highlight>
-                  <a:srgbClr val="F0F0F0"/>
-                </a:highlight>
-                <a:latin typeface="Cascadia Code" panose="020B0609020000020004" pitchFamily="49" charset="0"/>
-                <a:cs typeface="Cascadia Code" panose="020B0609020000020004" pitchFamily="49" charset="0"/>
-              </a:rPr>
-              <a:t>, </a:t>
-            </a:r>
-            <a:r>
-              <a:rPr lang="en-US" sz="1800" dirty="0">
-                <a:solidFill>
-                  <a:srgbClr val="FF00FF"/>
-                </a:solidFill>
-                <a:latin typeface="Cascadia Code" panose="020B0609020000020004" pitchFamily="49" charset="0"/>
-                <a:cs typeface="Cascadia Code" panose="020B0609020000020004" pitchFamily="49" charset="0"/>
-              </a:rPr>
-              <a:t>REGEXP_COUNT</a:t>
-            </a:r>
-            <a:r>
-              <a:rPr lang="en-US" b="0" i="0" dirty="0">
-                <a:solidFill>
-                  <a:srgbClr val="212529"/>
-                </a:solidFill>
-                <a:effectLst/>
-                <a:highlight>
-                  <a:srgbClr val="F0F0F0"/>
-                </a:highlight>
-                <a:latin typeface="Cascadia Code" panose="020B0609020000020004" pitchFamily="49" charset="0"/>
-                <a:cs typeface="Cascadia Code" panose="020B0609020000020004" pitchFamily="49" charset="0"/>
-              </a:rPr>
-              <a:t>([Name],</a:t>
-            </a:r>
-            <a:r>
-              <a:rPr lang="en-US" b="0" i="0" dirty="0">
-                <a:solidFill>
-                  <a:srgbClr val="A31515"/>
-                </a:solidFill>
-                <a:effectLst/>
-                <a:highlight>
-                  <a:srgbClr val="F0F0F0"/>
-                </a:highlight>
-                <a:latin typeface="Cascadia Code" panose="020B0609020000020004" pitchFamily="49" charset="0"/>
-                <a:cs typeface="Cascadia Code" panose="020B0609020000020004" pitchFamily="49" charset="0"/>
-              </a:rPr>
-              <a:t>'[AEIOU]'</a:t>
-            </a:r>
-            <a:r>
-              <a:rPr lang="en-US" b="0" i="0" dirty="0">
-                <a:solidFill>
-                  <a:srgbClr val="212529"/>
-                </a:solidFill>
-                <a:effectLst/>
-                <a:highlight>
-                  <a:srgbClr val="F0F0F0"/>
-                </a:highlight>
-                <a:latin typeface="Cascadia Code" panose="020B0609020000020004" pitchFamily="49" charset="0"/>
-                <a:cs typeface="Cascadia Code" panose="020B0609020000020004" pitchFamily="49" charset="0"/>
-              </a:rPr>
-              <a:t>,</a:t>
-            </a:r>
-            <a:r>
-              <a:rPr lang="en-US" b="0" i="0" dirty="0">
-                <a:solidFill>
-                  <a:srgbClr val="880000"/>
-                </a:solidFill>
-                <a:effectLst/>
-                <a:highlight>
-                  <a:srgbClr val="F0F0F0"/>
-                </a:highlight>
-                <a:latin typeface="Cascadia Code" panose="020B0609020000020004" pitchFamily="49" charset="0"/>
-                <a:cs typeface="Cascadia Code" panose="020B0609020000020004" pitchFamily="49" charset="0"/>
-              </a:rPr>
-              <a:t>1</a:t>
-            </a:r>
-            <a:r>
-              <a:rPr lang="en-US" b="0" i="0" dirty="0">
-                <a:solidFill>
-                  <a:srgbClr val="212529"/>
-                </a:solidFill>
-                <a:effectLst/>
-                <a:highlight>
-                  <a:srgbClr val="F0F0F0"/>
-                </a:highlight>
-                <a:latin typeface="Cascadia Code" panose="020B0609020000020004" pitchFamily="49" charset="0"/>
-                <a:cs typeface="Cascadia Code" panose="020B0609020000020004" pitchFamily="49" charset="0"/>
-              </a:rPr>
-              <a:t>,</a:t>
-            </a:r>
-            <a:r>
-              <a:rPr lang="en-US" b="0" i="0" dirty="0">
-                <a:solidFill>
-                  <a:srgbClr val="A31515"/>
-                </a:solidFill>
-                <a:effectLst/>
-                <a:highlight>
-                  <a:srgbClr val="F0F0F0"/>
-                </a:highlight>
-                <a:latin typeface="Cascadia Code" panose="020B0609020000020004" pitchFamily="49" charset="0"/>
-                <a:cs typeface="Cascadia Code" panose="020B0609020000020004" pitchFamily="49" charset="0"/>
-              </a:rPr>
-              <a:t>'i'</a:t>
-            </a:r>
-            <a:r>
-              <a:rPr lang="en-US" b="0" i="0" dirty="0">
-                <a:solidFill>
-                  <a:srgbClr val="212529"/>
-                </a:solidFill>
-                <a:effectLst/>
-                <a:highlight>
-                  <a:srgbClr val="F0F0F0"/>
-                </a:highlight>
-                <a:latin typeface="Cascadia Code" panose="020B0609020000020004" pitchFamily="49" charset="0"/>
-                <a:cs typeface="Cascadia Code" panose="020B0609020000020004" pitchFamily="49" charset="0"/>
-              </a:rPr>
-              <a:t>) </a:t>
-            </a:r>
-          </a:p>
-          <a:p>
-            <a:r>
-              <a:rPr lang="en-US" dirty="0">
-                <a:solidFill>
-                  <a:srgbClr val="212529"/>
-                </a:solidFill>
-                <a:highlight>
-                  <a:srgbClr val="F0F0F0"/>
-                </a:highlight>
-                <a:latin typeface="Cascadia Code" panose="020B0609020000020004" pitchFamily="49" charset="0"/>
-                <a:cs typeface="Cascadia Code" panose="020B0609020000020004" pitchFamily="49" charset="0"/>
-              </a:rPr>
-              <a:t>      </a:t>
-            </a:r>
-            <a:r>
-              <a:rPr lang="en-US" b="1" i="0" dirty="0">
-                <a:solidFill>
-                  <a:srgbClr val="0101FD"/>
-                </a:solidFill>
-                <a:effectLst/>
-                <a:highlight>
-                  <a:srgbClr val="F0F0F0"/>
-                </a:highlight>
-                <a:latin typeface="Cascadia Code" panose="020B0609020000020004" pitchFamily="49" charset="0"/>
-                <a:cs typeface="Cascadia Code" panose="020B0609020000020004" pitchFamily="49" charset="0"/>
-              </a:rPr>
-              <a:t>AS</a:t>
-            </a:r>
-            <a:r>
-              <a:rPr lang="en-US" dirty="0">
-                <a:solidFill>
-                  <a:srgbClr val="212529"/>
-                </a:solidFill>
-                <a:highlight>
-                  <a:srgbClr val="F0F0F0"/>
-                </a:highlight>
-                <a:latin typeface="Cascadia Code" panose="020B0609020000020004" pitchFamily="49" charset="0"/>
-                <a:cs typeface="Cascadia Code" panose="020B0609020000020004" pitchFamily="49" charset="0"/>
-              </a:rPr>
-              <a:t> </a:t>
-            </a:r>
-            <a:r>
-              <a:rPr lang="en-US" b="0" i="0" dirty="0" err="1">
-                <a:solidFill>
-                  <a:srgbClr val="212529"/>
-                </a:solidFill>
-                <a:effectLst/>
-                <a:highlight>
-                  <a:srgbClr val="F0F0F0"/>
-                </a:highlight>
-                <a:latin typeface="Cascadia Code" panose="020B0609020000020004" pitchFamily="49" charset="0"/>
-                <a:cs typeface="Cascadia Code" panose="020B0609020000020004" pitchFamily="49" charset="0"/>
-              </a:rPr>
-              <a:t>Vowel_Count</a:t>
-            </a:r>
-            <a:r>
-              <a:rPr lang="en-US" b="0" i="0" dirty="0">
-                <a:solidFill>
-                  <a:srgbClr val="212529"/>
-                </a:solidFill>
-                <a:effectLst/>
-                <a:highlight>
-                  <a:srgbClr val="F0F0F0"/>
-                </a:highlight>
-                <a:latin typeface="Cascadia Code" panose="020B0609020000020004" pitchFamily="49" charset="0"/>
-                <a:cs typeface="Cascadia Code" panose="020B0609020000020004" pitchFamily="49" charset="0"/>
-              </a:rPr>
-              <a:t> </a:t>
-            </a:r>
-          </a:p>
-          <a:p>
-            <a:r>
-              <a:rPr lang="en-US" b="1" i="0" dirty="0">
-                <a:solidFill>
-                  <a:srgbClr val="0101FD"/>
-                </a:solidFill>
-                <a:effectLst/>
-                <a:highlight>
-                  <a:srgbClr val="F0F0F0"/>
-                </a:highlight>
-                <a:latin typeface="Cascadia Code" panose="020B0609020000020004" pitchFamily="49" charset="0"/>
-                <a:cs typeface="Cascadia Code" panose="020B0609020000020004" pitchFamily="49" charset="0"/>
-              </a:rPr>
-              <a:t>FROM</a:t>
-            </a:r>
-            <a:r>
-              <a:rPr lang="en-US" b="0" i="0" dirty="0">
-                <a:solidFill>
-                  <a:srgbClr val="212529"/>
-                </a:solidFill>
-                <a:effectLst/>
-                <a:highlight>
-                  <a:srgbClr val="F0F0F0"/>
-                </a:highlight>
-                <a:latin typeface="Cascadia Code" panose="020B0609020000020004" pitchFamily="49" charset="0"/>
-                <a:cs typeface="Cascadia Code" panose="020B0609020000020004" pitchFamily="49" charset="0"/>
-              </a:rPr>
-              <a:t> Employees;</a:t>
-            </a:r>
-            <a:endParaRPr lang="en-US" dirty="0">
-              <a:latin typeface="Cascadia Code" panose="020B0609020000020004" pitchFamily="49" charset="0"/>
-              <a:cs typeface="Cascadia Code" panose="020B0609020000020004" pitchFamily="49" charset="0"/>
-            </a:endParaRPr>
-          </a:p>
-        </p:txBody>
-      </p:sp>
-      <p:pic>
-        <p:nvPicPr>
-          <p:cNvPr id="7" name="Picture 6">
-            <a:extLst>
-              <a:ext uri="{FF2B5EF4-FFF2-40B4-BE49-F238E27FC236}">
-                <a16:creationId xmlns:a16="http://schemas.microsoft.com/office/drawing/2014/main" id="{849C7AE0-37E1-8D1F-ECE7-E6CC88036171}"/>
-              </a:ext>
-            </a:extLst>
-          </p:cNvPr>
-          <p:cNvPicPr>
-            <a:picLocks noChangeAspect="1"/>
-          </p:cNvPicPr>
-          <p:nvPr/>
-        </p:nvPicPr>
-        <p:blipFill>
-          <a:blip r:embed="rId2"/>
-          <a:stretch>
-            <a:fillRect/>
-          </a:stretch>
-        </p:blipFill>
-        <p:spPr>
-          <a:xfrm>
-            <a:off x="7489096" y="4100148"/>
-            <a:ext cx="3171825" cy="1952625"/>
-          </a:xfrm>
-          <a:prstGeom prst="rect">
-            <a:avLst/>
-          </a:prstGeom>
-        </p:spPr>
-      </p:pic>
-    </p:spTree>
-    <p:extLst>
-      <p:ext uri="{BB962C8B-B14F-4D97-AF65-F5344CB8AC3E}">
-        <p14:creationId xmlns:p14="http://schemas.microsoft.com/office/powerpoint/2010/main" val="2749623753"/>
-      </p:ext>
-    </p:extLst>
-  </p:cSld>
-  <p:clrMapOvr>
-    <a:masterClrMapping/>
-  </p:clrMapOvr>
-</p:sld>
-</file>
-
-<file path=ppt/slides/slide28.xml><?xml version="1.0" encoding="utf-8"?>
-<p:sld xmlns:a="http://schemas.openxmlformats.org/drawingml/2006/main" xmlns:r="http://schemas.openxmlformats.org/officeDocument/2006/relationships" xmlns:p="http://schemas.openxmlformats.org/presentationml/2006/main">
-  <p:cSld>
-    <p:spTree>
-      <p:nvGrpSpPr>
-        <p:cNvPr id="1" name=""/>
-        <p:cNvGrpSpPr/>
-        <p:nvPr/>
-      </p:nvGrpSpPr>
-      <p:grpSpPr>
-        <a:xfrm>
-          <a:off x="0" y="0"/>
-          <a:ext cx="0" cy="0"/>
-          <a:chOff x="0" y="0"/>
-          <a:chExt cx="0" cy="0"/>
-        </a:xfrm>
-      </p:grpSpPr>
-      <p:sp>
-        <p:nvSpPr>
           <p:cNvPr id="3" name="TextBox 2">
             <a:extLst>
               <a:ext uri="{FF2B5EF4-FFF2-40B4-BE49-F238E27FC236}">
@@ -16971,6 +14861,36 @@
           </a:p>
         </p:txBody>
       </p:sp>
+      <p:pic>
+        <p:nvPicPr>
+          <p:cNvPr id="2" name="Picture 1">
+            <a:extLst>
+              <a:ext uri="{FF2B5EF4-FFF2-40B4-BE49-F238E27FC236}">
+                <a16:creationId xmlns:a16="http://schemas.microsoft.com/office/drawing/2014/main" id="{E03C8CD4-C986-E9FD-64F6-11300E49B5C5}"/>
+              </a:ext>
+            </a:extLst>
+          </p:cNvPr>
+          <p:cNvPicPr>
+            <a:picLocks noChangeAspect="1"/>
+          </p:cNvPicPr>
+          <p:nvPr/>
+        </p:nvPicPr>
+        <p:blipFill>
+          <a:blip r:embed="rId5"/>
+          <a:stretch>
+            <a:fillRect/>
+          </a:stretch>
+        </p:blipFill>
+        <p:spPr>
+          <a:xfrm>
+            <a:off x="9357879" y="4371263"/>
+            <a:ext cx="1628368" cy="1616653"/>
+          </a:xfrm>
+          <a:prstGeom prst="rect">
+            <a:avLst/>
+          </a:prstGeom>
+        </p:spPr>
+      </p:pic>
     </p:spTree>
     <p:extLst>
       <p:ext uri="{BB962C8B-B14F-4D97-AF65-F5344CB8AC3E}">
@@ -18971,6 +16891,36 @@
           </a:p>
         </p:txBody>
       </p:sp>
+      <p:pic>
+        <p:nvPicPr>
+          <p:cNvPr id="2" name="Picture 1">
+            <a:extLst>
+              <a:ext uri="{FF2B5EF4-FFF2-40B4-BE49-F238E27FC236}">
+                <a16:creationId xmlns:a16="http://schemas.microsoft.com/office/drawing/2014/main" id="{C37F7E54-7C4C-6895-6551-4EE478CB7800}"/>
+              </a:ext>
+            </a:extLst>
+          </p:cNvPr>
+          <p:cNvPicPr>
+            <a:picLocks noChangeAspect="1"/>
+          </p:cNvPicPr>
+          <p:nvPr/>
+        </p:nvPicPr>
+        <p:blipFill>
+          <a:blip r:embed="rId5"/>
+          <a:stretch>
+            <a:fillRect/>
+          </a:stretch>
+        </p:blipFill>
+        <p:spPr>
+          <a:xfrm>
+            <a:off x="9357879" y="4371263"/>
+            <a:ext cx="1628368" cy="1616653"/>
+          </a:xfrm>
+          <a:prstGeom prst="rect">
+            <a:avLst/>
+          </a:prstGeom>
+        </p:spPr>
+      </p:pic>
     </p:spTree>
     <p:extLst>
       <p:ext uri="{BB962C8B-B14F-4D97-AF65-F5344CB8AC3E}">
@@ -19015,7 +16965,7 @@
         </p:nvSpPr>
         <p:spPr>
           <a:xfrm>
-            <a:off x="590215" y="0"/>
+            <a:off x="5181465" y="0"/>
             <a:ext cx="6774412" cy="6940361"/>
           </a:xfrm>
           <a:prstGeom prst="rect">
@@ -21429,38 +19379,8 @@
         </p:blipFill>
         <p:spPr>
           <a:xfrm>
-            <a:off x="7219821" y="491953"/>
+            <a:off x="347363" y="491953"/>
             <a:ext cx="3499872" cy="1225636"/>
-          </a:xfrm>
-          <a:prstGeom prst="rect">
-            <a:avLst/>
-          </a:prstGeom>
-        </p:spPr>
-      </p:pic>
-      <p:pic>
-        <p:nvPicPr>
-          <p:cNvPr id="13" name="Picture 12">
-            <a:extLst>
-              <a:ext uri="{FF2B5EF4-FFF2-40B4-BE49-F238E27FC236}">
-                <a16:creationId xmlns:a16="http://schemas.microsoft.com/office/drawing/2014/main" id="{14E09A1C-7B93-6460-20C0-B1139401004C}"/>
-              </a:ext>
-            </a:extLst>
-          </p:cNvPr>
-          <p:cNvPicPr>
-            <a:picLocks noChangeAspect="1"/>
-          </p:cNvPicPr>
-          <p:nvPr/>
-        </p:nvPicPr>
-        <p:blipFill>
-          <a:blip r:embed="rId3"/>
-          <a:stretch>
-            <a:fillRect/>
-          </a:stretch>
-        </p:blipFill>
-        <p:spPr>
-          <a:xfrm>
-            <a:off x="3977421" y="2005399"/>
-            <a:ext cx="3217866" cy="1578576"/>
           </a:xfrm>
           <a:prstGeom prst="rect">
             <a:avLst/>
@@ -21482,6 +19402,36 @@
           <p:nvPr/>
         </p:nvPicPr>
         <p:blipFill>
+          <a:blip r:embed="rId3"/>
+          <a:stretch>
+            <a:fillRect/>
+          </a:stretch>
+        </p:blipFill>
+        <p:spPr>
+          <a:xfrm>
+            <a:off x="1257386" y="1804087"/>
+            <a:ext cx="2085975" cy="4857750"/>
+          </a:xfrm>
+          <a:prstGeom prst="rect">
+            <a:avLst/>
+          </a:prstGeom>
+        </p:spPr>
+      </p:pic>
+      <p:pic>
+        <p:nvPicPr>
+          <p:cNvPr id="2" name="Picture 1">
+            <a:extLst>
+              <a:ext uri="{FF2B5EF4-FFF2-40B4-BE49-F238E27FC236}">
+                <a16:creationId xmlns:a16="http://schemas.microsoft.com/office/drawing/2014/main" id="{CC0894CB-06A9-8424-C596-373079A1C699}"/>
+              </a:ext>
+            </a:extLst>
+          </p:cNvPr>
+          <p:cNvPicPr>
+            <a:picLocks noChangeAspect="1"/>
+          </p:cNvPicPr>
+          <p:nvPr/>
+        </p:nvPicPr>
+        <p:blipFill>
           <a:blip r:embed="rId4"/>
           <a:stretch>
             <a:fillRect/>
@@ -21489,18 +19439,561 @@
         </p:blipFill>
         <p:spPr>
           <a:xfrm>
-            <a:off x="8129844" y="1804087"/>
-            <a:ext cx="2085975" cy="4857750"/>
+            <a:off x="8145160" y="2043900"/>
+            <a:ext cx="3217866" cy="1578576"/>
           </a:xfrm>
           <a:prstGeom prst="rect">
             <a:avLst/>
           </a:prstGeom>
         </p:spPr>
       </p:pic>
+      <p:grpSp>
+        <p:nvGrpSpPr>
+          <p:cNvPr id="8" name="Group 7">
+            <a:extLst>
+              <a:ext uri="{FF2B5EF4-FFF2-40B4-BE49-F238E27FC236}">
+                <a16:creationId xmlns:a16="http://schemas.microsoft.com/office/drawing/2014/main" id="{EC2659D1-41F9-FD70-E71D-84622BF11BCC}"/>
+              </a:ext>
+            </a:extLst>
+          </p:cNvPr>
+          <p:cNvGrpSpPr/>
+          <p:nvPr/>
+        </p:nvGrpSpPr>
+        <p:grpSpPr>
+          <a:xfrm>
+            <a:off x="1126156" y="5409398"/>
+            <a:ext cx="10732167" cy="1233042"/>
+            <a:chOff x="1126156" y="5409398"/>
+            <a:chExt cx="10732167" cy="1233042"/>
+          </a:xfrm>
+        </p:grpSpPr>
+        <p:sp>
+          <p:nvSpPr>
+            <p:cNvPr id="4" name="TextBox 3">
+              <a:extLst>
+                <a:ext uri="{FF2B5EF4-FFF2-40B4-BE49-F238E27FC236}">
+                  <a16:creationId xmlns:a16="http://schemas.microsoft.com/office/drawing/2014/main" id="{EA262A22-87F8-732C-774C-B5A0D7EC2BCB}"/>
+                </a:ext>
+              </a:extLst>
+            </p:cNvPr>
+            <p:cNvSpPr txBox="1"/>
+            <p:nvPr/>
+          </p:nvSpPr>
+          <p:spPr>
+            <a:xfrm>
+              <a:off x="5181464" y="6380830"/>
+              <a:ext cx="6676859" cy="261610"/>
+            </a:xfrm>
+            <a:prstGeom prst="rect">
+              <a:avLst/>
+            </a:prstGeom>
+            <a:noFill/>
+          </p:spPr>
+          <p:txBody>
+            <a:bodyPr wrap="square">
+              <a:spAutoFit/>
+            </a:bodyPr>
+            <a:lstStyle/>
+            <a:p>
+              <a:r>
+                <a:rPr lang="en-US" sz="1100" dirty="0">
+                  <a:solidFill>
+                    <a:srgbClr val="0000FF"/>
+                  </a:solidFill>
+                  <a:highlight>
+                    <a:srgbClr val="FFFF00"/>
+                  </a:highlight>
+                  <a:latin typeface="Cascadia Code" panose="020B0609020000020004" pitchFamily="49" charset="0"/>
+                  <a:cs typeface="Cascadia Code" panose="020B0609020000020004" pitchFamily="49" charset="0"/>
+                </a:rPr>
+                <a:t>INSERT</a:t>
+              </a:r>
+              <a:r>
+                <a:rPr lang="en-US" sz="1100" dirty="0">
+                  <a:solidFill>
+                    <a:srgbClr val="000000"/>
+                  </a:solidFill>
+                  <a:highlight>
+                    <a:srgbClr val="FFFF00"/>
+                  </a:highlight>
+                  <a:latin typeface="Cascadia Code" panose="020B0609020000020004" pitchFamily="49" charset="0"/>
+                  <a:cs typeface="Cascadia Code" panose="020B0609020000020004" pitchFamily="49" charset="0"/>
+                </a:rPr>
+                <a:t> </a:t>
+              </a:r>
+              <a:r>
+                <a:rPr lang="en-US" sz="1100" dirty="0">
+                  <a:solidFill>
+                    <a:srgbClr val="0000FF"/>
+                  </a:solidFill>
+                  <a:highlight>
+                    <a:srgbClr val="FFFF00"/>
+                  </a:highlight>
+                  <a:latin typeface="Cascadia Code" panose="020B0609020000020004" pitchFamily="49" charset="0"/>
+                  <a:cs typeface="Cascadia Code" panose="020B0609020000020004" pitchFamily="49" charset="0"/>
+                </a:rPr>
+                <a:t>INTO</a:t>
+              </a:r>
+              <a:r>
+                <a:rPr lang="en-US" sz="1100" dirty="0">
+                  <a:solidFill>
+                    <a:srgbClr val="000000"/>
+                  </a:solidFill>
+                  <a:highlight>
+                    <a:srgbClr val="FFFF00"/>
+                  </a:highlight>
+                  <a:latin typeface="Cascadia Code" panose="020B0609020000020004" pitchFamily="49" charset="0"/>
+                  <a:cs typeface="Cascadia Code" panose="020B0609020000020004" pitchFamily="49" charset="0"/>
+                </a:rPr>
+                <a:t> [</a:t>
+              </a:r>
+              <a:r>
+                <a:rPr lang="en-US" sz="1100" dirty="0" err="1">
+                  <a:solidFill>
+                    <a:srgbClr val="000000"/>
+                  </a:solidFill>
+                  <a:highlight>
+                    <a:srgbClr val="FFFF00"/>
+                  </a:highlight>
+                  <a:latin typeface="Cascadia Code" panose="020B0609020000020004" pitchFamily="49" charset="0"/>
+                  <a:cs typeface="Cascadia Code" panose="020B0609020000020004" pitchFamily="49" charset="0"/>
+                </a:rPr>
+                <a:t>dbo</a:t>
+              </a:r>
+              <a:r>
+                <a:rPr lang="en-US" sz="1100" dirty="0">
+                  <a:solidFill>
+                    <a:srgbClr val="000000"/>
+                  </a:solidFill>
+                  <a:highlight>
+                    <a:srgbClr val="FFFF00"/>
+                  </a:highlight>
+                  <a:latin typeface="Cascadia Code" panose="020B0609020000020004" pitchFamily="49" charset="0"/>
+                  <a:cs typeface="Cascadia Code" panose="020B0609020000020004" pitchFamily="49" charset="0"/>
+                </a:rPr>
+                <a:t>]</a:t>
+              </a:r>
+              <a:r>
+                <a:rPr lang="en-US" sz="1100" dirty="0">
+                  <a:solidFill>
+                    <a:srgbClr val="808080"/>
+                  </a:solidFill>
+                  <a:highlight>
+                    <a:srgbClr val="FFFF00"/>
+                  </a:highlight>
+                  <a:latin typeface="Cascadia Code" panose="020B0609020000020004" pitchFamily="49" charset="0"/>
+                  <a:cs typeface="Cascadia Code" panose="020B0609020000020004" pitchFamily="49" charset="0"/>
+                </a:rPr>
+                <a:t>.</a:t>
+              </a:r>
+              <a:r>
+                <a:rPr lang="en-US" sz="1100" dirty="0">
+                  <a:solidFill>
+                    <a:srgbClr val="000000"/>
+                  </a:solidFill>
+                  <a:highlight>
+                    <a:srgbClr val="FFFF00"/>
+                  </a:highlight>
+                  <a:latin typeface="Cascadia Code" panose="020B0609020000020004" pitchFamily="49" charset="0"/>
+                  <a:cs typeface="Cascadia Code" panose="020B0609020000020004" pitchFamily="49" charset="0"/>
+                </a:rPr>
+                <a:t>[Table_1]</a:t>
+              </a:r>
+              <a:r>
+                <a:rPr lang="en-US" sz="1100" dirty="0">
+                  <a:solidFill>
+                    <a:srgbClr val="0000FF"/>
+                  </a:solidFill>
+                  <a:highlight>
+                    <a:srgbClr val="FFFF00"/>
+                  </a:highlight>
+                  <a:latin typeface="Cascadia Code" panose="020B0609020000020004" pitchFamily="49" charset="0"/>
+                  <a:cs typeface="Cascadia Code" panose="020B0609020000020004" pitchFamily="49" charset="0"/>
+                </a:rPr>
+                <a:t> </a:t>
+              </a:r>
+              <a:r>
+                <a:rPr lang="en-US" sz="1100" dirty="0">
+                  <a:solidFill>
+                    <a:srgbClr val="808080"/>
+                  </a:solidFill>
+                  <a:highlight>
+                    <a:srgbClr val="FFFF00"/>
+                  </a:highlight>
+                  <a:latin typeface="Cascadia Code" panose="020B0609020000020004" pitchFamily="49" charset="0"/>
+                  <a:cs typeface="Cascadia Code" panose="020B0609020000020004" pitchFamily="49" charset="0"/>
+                </a:rPr>
+                <a:t>(</a:t>
+              </a:r>
+              <a:r>
+                <a:rPr lang="en-US" sz="1100" dirty="0">
+                  <a:solidFill>
+                    <a:srgbClr val="000000"/>
+                  </a:solidFill>
+                  <a:highlight>
+                    <a:srgbClr val="FFFF00"/>
+                  </a:highlight>
+                  <a:latin typeface="Cascadia Code" panose="020B0609020000020004" pitchFamily="49" charset="0"/>
+                  <a:cs typeface="Cascadia Code" panose="020B0609020000020004" pitchFamily="49" charset="0"/>
+                </a:rPr>
+                <a:t>[value]</a:t>
+              </a:r>
+              <a:r>
+                <a:rPr lang="en-US" sz="1100" dirty="0">
+                  <a:solidFill>
+                    <a:srgbClr val="808080"/>
+                  </a:solidFill>
+                  <a:highlight>
+                    <a:srgbClr val="FFFF00"/>
+                  </a:highlight>
+                  <a:latin typeface="Cascadia Code" panose="020B0609020000020004" pitchFamily="49" charset="0"/>
+                  <a:cs typeface="Cascadia Code" panose="020B0609020000020004" pitchFamily="49" charset="0"/>
+                </a:rPr>
+                <a:t>)</a:t>
+              </a:r>
+              <a:r>
+                <a:rPr lang="en-US" sz="1100" dirty="0">
+                  <a:solidFill>
+                    <a:srgbClr val="000000"/>
+                  </a:solidFill>
+                  <a:highlight>
+                    <a:srgbClr val="FFFF00"/>
+                  </a:highlight>
+                  <a:latin typeface="Cascadia Code" panose="020B0609020000020004" pitchFamily="49" charset="0"/>
+                  <a:cs typeface="Cascadia Code" panose="020B0609020000020004" pitchFamily="49" charset="0"/>
+                </a:rPr>
+                <a:t> </a:t>
+              </a:r>
+              <a:r>
+                <a:rPr lang="en-US" sz="1100" dirty="0">
+                  <a:solidFill>
+                    <a:srgbClr val="0000FF"/>
+                  </a:solidFill>
+                  <a:highlight>
+                    <a:srgbClr val="FFFF00"/>
+                  </a:highlight>
+                  <a:latin typeface="Cascadia Code" panose="020B0609020000020004" pitchFamily="49" charset="0"/>
+                  <a:cs typeface="Cascadia Code" panose="020B0609020000020004" pitchFamily="49" charset="0"/>
+                </a:rPr>
+                <a:t>VALUES</a:t>
+              </a:r>
+              <a:r>
+                <a:rPr lang="en-US" sz="1100" dirty="0">
+                  <a:solidFill>
+                    <a:srgbClr val="808080"/>
+                  </a:solidFill>
+                  <a:highlight>
+                    <a:srgbClr val="FFFF00"/>
+                  </a:highlight>
+                  <a:latin typeface="Cascadia Code" panose="020B0609020000020004" pitchFamily="49" charset="0"/>
+                  <a:cs typeface="Cascadia Code" panose="020B0609020000020004" pitchFamily="49" charset="0"/>
+                </a:rPr>
+                <a:t>(</a:t>
+              </a:r>
+              <a:r>
+                <a:rPr lang="en-US" sz="1100" dirty="0">
+                  <a:solidFill>
+                    <a:srgbClr val="FF0000"/>
+                  </a:solidFill>
+                  <a:highlight>
+                    <a:srgbClr val="FFFF00"/>
+                  </a:highlight>
+                  <a:latin typeface="Cascadia Code" panose="020B0609020000020004" pitchFamily="49" charset="0"/>
+                  <a:cs typeface="Cascadia Code" panose="020B0609020000020004" pitchFamily="49" charset="0"/>
+                </a:rPr>
+                <a:t>','</a:t>
+              </a:r>
+              <a:r>
+                <a:rPr lang="en-US" sz="1100" dirty="0">
+                  <a:solidFill>
+                    <a:srgbClr val="808080"/>
+                  </a:solidFill>
+                  <a:highlight>
+                    <a:srgbClr val="FFFF00"/>
+                  </a:highlight>
+                  <a:latin typeface="Cascadia Code" panose="020B0609020000020004" pitchFamily="49" charset="0"/>
+                  <a:cs typeface="Cascadia Code" panose="020B0609020000020004" pitchFamily="49" charset="0"/>
+                </a:rPr>
+                <a:t>),</a:t>
+              </a:r>
+              <a:r>
+                <a:rPr lang="en-US" sz="1100" dirty="0">
+                  <a:solidFill>
+                    <a:srgbClr val="0000FF"/>
+                  </a:solidFill>
+                  <a:highlight>
+                    <a:srgbClr val="FFFF00"/>
+                  </a:highlight>
+                  <a:latin typeface="Cascadia Code" panose="020B0609020000020004" pitchFamily="49" charset="0"/>
+                  <a:cs typeface="Cascadia Code" panose="020B0609020000020004" pitchFamily="49" charset="0"/>
+                </a:rPr>
+                <a:t> </a:t>
+              </a:r>
+              <a:r>
+                <a:rPr lang="en-US" sz="1100" dirty="0">
+                  <a:solidFill>
+                    <a:srgbClr val="808080"/>
+                  </a:solidFill>
+                  <a:highlight>
+                    <a:srgbClr val="FFFF00"/>
+                  </a:highlight>
+                  <a:latin typeface="Cascadia Code" panose="020B0609020000020004" pitchFamily="49" charset="0"/>
+                  <a:cs typeface="Cascadia Code" panose="020B0609020000020004" pitchFamily="49" charset="0"/>
+                </a:rPr>
+                <a:t>(</a:t>
+              </a:r>
+              <a:r>
+                <a:rPr lang="en-US" sz="1100" dirty="0">
+                  <a:solidFill>
+                    <a:srgbClr val="FF0000"/>
+                  </a:solidFill>
+                  <a:highlight>
+                    <a:srgbClr val="FFFF00"/>
+                  </a:highlight>
+                  <a:latin typeface="Cascadia Code" panose="020B0609020000020004" pitchFamily="49" charset="0"/>
+                  <a:cs typeface="Cascadia Code" panose="020B0609020000020004" pitchFamily="49" charset="0"/>
+                </a:rPr>
+                <a:t>'%'</a:t>
+              </a:r>
+              <a:r>
+                <a:rPr lang="en-US" sz="1100" dirty="0">
+                  <a:solidFill>
+                    <a:srgbClr val="808080"/>
+                  </a:solidFill>
+                  <a:highlight>
+                    <a:srgbClr val="FFFF00"/>
+                  </a:highlight>
+                  <a:latin typeface="Cascadia Code" panose="020B0609020000020004" pitchFamily="49" charset="0"/>
+                  <a:cs typeface="Cascadia Code" panose="020B0609020000020004" pitchFamily="49" charset="0"/>
+                </a:rPr>
+                <a:t>),</a:t>
+              </a:r>
+              <a:r>
+                <a:rPr lang="en-US" sz="1100" dirty="0">
+                  <a:solidFill>
+                    <a:srgbClr val="0000FF"/>
+                  </a:solidFill>
+                  <a:highlight>
+                    <a:srgbClr val="FFFF00"/>
+                  </a:highlight>
+                  <a:latin typeface="Cascadia Code" panose="020B0609020000020004" pitchFamily="49" charset="0"/>
+                  <a:cs typeface="Cascadia Code" panose="020B0609020000020004" pitchFamily="49" charset="0"/>
+                </a:rPr>
+                <a:t> </a:t>
+              </a:r>
+              <a:r>
+                <a:rPr lang="en-US" sz="1100" dirty="0">
+                  <a:solidFill>
+                    <a:srgbClr val="808080"/>
+                  </a:solidFill>
+                  <a:highlight>
+                    <a:srgbClr val="FFFF00"/>
+                  </a:highlight>
+                  <a:latin typeface="Cascadia Code" panose="020B0609020000020004" pitchFamily="49" charset="0"/>
+                  <a:cs typeface="Cascadia Code" panose="020B0609020000020004" pitchFamily="49" charset="0"/>
+                </a:rPr>
+                <a:t>(</a:t>
+              </a:r>
+              <a:r>
+                <a:rPr lang="en-US" sz="1100" dirty="0">
+                  <a:solidFill>
+                    <a:srgbClr val="FF0000"/>
+                  </a:solidFill>
+                  <a:highlight>
+                    <a:srgbClr val="FFFF00"/>
+                  </a:highlight>
+                  <a:latin typeface="Cascadia Code" panose="020B0609020000020004" pitchFamily="49" charset="0"/>
+                  <a:cs typeface="Cascadia Code" panose="020B0609020000020004" pitchFamily="49" charset="0"/>
+                </a:rPr>
+                <a:t>'_'</a:t>
+              </a:r>
+              <a:r>
+                <a:rPr lang="en-US" sz="1100" dirty="0">
+                  <a:solidFill>
+                    <a:srgbClr val="808080"/>
+                  </a:solidFill>
+                  <a:highlight>
+                    <a:srgbClr val="FFFF00"/>
+                  </a:highlight>
+                  <a:latin typeface="Cascadia Code" panose="020B0609020000020004" pitchFamily="49" charset="0"/>
+                  <a:cs typeface="Cascadia Code" panose="020B0609020000020004" pitchFamily="49" charset="0"/>
+                </a:rPr>
+                <a:t>),</a:t>
+              </a:r>
+              <a:r>
+                <a:rPr lang="en-US" sz="1100" dirty="0">
+                  <a:solidFill>
+                    <a:srgbClr val="0000FF"/>
+                  </a:solidFill>
+                  <a:highlight>
+                    <a:srgbClr val="FFFF00"/>
+                  </a:highlight>
+                  <a:latin typeface="Cascadia Code" panose="020B0609020000020004" pitchFamily="49" charset="0"/>
+                  <a:cs typeface="Cascadia Code" panose="020B0609020000020004" pitchFamily="49" charset="0"/>
+                </a:rPr>
+                <a:t> </a:t>
+              </a:r>
+              <a:r>
+                <a:rPr lang="en-US" sz="1100" dirty="0">
+                  <a:solidFill>
+                    <a:srgbClr val="808080"/>
+                  </a:solidFill>
+                  <a:highlight>
+                    <a:srgbClr val="FFFF00"/>
+                  </a:highlight>
+                  <a:latin typeface="Cascadia Code" panose="020B0609020000020004" pitchFamily="49" charset="0"/>
+                  <a:cs typeface="Cascadia Code" panose="020B0609020000020004" pitchFamily="49" charset="0"/>
+                </a:rPr>
+                <a:t>(</a:t>
+              </a:r>
+              <a:r>
+                <a:rPr lang="en-US" sz="1100" dirty="0">
+                  <a:solidFill>
+                    <a:srgbClr val="FF0000"/>
+                  </a:solidFill>
+                  <a:highlight>
+                    <a:srgbClr val="FFFF00"/>
+                  </a:highlight>
+                  <a:latin typeface="Cascadia Code" panose="020B0609020000020004" pitchFamily="49" charset="0"/>
+                  <a:cs typeface="Cascadia Code" panose="020B0609020000020004" pitchFamily="49" charset="0"/>
+                </a:rPr>
+                <a:t>'^'</a:t>
+              </a:r>
+              <a:r>
+                <a:rPr lang="en-US" sz="1100" dirty="0">
+                  <a:solidFill>
+                    <a:srgbClr val="808080"/>
+                  </a:solidFill>
+                  <a:highlight>
+                    <a:srgbClr val="FFFF00"/>
+                  </a:highlight>
+                  <a:latin typeface="Cascadia Code" panose="020B0609020000020004" pitchFamily="49" charset="0"/>
+                  <a:cs typeface="Cascadia Code" panose="020B0609020000020004" pitchFamily="49" charset="0"/>
+                </a:rPr>
+                <a:t>),</a:t>
+              </a:r>
+              <a:r>
+                <a:rPr lang="en-US" sz="1100" dirty="0">
+                  <a:solidFill>
+                    <a:srgbClr val="0000FF"/>
+                  </a:solidFill>
+                  <a:highlight>
+                    <a:srgbClr val="FFFF00"/>
+                  </a:highlight>
+                  <a:latin typeface="Cascadia Code" panose="020B0609020000020004" pitchFamily="49" charset="0"/>
+                  <a:cs typeface="Cascadia Code" panose="020B0609020000020004" pitchFamily="49" charset="0"/>
+                </a:rPr>
+                <a:t> </a:t>
+              </a:r>
+              <a:r>
+                <a:rPr lang="en-US" sz="1100" dirty="0">
+                  <a:solidFill>
+                    <a:srgbClr val="808080"/>
+                  </a:solidFill>
+                  <a:highlight>
+                    <a:srgbClr val="FFFF00"/>
+                  </a:highlight>
+                  <a:latin typeface="Cascadia Code" panose="020B0609020000020004" pitchFamily="49" charset="0"/>
+                  <a:cs typeface="Cascadia Code" panose="020B0609020000020004" pitchFamily="49" charset="0"/>
+                </a:rPr>
+                <a:t>(</a:t>
+              </a:r>
+              <a:r>
+                <a:rPr lang="en-US" sz="1100" dirty="0">
+                  <a:solidFill>
+                    <a:srgbClr val="FF0000"/>
+                  </a:solidFill>
+                  <a:highlight>
+                    <a:srgbClr val="FFFF00"/>
+                  </a:highlight>
+                  <a:latin typeface="Cascadia Code" panose="020B0609020000020004" pitchFamily="49" charset="0"/>
+                  <a:cs typeface="Cascadia Code" panose="020B0609020000020004" pitchFamily="49" charset="0"/>
+                </a:rPr>
+                <a:t>'-'</a:t>
+              </a:r>
+              <a:r>
+                <a:rPr lang="en-US" sz="1100" dirty="0">
+                  <a:solidFill>
+                    <a:srgbClr val="808080"/>
+                  </a:solidFill>
+                  <a:highlight>
+                    <a:srgbClr val="FFFF00"/>
+                  </a:highlight>
+                  <a:latin typeface="Cascadia Code" panose="020B0609020000020004" pitchFamily="49" charset="0"/>
+                  <a:cs typeface="Cascadia Code" panose="020B0609020000020004" pitchFamily="49" charset="0"/>
+                </a:rPr>
+                <a:t>)</a:t>
+              </a:r>
+              <a:endParaRPr lang="en-US" sz="1100" dirty="0">
+                <a:solidFill>
+                  <a:srgbClr val="0000FF"/>
+                </a:solidFill>
+                <a:highlight>
+                  <a:srgbClr val="FFFF00"/>
+                </a:highlight>
+                <a:latin typeface="Cascadia Code" panose="020B0609020000020004" pitchFamily="49" charset="0"/>
+                <a:cs typeface="Cascadia Code" panose="020B0609020000020004" pitchFamily="49" charset="0"/>
+              </a:endParaRPr>
+            </a:p>
+          </p:txBody>
+        </p:sp>
+        <p:sp>
+          <p:nvSpPr>
+            <p:cNvPr id="6" name="Rectangle 5">
+              <a:extLst>
+                <a:ext uri="{FF2B5EF4-FFF2-40B4-BE49-F238E27FC236}">
+                  <a16:creationId xmlns:a16="http://schemas.microsoft.com/office/drawing/2014/main" id="{E9977D85-00CE-F44C-B916-2739D47EBAFF}"/>
+                </a:ext>
+              </a:extLst>
+            </p:cNvPr>
+            <p:cNvSpPr/>
+            <p:nvPr/>
+          </p:nvSpPr>
+          <p:spPr>
+            <a:xfrm>
+              <a:off x="1126156" y="5409398"/>
+              <a:ext cx="2329313" cy="1233042"/>
+            </a:xfrm>
+            <a:prstGeom prst="rect">
+              <a:avLst/>
+            </a:prstGeom>
+            <a:noFill/>
+            <a:ln w="47625">
+              <a:solidFill>
+                <a:srgbClr val="FF0000"/>
+              </a:solidFill>
+            </a:ln>
+          </p:spPr>
+          <p:style>
+            <a:lnRef idx="2">
+              <a:schemeClr val="accent1">
+                <a:shade val="15000"/>
+              </a:schemeClr>
+            </a:lnRef>
+            <a:fillRef idx="1">
+              <a:schemeClr val="accent1"/>
+            </a:fillRef>
+            <a:effectRef idx="0">
+              <a:schemeClr val="accent1"/>
+            </a:effectRef>
+            <a:fontRef idx="minor">
+              <a:schemeClr val="lt1"/>
+            </a:fontRef>
+          </p:style>
+          <p:txBody>
+            <a:bodyPr rtlCol="0" anchor="ctr"/>
+            <a:lstStyle/>
+            <a:p>
+              <a:pPr algn="ctr"/>
+              <a:endParaRPr lang="en-US"/>
+            </a:p>
+          </p:txBody>
+        </p:sp>
+      </p:grpSp>
     </p:spTree>
     <p:extLst>
       <p:ext uri="{BB962C8B-B14F-4D97-AF65-F5344CB8AC3E}">
-        <p14:creationId xmlns:p14="http://schemas.microsoft.com/office/powerpoint/2010/main" val="2903381024"/>
+        <p14:creationId xmlns:p14="http://schemas.microsoft.com/office/powerpoint/2010/main" val="3156702315"/>
       </p:ext>
     </p:extLst>
   </p:cSld>
@@ -21528,7 +20021,7 @@
                             </p:stCondLst>
                             <p:childTnLst>
                               <p:par>
-                                <p:cTn id="5" presetID="1" presetClass="entr" presetSubtype="0" fill="hold" nodeType="clickEffect">
+                                <p:cTn id="5" presetID="1" presetClass="entr" presetSubtype="0" fill="hold" grpId="0" nodeType="clickEffect">
                                   <p:stCondLst>
                                     <p:cond delay="0"/>
                                   </p:stCondLst>
@@ -21541,7 +20034,7 @@
                                           </p:stCondLst>
                                         </p:cTn>
                                         <p:tgtEl>
-                                          <p:spTgt spid="7"/>
+                                          <p:spTgt spid="5"/>
                                         </p:tgtEl>
                                         <p:attrNameLst>
                                           <p:attrName>style.visibility</p:attrName>
@@ -21586,7 +20079,7 @@
                                           </p:stCondLst>
                                         </p:cTn>
                                         <p:tgtEl>
-                                          <p:spTgt spid="13"/>
+                                          <p:spTgt spid="2"/>
                                         </p:tgtEl>
                                         <p:attrNameLst>
                                           <p:attrName>style.visibility</p:attrName>
@@ -21631,7 +20124,7 @@
                                           </p:stCondLst>
                                         </p:cTn>
                                         <p:tgtEl>
-                                          <p:spTgt spid="18"/>
+                                          <p:spTgt spid="8"/>
                                         </p:tgtEl>
                                         <p:attrNameLst>
                                           <p:attrName>style.visibility</p:attrName>
@@ -21671,6 +20164,9 @@
         </p:cTn>
       </p:par>
     </p:tnLst>
+    <p:bldLst>
+      <p:bldP spid="5" grpId="0"/>
+    </p:bldLst>
   </p:timing>
 </p:sld>
 </file>
@@ -21751,8 +20247,8 @@
         </p:nvSpPr>
         <p:spPr>
           <a:xfrm>
-            <a:off x="1729946" y="1961972"/>
-            <a:ext cx="5721178" cy="1631216"/>
+            <a:off x="1729945" y="1961972"/>
+            <a:ext cx="4815233" cy="4524315"/>
           </a:xfrm>
           <a:prstGeom prst="rect">
             <a:avLst/>
@@ -21766,95 +20262,248 @@
           <a:lstStyle/>
           <a:p>
             <a:r>
-              <a:rPr lang="en-US" sz="2000" dirty="0">
+              <a:rPr lang="en-US" sz="1800" dirty="0">
                 <a:solidFill>
                   <a:srgbClr val="0000FF"/>
                 </a:solidFill>
                 <a:latin typeface="Cascadia Code" panose="020B0609020000020004" pitchFamily="49" charset="0"/>
                 <a:cs typeface="Cascadia Code" panose="020B0609020000020004" pitchFamily="49" charset="0"/>
               </a:rPr>
+              <a:t>SELECT</a:t>
+            </a:r>
+            <a:r>
+              <a:rPr lang="en-US" sz="1800" dirty="0">
+                <a:solidFill>
+                  <a:srgbClr val="000000"/>
+                </a:solidFill>
+                <a:latin typeface="Cascadia Code" panose="020B0609020000020004" pitchFamily="49" charset="0"/>
+                <a:cs typeface="Cascadia Code" panose="020B0609020000020004" pitchFamily="49" charset="0"/>
+              </a:rPr>
+              <a:t> </a:t>
+            </a:r>
+            <a:r>
+              <a:rPr lang="en-US" sz="1800" dirty="0">
+                <a:solidFill>
+                  <a:srgbClr val="0000FF"/>
+                </a:solidFill>
+                <a:latin typeface="Cascadia Code" panose="020B0609020000020004" pitchFamily="49" charset="0"/>
+                <a:cs typeface="Cascadia Code" panose="020B0609020000020004" pitchFamily="49" charset="0"/>
+              </a:rPr>
+              <a:t>TOP</a:t>
+            </a:r>
+            <a:r>
+              <a:rPr lang="en-US" sz="1800" dirty="0">
+                <a:solidFill>
+                  <a:srgbClr val="000000"/>
+                </a:solidFill>
+                <a:latin typeface="Cascadia Code" panose="020B0609020000020004" pitchFamily="49" charset="0"/>
+                <a:cs typeface="Cascadia Code" panose="020B0609020000020004" pitchFamily="49" charset="0"/>
+              </a:rPr>
+              <a:t> 4 </a:t>
+            </a:r>
+            <a:r>
+              <a:rPr lang="en-US" sz="1800" dirty="0">
+                <a:solidFill>
+                  <a:srgbClr val="808080"/>
+                </a:solidFill>
+                <a:latin typeface="Cascadia Code" panose="020B0609020000020004" pitchFamily="49" charset="0"/>
+                <a:cs typeface="Cascadia Code" panose="020B0609020000020004" pitchFamily="49" charset="0"/>
+              </a:rPr>
+              <a:t>*</a:t>
+            </a:r>
+            <a:r>
+              <a:rPr lang="en-US" sz="1800" dirty="0">
+                <a:solidFill>
+                  <a:srgbClr val="000000"/>
+                </a:solidFill>
+                <a:latin typeface="Cascadia Code" panose="020B0609020000020004" pitchFamily="49" charset="0"/>
+                <a:cs typeface="Cascadia Code" panose="020B0609020000020004" pitchFamily="49" charset="0"/>
+              </a:rPr>
+              <a:t> </a:t>
+            </a:r>
+          </a:p>
+          <a:p>
+            <a:r>
+              <a:rPr lang="en-US" sz="1800" dirty="0">
+                <a:solidFill>
+                  <a:srgbClr val="0000FF"/>
+                </a:solidFill>
+                <a:latin typeface="Cascadia Code" panose="020B0609020000020004" pitchFamily="49" charset="0"/>
+                <a:cs typeface="Cascadia Code" panose="020B0609020000020004" pitchFamily="49" charset="0"/>
+              </a:rPr>
+              <a:t>FROM</a:t>
+            </a:r>
+            <a:r>
+              <a:rPr lang="en-US" sz="1800" dirty="0">
+                <a:solidFill>
+                  <a:srgbClr val="000000"/>
+                </a:solidFill>
+                <a:latin typeface="Cascadia Code" panose="020B0609020000020004" pitchFamily="49" charset="0"/>
+                <a:cs typeface="Cascadia Code" panose="020B0609020000020004" pitchFamily="49" charset="0"/>
+              </a:rPr>
+              <a:t> dbo</a:t>
+            </a:r>
+            <a:r>
+              <a:rPr lang="en-US" sz="1800" dirty="0">
+                <a:solidFill>
+                  <a:srgbClr val="808080"/>
+                </a:solidFill>
+                <a:latin typeface="Cascadia Code" panose="020B0609020000020004" pitchFamily="49" charset="0"/>
+                <a:cs typeface="Cascadia Code" panose="020B0609020000020004" pitchFamily="49" charset="0"/>
+              </a:rPr>
+              <a:t>.</a:t>
+            </a:r>
+            <a:r>
+              <a:rPr lang="en-US" sz="1800" dirty="0">
+                <a:solidFill>
+                  <a:srgbClr val="000000"/>
+                </a:solidFill>
+                <a:latin typeface="Cascadia Code" panose="020B0609020000020004" pitchFamily="49" charset="0"/>
+                <a:cs typeface="Cascadia Code" panose="020B0609020000020004" pitchFamily="49" charset="0"/>
+              </a:rPr>
+              <a:t>Table_1</a:t>
+            </a:r>
+          </a:p>
+          <a:p>
+            <a:r>
+              <a:rPr lang="en-US" sz="1800" dirty="0">
+                <a:solidFill>
+                  <a:srgbClr val="0000FF"/>
+                </a:solidFill>
+                <a:highlight>
+                  <a:srgbClr val="FFFF00"/>
+                </a:highlight>
+                <a:latin typeface="Cascadia Code" panose="020B0609020000020004" pitchFamily="49" charset="0"/>
+                <a:cs typeface="Cascadia Code" panose="020B0609020000020004" pitchFamily="49" charset="0"/>
+              </a:rPr>
               <a:t>WHERE</a:t>
             </a:r>
             <a:r>
-              <a:rPr lang="en-US" sz="2000" dirty="0">
-                <a:solidFill>
-                  <a:srgbClr val="000000"/>
-                </a:solidFill>
+              <a:rPr lang="en-US" sz="1800" dirty="0">
+                <a:solidFill>
+                  <a:srgbClr val="000000"/>
+                </a:solidFill>
+                <a:highlight>
+                  <a:srgbClr val="FFFF00"/>
+                </a:highlight>
                 <a:latin typeface="Cascadia Code" panose="020B0609020000020004" pitchFamily="49" charset="0"/>
                 <a:cs typeface="Cascadia Code" panose="020B0609020000020004" pitchFamily="49" charset="0"/>
               </a:rPr>
               <a:t> Column1 </a:t>
             </a:r>
             <a:r>
-              <a:rPr lang="en-US" sz="2000" dirty="0">
+              <a:rPr lang="en-US" sz="1800" dirty="0">
                 <a:solidFill>
                   <a:srgbClr val="808080"/>
                 </a:solidFill>
+                <a:highlight>
+                  <a:srgbClr val="FFFF00"/>
+                </a:highlight>
                 <a:latin typeface="Cascadia Code" panose="020B0609020000020004" pitchFamily="49" charset="0"/>
                 <a:cs typeface="Cascadia Code" panose="020B0609020000020004" pitchFamily="49" charset="0"/>
               </a:rPr>
               <a:t>LIKE</a:t>
             </a:r>
             <a:r>
-              <a:rPr lang="en-US" sz="2000" dirty="0">
-                <a:solidFill>
-                  <a:srgbClr val="000000"/>
-                </a:solidFill>
+              <a:rPr lang="en-US" sz="1800" dirty="0">
+                <a:solidFill>
+                  <a:srgbClr val="000000"/>
+                </a:solidFill>
+                <a:highlight>
+                  <a:srgbClr val="FFFF00"/>
+                </a:highlight>
                 <a:latin typeface="Cascadia Code" panose="020B0609020000020004" pitchFamily="49" charset="0"/>
                 <a:cs typeface="Cascadia Code" panose="020B0609020000020004" pitchFamily="49" charset="0"/>
               </a:rPr>
               <a:t> </a:t>
             </a:r>
             <a:r>
-              <a:rPr lang="en-US" sz="2000" dirty="0">
+              <a:rPr lang="en-US" sz="1800" dirty="0">
                 <a:solidFill>
                   <a:srgbClr val="FF0000"/>
                 </a:solidFill>
+                <a:highlight>
+                  <a:srgbClr val="FFFF00"/>
+                </a:highlight>
                 <a:latin typeface="Cascadia Code" panose="020B0609020000020004" pitchFamily="49" charset="0"/>
                 <a:cs typeface="Cascadia Code" panose="020B0609020000020004" pitchFamily="49" charset="0"/>
               </a:rPr>
               <a:t>'_'</a:t>
             </a:r>
-          </a:p>
-          <a:p>
-            <a:endParaRPr lang="en-US" sz="2000" dirty="0">
+            <a:endParaRPr lang="en-US" sz="1800" dirty="0">
+              <a:solidFill>
+                <a:srgbClr val="000000"/>
+              </a:solidFill>
+              <a:highlight>
+                <a:srgbClr val="FFFF00"/>
+              </a:highlight>
               <a:latin typeface="Cascadia Code" panose="020B0609020000020004" pitchFamily="49" charset="0"/>
               <a:cs typeface="Cascadia Code" panose="020B0609020000020004" pitchFamily="49" charset="0"/>
             </a:endParaRPr>
           </a:p>
           <a:p>
             <a:r>
-              <a:rPr lang="en-US" sz="2000" dirty="0">
+              <a:rPr lang="en-US" sz="1800" dirty="0">
                 <a:solidFill>
                   <a:srgbClr val="0000FF"/>
                 </a:solidFill>
                 <a:latin typeface="Cascadia Code" panose="020B0609020000020004" pitchFamily="49" charset="0"/>
                 <a:cs typeface="Cascadia Code" panose="020B0609020000020004" pitchFamily="49" charset="0"/>
               </a:rPr>
-              <a:t>WHERE</a:t>
-            </a:r>
-            <a:r>
-              <a:rPr lang="en-US" sz="2000" dirty="0">
-                <a:solidFill>
-                  <a:srgbClr val="000000"/>
-                </a:solidFill>
-                <a:latin typeface="Cascadia Code" panose="020B0609020000020004" pitchFamily="49" charset="0"/>
-                <a:cs typeface="Cascadia Code" panose="020B0609020000020004" pitchFamily="49" charset="0"/>
-              </a:rPr>
-              <a:t> Column1 </a:t>
-            </a:r>
-            <a:r>
-              <a:rPr lang="en-US" sz="2000" dirty="0">
+              <a:t>ORDER</a:t>
+            </a:r>
+            <a:r>
+              <a:rPr lang="en-US" sz="1800" dirty="0">
+                <a:solidFill>
+                  <a:srgbClr val="000000"/>
+                </a:solidFill>
+                <a:latin typeface="Cascadia Code" panose="020B0609020000020004" pitchFamily="49" charset="0"/>
+                <a:cs typeface="Cascadia Code" panose="020B0609020000020004" pitchFamily="49" charset="0"/>
+              </a:rPr>
+              <a:t> </a:t>
+            </a:r>
+            <a:r>
+              <a:rPr lang="en-US" sz="1800" dirty="0">
+                <a:solidFill>
+                  <a:srgbClr val="0000FF"/>
+                </a:solidFill>
+                <a:latin typeface="Cascadia Code" panose="020B0609020000020004" pitchFamily="49" charset="0"/>
+                <a:cs typeface="Cascadia Code" panose="020B0609020000020004" pitchFamily="49" charset="0"/>
+              </a:rPr>
+              <a:t>BY</a:t>
+            </a:r>
+            <a:r>
+              <a:rPr lang="en-US" sz="1800" dirty="0">
+                <a:solidFill>
+                  <a:srgbClr val="000000"/>
+                </a:solidFill>
+                <a:latin typeface="Cascadia Code" panose="020B0609020000020004" pitchFamily="49" charset="0"/>
+                <a:cs typeface="Cascadia Code" panose="020B0609020000020004" pitchFamily="49" charset="0"/>
+              </a:rPr>
+              <a:t> </a:t>
+            </a:r>
+            <a:r>
+              <a:rPr lang="en-US" sz="1800" dirty="0">
+                <a:solidFill>
+                  <a:srgbClr val="FF00FF"/>
+                </a:solidFill>
+                <a:latin typeface="Cascadia Code" panose="020B0609020000020004" pitchFamily="49" charset="0"/>
+                <a:cs typeface="Cascadia Code" panose="020B0609020000020004" pitchFamily="49" charset="0"/>
+              </a:rPr>
+              <a:t>NEWID</a:t>
+            </a:r>
+            <a:r>
+              <a:rPr lang="en-US" sz="1800" dirty="0">
                 <a:solidFill>
                   <a:srgbClr val="808080"/>
                 </a:solidFill>
                 <a:latin typeface="Cascadia Code" panose="020B0609020000020004" pitchFamily="49" charset="0"/>
                 <a:cs typeface="Cascadia Code" panose="020B0609020000020004" pitchFamily="49" charset="0"/>
               </a:rPr>
-              <a:t>LIKE</a:t>
-            </a:r>
-            <a:r>
-              <a:rPr lang="en-US" sz="2000" dirty="0">
+              <a:t>()</a:t>
+            </a:r>
+            <a:r>
+              <a:rPr lang="en-US" sz="1800" dirty="0">
                 <a:solidFill>
                   <a:srgbClr val="000000"/>
                 </a:solidFill>
@@ -21864,84 +20513,691 @@
               <a:t> </a:t>
             </a:r>
             <a:r>
-              <a:rPr lang="en-US" sz="2000" dirty="0">
-                <a:solidFill>
-                  <a:srgbClr val="FF0000"/>
-                </a:solidFill>
-                <a:latin typeface="Cascadia Code" panose="020B0609020000020004" pitchFamily="49" charset="0"/>
-                <a:cs typeface="Cascadia Code" panose="020B0609020000020004" pitchFamily="49" charset="0"/>
-              </a:rPr>
-              <a:t>'__'</a:t>
-            </a:r>
-            <a:endParaRPr lang="en-US" sz="2000" dirty="0">
+              <a:rPr lang="en-US" sz="1800" dirty="0">
+                <a:solidFill>
+                  <a:srgbClr val="008000"/>
+                </a:solidFill>
+                <a:latin typeface="Cascadia Code" panose="020B0609020000020004" pitchFamily="49" charset="0"/>
+                <a:cs typeface="Cascadia Code" panose="020B0609020000020004" pitchFamily="49" charset="0"/>
+              </a:rPr>
+              <a:t>-- randomizer</a:t>
+            </a:r>
+            <a:endParaRPr lang="en-US" sz="1800" dirty="0">
+              <a:solidFill>
+                <a:srgbClr val="000000"/>
+              </a:solidFill>
               <a:latin typeface="Cascadia Code" panose="020B0609020000020004" pitchFamily="49" charset="0"/>
               <a:cs typeface="Cascadia Code" panose="020B0609020000020004" pitchFamily="49" charset="0"/>
             </a:endParaRPr>
           </a:p>
           <a:p>
-            <a:endParaRPr lang="en-US" sz="2000" dirty="0">
+            <a:endParaRPr lang="en-US" sz="1800" dirty="0">
+              <a:solidFill>
+                <a:srgbClr val="000000"/>
+              </a:solidFill>
               <a:latin typeface="Cascadia Code" panose="020B0609020000020004" pitchFamily="49" charset="0"/>
               <a:cs typeface="Cascadia Code" panose="020B0609020000020004" pitchFamily="49" charset="0"/>
             </a:endParaRPr>
           </a:p>
           <a:p>
-            <a:r>
-              <a:rPr lang="en-US" sz="2000" dirty="0">
-                <a:solidFill>
-                  <a:srgbClr val="0000FF"/>
-                </a:solidFill>
-                <a:latin typeface="Cascadia Code" panose="020B0609020000020004" pitchFamily="49" charset="0"/>
-                <a:cs typeface="Cascadia Code" panose="020B0609020000020004" pitchFamily="49" charset="0"/>
-              </a:rPr>
-              <a:t>WHERE</a:t>
-            </a:r>
-            <a:r>
-              <a:rPr lang="en-US" sz="2000" dirty="0">
-                <a:solidFill>
-                  <a:srgbClr val="000000"/>
-                </a:solidFill>
-                <a:latin typeface="Cascadia Code" panose="020B0609020000020004" pitchFamily="49" charset="0"/>
-                <a:cs typeface="Cascadia Code" panose="020B0609020000020004" pitchFamily="49" charset="0"/>
-              </a:rPr>
-              <a:t> Column1 </a:t>
-            </a:r>
-            <a:r>
-              <a:rPr lang="en-US" sz="2000" dirty="0">
-                <a:solidFill>
-                  <a:srgbClr val="808080"/>
-                </a:solidFill>
-                <a:latin typeface="Cascadia Code" panose="020B0609020000020004" pitchFamily="49" charset="0"/>
-                <a:cs typeface="Cascadia Code" panose="020B0609020000020004" pitchFamily="49" charset="0"/>
-              </a:rPr>
-              <a:t>LIKE</a:t>
-            </a:r>
-            <a:r>
-              <a:rPr lang="en-US" sz="2000" dirty="0">
-                <a:solidFill>
-                  <a:srgbClr val="000000"/>
-                </a:solidFill>
-                <a:latin typeface="Cascadia Code" panose="020B0609020000020004" pitchFamily="49" charset="0"/>
-                <a:cs typeface="Cascadia Code" panose="020B0609020000020004" pitchFamily="49" charset="0"/>
-              </a:rPr>
-              <a:t> </a:t>
-            </a:r>
-            <a:r>
-              <a:rPr lang="en-US" sz="2000" dirty="0">
-                <a:solidFill>
-                  <a:srgbClr val="FF0000"/>
-                </a:solidFill>
-                <a:latin typeface="Cascadia Code" panose="020B0609020000020004" pitchFamily="49" charset="0"/>
-                <a:cs typeface="Cascadia Code" panose="020B0609020000020004" pitchFamily="49" charset="0"/>
-              </a:rPr>
-              <a:t>'__%'</a:t>
-            </a:r>
-            <a:endParaRPr lang="en-US" sz="2000" dirty="0">
+            <a:endParaRPr lang="en-US" sz="1800" dirty="0">
+              <a:solidFill>
+                <a:srgbClr val="000000"/>
+              </a:solidFill>
               <a:latin typeface="Cascadia Code" panose="020B0609020000020004" pitchFamily="49" charset="0"/>
               <a:cs typeface="Cascadia Code" panose="020B0609020000020004" pitchFamily="49" charset="0"/>
             </a:endParaRPr>
           </a:p>
+          <a:p>
+            <a:r>
+              <a:rPr lang="en-US" sz="1800" dirty="0">
+                <a:solidFill>
+                  <a:srgbClr val="0000FF"/>
+                </a:solidFill>
+                <a:latin typeface="Cascadia Code" panose="020B0609020000020004" pitchFamily="49" charset="0"/>
+                <a:cs typeface="Cascadia Code" panose="020B0609020000020004" pitchFamily="49" charset="0"/>
+              </a:rPr>
+              <a:t>SELECT</a:t>
+            </a:r>
+            <a:r>
+              <a:rPr lang="en-US" sz="1800" dirty="0">
+                <a:solidFill>
+                  <a:srgbClr val="000000"/>
+                </a:solidFill>
+                <a:latin typeface="Cascadia Code" panose="020B0609020000020004" pitchFamily="49" charset="0"/>
+                <a:cs typeface="Cascadia Code" panose="020B0609020000020004" pitchFamily="49" charset="0"/>
+              </a:rPr>
+              <a:t> </a:t>
+            </a:r>
+            <a:r>
+              <a:rPr lang="en-US" sz="1800" dirty="0">
+                <a:solidFill>
+                  <a:srgbClr val="0000FF"/>
+                </a:solidFill>
+                <a:latin typeface="Cascadia Code" panose="020B0609020000020004" pitchFamily="49" charset="0"/>
+                <a:cs typeface="Cascadia Code" panose="020B0609020000020004" pitchFamily="49" charset="0"/>
+              </a:rPr>
+              <a:t>TOP</a:t>
+            </a:r>
+            <a:r>
+              <a:rPr lang="en-US" sz="1800" dirty="0">
+                <a:solidFill>
+                  <a:srgbClr val="000000"/>
+                </a:solidFill>
+                <a:latin typeface="Cascadia Code" panose="020B0609020000020004" pitchFamily="49" charset="0"/>
+                <a:cs typeface="Cascadia Code" panose="020B0609020000020004" pitchFamily="49" charset="0"/>
+              </a:rPr>
+              <a:t> 4 </a:t>
+            </a:r>
+            <a:r>
+              <a:rPr lang="en-US" sz="1800" dirty="0">
+                <a:solidFill>
+                  <a:srgbClr val="808080"/>
+                </a:solidFill>
+                <a:latin typeface="Cascadia Code" panose="020B0609020000020004" pitchFamily="49" charset="0"/>
+                <a:cs typeface="Cascadia Code" panose="020B0609020000020004" pitchFamily="49" charset="0"/>
+              </a:rPr>
+              <a:t>*</a:t>
+            </a:r>
+            <a:r>
+              <a:rPr lang="en-US" sz="1800" dirty="0">
+                <a:solidFill>
+                  <a:srgbClr val="000000"/>
+                </a:solidFill>
+                <a:latin typeface="Cascadia Code" panose="020B0609020000020004" pitchFamily="49" charset="0"/>
+                <a:cs typeface="Cascadia Code" panose="020B0609020000020004" pitchFamily="49" charset="0"/>
+              </a:rPr>
+              <a:t> </a:t>
+            </a:r>
+          </a:p>
+          <a:p>
+            <a:r>
+              <a:rPr lang="en-US" sz="1800" dirty="0">
+                <a:solidFill>
+                  <a:srgbClr val="0000FF"/>
+                </a:solidFill>
+                <a:latin typeface="Cascadia Code" panose="020B0609020000020004" pitchFamily="49" charset="0"/>
+                <a:cs typeface="Cascadia Code" panose="020B0609020000020004" pitchFamily="49" charset="0"/>
+              </a:rPr>
+              <a:t>FROM</a:t>
+            </a:r>
+            <a:r>
+              <a:rPr lang="en-US" sz="1800" dirty="0">
+                <a:solidFill>
+                  <a:srgbClr val="000000"/>
+                </a:solidFill>
+                <a:latin typeface="Cascadia Code" panose="020B0609020000020004" pitchFamily="49" charset="0"/>
+                <a:cs typeface="Cascadia Code" panose="020B0609020000020004" pitchFamily="49" charset="0"/>
+              </a:rPr>
+              <a:t> dbo</a:t>
+            </a:r>
+            <a:r>
+              <a:rPr lang="en-US" sz="1800" dirty="0">
+                <a:solidFill>
+                  <a:srgbClr val="808080"/>
+                </a:solidFill>
+                <a:latin typeface="Cascadia Code" panose="020B0609020000020004" pitchFamily="49" charset="0"/>
+                <a:cs typeface="Cascadia Code" panose="020B0609020000020004" pitchFamily="49" charset="0"/>
+              </a:rPr>
+              <a:t>.</a:t>
+            </a:r>
+            <a:r>
+              <a:rPr lang="en-US" sz="1800" dirty="0">
+                <a:solidFill>
+                  <a:srgbClr val="000000"/>
+                </a:solidFill>
+                <a:latin typeface="Cascadia Code" panose="020B0609020000020004" pitchFamily="49" charset="0"/>
+                <a:cs typeface="Cascadia Code" panose="020B0609020000020004" pitchFamily="49" charset="0"/>
+              </a:rPr>
+              <a:t>Table_1</a:t>
+            </a:r>
+          </a:p>
+          <a:p>
+            <a:r>
+              <a:rPr lang="en-US" sz="1800" dirty="0">
+                <a:solidFill>
+                  <a:srgbClr val="0000FF"/>
+                </a:solidFill>
+                <a:highlight>
+                  <a:srgbClr val="FFFF00"/>
+                </a:highlight>
+                <a:latin typeface="Cascadia Code" panose="020B0609020000020004" pitchFamily="49" charset="0"/>
+                <a:cs typeface="Cascadia Code" panose="020B0609020000020004" pitchFamily="49" charset="0"/>
+              </a:rPr>
+              <a:t>WHERE</a:t>
+            </a:r>
+            <a:r>
+              <a:rPr lang="en-US" sz="1800" dirty="0">
+                <a:solidFill>
+                  <a:srgbClr val="000000"/>
+                </a:solidFill>
+                <a:highlight>
+                  <a:srgbClr val="FFFF00"/>
+                </a:highlight>
+                <a:latin typeface="Cascadia Code" panose="020B0609020000020004" pitchFamily="49" charset="0"/>
+                <a:cs typeface="Cascadia Code" panose="020B0609020000020004" pitchFamily="49" charset="0"/>
+              </a:rPr>
+              <a:t> Column1 </a:t>
+            </a:r>
+            <a:r>
+              <a:rPr lang="en-US" sz="1800" dirty="0">
+                <a:solidFill>
+                  <a:srgbClr val="808080"/>
+                </a:solidFill>
+                <a:highlight>
+                  <a:srgbClr val="FFFF00"/>
+                </a:highlight>
+                <a:latin typeface="Cascadia Code" panose="020B0609020000020004" pitchFamily="49" charset="0"/>
+                <a:cs typeface="Cascadia Code" panose="020B0609020000020004" pitchFamily="49" charset="0"/>
+              </a:rPr>
+              <a:t>LIKE</a:t>
+            </a:r>
+            <a:r>
+              <a:rPr lang="en-US" sz="1800" dirty="0">
+                <a:solidFill>
+                  <a:srgbClr val="000000"/>
+                </a:solidFill>
+                <a:highlight>
+                  <a:srgbClr val="FFFF00"/>
+                </a:highlight>
+                <a:latin typeface="Cascadia Code" panose="020B0609020000020004" pitchFamily="49" charset="0"/>
+                <a:cs typeface="Cascadia Code" panose="020B0609020000020004" pitchFamily="49" charset="0"/>
+              </a:rPr>
+              <a:t> </a:t>
+            </a:r>
+            <a:r>
+              <a:rPr lang="en-US" sz="1800" dirty="0">
+                <a:solidFill>
+                  <a:srgbClr val="FF0000"/>
+                </a:solidFill>
+                <a:highlight>
+                  <a:srgbClr val="FFFF00"/>
+                </a:highlight>
+                <a:latin typeface="Cascadia Code" panose="020B0609020000020004" pitchFamily="49" charset="0"/>
+                <a:cs typeface="Cascadia Code" panose="020B0609020000020004" pitchFamily="49" charset="0"/>
+              </a:rPr>
+              <a:t>'__'</a:t>
+            </a:r>
+            <a:endParaRPr lang="en-US" sz="1800" dirty="0">
+              <a:solidFill>
+                <a:srgbClr val="000000"/>
+              </a:solidFill>
+              <a:highlight>
+                <a:srgbClr val="FFFF00"/>
+              </a:highlight>
+              <a:latin typeface="Cascadia Code" panose="020B0609020000020004" pitchFamily="49" charset="0"/>
+              <a:cs typeface="Cascadia Code" panose="020B0609020000020004" pitchFamily="49" charset="0"/>
+            </a:endParaRPr>
+          </a:p>
+          <a:p>
+            <a:r>
+              <a:rPr lang="en-US" sz="1800" dirty="0">
+                <a:solidFill>
+                  <a:srgbClr val="0000FF"/>
+                </a:solidFill>
+                <a:latin typeface="Cascadia Code" panose="020B0609020000020004" pitchFamily="49" charset="0"/>
+                <a:cs typeface="Cascadia Code" panose="020B0609020000020004" pitchFamily="49" charset="0"/>
+              </a:rPr>
+              <a:t>ORDER</a:t>
+            </a:r>
+            <a:r>
+              <a:rPr lang="en-US" sz="1800" dirty="0">
+                <a:solidFill>
+                  <a:srgbClr val="000000"/>
+                </a:solidFill>
+                <a:latin typeface="Cascadia Code" panose="020B0609020000020004" pitchFamily="49" charset="0"/>
+                <a:cs typeface="Cascadia Code" panose="020B0609020000020004" pitchFamily="49" charset="0"/>
+              </a:rPr>
+              <a:t> </a:t>
+            </a:r>
+            <a:r>
+              <a:rPr lang="en-US" sz="1800" dirty="0">
+                <a:solidFill>
+                  <a:srgbClr val="0000FF"/>
+                </a:solidFill>
+                <a:latin typeface="Cascadia Code" panose="020B0609020000020004" pitchFamily="49" charset="0"/>
+                <a:cs typeface="Cascadia Code" panose="020B0609020000020004" pitchFamily="49" charset="0"/>
+              </a:rPr>
+              <a:t>BY</a:t>
+            </a:r>
+            <a:r>
+              <a:rPr lang="en-US" sz="1800" dirty="0">
+                <a:solidFill>
+                  <a:srgbClr val="000000"/>
+                </a:solidFill>
+                <a:latin typeface="Cascadia Code" panose="020B0609020000020004" pitchFamily="49" charset="0"/>
+                <a:cs typeface="Cascadia Code" panose="020B0609020000020004" pitchFamily="49" charset="0"/>
+              </a:rPr>
+              <a:t> </a:t>
+            </a:r>
+            <a:r>
+              <a:rPr lang="en-US" sz="1800" dirty="0">
+                <a:solidFill>
+                  <a:srgbClr val="FF00FF"/>
+                </a:solidFill>
+                <a:latin typeface="Cascadia Code" panose="020B0609020000020004" pitchFamily="49" charset="0"/>
+                <a:cs typeface="Cascadia Code" panose="020B0609020000020004" pitchFamily="49" charset="0"/>
+              </a:rPr>
+              <a:t>NEWID</a:t>
+            </a:r>
+            <a:r>
+              <a:rPr lang="en-US" sz="1800" dirty="0">
+                <a:solidFill>
+                  <a:srgbClr val="808080"/>
+                </a:solidFill>
+                <a:latin typeface="Cascadia Code" panose="020B0609020000020004" pitchFamily="49" charset="0"/>
+                <a:cs typeface="Cascadia Code" panose="020B0609020000020004" pitchFamily="49" charset="0"/>
+              </a:rPr>
+              <a:t>()</a:t>
+            </a:r>
+            <a:r>
+              <a:rPr lang="en-US" sz="1800" dirty="0">
+                <a:solidFill>
+                  <a:srgbClr val="000000"/>
+                </a:solidFill>
+                <a:latin typeface="Cascadia Code" panose="020B0609020000020004" pitchFamily="49" charset="0"/>
+                <a:cs typeface="Cascadia Code" panose="020B0609020000020004" pitchFamily="49" charset="0"/>
+              </a:rPr>
+              <a:t> </a:t>
+            </a:r>
+            <a:r>
+              <a:rPr lang="en-US" sz="1800" dirty="0">
+                <a:solidFill>
+                  <a:srgbClr val="008000"/>
+                </a:solidFill>
+                <a:latin typeface="Cascadia Code" panose="020B0609020000020004" pitchFamily="49" charset="0"/>
+                <a:cs typeface="Cascadia Code" panose="020B0609020000020004" pitchFamily="49" charset="0"/>
+              </a:rPr>
+              <a:t>-- randomizer</a:t>
+            </a:r>
+            <a:endParaRPr lang="en-US" sz="1800" dirty="0">
+              <a:solidFill>
+                <a:srgbClr val="000000"/>
+              </a:solidFill>
+              <a:latin typeface="Cascadia Code" panose="020B0609020000020004" pitchFamily="49" charset="0"/>
+              <a:cs typeface="Cascadia Code" panose="020B0609020000020004" pitchFamily="49" charset="0"/>
+            </a:endParaRPr>
+          </a:p>
+          <a:p>
+            <a:endParaRPr lang="en-US" sz="1800" dirty="0">
+              <a:solidFill>
+                <a:srgbClr val="000000"/>
+              </a:solidFill>
+              <a:latin typeface="Cascadia Code" panose="020B0609020000020004" pitchFamily="49" charset="0"/>
+              <a:cs typeface="Cascadia Code" panose="020B0609020000020004" pitchFamily="49" charset="0"/>
+            </a:endParaRPr>
+          </a:p>
+          <a:p>
+            <a:endParaRPr lang="en-US" sz="1800" dirty="0">
+              <a:solidFill>
+                <a:srgbClr val="000000"/>
+              </a:solidFill>
+              <a:latin typeface="Cascadia Code" panose="020B0609020000020004" pitchFamily="49" charset="0"/>
+              <a:cs typeface="Cascadia Code" panose="020B0609020000020004" pitchFamily="49" charset="0"/>
+            </a:endParaRPr>
+          </a:p>
+          <a:p>
+            <a:r>
+              <a:rPr lang="en-US" sz="1800" dirty="0">
+                <a:solidFill>
+                  <a:srgbClr val="0000FF"/>
+                </a:solidFill>
+                <a:latin typeface="Cascadia Code" panose="020B0609020000020004" pitchFamily="49" charset="0"/>
+                <a:cs typeface="Cascadia Code" panose="020B0609020000020004" pitchFamily="49" charset="0"/>
+              </a:rPr>
+              <a:t>SELECT</a:t>
+            </a:r>
+            <a:r>
+              <a:rPr lang="en-US" sz="1800" dirty="0">
+                <a:solidFill>
+                  <a:srgbClr val="000000"/>
+                </a:solidFill>
+                <a:latin typeface="Cascadia Code" panose="020B0609020000020004" pitchFamily="49" charset="0"/>
+                <a:cs typeface="Cascadia Code" panose="020B0609020000020004" pitchFamily="49" charset="0"/>
+              </a:rPr>
+              <a:t> </a:t>
+            </a:r>
+            <a:r>
+              <a:rPr lang="en-US" sz="1800" dirty="0">
+                <a:solidFill>
+                  <a:srgbClr val="0000FF"/>
+                </a:solidFill>
+                <a:latin typeface="Cascadia Code" panose="020B0609020000020004" pitchFamily="49" charset="0"/>
+                <a:cs typeface="Cascadia Code" panose="020B0609020000020004" pitchFamily="49" charset="0"/>
+              </a:rPr>
+              <a:t>TOP</a:t>
+            </a:r>
+            <a:r>
+              <a:rPr lang="en-US" sz="1800" dirty="0">
+                <a:solidFill>
+                  <a:srgbClr val="000000"/>
+                </a:solidFill>
+                <a:latin typeface="Cascadia Code" panose="020B0609020000020004" pitchFamily="49" charset="0"/>
+                <a:cs typeface="Cascadia Code" panose="020B0609020000020004" pitchFamily="49" charset="0"/>
+              </a:rPr>
+              <a:t> 4 </a:t>
+            </a:r>
+            <a:r>
+              <a:rPr lang="en-US" sz="1800" dirty="0">
+                <a:solidFill>
+                  <a:srgbClr val="808080"/>
+                </a:solidFill>
+                <a:latin typeface="Cascadia Code" panose="020B0609020000020004" pitchFamily="49" charset="0"/>
+                <a:cs typeface="Cascadia Code" panose="020B0609020000020004" pitchFamily="49" charset="0"/>
+              </a:rPr>
+              <a:t>*</a:t>
+            </a:r>
+            <a:r>
+              <a:rPr lang="en-US" sz="1800" dirty="0">
+                <a:solidFill>
+                  <a:srgbClr val="000000"/>
+                </a:solidFill>
+                <a:latin typeface="Cascadia Code" panose="020B0609020000020004" pitchFamily="49" charset="0"/>
+                <a:cs typeface="Cascadia Code" panose="020B0609020000020004" pitchFamily="49" charset="0"/>
+              </a:rPr>
+              <a:t> </a:t>
+            </a:r>
+          </a:p>
+          <a:p>
+            <a:r>
+              <a:rPr lang="en-US" sz="1800" dirty="0">
+                <a:solidFill>
+                  <a:srgbClr val="0000FF"/>
+                </a:solidFill>
+                <a:latin typeface="Cascadia Code" panose="020B0609020000020004" pitchFamily="49" charset="0"/>
+                <a:cs typeface="Cascadia Code" panose="020B0609020000020004" pitchFamily="49" charset="0"/>
+              </a:rPr>
+              <a:t>FROM</a:t>
+            </a:r>
+            <a:r>
+              <a:rPr lang="en-US" sz="1800" dirty="0">
+                <a:solidFill>
+                  <a:srgbClr val="000000"/>
+                </a:solidFill>
+                <a:latin typeface="Cascadia Code" panose="020B0609020000020004" pitchFamily="49" charset="0"/>
+                <a:cs typeface="Cascadia Code" panose="020B0609020000020004" pitchFamily="49" charset="0"/>
+              </a:rPr>
+              <a:t> dbo</a:t>
+            </a:r>
+            <a:r>
+              <a:rPr lang="en-US" sz="1800" dirty="0">
+                <a:solidFill>
+                  <a:srgbClr val="808080"/>
+                </a:solidFill>
+                <a:latin typeface="Cascadia Code" panose="020B0609020000020004" pitchFamily="49" charset="0"/>
+                <a:cs typeface="Cascadia Code" panose="020B0609020000020004" pitchFamily="49" charset="0"/>
+              </a:rPr>
+              <a:t>.</a:t>
+            </a:r>
+            <a:r>
+              <a:rPr lang="en-US" sz="1800" dirty="0">
+                <a:solidFill>
+                  <a:srgbClr val="000000"/>
+                </a:solidFill>
+                <a:latin typeface="Cascadia Code" panose="020B0609020000020004" pitchFamily="49" charset="0"/>
+                <a:cs typeface="Cascadia Code" panose="020B0609020000020004" pitchFamily="49" charset="0"/>
+              </a:rPr>
+              <a:t>Table_1</a:t>
+            </a:r>
+          </a:p>
+          <a:p>
+            <a:r>
+              <a:rPr lang="en-US" sz="1800" dirty="0">
+                <a:solidFill>
+                  <a:srgbClr val="0000FF"/>
+                </a:solidFill>
+                <a:highlight>
+                  <a:srgbClr val="FFFF00"/>
+                </a:highlight>
+                <a:latin typeface="Cascadia Code" panose="020B0609020000020004" pitchFamily="49" charset="0"/>
+                <a:cs typeface="Cascadia Code" panose="020B0609020000020004" pitchFamily="49" charset="0"/>
+              </a:rPr>
+              <a:t>WHERE</a:t>
+            </a:r>
+            <a:r>
+              <a:rPr lang="en-US" sz="1800" dirty="0">
+                <a:solidFill>
+                  <a:srgbClr val="000000"/>
+                </a:solidFill>
+                <a:highlight>
+                  <a:srgbClr val="FFFF00"/>
+                </a:highlight>
+                <a:latin typeface="Cascadia Code" panose="020B0609020000020004" pitchFamily="49" charset="0"/>
+                <a:cs typeface="Cascadia Code" panose="020B0609020000020004" pitchFamily="49" charset="0"/>
+              </a:rPr>
+              <a:t> Column1 </a:t>
+            </a:r>
+            <a:r>
+              <a:rPr lang="en-US" sz="1800" dirty="0">
+                <a:solidFill>
+                  <a:srgbClr val="808080"/>
+                </a:solidFill>
+                <a:highlight>
+                  <a:srgbClr val="FFFF00"/>
+                </a:highlight>
+                <a:latin typeface="Cascadia Code" panose="020B0609020000020004" pitchFamily="49" charset="0"/>
+                <a:cs typeface="Cascadia Code" panose="020B0609020000020004" pitchFamily="49" charset="0"/>
+              </a:rPr>
+              <a:t>LIKE</a:t>
+            </a:r>
+            <a:r>
+              <a:rPr lang="en-US" sz="1800" dirty="0">
+                <a:solidFill>
+                  <a:srgbClr val="000000"/>
+                </a:solidFill>
+                <a:highlight>
+                  <a:srgbClr val="FFFF00"/>
+                </a:highlight>
+                <a:latin typeface="Cascadia Code" panose="020B0609020000020004" pitchFamily="49" charset="0"/>
+                <a:cs typeface="Cascadia Code" panose="020B0609020000020004" pitchFamily="49" charset="0"/>
+              </a:rPr>
+              <a:t> </a:t>
+            </a:r>
+            <a:r>
+              <a:rPr lang="en-US" sz="1800" dirty="0">
+                <a:solidFill>
+                  <a:srgbClr val="FF0000"/>
+                </a:solidFill>
+                <a:highlight>
+                  <a:srgbClr val="FFFF00"/>
+                </a:highlight>
+                <a:latin typeface="Cascadia Code" panose="020B0609020000020004" pitchFamily="49" charset="0"/>
+                <a:cs typeface="Cascadia Code" panose="020B0609020000020004" pitchFamily="49" charset="0"/>
+              </a:rPr>
+              <a:t>'__%'</a:t>
+            </a:r>
+            <a:endParaRPr lang="en-US" sz="1800" dirty="0">
+              <a:solidFill>
+                <a:srgbClr val="000000"/>
+              </a:solidFill>
+              <a:highlight>
+                <a:srgbClr val="FFFF00"/>
+              </a:highlight>
+              <a:latin typeface="Cascadia Code" panose="020B0609020000020004" pitchFamily="49" charset="0"/>
+              <a:cs typeface="Cascadia Code" panose="020B0609020000020004" pitchFamily="49" charset="0"/>
+            </a:endParaRPr>
+          </a:p>
+          <a:p>
+            <a:r>
+              <a:rPr lang="en-US" sz="1800" dirty="0">
+                <a:solidFill>
+                  <a:srgbClr val="0000FF"/>
+                </a:solidFill>
+                <a:latin typeface="Cascadia Code" panose="020B0609020000020004" pitchFamily="49" charset="0"/>
+                <a:cs typeface="Cascadia Code" panose="020B0609020000020004" pitchFamily="49" charset="0"/>
+              </a:rPr>
+              <a:t>ORDER</a:t>
+            </a:r>
+            <a:r>
+              <a:rPr lang="en-US" sz="1800" dirty="0">
+                <a:solidFill>
+                  <a:srgbClr val="000000"/>
+                </a:solidFill>
+                <a:latin typeface="Cascadia Code" panose="020B0609020000020004" pitchFamily="49" charset="0"/>
+                <a:cs typeface="Cascadia Code" panose="020B0609020000020004" pitchFamily="49" charset="0"/>
+              </a:rPr>
+              <a:t> </a:t>
+            </a:r>
+            <a:r>
+              <a:rPr lang="en-US" sz="1800" dirty="0">
+                <a:solidFill>
+                  <a:srgbClr val="0000FF"/>
+                </a:solidFill>
+                <a:latin typeface="Cascadia Code" panose="020B0609020000020004" pitchFamily="49" charset="0"/>
+                <a:cs typeface="Cascadia Code" panose="020B0609020000020004" pitchFamily="49" charset="0"/>
+              </a:rPr>
+              <a:t>BY</a:t>
+            </a:r>
+            <a:r>
+              <a:rPr lang="en-US" sz="1800" dirty="0">
+                <a:solidFill>
+                  <a:srgbClr val="000000"/>
+                </a:solidFill>
+                <a:latin typeface="Cascadia Code" panose="020B0609020000020004" pitchFamily="49" charset="0"/>
+                <a:cs typeface="Cascadia Code" panose="020B0609020000020004" pitchFamily="49" charset="0"/>
+              </a:rPr>
+              <a:t> </a:t>
+            </a:r>
+            <a:r>
+              <a:rPr lang="en-US" sz="1800" dirty="0">
+                <a:solidFill>
+                  <a:srgbClr val="FF00FF"/>
+                </a:solidFill>
+                <a:latin typeface="Cascadia Code" panose="020B0609020000020004" pitchFamily="49" charset="0"/>
+                <a:cs typeface="Cascadia Code" panose="020B0609020000020004" pitchFamily="49" charset="0"/>
+              </a:rPr>
+              <a:t>NEWID</a:t>
+            </a:r>
+            <a:r>
+              <a:rPr lang="en-US" sz="1800" dirty="0">
+                <a:solidFill>
+                  <a:srgbClr val="808080"/>
+                </a:solidFill>
+                <a:latin typeface="Cascadia Code" panose="020B0609020000020004" pitchFamily="49" charset="0"/>
+                <a:cs typeface="Cascadia Code" panose="020B0609020000020004" pitchFamily="49" charset="0"/>
+              </a:rPr>
+              <a:t>()</a:t>
+            </a:r>
+            <a:r>
+              <a:rPr lang="en-US" sz="1800" dirty="0">
+                <a:solidFill>
+                  <a:srgbClr val="000000"/>
+                </a:solidFill>
+                <a:latin typeface="Cascadia Code" panose="020B0609020000020004" pitchFamily="49" charset="0"/>
+                <a:cs typeface="Cascadia Code" panose="020B0609020000020004" pitchFamily="49" charset="0"/>
+              </a:rPr>
+              <a:t> </a:t>
+            </a:r>
+            <a:r>
+              <a:rPr lang="en-US" sz="1800" dirty="0">
+                <a:solidFill>
+                  <a:srgbClr val="008000"/>
+                </a:solidFill>
+                <a:latin typeface="Cascadia Code" panose="020B0609020000020004" pitchFamily="49" charset="0"/>
+                <a:cs typeface="Cascadia Code" panose="020B0609020000020004" pitchFamily="49" charset="0"/>
+              </a:rPr>
+              <a:t>-- randomizer</a:t>
+            </a:r>
+            <a:endParaRPr lang="en-US" sz="1600" dirty="0">
+              <a:solidFill>
+                <a:srgbClr val="FF0000"/>
+              </a:solidFill>
+              <a:latin typeface="Cascadia Code" panose="020B0609020000020004" pitchFamily="49" charset="0"/>
+              <a:cs typeface="Cascadia Code" panose="020B0609020000020004" pitchFamily="49" charset="0"/>
+            </a:endParaRPr>
+          </a:p>
         </p:txBody>
       </p:sp>
+      <p:pic>
+        <p:nvPicPr>
+          <p:cNvPr id="3" name="Picture 2">
+            <a:extLst>
+              <a:ext uri="{FF2B5EF4-FFF2-40B4-BE49-F238E27FC236}">
+                <a16:creationId xmlns:a16="http://schemas.microsoft.com/office/drawing/2014/main" id="{C1432EC9-2C9D-8496-5D48-EA3BD4941C06}"/>
+              </a:ext>
+            </a:extLst>
+          </p:cNvPr>
+          <p:cNvPicPr>
+            <a:picLocks noChangeAspect="1"/>
+          </p:cNvPicPr>
+          <p:nvPr/>
+        </p:nvPicPr>
+        <p:blipFill>
+          <a:blip r:embed="rId3"/>
+          <a:stretch>
+            <a:fillRect/>
+          </a:stretch>
+        </p:blipFill>
+        <p:spPr>
+          <a:xfrm>
+            <a:off x="7672187" y="1836843"/>
+            <a:ext cx="2295525" cy="1419225"/>
+          </a:xfrm>
+          <a:prstGeom prst="rect">
+            <a:avLst/>
+          </a:prstGeom>
+        </p:spPr>
+      </p:pic>
+      <p:pic>
+        <p:nvPicPr>
+          <p:cNvPr id="7" name="Picture 6">
+            <a:extLst>
+              <a:ext uri="{FF2B5EF4-FFF2-40B4-BE49-F238E27FC236}">
+                <a16:creationId xmlns:a16="http://schemas.microsoft.com/office/drawing/2014/main" id="{F329E05E-DE1C-CDD8-D5E1-F1B0187A59E1}"/>
+              </a:ext>
+            </a:extLst>
+          </p:cNvPr>
+          <p:cNvPicPr>
+            <a:picLocks noChangeAspect="1"/>
+          </p:cNvPicPr>
+          <p:nvPr/>
+        </p:nvPicPr>
+        <p:blipFill>
+          <a:blip r:embed="rId4"/>
+          <a:stretch>
+            <a:fillRect/>
+          </a:stretch>
+        </p:blipFill>
+        <p:spPr>
+          <a:xfrm>
+            <a:off x="7643612" y="3532974"/>
+            <a:ext cx="2324100" cy="1466850"/>
+          </a:xfrm>
+          <a:prstGeom prst="rect">
+            <a:avLst/>
+          </a:prstGeom>
+        </p:spPr>
+      </p:pic>
+      <p:pic>
+        <p:nvPicPr>
+          <p:cNvPr id="9" name="Picture 8">
+            <a:extLst>
+              <a:ext uri="{FF2B5EF4-FFF2-40B4-BE49-F238E27FC236}">
+                <a16:creationId xmlns:a16="http://schemas.microsoft.com/office/drawing/2014/main" id="{78D66C38-993B-D4BB-1053-E2B16FF8BD05}"/>
+              </a:ext>
+            </a:extLst>
+          </p:cNvPr>
+          <p:cNvPicPr>
+            <a:picLocks noChangeAspect="1"/>
+          </p:cNvPicPr>
+          <p:nvPr/>
+        </p:nvPicPr>
+        <p:blipFill>
+          <a:blip r:embed="rId5"/>
+          <a:stretch>
+            <a:fillRect/>
+          </a:stretch>
+        </p:blipFill>
+        <p:spPr>
+          <a:xfrm>
+            <a:off x="7643612" y="5154679"/>
+            <a:ext cx="2352675" cy="1438275"/>
+          </a:xfrm>
+          <a:prstGeom prst="rect">
+            <a:avLst/>
+          </a:prstGeom>
+        </p:spPr>
+      </p:pic>
     </p:spTree>
     <p:extLst>
       <p:ext uri="{BB962C8B-B14F-4D97-AF65-F5344CB8AC3E}">
